--- a/Engage_Lesson4/lesson4_climate_slides.pptx
+++ b/Engage_Lesson4/lesson4_climate_slides.pptx
@@ -5,20 +5,21 @@
     <p:sldMasterId id="2147483725" r:id="rId1"/>
   </p:sldMasterIdLst>
   <p:notesMasterIdLst>
-    <p:notesMasterId r:id="rId13"/>
+    <p:notesMasterId r:id="rId14"/>
   </p:notesMasterIdLst>
   <p:sldIdLst>
     <p:sldId id="256" r:id="rId2"/>
-    <p:sldId id="257" r:id="rId3"/>
-    <p:sldId id="266" r:id="rId4"/>
-    <p:sldId id="258" r:id="rId5"/>
-    <p:sldId id="267" r:id="rId6"/>
-    <p:sldId id="260" r:id="rId7"/>
-    <p:sldId id="262" r:id="rId8"/>
-    <p:sldId id="261" r:id="rId9"/>
-    <p:sldId id="263" r:id="rId10"/>
-    <p:sldId id="264" r:id="rId11"/>
-    <p:sldId id="265" r:id="rId12"/>
+    <p:sldId id="269" r:id="rId3"/>
+    <p:sldId id="257" r:id="rId4"/>
+    <p:sldId id="266" r:id="rId5"/>
+    <p:sldId id="258" r:id="rId6"/>
+    <p:sldId id="267" r:id="rId7"/>
+    <p:sldId id="260" r:id="rId8"/>
+    <p:sldId id="262" r:id="rId9"/>
+    <p:sldId id="261" r:id="rId10"/>
+    <p:sldId id="263" r:id="rId11"/>
+    <p:sldId id="264" r:id="rId12"/>
+    <p:sldId id="265" r:id="rId13"/>
   </p:sldIdLst>
   <p:sldSz cx="12192000" cy="6858000"/>
   <p:notesSz cx="6858000" cy="9144000"/>
@@ -126,7 +127,7 @@
 </file>
 
 <file path=ppt/diagrams/colors1.xml><?xml version="1.0" encoding="utf-8"?>
-<dgm:colorsDef xmlns:dgm="http://schemas.openxmlformats.org/drawingml/2006/diagram" xmlns:a="http://schemas.openxmlformats.org/drawingml/2006/main" uniqueId="urn:microsoft.com/office/officeart/2018/5/colors/Iconchunking_neutralicon_colorful1">
+<dgm:colorsDef xmlns:dgm="http://schemas.openxmlformats.org/drawingml/2006/diagram" xmlns:a="http://schemas.openxmlformats.org/drawingml/2006/main" uniqueId="urn:microsoft.com/office/officeart/2018/5/colors/Iconchunking_neutralbg_colorful1">
   <dgm:title val=""/>
   <dgm:desc val=""/>
   <dgm:catLst>
@@ -146,7 +147,11 @@
   </dgm:styleLbl>
   <dgm:styleLbl name="node1">
     <dgm:fillClrLst meth="repeat">
-      <a:schemeClr val="bg1"/>
+      <a:schemeClr val="accent2"/>
+      <a:schemeClr val="accent3"/>
+      <a:schemeClr val="accent4"/>
+      <a:schemeClr val="accent5"/>
+      <a:schemeClr val="accent6"/>
     </dgm:fillClrLst>
     <dgm:linClrLst meth="repeat">
       <a:schemeClr val="lt1">
@@ -155,9 +160,7 @@
     </dgm:linClrLst>
     <dgm:effectClrLst/>
     <dgm:txLinClrLst/>
-    <dgm:txFillClrLst meth="repeat">
-      <a:schemeClr val="dk1"/>
-    </dgm:txFillClrLst>
+    <dgm:txFillClrLst/>
     <dgm:txEffectClrLst/>
   </dgm:styleLbl>
   <dgm:styleLbl name="alignNode1">
@@ -960,20 +963,18 @@
   </dgm:styleLbl>
   <dgm:styleLbl name="bgShp">
     <dgm:fillClrLst meth="repeat">
-      <a:schemeClr val="accent2"/>
-      <a:schemeClr val="accent3"/>
-      <a:schemeClr val="accent4"/>
-      <a:schemeClr val="accent5"/>
-      <a:schemeClr val="accent6"/>
+      <a:schemeClr val="bg1">
+        <a:lumMod val="95000"/>
+      </a:schemeClr>
     </dgm:fillClrLst>
     <dgm:linClrLst meth="repeat">
-      <a:schemeClr val="lt1">
-        <a:alpha val="0"/>
-      </a:schemeClr>
+      <a:schemeClr val="dk1"/>
     </dgm:linClrLst>
     <dgm:effectClrLst/>
     <dgm:txLinClrLst/>
-    <dgm:txFillClrLst/>
+    <dgm:txFillClrLst meth="repeat">
+      <a:schemeClr val="dk1"/>
+    </dgm:txFillClrLst>
     <dgm:txEffectClrLst/>
   </dgm:styleLbl>
   <dgm:styleLbl name="dkBgShp">
@@ -1046,7 +1047,2451 @@
 </dgm:colorsDef>
 </file>
 
+<file path=ppt/diagrams/colors2.xml><?xml version="1.0" encoding="utf-8"?>
+<dgm:colorsDef xmlns:dgm="http://schemas.openxmlformats.org/drawingml/2006/diagram" xmlns:a="http://schemas.openxmlformats.org/drawingml/2006/main" uniqueId="urn:microsoft.com/office/officeart/2005/8/colors/colorful1">
+  <dgm:title val=""/>
+  <dgm:desc val=""/>
+  <dgm:catLst>
+    <dgm:cat type="colorful" pri="10100"/>
+  </dgm:catLst>
+  <dgm:styleLbl name="node0">
+    <dgm:fillClrLst meth="repeat">
+      <a:schemeClr val="accent1"/>
+    </dgm:fillClrLst>
+    <dgm:linClrLst meth="repeat">
+      <a:schemeClr val="lt1"/>
+    </dgm:linClrLst>
+    <dgm:effectClrLst/>
+    <dgm:txLinClrLst/>
+    <dgm:txFillClrLst/>
+    <dgm:txEffectClrLst/>
+  </dgm:styleLbl>
+  <dgm:styleLbl name="node1">
+    <dgm:fillClrLst meth="repeat">
+      <a:schemeClr val="accent2"/>
+      <a:schemeClr val="accent3"/>
+      <a:schemeClr val="accent4"/>
+      <a:schemeClr val="accent5"/>
+      <a:schemeClr val="accent6"/>
+    </dgm:fillClrLst>
+    <dgm:linClrLst meth="repeat">
+      <a:schemeClr val="lt1"/>
+    </dgm:linClrLst>
+    <dgm:effectClrLst/>
+    <dgm:txLinClrLst/>
+    <dgm:txFillClrLst/>
+    <dgm:txEffectClrLst/>
+  </dgm:styleLbl>
+  <dgm:styleLbl name="alignNode1">
+    <dgm:fillClrLst meth="repeat">
+      <a:schemeClr val="accent2"/>
+      <a:schemeClr val="accent3"/>
+      <a:schemeClr val="accent4"/>
+      <a:schemeClr val="accent5"/>
+      <a:schemeClr val="accent6"/>
+    </dgm:fillClrLst>
+    <dgm:linClrLst meth="repeat">
+      <a:schemeClr val="accent2"/>
+      <a:schemeClr val="accent3"/>
+      <a:schemeClr val="accent4"/>
+      <a:schemeClr val="accent5"/>
+      <a:schemeClr val="accent6"/>
+    </dgm:linClrLst>
+    <dgm:effectClrLst/>
+    <dgm:txLinClrLst/>
+    <dgm:txFillClrLst/>
+    <dgm:txEffectClrLst/>
+  </dgm:styleLbl>
+  <dgm:styleLbl name="lnNode1">
+    <dgm:fillClrLst meth="repeat">
+      <a:schemeClr val="accent2"/>
+      <a:schemeClr val="accent3"/>
+      <a:schemeClr val="accent4"/>
+      <a:schemeClr val="accent5"/>
+      <a:schemeClr val="accent6"/>
+    </dgm:fillClrLst>
+    <dgm:linClrLst meth="repeat">
+      <a:schemeClr val="lt1"/>
+    </dgm:linClrLst>
+    <dgm:effectClrLst/>
+    <dgm:txLinClrLst/>
+    <dgm:txFillClrLst/>
+    <dgm:txEffectClrLst/>
+  </dgm:styleLbl>
+  <dgm:styleLbl name="vennNode1">
+    <dgm:fillClrLst meth="repeat">
+      <a:schemeClr val="accent2">
+        <a:alpha val="50000"/>
+      </a:schemeClr>
+      <a:schemeClr val="accent3">
+        <a:alpha val="50000"/>
+      </a:schemeClr>
+      <a:schemeClr val="accent4">
+        <a:alpha val="50000"/>
+      </a:schemeClr>
+      <a:schemeClr val="accent5">
+        <a:alpha val="50000"/>
+      </a:schemeClr>
+      <a:schemeClr val="accent6">
+        <a:alpha val="50000"/>
+      </a:schemeClr>
+    </dgm:fillClrLst>
+    <dgm:linClrLst meth="repeat">
+      <a:schemeClr val="lt1"/>
+    </dgm:linClrLst>
+    <dgm:effectClrLst/>
+    <dgm:txLinClrLst/>
+    <dgm:txFillClrLst/>
+    <dgm:txEffectClrLst/>
+  </dgm:styleLbl>
+  <dgm:styleLbl name="node2">
+    <dgm:fillClrLst>
+      <a:schemeClr val="accent2"/>
+    </dgm:fillClrLst>
+    <dgm:linClrLst meth="repeat">
+      <a:schemeClr val="lt1"/>
+    </dgm:linClrLst>
+    <dgm:effectClrLst/>
+    <dgm:txLinClrLst/>
+    <dgm:txFillClrLst/>
+    <dgm:txEffectClrLst/>
+  </dgm:styleLbl>
+  <dgm:styleLbl name="node3">
+    <dgm:fillClrLst>
+      <a:schemeClr val="accent3"/>
+    </dgm:fillClrLst>
+    <dgm:linClrLst meth="repeat">
+      <a:schemeClr val="lt1"/>
+    </dgm:linClrLst>
+    <dgm:effectClrLst/>
+    <dgm:txLinClrLst/>
+    <dgm:txFillClrLst/>
+    <dgm:txEffectClrLst/>
+  </dgm:styleLbl>
+  <dgm:styleLbl name="node4">
+    <dgm:fillClrLst>
+      <a:schemeClr val="accent4"/>
+    </dgm:fillClrLst>
+    <dgm:linClrLst meth="repeat">
+      <a:schemeClr val="lt1"/>
+    </dgm:linClrLst>
+    <dgm:effectClrLst/>
+    <dgm:txLinClrLst/>
+    <dgm:txFillClrLst/>
+    <dgm:txEffectClrLst/>
+  </dgm:styleLbl>
+  <dgm:styleLbl name="fgImgPlace1">
+    <dgm:fillClrLst meth="repeat">
+      <a:schemeClr val="accent2">
+        <a:tint val="50000"/>
+      </a:schemeClr>
+      <a:schemeClr val="accent3">
+        <a:tint val="50000"/>
+      </a:schemeClr>
+      <a:schemeClr val="accent4">
+        <a:tint val="50000"/>
+      </a:schemeClr>
+      <a:schemeClr val="accent5">
+        <a:tint val="50000"/>
+      </a:schemeClr>
+      <a:schemeClr val="accent6">
+        <a:tint val="50000"/>
+      </a:schemeClr>
+    </dgm:fillClrLst>
+    <dgm:linClrLst meth="repeat">
+      <a:schemeClr val="lt1"/>
+    </dgm:linClrLst>
+    <dgm:effectClrLst/>
+    <dgm:txLinClrLst/>
+    <dgm:txFillClrLst meth="repeat">
+      <a:schemeClr val="lt1"/>
+    </dgm:txFillClrLst>
+    <dgm:txEffectClrLst/>
+  </dgm:styleLbl>
+  <dgm:styleLbl name="alignImgPlace1">
+    <dgm:fillClrLst>
+      <a:schemeClr val="accent1">
+        <a:tint val="50000"/>
+      </a:schemeClr>
+      <a:schemeClr val="accent2">
+        <a:tint val="20000"/>
+      </a:schemeClr>
+    </dgm:fillClrLst>
+    <dgm:linClrLst meth="repeat">
+      <a:schemeClr val="lt1"/>
+    </dgm:linClrLst>
+    <dgm:effectClrLst/>
+    <dgm:txLinClrLst/>
+    <dgm:txFillClrLst meth="repeat">
+      <a:schemeClr val="lt1"/>
+    </dgm:txFillClrLst>
+    <dgm:txEffectClrLst/>
+  </dgm:styleLbl>
+  <dgm:styleLbl name="bgImgPlace1">
+    <dgm:fillClrLst>
+      <a:schemeClr val="accent1">
+        <a:tint val="50000"/>
+      </a:schemeClr>
+      <a:schemeClr val="accent2">
+        <a:tint val="20000"/>
+      </a:schemeClr>
+    </dgm:fillClrLst>
+    <dgm:linClrLst meth="repeat">
+      <a:schemeClr val="lt1"/>
+    </dgm:linClrLst>
+    <dgm:effectClrLst/>
+    <dgm:txLinClrLst/>
+    <dgm:txFillClrLst meth="repeat">
+      <a:schemeClr val="lt1"/>
+    </dgm:txFillClrLst>
+    <dgm:txEffectClrLst/>
+  </dgm:styleLbl>
+  <dgm:styleLbl name="sibTrans2D1">
+    <dgm:fillClrLst meth="repeat">
+      <a:schemeClr val="accent2"/>
+      <a:schemeClr val="accent3"/>
+      <a:schemeClr val="accent4"/>
+      <a:schemeClr val="accent5"/>
+      <a:schemeClr val="accent6"/>
+    </dgm:fillClrLst>
+    <dgm:linClrLst meth="cycle">
+      <a:schemeClr val="lt1"/>
+    </dgm:linClrLst>
+    <dgm:effectClrLst/>
+    <dgm:txLinClrLst/>
+    <dgm:txFillClrLst/>
+    <dgm:txEffectClrLst/>
+  </dgm:styleLbl>
+  <dgm:styleLbl name="fgSibTrans2D1">
+    <dgm:fillClrLst meth="repeat">
+      <a:schemeClr val="accent2"/>
+      <a:schemeClr val="accent3"/>
+      <a:schemeClr val="accent4"/>
+      <a:schemeClr val="accent5"/>
+      <a:schemeClr val="accent6"/>
+    </dgm:fillClrLst>
+    <dgm:linClrLst meth="cycle">
+      <a:schemeClr val="lt1"/>
+    </dgm:linClrLst>
+    <dgm:effectClrLst/>
+    <dgm:txLinClrLst/>
+    <dgm:txFillClrLst meth="repeat">
+      <a:schemeClr val="lt1"/>
+    </dgm:txFillClrLst>
+    <dgm:txEffectClrLst/>
+  </dgm:styleLbl>
+  <dgm:styleLbl name="bgSibTrans2D1">
+    <dgm:fillClrLst meth="repeat">
+      <a:schemeClr val="accent2"/>
+      <a:schemeClr val="accent3"/>
+      <a:schemeClr val="accent4"/>
+      <a:schemeClr val="accent5"/>
+      <a:schemeClr val="accent6"/>
+    </dgm:fillClrLst>
+    <dgm:linClrLst meth="cycle">
+      <a:schemeClr val="lt1"/>
+    </dgm:linClrLst>
+    <dgm:effectClrLst/>
+    <dgm:txLinClrLst/>
+    <dgm:txFillClrLst meth="repeat">
+      <a:schemeClr val="lt1"/>
+    </dgm:txFillClrLst>
+    <dgm:txEffectClrLst/>
+  </dgm:styleLbl>
+  <dgm:styleLbl name="sibTrans1D1">
+    <dgm:fillClrLst meth="repeat">
+      <a:schemeClr val="accent2"/>
+      <a:schemeClr val="accent3"/>
+      <a:schemeClr val="accent4"/>
+      <a:schemeClr val="accent5"/>
+      <a:schemeClr val="accent6"/>
+    </dgm:fillClrLst>
+    <dgm:linClrLst meth="repeat">
+      <a:schemeClr val="accent2"/>
+      <a:schemeClr val="accent3"/>
+      <a:schemeClr val="accent4"/>
+      <a:schemeClr val="accent5"/>
+      <a:schemeClr val="accent6"/>
+    </dgm:linClrLst>
+    <dgm:effectClrLst/>
+    <dgm:txLinClrLst/>
+    <dgm:txFillClrLst meth="repeat">
+      <a:schemeClr val="tx1"/>
+    </dgm:txFillClrLst>
+    <dgm:txEffectClrLst/>
+  </dgm:styleLbl>
+  <dgm:styleLbl name="callout">
+    <dgm:fillClrLst meth="repeat">
+      <a:schemeClr val="accent2"/>
+    </dgm:fillClrLst>
+    <dgm:linClrLst meth="repeat">
+      <a:schemeClr val="accent2">
+        <a:tint val="50000"/>
+      </a:schemeClr>
+    </dgm:linClrLst>
+    <dgm:effectClrLst/>
+    <dgm:txLinClrLst/>
+    <dgm:txFillClrLst meth="repeat">
+      <a:schemeClr val="tx1"/>
+    </dgm:txFillClrLst>
+    <dgm:txEffectClrLst/>
+  </dgm:styleLbl>
+  <dgm:styleLbl name="asst0">
+    <dgm:fillClrLst meth="repeat">
+      <a:schemeClr val="accent1"/>
+    </dgm:fillClrLst>
+    <dgm:linClrLst meth="repeat">
+      <a:schemeClr val="lt1"/>
+    </dgm:linClrLst>
+    <dgm:effectClrLst/>
+    <dgm:txLinClrLst/>
+    <dgm:txFillClrLst/>
+    <dgm:txEffectClrLst/>
+  </dgm:styleLbl>
+  <dgm:styleLbl name="asst1">
+    <dgm:fillClrLst meth="repeat">
+      <a:schemeClr val="accent2"/>
+    </dgm:fillClrLst>
+    <dgm:linClrLst meth="repeat">
+      <a:schemeClr val="lt1"/>
+    </dgm:linClrLst>
+    <dgm:effectClrLst/>
+    <dgm:txLinClrLst/>
+    <dgm:txFillClrLst/>
+    <dgm:txEffectClrLst/>
+  </dgm:styleLbl>
+  <dgm:styleLbl name="asst2">
+    <dgm:fillClrLst>
+      <a:schemeClr val="accent3"/>
+    </dgm:fillClrLst>
+    <dgm:linClrLst meth="repeat">
+      <a:schemeClr val="lt1"/>
+    </dgm:linClrLst>
+    <dgm:effectClrLst/>
+    <dgm:txLinClrLst/>
+    <dgm:txFillClrLst/>
+    <dgm:txEffectClrLst/>
+  </dgm:styleLbl>
+  <dgm:styleLbl name="asst3">
+    <dgm:fillClrLst>
+      <a:schemeClr val="accent4"/>
+    </dgm:fillClrLst>
+    <dgm:linClrLst meth="repeat">
+      <a:schemeClr val="lt1"/>
+    </dgm:linClrLst>
+    <dgm:effectClrLst/>
+    <dgm:txLinClrLst/>
+    <dgm:txFillClrLst/>
+    <dgm:txEffectClrLst/>
+  </dgm:styleLbl>
+  <dgm:styleLbl name="asst4">
+    <dgm:fillClrLst>
+      <a:schemeClr val="accent5"/>
+    </dgm:fillClrLst>
+    <dgm:linClrLst meth="repeat">
+      <a:schemeClr val="lt1"/>
+    </dgm:linClrLst>
+    <dgm:effectClrLst/>
+    <dgm:txLinClrLst/>
+    <dgm:txFillClrLst/>
+    <dgm:txEffectClrLst/>
+  </dgm:styleLbl>
+  <dgm:styleLbl name="parChTrans2D1">
+    <dgm:fillClrLst meth="repeat">
+      <a:schemeClr val="accent2"/>
+    </dgm:fillClrLst>
+    <dgm:linClrLst meth="repeat">
+      <a:schemeClr val="lt1"/>
+    </dgm:linClrLst>
+    <dgm:effectClrLst/>
+    <dgm:txLinClrLst/>
+    <dgm:txFillClrLst meth="repeat">
+      <a:schemeClr val="lt1"/>
+    </dgm:txFillClrLst>
+    <dgm:txEffectClrLst/>
+  </dgm:styleLbl>
+  <dgm:styleLbl name="parChTrans2D2">
+    <dgm:fillClrLst meth="repeat">
+      <a:schemeClr val="accent3"/>
+    </dgm:fillClrLst>
+    <dgm:linClrLst meth="repeat">
+      <a:schemeClr val="lt1"/>
+    </dgm:linClrLst>
+    <dgm:effectClrLst/>
+    <dgm:txLinClrLst/>
+    <dgm:txFillClrLst/>
+    <dgm:txEffectClrLst/>
+  </dgm:styleLbl>
+  <dgm:styleLbl name="parChTrans2D3">
+    <dgm:fillClrLst meth="repeat">
+      <a:schemeClr val="accent4"/>
+    </dgm:fillClrLst>
+    <dgm:linClrLst meth="repeat">
+      <a:schemeClr val="lt1"/>
+    </dgm:linClrLst>
+    <dgm:effectClrLst/>
+    <dgm:txLinClrLst/>
+    <dgm:txFillClrLst/>
+    <dgm:txEffectClrLst/>
+  </dgm:styleLbl>
+  <dgm:styleLbl name="parChTrans2D4">
+    <dgm:fillClrLst meth="repeat">
+      <a:schemeClr val="accent5"/>
+    </dgm:fillClrLst>
+    <dgm:linClrLst meth="repeat">
+      <a:schemeClr val="lt1"/>
+    </dgm:linClrLst>
+    <dgm:effectClrLst/>
+    <dgm:txLinClrLst/>
+    <dgm:txFillClrLst meth="repeat">
+      <a:schemeClr val="lt1"/>
+    </dgm:txFillClrLst>
+    <dgm:txEffectClrLst/>
+  </dgm:styleLbl>
+  <dgm:styleLbl name="parChTrans1D1">
+    <dgm:fillClrLst meth="repeat">
+      <a:schemeClr val="accent2"/>
+    </dgm:fillClrLst>
+    <dgm:linClrLst meth="repeat">
+      <a:schemeClr val="accent1"/>
+    </dgm:linClrLst>
+    <dgm:effectClrLst/>
+    <dgm:txLinClrLst/>
+    <dgm:txFillClrLst meth="repeat">
+      <a:schemeClr val="tx1"/>
+    </dgm:txFillClrLst>
+    <dgm:txEffectClrLst/>
+  </dgm:styleLbl>
+  <dgm:styleLbl name="parChTrans1D2">
+    <dgm:fillClrLst meth="repeat">
+      <a:schemeClr val="accent3">
+        <a:tint val="90000"/>
+      </a:schemeClr>
+    </dgm:fillClrLst>
+    <dgm:linClrLst meth="repeat">
+      <a:schemeClr val="accent2"/>
+    </dgm:linClrLst>
+    <dgm:effectClrLst/>
+    <dgm:txLinClrLst/>
+    <dgm:txFillClrLst meth="repeat">
+      <a:schemeClr val="tx1"/>
+    </dgm:txFillClrLst>
+    <dgm:txEffectClrLst/>
+  </dgm:styleLbl>
+  <dgm:styleLbl name="parChTrans1D3">
+    <dgm:fillClrLst meth="repeat">
+      <a:schemeClr val="accent4">
+        <a:tint val="70000"/>
+      </a:schemeClr>
+    </dgm:fillClrLst>
+    <dgm:linClrLst meth="repeat">
+      <a:schemeClr val="accent3"/>
+    </dgm:linClrLst>
+    <dgm:effectClrLst/>
+    <dgm:txLinClrLst/>
+    <dgm:txFillClrLst meth="repeat">
+      <a:schemeClr val="tx1"/>
+    </dgm:txFillClrLst>
+    <dgm:txEffectClrLst/>
+  </dgm:styleLbl>
+  <dgm:styleLbl name="parChTrans1D4">
+    <dgm:fillClrLst meth="repeat">
+      <a:schemeClr val="accent5">
+        <a:tint val="50000"/>
+      </a:schemeClr>
+    </dgm:fillClrLst>
+    <dgm:linClrLst meth="repeat">
+      <a:schemeClr val="accent4"/>
+    </dgm:linClrLst>
+    <dgm:effectClrLst/>
+    <dgm:txLinClrLst/>
+    <dgm:txFillClrLst meth="repeat">
+      <a:schemeClr val="tx1"/>
+    </dgm:txFillClrLst>
+    <dgm:txEffectClrLst/>
+  </dgm:styleLbl>
+  <dgm:styleLbl name="fgAcc1">
+    <dgm:fillClrLst meth="repeat">
+      <a:schemeClr val="lt1">
+        <a:alpha val="90000"/>
+      </a:schemeClr>
+    </dgm:fillClrLst>
+    <dgm:linClrLst meth="repeat">
+      <a:schemeClr val="accent2"/>
+      <a:schemeClr val="accent3"/>
+      <a:schemeClr val="accent4"/>
+      <a:schemeClr val="accent5"/>
+      <a:schemeClr val="accent6"/>
+    </dgm:linClrLst>
+    <dgm:effectClrLst/>
+    <dgm:txLinClrLst/>
+    <dgm:txFillClrLst meth="repeat">
+      <a:schemeClr val="dk1"/>
+    </dgm:txFillClrLst>
+    <dgm:txEffectClrLst/>
+  </dgm:styleLbl>
+  <dgm:styleLbl name="conFgAcc1">
+    <dgm:fillClrLst meth="repeat">
+      <a:schemeClr val="lt1">
+        <a:alpha val="90000"/>
+      </a:schemeClr>
+    </dgm:fillClrLst>
+    <dgm:linClrLst meth="repeat">
+      <a:schemeClr val="accent2"/>
+      <a:schemeClr val="accent3"/>
+      <a:schemeClr val="accent4"/>
+      <a:schemeClr val="accent5"/>
+      <a:schemeClr val="accent6"/>
+    </dgm:linClrLst>
+    <dgm:effectClrLst/>
+    <dgm:txLinClrLst/>
+    <dgm:txFillClrLst meth="repeat">
+      <a:schemeClr val="dk1"/>
+    </dgm:txFillClrLst>
+    <dgm:txEffectClrLst/>
+  </dgm:styleLbl>
+  <dgm:styleLbl name="alignAcc1">
+    <dgm:fillClrLst meth="repeat">
+      <a:schemeClr val="lt1">
+        <a:alpha val="90000"/>
+      </a:schemeClr>
+    </dgm:fillClrLst>
+    <dgm:linClrLst meth="repeat">
+      <a:schemeClr val="accent2"/>
+      <a:schemeClr val="accent3"/>
+      <a:schemeClr val="accent4"/>
+      <a:schemeClr val="accent5"/>
+      <a:schemeClr val="accent6"/>
+    </dgm:linClrLst>
+    <dgm:effectClrLst/>
+    <dgm:txLinClrLst/>
+    <dgm:txFillClrLst meth="repeat">
+      <a:schemeClr val="dk1"/>
+    </dgm:txFillClrLst>
+    <dgm:txEffectClrLst/>
+  </dgm:styleLbl>
+  <dgm:styleLbl name="trAlignAcc1">
+    <dgm:fillClrLst meth="repeat">
+      <a:schemeClr val="lt1">
+        <a:alpha val="40000"/>
+      </a:schemeClr>
+    </dgm:fillClrLst>
+    <dgm:linClrLst meth="repeat">
+      <a:schemeClr val="accent1"/>
+    </dgm:linClrLst>
+    <dgm:effectClrLst/>
+    <dgm:txLinClrLst/>
+    <dgm:txFillClrLst meth="repeat">
+      <a:schemeClr val="dk1"/>
+    </dgm:txFillClrLst>
+    <dgm:txEffectClrLst/>
+  </dgm:styleLbl>
+  <dgm:styleLbl name="bgAcc1">
+    <dgm:fillClrLst meth="repeat">
+      <a:schemeClr val="lt1">
+        <a:alpha val="90000"/>
+      </a:schemeClr>
+    </dgm:fillClrLst>
+    <dgm:linClrLst meth="repeat">
+      <a:schemeClr val="accent2"/>
+      <a:schemeClr val="accent3"/>
+      <a:schemeClr val="accent4"/>
+      <a:schemeClr val="accent5"/>
+      <a:schemeClr val="accent6"/>
+    </dgm:linClrLst>
+    <dgm:effectClrLst/>
+    <dgm:txLinClrLst/>
+    <dgm:txFillClrLst meth="repeat">
+      <a:schemeClr val="dk1"/>
+    </dgm:txFillClrLst>
+    <dgm:txEffectClrLst/>
+  </dgm:styleLbl>
+  <dgm:styleLbl name="solidFgAcc1">
+    <dgm:fillClrLst meth="repeat">
+      <a:schemeClr val="lt1"/>
+    </dgm:fillClrLst>
+    <dgm:linClrLst meth="repeat">
+      <a:schemeClr val="accent2"/>
+      <a:schemeClr val="accent3"/>
+      <a:schemeClr val="accent4"/>
+      <a:schemeClr val="accent5"/>
+      <a:schemeClr val="accent6"/>
+    </dgm:linClrLst>
+    <dgm:effectClrLst/>
+    <dgm:txLinClrLst/>
+    <dgm:txFillClrLst meth="repeat">
+      <a:schemeClr val="dk1"/>
+    </dgm:txFillClrLst>
+    <dgm:txEffectClrLst/>
+  </dgm:styleLbl>
+  <dgm:styleLbl name="solidAlignAcc1">
+    <dgm:fillClrLst meth="repeat">
+      <a:schemeClr val="lt1"/>
+    </dgm:fillClrLst>
+    <dgm:linClrLst meth="repeat">
+      <a:schemeClr val="accent2"/>
+      <a:schemeClr val="accent3"/>
+      <a:schemeClr val="accent4"/>
+      <a:schemeClr val="accent5"/>
+      <a:schemeClr val="accent6"/>
+    </dgm:linClrLst>
+    <dgm:effectClrLst/>
+    <dgm:txLinClrLst/>
+    <dgm:txFillClrLst meth="repeat">
+      <a:schemeClr val="dk1"/>
+    </dgm:txFillClrLst>
+    <dgm:txEffectClrLst/>
+  </dgm:styleLbl>
+  <dgm:styleLbl name="solidBgAcc1">
+    <dgm:fillClrLst meth="repeat">
+      <a:schemeClr val="lt1"/>
+    </dgm:fillClrLst>
+    <dgm:linClrLst meth="repeat">
+      <a:schemeClr val="accent2"/>
+      <a:schemeClr val="accent3"/>
+      <a:schemeClr val="accent4"/>
+      <a:schemeClr val="accent5"/>
+      <a:schemeClr val="accent6"/>
+    </dgm:linClrLst>
+    <dgm:effectClrLst/>
+    <dgm:txLinClrLst/>
+    <dgm:txFillClrLst meth="repeat">
+      <a:schemeClr val="dk1"/>
+    </dgm:txFillClrLst>
+    <dgm:txEffectClrLst/>
+  </dgm:styleLbl>
+  <dgm:styleLbl name="fgAccFollowNode1">
+    <dgm:fillClrLst meth="repeat">
+      <a:schemeClr val="accent2">
+        <a:tint val="40000"/>
+        <a:alpha val="90000"/>
+      </a:schemeClr>
+      <a:schemeClr val="accent3">
+        <a:tint val="40000"/>
+        <a:alpha val="90000"/>
+      </a:schemeClr>
+      <a:schemeClr val="accent4">
+        <a:tint val="40000"/>
+        <a:alpha val="90000"/>
+      </a:schemeClr>
+      <a:schemeClr val="accent5">
+        <a:tint val="40000"/>
+        <a:alpha val="90000"/>
+      </a:schemeClr>
+      <a:schemeClr val="accent6">
+        <a:tint val="40000"/>
+        <a:alpha val="90000"/>
+      </a:schemeClr>
+    </dgm:fillClrLst>
+    <dgm:linClrLst meth="repeat">
+      <a:schemeClr val="accent2">
+        <a:tint val="40000"/>
+        <a:alpha val="90000"/>
+      </a:schemeClr>
+      <a:schemeClr val="accent3">
+        <a:tint val="40000"/>
+        <a:alpha val="90000"/>
+      </a:schemeClr>
+      <a:schemeClr val="accent4">
+        <a:tint val="40000"/>
+        <a:alpha val="90000"/>
+      </a:schemeClr>
+      <a:schemeClr val="accent5">
+        <a:tint val="40000"/>
+        <a:alpha val="90000"/>
+      </a:schemeClr>
+      <a:schemeClr val="accent6">
+        <a:tint val="40000"/>
+        <a:alpha val="90000"/>
+      </a:schemeClr>
+    </dgm:linClrLst>
+    <dgm:effectClrLst/>
+    <dgm:txLinClrLst/>
+    <dgm:txFillClrLst meth="repeat">
+      <a:schemeClr val="dk1"/>
+    </dgm:txFillClrLst>
+    <dgm:txEffectClrLst/>
+  </dgm:styleLbl>
+  <dgm:styleLbl name="alignAccFollowNode1">
+    <dgm:fillClrLst meth="repeat">
+      <a:schemeClr val="accent2">
+        <a:tint val="40000"/>
+        <a:alpha val="90000"/>
+      </a:schemeClr>
+      <a:schemeClr val="accent3">
+        <a:tint val="40000"/>
+        <a:alpha val="90000"/>
+      </a:schemeClr>
+      <a:schemeClr val="accent4">
+        <a:tint val="40000"/>
+        <a:alpha val="90000"/>
+      </a:schemeClr>
+      <a:schemeClr val="accent5">
+        <a:tint val="40000"/>
+        <a:alpha val="90000"/>
+      </a:schemeClr>
+      <a:schemeClr val="accent6">
+        <a:tint val="40000"/>
+        <a:alpha val="90000"/>
+      </a:schemeClr>
+    </dgm:fillClrLst>
+    <dgm:linClrLst meth="repeat">
+      <a:schemeClr val="accent2">
+        <a:tint val="40000"/>
+        <a:alpha val="90000"/>
+      </a:schemeClr>
+      <a:schemeClr val="accent3">
+        <a:tint val="40000"/>
+        <a:alpha val="90000"/>
+      </a:schemeClr>
+      <a:schemeClr val="accent4">
+        <a:tint val="40000"/>
+        <a:alpha val="90000"/>
+      </a:schemeClr>
+      <a:schemeClr val="accent5">
+        <a:tint val="40000"/>
+        <a:alpha val="90000"/>
+      </a:schemeClr>
+      <a:schemeClr val="accent6">
+        <a:tint val="40000"/>
+        <a:alpha val="90000"/>
+      </a:schemeClr>
+    </dgm:linClrLst>
+    <dgm:effectClrLst/>
+    <dgm:txLinClrLst/>
+    <dgm:txFillClrLst meth="repeat">
+      <a:schemeClr val="dk1"/>
+    </dgm:txFillClrLst>
+    <dgm:txEffectClrLst/>
+  </dgm:styleLbl>
+  <dgm:styleLbl name="bgAccFollowNode1">
+    <dgm:fillClrLst meth="repeat">
+      <a:schemeClr val="accent2">
+        <a:tint val="40000"/>
+        <a:alpha val="90000"/>
+      </a:schemeClr>
+      <a:schemeClr val="accent3">
+        <a:tint val="40000"/>
+        <a:alpha val="90000"/>
+      </a:schemeClr>
+      <a:schemeClr val="accent4">
+        <a:tint val="40000"/>
+        <a:alpha val="90000"/>
+      </a:schemeClr>
+      <a:schemeClr val="accent5">
+        <a:tint val="40000"/>
+        <a:alpha val="90000"/>
+      </a:schemeClr>
+      <a:schemeClr val="accent6">
+        <a:tint val="40000"/>
+        <a:alpha val="90000"/>
+      </a:schemeClr>
+    </dgm:fillClrLst>
+    <dgm:linClrLst meth="repeat">
+      <a:schemeClr val="accent2">
+        <a:tint val="40000"/>
+        <a:alpha val="90000"/>
+      </a:schemeClr>
+      <a:schemeClr val="accent3">
+        <a:tint val="40000"/>
+        <a:alpha val="90000"/>
+      </a:schemeClr>
+      <a:schemeClr val="accent4">
+        <a:tint val="40000"/>
+        <a:alpha val="90000"/>
+      </a:schemeClr>
+      <a:schemeClr val="accent5">
+        <a:tint val="40000"/>
+        <a:alpha val="90000"/>
+      </a:schemeClr>
+      <a:schemeClr val="accent6">
+        <a:tint val="40000"/>
+        <a:alpha val="90000"/>
+      </a:schemeClr>
+    </dgm:linClrLst>
+    <dgm:effectClrLst/>
+    <dgm:txLinClrLst/>
+    <dgm:txFillClrLst meth="repeat">
+      <a:schemeClr val="dk1"/>
+    </dgm:txFillClrLst>
+    <dgm:txEffectClrLst/>
+  </dgm:styleLbl>
+  <dgm:styleLbl name="fgAcc0">
+    <dgm:fillClrLst meth="repeat">
+      <a:schemeClr val="lt1">
+        <a:alpha val="90000"/>
+      </a:schemeClr>
+    </dgm:fillClrLst>
+    <dgm:linClrLst>
+      <a:schemeClr val="accent1"/>
+    </dgm:linClrLst>
+    <dgm:effectClrLst/>
+    <dgm:txLinClrLst/>
+    <dgm:txFillClrLst meth="repeat">
+      <a:schemeClr val="dk1"/>
+    </dgm:txFillClrLst>
+    <dgm:txEffectClrLst/>
+  </dgm:styleLbl>
+  <dgm:styleLbl name="fgAcc2">
+    <dgm:fillClrLst meth="repeat">
+      <a:schemeClr val="lt1">
+        <a:alpha val="90000"/>
+      </a:schemeClr>
+    </dgm:fillClrLst>
+    <dgm:linClrLst>
+      <a:schemeClr val="accent2"/>
+    </dgm:linClrLst>
+    <dgm:effectClrLst/>
+    <dgm:txLinClrLst/>
+    <dgm:txFillClrLst meth="repeat">
+      <a:schemeClr val="dk1"/>
+    </dgm:txFillClrLst>
+    <dgm:txEffectClrLst/>
+  </dgm:styleLbl>
+  <dgm:styleLbl name="fgAcc3">
+    <dgm:fillClrLst meth="repeat">
+      <a:schemeClr val="lt1">
+        <a:alpha val="90000"/>
+      </a:schemeClr>
+    </dgm:fillClrLst>
+    <dgm:linClrLst>
+      <a:schemeClr val="accent3"/>
+    </dgm:linClrLst>
+    <dgm:effectClrLst/>
+    <dgm:txLinClrLst/>
+    <dgm:txFillClrLst meth="repeat">
+      <a:schemeClr val="dk1"/>
+    </dgm:txFillClrLst>
+    <dgm:txEffectClrLst/>
+  </dgm:styleLbl>
+  <dgm:styleLbl name="fgAcc4">
+    <dgm:fillClrLst meth="repeat">
+      <a:schemeClr val="lt1">
+        <a:alpha val="90000"/>
+      </a:schemeClr>
+    </dgm:fillClrLst>
+    <dgm:linClrLst>
+      <a:schemeClr val="accent4"/>
+    </dgm:linClrLst>
+    <dgm:effectClrLst/>
+    <dgm:txLinClrLst/>
+    <dgm:txFillClrLst meth="repeat">
+      <a:schemeClr val="dk1"/>
+    </dgm:txFillClrLst>
+    <dgm:txEffectClrLst/>
+  </dgm:styleLbl>
+  <dgm:styleLbl name="bgShp">
+    <dgm:fillClrLst meth="repeat">
+      <a:schemeClr val="accent2">
+        <a:tint val="40000"/>
+      </a:schemeClr>
+    </dgm:fillClrLst>
+    <dgm:linClrLst meth="repeat">
+      <a:schemeClr val="dk1"/>
+    </dgm:linClrLst>
+    <dgm:effectClrLst/>
+    <dgm:txLinClrLst/>
+    <dgm:txFillClrLst meth="repeat">
+      <a:schemeClr val="dk1"/>
+    </dgm:txFillClrLst>
+    <dgm:txEffectClrLst/>
+  </dgm:styleLbl>
+  <dgm:styleLbl name="dkBgShp">
+    <dgm:fillClrLst meth="repeat">
+      <a:schemeClr val="accent2">
+        <a:shade val="90000"/>
+      </a:schemeClr>
+    </dgm:fillClrLst>
+    <dgm:linClrLst meth="repeat">
+      <a:schemeClr val="dk1"/>
+    </dgm:linClrLst>
+    <dgm:effectClrLst/>
+    <dgm:txLinClrLst/>
+    <dgm:txFillClrLst meth="repeat">
+      <a:schemeClr val="lt1"/>
+    </dgm:txFillClrLst>
+    <dgm:txEffectClrLst/>
+  </dgm:styleLbl>
+  <dgm:styleLbl name="trBgShp">
+    <dgm:fillClrLst meth="repeat">
+      <a:schemeClr val="accent1">
+        <a:tint val="50000"/>
+        <a:alpha val="40000"/>
+      </a:schemeClr>
+    </dgm:fillClrLst>
+    <dgm:linClrLst meth="repeat">
+      <a:schemeClr val="accent2"/>
+    </dgm:linClrLst>
+    <dgm:effectClrLst/>
+    <dgm:txLinClrLst/>
+    <dgm:txFillClrLst meth="repeat">
+      <a:schemeClr val="lt1"/>
+    </dgm:txFillClrLst>
+    <dgm:txEffectClrLst/>
+  </dgm:styleLbl>
+  <dgm:styleLbl name="fgShp">
+    <dgm:fillClrLst meth="repeat">
+      <a:schemeClr val="accent2">
+        <a:tint val="40000"/>
+      </a:schemeClr>
+    </dgm:fillClrLst>
+    <dgm:linClrLst meth="repeat">
+      <a:schemeClr val="lt1"/>
+    </dgm:linClrLst>
+    <dgm:effectClrLst/>
+    <dgm:txLinClrLst/>
+    <dgm:txFillClrLst meth="repeat">
+      <a:schemeClr val="dk1"/>
+    </dgm:txFillClrLst>
+    <dgm:txEffectClrLst/>
+  </dgm:styleLbl>
+  <dgm:styleLbl name="revTx">
+    <dgm:fillClrLst meth="repeat">
+      <a:schemeClr val="lt1">
+        <a:alpha val="0"/>
+      </a:schemeClr>
+    </dgm:fillClrLst>
+    <dgm:linClrLst meth="repeat">
+      <a:schemeClr val="dk1">
+        <a:alpha val="0"/>
+      </a:schemeClr>
+    </dgm:linClrLst>
+    <dgm:effectClrLst/>
+    <dgm:txLinClrLst/>
+    <dgm:txFillClrLst meth="repeat">
+      <a:schemeClr val="tx1"/>
+    </dgm:txFillClrLst>
+    <dgm:txEffectClrLst/>
+  </dgm:styleLbl>
+</dgm:colorsDef>
+</file>
+
+<file path=ppt/diagrams/colors3.xml><?xml version="1.0" encoding="utf-8"?>
+<dgm:colorsDef xmlns:dgm="http://schemas.openxmlformats.org/drawingml/2006/diagram" xmlns:a="http://schemas.openxmlformats.org/drawingml/2006/main" uniqueId="urn:microsoft.com/office/officeart/2018/5/colors/Iconchunking_neutralicon_colorful1">
+  <dgm:title val=""/>
+  <dgm:desc val=""/>
+  <dgm:catLst>
+    <dgm:cat type="colorful" pri="10100"/>
+  </dgm:catLst>
+  <dgm:styleLbl name="node0">
+    <dgm:fillClrLst meth="repeat">
+      <a:schemeClr val="accent1"/>
+    </dgm:fillClrLst>
+    <dgm:linClrLst meth="repeat">
+      <a:schemeClr val="lt1"/>
+    </dgm:linClrLst>
+    <dgm:effectClrLst/>
+    <dgm:txLinClrLst/>
+    <dgm:txFillClrLst/>
+    <dgm:txEffectClrLst/>
+  </dgm:styleLbl>
+  <dgm:styleLbl name="node1">
+    <dgm:fillClrLst meth="repeat">
+      <a:schemeClr val="bg1"/>
+    </dgm:fillClrLst>
+    <dgm:linClrLst meth="repeat">
+      <a:schemeClr val="lt1">
+        <a:alpha val="0"/>
+      </a:schemeClr>
+    </dgm:linClrLst>
+    <dgm:effectClrLst/>
+    <dgm:txLinClrLst/>
+    <dgm:txFillClrLst meth="repeat">
+      <a:schemeClr val="dk1"/>
+    </dgm:txFillClrLst>
+    <dgm:txEffectClrLst/>
+  </dgm:styleLbl>
+  <dgm:styleLbl name="alignNode1">
+    <dgm:fillClrLst meth="repeat">
+      <a:schemeClr val="accent2"/>
+      <a:schemeClr val="accent3"/>
+      <a:schemeClr val="accent4"/>
+      <a:schemeClr val="accent5"/>
+      <a:schemeClr val="accent6"/>
+    </dgm:fillClrLst>
+    <dgm:linClrLst meth="repeat">
+      <a:schemeClr val="accent2"/>
+      <a:schemeClr val="accent3"/>
+      <a:schemeClr val="accent4"/>
+      <a:schemeClr val="accent5"/>
+      <a:schemeClr val="accent6"/>
+    </dgm:linClrLst>
+    <dgm:effectClrLst/>
+    <dgm:txLinClrLst/>
+    <dgm:txFillClrLst/>
+    <dgm:txEffectClrLst/>
+  </dgm:styleLbl>
+  <dgm:styleLbl name="lnNode1">
+    <dgm:fillClrLst meth="repeat">
+      <a:schemeClr val="accent2"/>
+      <a:schemeClr val="accent3"/>
+      <a:schemeClr val="accent4"/>
+      <a:schemeClr val="accent5"/>
+      <a:schemeClr val="accent6"/>
+    </dgm:fillClrLst>
+    <dgm:linClrLst meth="repeat">
+      <a:schemeClr val="lt1"/>
+    </dgm:linClrLst>
+    <dgm:effectClrLst/>
+    <dgm:txLinClrLst/>
+    <dgm:txFillClrLst/>
+    <dgm:txEffectClrLst/>
+  </dgm:styleLbl>
+  <dgm:styleLbl name="vennNode1">
+    <dgm:fillClrLst meth="repeat">
+      <a:schemeClr val="accent2">
+        <a:alpha val="50000"/>
+      </a:schemeClr>
+      <a:schemeClr val="accent3">
+        <a:alpha val="50000"/>
+      </a:schemeClr>
+      <a:schemeClr val="accent4">
+        <a:alpha val="50000"/>
+      </a:schemeClr>
+      <a:schemeClr val="accent5">
+        <a:alpha val="50000"/>
+      </a:schemeClr>
+      <a:schemeClr val="accent6">
+        <a:alpha val="50000"/>
+      </a:schemeClr>
+    </dgm:fillClrLst>
+    <dgm:linClrLst meth="repeat">
+      <a:schemeClr val="lt1"/>
+    </dgm:linClrLst>
+    <dgm:effectClrLst/>
+    <dgm:txLinClrLst/>
+    <dgm:txFillClrLst/>
+    <dgm:txEffectClrLst/>
+  </dgm:styleLbl>
+  <dgm:styleLbl name="node2">
+    <dgm:fillClrLst>
+      <a:schemeClr val="accent2"/>
+    </dgm:fillClrLst>
+    <dgm:linClrLst meth="repeat">
+      <a:schemeClr val="lt1"/>
+    </dgm:linClrLst>
+    <dgm:effectClrLst/>
+    <dgm:txLinClrLst/>
+    <dgm:txFillClrLst/>
+    <dgm:txEffectClrLst/>
+  </dgm:styleLbl>
+  <dgm:styleLbl name="node3">
+    <dgm:fillClrLst>
+      <a:schemeClr val="accent3"/>
+    </dgm:fillClrLst>
+    <dgm:linClrLst meth="repeat">
+      <a:schemeClr val="lt1"/>
+    </dgm:linClrLst>
+    <dgm:effectClrLst/>
+    <dgm:txLinClrLst/>
+    <dgm:txFillClrLst/>
+    <dgm:txEffectClrLst/>
+  </dgm:styleLbl>
+  <dgm:styleLbl name="node4">
+    <dgm:fillClrLst>
+      <a:schemeClr val="accent4"/>
+    </dgm:fillClrLst>
+    <dgm:linClrLst meth="repeat">
+      <a:schemeClr val="lt1"/>
+    </dgm:linClrLst>
+    <dgm:effectClrLst/>
+    <dgm:txLinClrLst/>
+    <dgm:txFillClrLst/>
+    <dgm:txEffectClrLst/>
+  </dgm:styleLbl>
+  <dgm:styleLbl name="fgImgPlace1">
+    <dgm:fillClrLst meth="repeat">
+      <a:schemeClr val="accent2">
+        <a:tint val="50000"/>
+      </a:schemeClr>
+      <a:schemeClr val="accent3">
+        <a:tint val="50000"/>
+      </a:schemeClr>
+      <a:schemeClr val="accent4">
+        <a:tint val="50000"/>
+      </a:schemeClr>
+      <a:schemeClr val="accent5">
+        <a:tint val="50000"/>
+      </a:schemeClr>
+      <a:schemeClr val="accent6">
+        <a:tint val="50000"/>
+      </a:schemeClr>
+    </dgm:fillClrLst>
+    <dgm:linClrLst meth="repeat">
+      <a:schemeClr val="lt1"/>
+    </dgm:linClrLst>
+    <dgm:effectClrLst/>
+    <dgm:txLinClrLst/>
+    <dgm:txFillClrLst meth="repeat">
+      <a:schemeClr val="lt1"/>
+    </dgm:txFillClrLst>
+    <dgm:txEffectClrLst/>
+  </dgm:styleLbl>
+  <dgm:styleLbl name="alignImgPlace1">
+    <dgm:fillClrLst>
+      <a:schemeClr val="accent1">
+        <a:tint val="50000"/>
+      </a:schemeClr>
+      <a:schemeClr val="accent2">
+        <a:tint val="20000"/>
+      </a:schemeClr>
+    </dgm:fillClrLst>
+    <dgm:linClrLst meth="repeat">
+      <a:schemeClr val="lt1"/>
+    </dgm:linClrLst>
+    <dgm:effectClrLst/>
+    <dgm:txLinClrLst/>
+    <dgm:txFillClrLst meth="repeat">
+      <a:schemeClr val="lt1"/>
+    </dgm:txFillClrLst>
+    <dgm:txEffectClrLst/>
+  </dgm:styleLbl>
+  <dgm:styleLbl name="bgImgPlace1">
+    <dgm:fillClrLst>
+      <a:schemeClr val="accent1">
+        <a:tint val="50000"/>
+      </a:schemeClr>
+      <a:schemeClr val="accent2">
+        <a:tint val="20000"/>
+      </a:schemeClr>
+    </dgm:fillClrLst>
+    <dgm:linClrLst meth="repeat">
+      <a:schemeClr val="lt1"/>
+    </dgm:linClrLst>
+    <dgm:effectClrLst/>
+    <dgm:txLinClrLst/>
+    <dgm:txFillClrLst meth="repeat">
+      <a:schemeClr val="lt1"/>
+    </dgm:txFillClrLst>
+    <dgm:txEffectClrLst/>
+  </dgm:styleLbl>
+  <dgm:styleLbl name="sibTrans2D1">
+    <dgm:fillClrLst meth="repeat">
+      <a:schemeClr val="accent2"/>
+      <a:schemeClr val="accent3"/>
+      <a:schemeClr val="accent4"/>
+      <a:schemeClr val="accent5"/>
+      <a:schemeClr val="accent6"/>
+    </dgm:fillClrLst>
+    <dgm:linClrLst meth="cycle">
+      <a:schemeClr val="lt1"/>
+    </dgm:linClrLst>
+    <dgm:effectClrLst/>
+    <dgm:txLinClrLst/>
+    <dgm:txFillClrLst/>
+    <dgm:txEffectClrLst/>
+  </dgm:styleLbl>
+  <dgm:styleLbl name="fgSibTrans2D1">
+    <dgm:fillClrLst meth="repeat">
+      <a:schemeClr val="accent2"/>
+      <a:schemeClr val="accent3"/>
+      <a:schemeClr val="accent4"/>
+      <a:schemeClr val="accent5"/>
+      <a:schemeClr val="accent6"/>
+    </dgm:fillClrLst>
+    <dgm:linClrLst meth="cycle">
+      <a:schemeClr val="lt1"/>
+    </dgm:linClrLst>
+    <dgm:effectClrLst/>
+    <dgm:txLinClrLst/>
+    <dgm:txFillClrLst meth="repeat">
+      <a:schemeClr val="lt1"/>
+    </dgm:txFillClrLst>
+    <dgm:txEffectClrLst/>
+  </dgm:styleLbl>
+  <dgm:styleLbl name="bgSibTrans2D1">
+    <dgm:fillClrLst meth="repeat">
+      <a:schemeClr val="accent2"/>
+      <a:schemeClr val="accent3"/>
+      <a:schemeClr val="accent4"/>
+      <a:schemeClr val="accent5"/>
+      <a:schemeClr val="accent6"/>
+    </dgm:fillClrLst>
+    <dgm:linClrLst meth="cycle">
+      <a:schemeClr val="lt1"/>
+    </dgm:linClrLst>
+    <dgm:effectClrLst/>
+    <dgm:txLinClrLst/>
+    <dgm:txFillClrLst meth="repeat">
+      <a:schemeClr val="lt1"/>
+    </dgm:txFillClrLst>
+    <dgm:txEffectClrLst/>
+  </dgm:styleLbl>
+  <dgm:styleLbl name="sibTrans1D1">
+    <dgm:fillClrLst meth="repeat">
+      <a:schemeClr val="accent2"/>
+      <a:schemeClr val="accent3"/>
+      <a:schemeClr val="accent4"/>
+      <a:schemeClr val="accent5"/>
+      <a:schemeClr val="accent6"/>
+    </dgm:fillClrLst>
+    <dgm:linClrLst meth="repeat">
+      <a:schemeClr val="accent2"/>
+      <a:schemeClr val="accent3"/>
+      <a:schemeClr val="accent4"/>
+      <a:schemeClr val="accent5"/>
+      <a:schemeClr val="accent6"/>
+    </dgm:linClrLst>
+    <dgm:effectClrLst/>
+    <dgm:txLinClrLst/>
+    <dgm:txFillClrLst meth="repeat">
+      <a:schemeClr val="tx1"/>
+    </dgm:txFillClrLst>
+    <dgm:txEffectClrLst/>
+  </dgm:styleLbl>
+  <dgm:styleLbl name="callout">
+    <dgm:fillClrLst meth="repeat">
+      <a:schemeClr val="accent2"/>
+    </dgm:fillClrLst>
+    <dgm:linClrLst meth="repeat">
+      <a:schemeClr val="accent2">
+        <a:tint val="50000"/>
+      </a:schemeClr>
+    </dgm:linClrLst>
+    <dgm:effectClrLst/>
+    <dgm:txLinClrLst/>
+    <dgm:txFillClrLst meth="repeat">
+      <a:schemeClr val="tx1"/>
+    </dgm:txFillClrLst>
+    <dgm:txEffectClrLst/>
+  </dgm:styleLbl>
+  <dgm:styleLbl name="asst0">
+    <dgm:fillClrLst meth="repeat">
+      <a:schemeClr val="accent1"/>
+    </dgm:fillClrLst>
+    <dgm:linClrLst meth="repeat">
+      <a:schemeClr val="lt1"/>
+    </dgm:linClrLst>
+    <dgm:effectClrLst/>
+    <dgm:txLinClrLst/>
+    <dgm:txFillClrLst/>
+    <dgm:txEffectClrLst/>
+  </dgm:styleLbl>
+  <dgm:styleLbl name="asst1">
+    <dgm:fillClrLst meth="repeat">
+      <a:schemeClr val="accent2"/>
+    </dgm:fillClrLst>
+    <dgm:linClrLst meth="repeat">
+      <a:schemeClr val="lt1"/>
+    </dgm:linClrLst>
+    <dgm:effectClrLst/>
+    <dgm:txLinClrLst/>
+    <dgm:txFillClrLst/>
+    <dgm:txEffectClrLst/>
+  </dgm:styleLbl>
+  <dgm:styleLbl name="asst2">
+    <dgm:fillClrLst>
+      <a:schemeClr val="accent3"/>
+    </dgm:fillClrLst>
+    <dgm:linClrLst meth="repeat">
+      <a:schemeClr val="lt1"/>
+    </dgm:linClrLst>
+    <dgm:effectClrLst/>
+    <dgm:txLinClrLst/>
+    <dgm:txFillClrLst/>
+    <dgm:txEffectClrLst/>
+  </dgm:styleLbl>
+  <dgm:styleLbl name="asst3">
+    <dgm:fillClrLst>
+      <a:schemeClr val="accent4"/>
+    </dgm:fillClrLst>
+    <dgm:linClrLst meth="repeat">
+      <a:schemeClr val="lt1"/>
+    </dgm:linClrLst>
+    <dgm:effectClrLst/>
+    <dgm:txLinClrLst/>
+    <dgm:txFillClrLst/>
+    <dgm:txEffectClrLst/>
+  </dgm:styleLbl>
+  <dgm:styleLbl name="asst4">
+    <dgm:fillClrLst>
+      <a:schemeClr val="accent5"/>
+    </dgm:fillClrLst>
+    <dgm:linClrLst meth="repeat">
+      <a:schemeClr val="lt1"/>
+    </dgm:linClrLst>
+    <dgm:effectClrLst/>
+    <dgm:txLinClrLst/>
+    <dgm:txFillClrLst/>
+    <dgm:txEffectClrLst/>
+  </dgm:styleLbl>
+  <dgm:styleLbl name="parChTrans2D1">
+    <dgm:fillClrLst meth="repeat">
+      <a:schemeClr val="accent2"/>
+    </dgm:fillClrLst>
+    <dgm:linClrLst meth="repeat">
+      <a:schemeClr val="lt1"/>
+    </dgm:linClrLst>
+    <dgm:effectClrLst/>
+    <dgm:txLinClrLst/>
+    <dgm:txFillClrLst meth="repeat">
+      <a:schemeClr val="lt1"/>
+    </dgm:txFillClrLst>
+    <dgm:txEffectClrLst/>
+  </dgm:styleLbl>
+  <dgm:styleLbl name="parChTrans2D2">
+    <dgm:fillClrLst meth="repeat">
+      <a:schemeClr val="accent3"/>
+    </dgm:fillClrLst>
+    <dgm:linClrLst meth="repeat">
+      <a:schemeClr val="lt1"/>
+    </dgm:linClrLst>
+    <dgm:effectClrLst/>
+    <dgm:txLinClrLst/>
+    <dgm:txFillClrLst/>
+    <dgm:txEffectClrLst/>
+  </dgm:styleLbl>
+  <dgm:styleLbl name="parChTrans2D3">
+    <dgm:fillClrLst meth="repeat">
+      <a:schemeClr val="accent4"/>
+    </dgm:fillClrLst>
+    <dgm:linClrLst meth="repeat">
+      <a:schemeClr val="lt1"/>
+    </dgm:linClrLst>
+    <dgm:effectClrLst/>
+    <dgm:txLinClrLst/>
+    <dgm:txFillClrLst/>
+    <dgm:txEffectClrLst/>
+  </dgm:styleLbl>
+  <dgm:styleLbl name="parChTrans2D4">
+    <dgm:fillClrLst meth="repeat">
+      <a:schemeClr val="accent5"/>
+    </dgm:fillClrLst>
+    <dgm:linClrLst meth="repeat">
+      <a:schemeClr val="lt1"/>
+    </dgm:linClrLst>
+    <dgm:effectClrLst/>
+    <dgm:txLinClrLst/>
+    <dgm:txFillClrLst meth="repeat">
+      <a:schemeClr val="lt1"/>
+    </dgm:txFillClrLst>
+    <dgm:txEffectClrLst/>
+  </dgm:styleLbl>
+  <dgm:styleLbl name="parChTrans1D1">
+    <dgm:fillClrLst meth="repeat">
+      <a:schemeClr val="accent2"/>
+    </dgm:fillClrLst>
+    <dgm:linClrLst meth="repeat">
+      <a:schemeClr val="accent1"/>
+    </dgm:linClrLst>
+    <dgm:effectClrLst/>
+    <dgm:txLinClrLst/>
+    <dgm:txFillClrLst meth="repeat">
+      <a:schemeClr val="tx1"/>
+    </dgm:txFillClrLst>
+    <dgm:txEffectClrLst/>
+  </dgm:styleLbl>
+  <dgm:styleLbl name="parChTrans1D2">
+    <dgm:fillClrLst meth="repeat">
+      <a:schemeClr val="accent3">
+        <a:tint val="90000"/>
+      </a:schemeClr>
+    </dgm:fillClrLst>
+    <dgm:linClrLst meth="repeat">
+      <a:schemeClr val="accent2"/>
+    </dgm:linClrLst>
+    <dgm:effectClrLst/>
+    <dgm:txLinClrLst/>
+    <dgm:txFillClrLst meth="repeat">
+      <a:schemeClr val="tx1"/>
+    </dgm:txFillClrLst>
+    <dgm:txEffectClrLst/>
+  </dgm:styleLbl>
+  <dgm:styleLbl name="parChTrans1D3">
+    <dgm:fillClrLst meth="repeat">
+      <a:schemeClr val="accent4">
+        <a:tint val="70000"/>
+      </a:schemeClr>
+    </dgm:fillClrLst>
+    <dgm:linClrLst meth="repeat">
+      <a:schemeClr val="accent3"/>
+    </dgm:linClrLst>
+    <dgm:effectClrLst/>
+    <dgm:txLinClrLst/>
+    <dgm:txFillClrLst meth="repeat">
+      <a:schemeClr val="tx1"/>
+    </dgm:txFillClrLst>
+    <dgm:txEffectClrLst/>
+  </dgm:styleLbl>
+  <dgm:styleLbl name="parChTrans1D4">
+    <dgm:fillClrLst meth="repeat">
+      <a:schemeClr val="accent5">
+        <a:tint val="50000"/>
+      </a:schemeClr>
+    </dgm:fillClrLst>
+    <dgm:linClrLst meth="repeat">
+      <a:schemeClr val="accent4"/>
+    </dgm:linClrLst>
+    <dgm:effectClrLst/>
+    <dgm:txLinClrLst/>
+    <dgm:txFillClrLst meth="repeat">
+      <a:schemeClr val="tx1"/>
+    </dgm:txFillClrLst>
+    <dgm:txEffectClrLst/>
+  </dgm:styleLbl>
+  <dgm:styleLbl name="fgAcc1">
+    <dgm:fillClrLst meth="repeat">
+      <a:schemeClr val="lt1">
+        <a:alpha val="90000"/>
+      </a:schemeClr>
+    </dgm:fillClrLst>
+    <dgm:linClrLst meth="repeat">
+      <a:schemeClr val="accent2"/>
+      <a:schemeClr val="accent3"/>
+      <a:schemeClr val="accent4"/>
+      <a:schemeClr val="accent5"/>
+      <a:schemeClr val="accent6"/>
+    </dgm:linClrLst>
+    <dgm:effectClrLst/>
+    <dgm:txLinClrLst/>
+    <dgm:txFillClrLst meth="repeat">
+      <a:schemeClr val="dk1"/>
+    </dgm:txFillClrLst>
+    <dgm:txEffectClrLst/>
+  </dgm:styleLbl>
+  <dgm:styleLbl name="conFgAcc1">
+    <dgm:fillClrLst meth="repeat">
+      <a:schemeClr val="lt1">
+        <a:alpha val="90000"/>
+      </a:schemeClr>
+    </dgm:fillClrLst>
+    <dgm:linClrLst meth="repeat">
+      <a:schemeClr val="accent2"/>
+      <a:schemeClr val="accent3"/>
+      <a:schemeClr val="accent4"/>
+      <a:schemeClr val="accent5"/>
+      <a:schemeClr val="accent6"/>
+    </dgm:linClrLst>
+    <dgm:effectClrLst/>
+    <dgm:txLinClrLst/>
+    <dgm:txFillClrLst meth="repeat">
+      <a:schemeClr val="dk1"/>
+    </dgm:txFillClrLst>
+    <dgm:txEffectClrLst/>
+  </dgm:styleLbl>
+  <dgm:styleLbl name="alignAcc1">
+    <dgm:fillClrLst meth="repeat">
+      <a:schemeClr val="lt1">
+        <a:alpha val="90000"/>
+      </a:schemeClr>
+    </dgm:fillClrLst>
+    <dgm:linClrLst meth="repeat">
+      <a:schemeClr val="accent2"/>
+      <a:schemeClr val="accent3"/>
+      <a:schemeClr val="accent4"/>
+      <a:schemeClr val="accent5"/>
+      <a:schemeClr val="accent6"/>
+    </dgm:linClrLst>
+    <dgm:effectClrLst/>
+    <dgm:txLinClrLst/>
+    <dgm:txFillClrLst meth="repeat">
+      <a:schemeClr val="dk1"/>
+    </dgm:txFillClrLst>
+    <dgm:txEffectClrLst/>
+  </dgm:styleLbl>
+  <dgm:styleLbl name="trAlignAcc1">
+    <dgm:fillClrLst meth="repeat">
+      <a:schemeClr val="lt1">
+        <a:alpha val="40000"/>
+      </a:schemeClr>
+    </dgm:fillClrLst>
+    <dgm:linClrLst meth="repeat">
+      <a:schemeClr val="accent1"/>
+    </dgm:linClrLst>
+    <dgm:effectClrLst/>
+    <dgm:txLinClrLst/>
+    <dgm:txFillClrLst meth="repeat">
+      <a:schemeClr val="dk1"/>
+    </dgm:txFillClrLst>
+    <dgm:txEffectClrLst/>
+  </dgm:styleLbl>
+  <dgm:styleLbl name="bgAcc1">
+    <dgm:fillClrLst meth="repeat">
+      <a:schemeClr val="lt1">
+        <a:alpha val="90000"/>
+      </a:schemeClr>
+    </dgm:fillClrLst>
+    <dgm:linClrLst meth="repeat">
+      <a:schemeClr val="accent2"/>
+      <a:schemeClr val="accent3"/>
+      <a:schemeClr val="accent4"/>
+      <a:schemeClr val="accent5"/>
+      <a:schemeClr val="accent6"/>
+    </dgm:linClrLst>
+    <dgm:effectClrLst/>
+    <dgm:txLinClrLst/>
+    <dgm:txFillClrLst meth="repeat">
+      <a:schemeClr val="dk1"/>
+    </dgm:txFillClrLst>
+    <dgm:txEffectClrLst/>
+  </dgm:styleLbl>
+  <dgm:styleLbl name="solidFgAcc1">
+    <dgm:fillClrLst meth="repeat">
+      <a:schemeClr val="lt1"/>
+    </dgm:fillClrLst>
+    <dgm:linClrLst meth="repeat">
+      <a:schemeClr val="accent2"/>
+      <a:schemeClr val="accent3"/>
+      <a:schemeClr val="accent4"/>
+      <a:schemeClr val="accent5"/>
+      <a:schemeClr val="accent6"/>
+    </dgm:linClrLst>
+    <dgm:effectClrLst/>
+    <dgm:txLinClrLst/>
+    <dgm:txFillClrLst meth="repeat">
+      <a:schemeClr val="dk1"/>
+    </dgm:txFillClrLst>
+    <dgm:txEffectClrLst/>
+  </dgm:styleLbl>
+  <dgm:styleLbl name="solidAlignAcc1">
+    <dgm:fillClrLst meth="repeat">
+      <a:schemeClr val="lt1"/>
+    </dgm:fillClrLst>
+    <dgm:linClrLst meth="repeat">
+      <a:schemeClr val="accent2"/>
+      <a:schemeClr val="accent3"/>
+      <a:schemeClr val="accent4"/>
+      <a:schemeClr val="accent5"/>
+      <a:schemeClr val="accent6"/>
+    </dgm:linClrLst>
+    <dgm:effectClrLst/>
+    <dgm:txLinClrLst/>
+    <dgm:txFillClrLst meth="repeat">
+      <a:schemeClr val="dk1"/>
+    </dgm:txFillClrLst>
+    <dgm:txEffectClrLst/>
+  </dgm:styleLbl>
+  <dgm:styleLbl name="solidBgAcc1">
+    <dgm:fillClrLst meth="repeat">
+      <a:schemeClr val="lt1"/>
+    </dgm:fillClrLst>
+    <dgm:linClrLst meth="repeat">
+      <a:schemeClr val="accent2"/>
+      <a:schemeClr val="accent3"/>
+      <a:schemeClr val="accent4"/>
+      <a:schemeClr val="accent5"/>
+      <a:schemeClr val="accent6"/>
+    </dgm:linClrLst>
+    <dgm:effectClrLst/>
+    <dgm:txLinClrLst/>
+    <dgm:txFillClrLst meth="repeat">
+      <a:schemeClr val="dk1"/>
+    </dgm:txFillClrLst>
+    <dgm:txEffectClrLst/>
+  </dgm:styleLbl>
+  <dgm:styleLbl name="fgAccFollowNode1">
+    <dgm:fillClrLst meth="repeat">
+      <a:schemeClr val="accent2">
+        <a:tint val="40000"/>
+        <a:alpha val="90000"/>
+      </a:schemeClr>
+      <a:schemeClr val="accent3">
+        <a:tint val="40000"/>
+        <a:alpha val="90000"/>
+      </a:schemeClr>
+      <a:schemeClr val="accent4">
+        <a:tint val="40000"/>
+        <a:alpha val="90000"/>
+      </a:schemeClr>
+      <a:schemeClr val="accent5">
+        <a:tint val="40000"/>
+        <a:alpha val="90000"/>
+      </a:schemeClr>
+      <a:schemeClr val="accent6">
+        <a:tint val="40000"/>
+        <a:alpha val="90000"/>
+      </a:schemeClr>
+    </dgm:fillClrLst>
+    <dgm:linClrLst meth="repeat">
+      <a:schemeClr val="accent2">
+        <a:tint val="40000"/>
+        <a:alpha val="90000"/>
+      </a:schemeClr>
+      <a:schemeClr val="accent3">
+        <a:tint val="40000"/>
+        <a:alpha val="90000"/>
+      </a:schemeClr>
+      <a:schemeClr val="accent4">
+        <a:tint val="40000"/>
+        <a:alpha val="90000"/>
+      </a:schemeClr>
+      <a:schemeClr val="accent5">
+        <a:tint val="40000"/>
+        <a:alpha val="90000"/>
+      </a:schemeClr>
+      <a:schemeClr val="accent6">
+        <a:tint val="40000"/>
+        <a:alpha val="90000"/>
+      </a:schemeClr>
+    </dgm:linClrLst>
+    <dgm:effectClrLst/>
+    <dgm:txLinClrLst/>
+    <dgm:txFillClrLst meth="repeat">
+      <a:schemeClr val="dk1"/>
+    </dgm:txFillClrLst>
+    <dgm:txEffectClrLst/>
+  </dgm:styleLbl>
+  <dgm:styleLbl name="alignAccFollowNode1">
+    <dgm:fillClrLst meth="repeat">
+      <a:schemeClr val="accent2">
+        <a:tint val="40000"/>
+        <a:alpha val="90000"/>
+      </a:schemeClr>
+      <a:schemeClr val="accent3">
+        <a:tint val="40000"/>
+        <a:alpha val="90000"/>
+      </a:schemeClr>
+      <a:schemeClr val="accent4">
+        <a:tint val="40000"/>
+        <a:alpha val="90000"/>
+      </a:schemeClr>
+      <a:schemeClr val="accent5">
+        <a:tint val="40000"/>
+        <a:alpha val="90000"/>
+      </a:schemeClr>
+      <a:schemeClr val="accent6">
+        <a:tint val="40000"/>
+        <a:alpha val="90000"/>
+      </a:schemeClr>
+    </dgm:fillClrLst>
+    <dgm:linClrLst meth="repeat">
+      <a:schemeClr val="accent2">
+        <a:tint val="40000"/>
+        <a:alpha val="90000"/>
+      </a:schemeClr>
+      <a:schemeClr val="accent3">
+        <a:tint val="40000"/>
+        <a:alpha val="90000"/>
+      </a:schemeClr>
+      <a:schemeClr val="accent4">
+        <a:tint val="40000"/>
+        <a:alpha val="90000"/>
+      </a:schemeClr>
+      <a:schemeClr val="accent5">
+        <a:tint val="40000"/>
+        <a:alpha val="90000"/>
+      </a:schemeClr>
+      <a:schemeClr val="accent6">
+        <a:tint val="40000"/>
+        <a:alpha val="90000"/>
+      </a:schemeClr>
+    </dgm:linClrLst>
+    <dgm:effectClrLst/>
+    <dgm:txLinClrLst/>
+    <dgm:txFillClrLst meth="repeat">
+      <a:schemeClr val="dk1"/>
+    </dgm:txFillClrLst>
+    <dgm:txEffectClrLst/>
+  </dgm:styleLbl>
+  <dgm:styleLbl name="bgAccFollowNode1">
+    <dgm:fillClrLst meth="repeat">
+      <a:schemeClr val="accent2">
+        <a:tint val="40000"/>
+        <a:alpha val="90000"/>
+      </a:schemeClr>
+      <a:schemeClr val="accent3">
+        <a:tint val="40000"/>
+        <a:alpha val="90000"/>
+      </a:schemeClr>
+      <a:schemeClr val="accent4">
+        <a:tint val="40000"/>
+        <a:alpha val="90000"/>
+      </a:schemeClr>
+      <a:schemeClr val="accent5">
+        <a:tint val="40000"/>
+        <a:alpha val="90000"/>
+      </a:schemeClr>
+      <a:schemeClr val="accent6">
+        <a:tint val="40000"/>
+        <a:alpha val="90000"/>
+      </a:schemeClr>
+    </dgm:fillClrLst>
+    <dgm:linClrLst meth="repeat">
+      <a:schemeClr val="accent2">
+        <a:tint val="40000"/>
+        <a:alpha val="90000"/>
+      </a:schemeClr>
+      <a:schemeClr val="accent3">
+        <a:tint val="40000"/>
+        <a:alpha val="90000"/>
+      </a:schemeClr>
+      <a:schemeClr val="accent4">
+        <a:tint val="40000"/>
+        <a:alpha val="90000"/>
+      </a:schemeClr>
+      <a:schemeClr val="accent5">
+        <a:tint val="40000"/>
+        <a:alpha val="90000"/>
+      </a:schemeClr>
+      <a:schemeClr val="accent6">
+        <a:tint val="40000"/>
+        <a:alpha val="90000"/>
+      </a:schemeClr>
+    </dgm:linClrLst>
+    <dgm:effectClrLst/>
+    <dgm:txLinClrLst/>
+    <dgm:txFillClrLst meth="repeat">
+      <a:schemeClr val="dk1"/>
+    </dgm:txFillClrLst>
+    <dgm:txEffectClrLst/>
+  </dgm:styleLbl>
+  <dgm:styleLbl name="fgAcc0">
+    <dgm:fillClrLst meth="repeat">
+      <a:schemeClr val="lt1">
+        <a:alpha val="90000"/>
+      </a:schemeClr>
+    </dgm:fillClrLst>
+    <dgm:linClrLst>
+      <a:schemeClr val="accent1"/>
+    </dgm:linClrLst>
+    <dgm:effectClrLst/>
+    <dgm:txLinClrLst/>
+    <dgm:txFillClrLst meth="repeat">
+      <a:schemeClr val="dk1"/>
+    </dgm:txFillClrLst>
+    <dgm:txEffectClrLst/>
+  </dgm:styleLbl>
+  <dgm:styleLbl name="fgAcc2">
+    <dgm:fillClrLst meth="repeat">
+      <a:schemeClr val="lt1">
+        <a:alpha val="90000"/>
+      </a:schemeClr>
+    </dgm:fillClrLst>
+    <dgm:linClrLst>
+      <a:schemeClr val="accent2"/>
+    </dgm:linClrLst>
+    <dgm:effectClrLst/>
+    <dgm:txLinClrLst/>
+    <dgm:txFillClrLst meth="repeat">
+      <a:schemeClr val="dk1"/>
+    </dgm:txFillClrLst>
+    <dgm:txEffectClrLst/>
+  </dgm:styleLbl>
+  <dgm:styleLbl name="fgAcc3">
+    <dgm:fillClrLst meth="repeat">
+      <a:schemeClr val="lt1">
+        <a:alpha val="90000"/>
+      </a:schemeClr>
+    </dgm:fillClrLst>
+    <dgm:linClrLst>
+      <a:schemeClr val="accent3"/>
+    </dgm:linClrLst>
+    <dgm:effectClrLst/>
+    <dgm:txLinClrLst/>
+    <dgm:txFillClrLst meth="repeat">
+      <a:schemeClr val="dk1"/>
+    </dgm:txFillClrLst>
+    <dgm:txEffectClrLst/>
+  </dgm:styleLbl>
+  <dgm:styleLbl name="fgAcc4">
+    <dgm:fillClrLst meth="repeat">
+      <a:schemeClr val="lt1">
+        <a:alpha val="90000"/>
+      </a:schemeClr>
+    </dgm:fillClrLst>
+    <dgm:linClrLst>
+      <a:schemeClr val="accent4"/>
+    </dgm:linClrLst>
+    <dgm:effectClrLst/>
+    <dgm:txLinClrLst/>
+    <dgm:txFillClrLst meth="repeat">
+      <a:schemeClr val="dk1"/>
+    </dgm:txFillClrLst>
+    <dgm:txEffectClrLst/>
+  </dgm:styleLbl>
+  <dgm:styleLbl name="bgShp">
+    <dgm:fillClrLst meth="repeat">
+      <a:schemeClr val="accent2"/>
+      <a:schemeClr val="accent3"/>
+      <a:schemeClr val="accent4"/>
+      <a:schemeClr val="accent5"/>
+      <a:schemeClr val="accent6"/>
+    </dgm:fillClrLst>
+    <dgm:linClrLst meth="repeat">
+      <a:schemeClr val="lt1">
+        <a:alpha val="0"/>
+      </a:schemeClr>
+    </dgm:linClrLst>
+    <dgm:effectClrLst/>
+    <dgm:txLinClrLst/>
+    <dgm:txFillClrLst/>
+    <dgm:txEffectClrLst/>
+  </dgm:styleLbl>
+  <dgm:styleLbl name="dkBgShp">
+    <dgm:fillClrLst meth="repeat">
+      <a:schemeClr val="accent2">
+        <a:shade val="90000"/>
+      </a:schemeClr>
+    </dgm:fillClrLst>
+    <dgm:linClrLst meth="repeat">
+      <a:schemeClr val="dk1"/>
+    </dgm:linClrLst>
+    <dgm:effectClrLst/>
+    <dgm:txLinClrLst/>
+    <dgm:txFillClrLst meth="repeat">
+      <a:schemeClr val="lt1"/>
+    </dgm:txFillClrLst>
+    <dgm:txEffectClrLst/>
+  </dgm:styleLbl>
+  <dgm:styleLbl name="trBgShp">
+    <dgm:fillClrLst meth="repeat">
+      <a:schemeClr val="accent1">
+        <a:tint val="50000"/>
+        <a:alpha val="40000"/>
+      </a:schemeClr>
+    </dgm:fillClrLst>
+    <dgm:linClrLst meth="repeat">
+      <a:schemeClr val="accent2"/>
+    </dgm:linClrLst>
+    <dgm:effectClrLst/>
+    <dgm:txLinClrLst/>
+    <dgm:txFillClrLst meth="repeat">
+      <a:schemeClr val="lt1"/>
+    </dgm:txFillClrLst>
+    <dgm:txEffectClrLst/>
+  </dgm:styleLbl>
+  <dgm:styleLbl name="fgShp">
+    <dgm:fillClrLst meth="repeat">
+      <a:schemeClr val="accent2">
+        <a:tint val="40000"/>
+      </a:schemeClr>
+    </dgm:fillClrLst>
+    <dgm:linClrLst meth="repeat">
+      <a:schemeClr val="lt1"/>
+    </dgm:linClrLst>
+    <dgm:effectClrLst/>
+    <dgm:txLinClrLst/>
+    <dgm:txFillClrLst meth="repeat">
+      <a:schemeClr val="dk1"/>
+    </dgm:txFillClrLst>
+    <dgm:txEffectClrLst/>
+  </dgm:styleLbl>
+  <dgm:styleLbl name="revTx">
+    <dgm:fillClrLst meth="repeat">
+      <a:schemeClr val="lt1">
+        <a:alpha val="0"/>
+      </a:schemeClr>
+    </dgm:fillClrLst>
+    <dgm:linClrLst meth="repeat">
+      <a:schemeClr val="dk1">
+        <a:alpha val="0"/>
+      </a:schemeClr>
+    </dgm:linClrLst>
+    <dgm:effectClrLst/>
+    <dgm:txLinClrLst/>
+    <dgm:txFillClrLst meth="repeat">
+      <a:schemeClr val="tx1"/>
+    </dgm:txFillClrLst>
+    <dgm:txEffectClrLst/>
+  </dgm:styleLbl>
+</dgm:colorsDef>
+</file>
+
 <file path=ppt/diagrams/data1.xml><?xml version="1.0" encoding="utf-8"?>
+<dgm:dataModel xmlns:dgm="http://schemas.openxmlformats.org/drawingml/2006/diagram" xmlns:a="http://schemas.openxmlformats.org/drawingml/2006/main">
+  <dgm:ptLst>
+    <dgm:pt modelId="{4EDE7292-94D1-4E9E-BDBC-B8DDBBBAC5BE}" type="doc">
+      <dgm:prSet loTypeId="urn:microsoft.com/office/officeart/2018/2/layout/IconVerticalSolidList" loCatId="icon" qsTypeId="urn:microsoft.com/office/officeart/2005/8/quickstyle/simple1" qsCatId="simple" csTypeId="urn:microsoft.com/office/officeart/2018/5/colors/Iconchunking_neutralbg_colorful1" csCatId="colorful" phldr="1"/>
+      <dgm:spPr/>
+      <dgm:t>
+        <a:bodyPr/>
+        <a:lstStyle/>
+        <a:p>
+          <a:endParaRPr lang="en-US"/>
+        </a:p>
+      </dgm:t>
+    </dgm:pt>
+    <dgm:pt modelId="{E0EBEB41-1B88-45AF-BB5D-400CE6C89EC4}">
+      <dgm:prSet/>
+      <dgm:spPr/>
+      <dgm:t>
+        <a:bodyPr/>
+        <a:lstStyle/>
+        <a:p>
+          <a:r>
+            <a:rPr lang="en-GB" baseline="0"/>
+            <a:t>Burning of fossil fuels</a:t>
+          </a:r>
+          <a:endParaRPr lang="en-US"/>
+        </a:p>
+      </dgm:t>
+    </dgm:pt>
+    <dgm:pt modelId="{F58FD65C-958E-424F-8103-34A2B7EF3AB8}" type="parTrans" cxnId="{BA312A1A-6059-460E-8026-7FEF2F60A158}">
+      <dgm:prSet/>
+      <dgm:spPr/>
+      <dgm:t>
+        <a:bodyPr/>
+        <a:lstStyle/>
+        <a:p>
+          <a:endParaRPr lang="en-US"/>
+        </a:p>
+      </dgm:t>
+    </dgm:pt>
+    <dgm:pt modelId="{27FC579A-D825-4960-B5A9-175584E26185}" type="sibTrans" cxnId="{BA312A1A-6059-460E-8026-7FEF2F60A158}">
+      <dgm:prSet/>
+      <dgm:spPr/>
+      <dgm:t>
+        <a:bodyPr/>
+        <a:lstStyle/>
+        <a:p>
+          <a:endParaRPr lang="en-US"/>
+        </a:p>
+      </dgm:t>
+    </dgm:pt>
+    <dgm:pt modelId="{5CE83CDB-45F7-47B2-99D8-29D885111CDD}">
+      <dgm:prSet/>
+      <dgm:spPr/>
+      <dgm:t>
+        <a:bodyPr/>
+        <a:lstStyle/>
+        <a:p>
+          <a:r>
+            <a:rPr lang="en-GB" baseline="0"/>
+            <a:t>Deforestation</a:t>
+          </a:r>
+          <a:endParaRPr lang="en-US"/>
+        </a:p>
+      </dgm:t>
+    </dgm:pt>
+    <dgm:pt modelId="{68595234-FAA0-4F80-BC5E-CA336515D3EB}" type="parTrans" cxnId="{0C403A1C-8008-43FB-BFED-E65EF2801E6E}">
+      <dgm:prSet/>
+      <dgm:spPr/>
+      <dgm:t>
+        <a:bodyPr/>
+        <a:lstStyle/>
+        <a:p>
+          <a:endParaRPr lang="en-US"/>
+        </a:p>
+      </dgm:t>
+    </dgm:pt>
+    <dgm:pt modelId="{EBF9A7E4-AF59-410F-973E-4BC319E0BC49}" type="sibTrans" cxnId="{0C403A1C-8008-43FB-BFED-E65EF2801E6E}">
+      <dgm:prSet/>
+      <dgm:spPr/>
+      <dgm:t>
+        <a:bodyPr/>
+        <a:lstStyle/>
+        <a:p>
+          <a:endParaRPr lang="en-US"/>
+        </a:p>
+      </dgm:t>
+    </dgm:pt>
+    <dgm:pt modelId="{A9B29117-F757-4426-A5FC-AAAFDCC95783}">
+      <dgm:prSet/>
+      <dgm:spPr/>
+      <dgm:t>
+        <a:bodyPr/>
+        <a:lstStyle/>
+        <a:p>
+          <a:r>
+            <a:rPr lang="en-GB" baseline="0"/>
+            <a:t>Agriculture</a:t>
+          </a:r>
+          <a:endParaRPr lang="en-US"/>
+        </a:p>
+      </dgm:t>
+    </dgm:pt>
+    <dgm:pt modelId="{1018777D-60F0-441A-9F91-01F2B1B1FA1C}" type="parTrans" cxnId="{65C40ECD-F529-4283-9202-A2D6E60C3CE7}">
+      <dgm:prSet/>
+      <dgm:spPr/>
+      <dgm:t>
+        <a:bodyPr/>
+        <a:lstStyle/>
+        <a:p>
+          <a:endParaRPr lang="en-US"/>
+        </a:p>
+      </dgm:t>
+    </dgm:pt>
+    <dgm:pt modelId="{235E6391-3BFD-45B2-8C1F-1DEF88AB309C}" type="sibTrans" cxnId="{65C40ECD-F529-4283-9202-A2D6E60C3CE7}">
+      <dgm:prSet/>
+      <dgm:spPr/>
+      <dgm:t>
+        <a:bodyPr/>
+        <a:lstStyle/>
+        <a:p>
+          <a:endParaRPr lang="en-US"/>
+        </a:p>
+      </dgm:t>
+    </dgm:pt>
+    <dgm:pt modelId="{BB12A0F9-7300-45D5-946E-2F7828557966}" type="pres">
+      <dgm:prSet presAssocID="{4EDE7292-94D1-4E9E-BDBC-B8DDBBBAC5BE}" presName="root" presStyleCnt="0">
+        <dgm:presLayoutVars>
+          <dgm:dir/>
+          <dgm:resizeHandles val="exact"/>
+        </dgm:presLayoutVars>
+      </dgm:prSet>
+      <dgm:spPr/>
+    </dgm:pt>
+    <dgm:pt modelId="{C95AF158-75B2-455B-BA8B-7A2E29BDD245}" type="pres">
+      <dgm:prSet presAssocID="{E0EBEB41-1B88-45AF-BB5D-400CE6C89EC4}" presName="compNode" presStyleCnt="0"/>
+      <dgm:spPr/>
+    </dgm:pt>
+    <dgm:pt modelId="{36D041B2-23F2-4F1A-AB9C-271C3C985EC2}" type="pres">
+      <dgm:prSet presAssocID="{E0EBEB41-1B88-45AF-BB5D-400CE6C89EC4}" presName="bgRect" presStyleLbl="bgShp" presStyleIdx="0" presStyleCnt="3"/>
+      <dgm:spPr/>
+    </dgm:pt>
+    <dgm:pt modelId="{46B39BCD-D92D-41A2-A1A6-E4AA521D544E}" type="pres">
+      <dgm:prSet presAssocID="{E0EBEB41-1B88-45AF-BB5D-400CE6C89EC4}" presName="iconRect" presStyleLbl="node1" presStyleIdx="0" presStyleCnt="3"/>
+      <dgm:spPr>
+        <a:blipFill>
+          <a:blip xmlns:r="http://schemas.openxmlformats.org/officeDocument/2006/relationships" r:embed="rId1">
+            <a:extLst>
+              <a:ext uri="{28A0092B-C50C-407E-A947-70E740481C1C}">
+                <a14:useLocalDpi xmlns:a14="http://schemas.microsoft.com/office/drawing/2010/main" val="0"/>
+              </a:ext>
+              <a:ext uri="{96DAC541-7B7A-43D3-8B79-37D633B846F1}">
+                <asvg:svgBlip xmlns:asvg="http://schemas.microsoft.com/office/drawing/2016/SVG/main" r:embed="rId2"/>
+              </a:ext>
+            </a:extLst>
+          </a:blip>
+          <a:stretch>
+            <a:fillRect/>
+          </a:stretch>
+        </a:blipFill>
+        <a:ln>
+          <a:noFill/>
+        </a:ln>
+      </dgm:spPr>
+      <dgm:extLst>
+        <a:ext uri="{E40237B7-FDA0-4F09-8148-C483321AD2D9}">
+          <dgm14:cNvPr xmlns:dgm14="http://schemas.microsoft.com/office/drawing/2010/diagram" id="0" name="" descr="Fire"/>
+        </a:ext>
+      </dgm:extLst>
+    </dgm:pt>
+    <dgm:pt modelId="{9993C4E1-DF6F-403A-B8FE-5A344D764801}" type="pres">
+      <dgm:prSet presAssocID="{E0EBEB41-1B88-45AF-BB5D-400CE6C89EC4}" presName="spaceRect" presStyleCnt="0"/>
+      <dgm:spPr/>
+    </dgm:pt>
+    <dgm:pt modelId="{83D98DE9-05E4-487E-A2C4-E1DBE0327E90}" type="pres">
+      <dgm:prSet presAssocID="{E0EBEB41-1B88-45AF-BB5D-400CE6C89EC4}" presName="parTx" presStyleLbl="revTx" presStyleIdx="0" presStyleCnt="3">
+        <dgm:presLayoutVars>
+          <dgm:chMax val="0"/>
+          <dgm:chPref val="0"/>
+        </dgm:presLayoutVars>
+      </dgm:prSet>
+      <dgm:spPr/>
+    </dgm:pt>
+    <dgm:pt modelId="{53DEF414-CC5D-4629-AC37-1920C0849A3F}" type="pres">
+      <dgm:prSet presAssocID="{27FC579A-D825-4960-B5A9-175584E26185}" presName="sibTrans" presStyleCnt="0"/>
+      <dgm:spPr/>
+    </dgm:pt>
+    <dgm:pt modelId="{3872A2A4-7702-40DE-AB6C-7B7561857AEB}" type="pres">
+      <dgm:prSet presAssocID="{5CE83CDB-45F7-47B2-99D8-29D885111CDD}" presName="compNode" presStyleCnt="0"/>
+      <dgm:spPr/>
+    </dgm:pt>
+    <dgm:pt modelId="{32746872-77C1-47B3-84E4-7797AE4B65EC}" type="pres">
+      <dgm:prSet presAssocID="{5CE83CDB-45F7-47B2-99D8-29D885111CDD}" presName="bgRect" presStyleLbl="bgShp" presStyleIdx="1" presStyleCnt="3"/>
+      <dgm:spPr/>
+    </dgm:pt>
+    <dgm:pt modelId="{98EC988F-B161-40A9-87F6-C7C473CEAF63}" type="pres">
+      <dgm:prSet presAssocID="{5CE83CDB-45F7-47B2-99D8-29D885111CDD}" presName="iconRect" presStyleLbl="node1" presStyleIdx="1" presStyleCnt="3"/>
+      <dgm:spPr>
+        <a:blipFill>
+          <a:blip xmlns:r="http://schemas.openxmlformats.org/officeDocument/2006/relationships" r:embed="rId3">
+            <a:extLst>
+              <a:ext uri="{28A0092B-C50C-407E-A947-70E740481C1C}">
+                <a14:useLocalDpi xmlns:a14="http://schemas.microsoft.com/office/drawing/2010/main" val="0"/>
+              </a:ext>
+              <a:ext uri="{96DAC541-7B7A-43D3-8B79-37D633B846F1}">
+                <asvg:svgBlip xmlns:asvg="http://schemas.microsoft.com/office/drawing/2016/SVG/main" r:embed="rId4"/>
+              </a:ext>
+            </a:extLst>
+          </a:blip>
+          <a:stretch>
+            <a:fillRect/>
+          </a:stretch>
+        </a:blipFill>
+        <a:ln>
+          <a:noFill/>
+        </a:ln>
+      </dgm:spPr>
+      <dgm:extLst>
+        <a:ext uri="{E40237B7-FDA0-4F09-8148-C483321AD2D9}">
+          <dgm14:cNvPr xmlns:dgm14="http://schemas.microsoft.com/office/drawing/2010/diagram" id="0" name="" descr="Deciduous tree"/>
+        </a:ext>
+      </dgm:extLst>
+    </dgm:pt>
+    <dgm:pt modelId="{F724F822-061E-4D74-92B8-C432FC5A1A90}" type="pres">
+      <dgm:prSet presAssocID="{5CE83CDB-45F7-47B2-99D8-29D885111CDD}" presName="spaceRect" presStyleCnt="0"/>
+      <dgm:spPr/>
+    </dgm:pt>
+    <dgm:pt modelId="{C95DD6BC-C77F-4575-820C-81E6BE6CDA95}" type="pres">
+      <dgm:prSet presAssocID="{5CE83CDB-45F7-47B2-99D8-29D885111CDD}" presName="parTx" presStyleLbl="revTx" presStyleIdx="1" presStyleCnt="3">
+        <dgm:presLayoutVars>
+          <dgm:chMax val="0"/>
+          <dgm:chPref val="0"/>
+        </dgm:presLayoutVars>
+      </dgm:prSet>
+      <dgm:spPr/>
+    </dgm:pt>
+    <dgm:pt modelId="{8E6C0752-2977-4678-92C3-D78D67BACD03}" type="pres">
+      <dgm:prSet presAssocID="{EBF9A7E4-AF59-410F-973E-4BC319E0BC49}" presName="sibTrans" presStyleCnt="0"/>
+      <dgm:spPr/>
+    </dgm:pt>
+    <dgm:pt modelId="{9E083AA6-C9EE-47FA-BA8A-55B253397C18}" type="pres">
+      <dgm:prSet presAssocID="{A9B29117-F757-4426-A5FC-AAAFDCC95783}" presName="compNode" presStyleCnt="0"/>
+      <dgm:spPr/>
+    </dgm:pt>
+    <dgm:pt modelId="{B0659ACA-F64B-4534-A2A7-5420B630BD4F}" type="pres">
+      <dgm:prSet presAssocID="{A9B29117-F757-4426-A5FC-AAAFDCC95783}" presName="bgRect" presStyleLbl="bgShp" presStyleIdx="2" presStyleCnt="3"/>
+      <dgm:spPr/>
+    </dgm:pt>
+    <dgm:pt modelId="{953D4B3A-B8ED-44F6-97A5-AF74F08A689E}" type="pres">
+      <dgm:prSet presAssocID="{A9B29117-F757-4426-A5FC-AAAFDCC95783}" presName="iconRect" presStyleLbl="node1" presStyleIdx="2" presStyleCnt="3"/>
+      <dgm:spPr>
+        <a:blipFill>
+          <a:blip xmlns:r="http://schemas.openxmlformats.org/officeDocument/2006/relationships" r:embed="rId5">
+            <a:extLst>
+              <a:ext uri="{28A0092B-C50C-407E-A947-70E740481C1C}">
+                <a14:useLocalDpi xmlns:a14="http://schemas.microsoft.com/office/drawing/2010/main" val="0"/>
+              </a:ext>
+              <a:ext uri="{96DAC541-7B7A-43D3-8B79-37D633B846F1}">
+                <asvg:svgBlip xmlns:asvg="http://schemas.microsoft.com/office/drawing/2016/SVG/main" r:embed="rId6"/>
+              </a:ext>
+            </a:extLst>
+          </a:blip>
+          <a:stretch>
+            <a:fillRect/>
+          </a:stretch>
+        </a:blipFill>
+        <a:ln>
+          <a:noFill/>
+        </a:ln>
+      </dgm:spPr>
+      <dgm:extLst>
+        <a:ext uri="{E40237B7-FDA0-4F09-8148-C483321AD2D9}">
+          <dgm14:cNvPr xmlns:dgm14="http://schemas.microsoft.com/office/drawing/2010/diagram" id="0" name="" descr="Farm scene"/>
+        </a:ext>
+      </dgm:extLst>
+    </dgm:pt>
+    <dgm:pt modelId="{98281098-25F3-4E8F-B064-824F811F57C1}" type="pres">
+      <dgm:prSet presAssocID="{A9B29117-F757-4426-A5FC-AAAFDCC95783}" presName="spaceRect" presStyleCnt="0"/>
+      <dgm:spPr/>
+    </dgm:pt>
+    <dgm:pt modelId="{DD479CB3-A8FC-4FCA-9CEE-AC760F1990C5}" type="pres">
+      <dgm:prSet presAssocID="{A9B29117-F757-4426-A5FC-AAAFDCC95783}" presName="parTx" presStyleLbl="revTx" presStyleIdx="2" presStyleCnt="3">
+        <dgm:presLayoutVars>
+          <dgm:chMax val="0"/>
+          <dgm:chPref val="0"/>
+        </dgm:presLayoutVars>
+      </dgm:prSet>
+      <dgm:spPr/>
+    </dgm:pt>
+  </dgm:ptLst>
+  <dgm:cxnLst>
+    <dgm:cxn modelId="{D9FDDC0A-7852-4E8F-A8E4-FB6C1EECA538}" type="presOf" srcId="{E0EBEB41-1B88-45AF-BB5D-400CE6C89EC4}" destId="{83D98DE9-05E4-487E-A2C4-E1DBE0327E90}" srcOrd="0" destOrd="0" presId="urn:microsoft.com/office/officeart/2018/2/layout/IconVerticalSolidList"/>
+    <dgm:cxn modelId="{D48B6F17-E074-4556-92EA-07E70162D3BD}" type="presOf" srcId="{A9B29117-F757-4426-A5FC-AAAFDCC95783}" destId="{DD479CB3-A8FC-4FCA-9CEE-AC760F1990C5}" srcOrd="0" destOrd="0" presId="urn:microsoft.com/office/officeart/2018/2/layout/IconVerticalSolidList"/>
+    <dgm:cxn modelId="{BA312A1A-6059-460E-8026-7FEF2F60A158}" srcId="{4EDE7292-94D1-4E9E-BDBC-B8DDBBBAC5BE}" destId="{E0EBEB41-1B88-45AF-BB5D-400CE6C89EC4}" srcOrd="0" destOrd="0" parTransId="{F58FD65C-958E-424F-8103-34A2B7EF3AB8}" sibTransId="{27FC579A-D825-4960-B5A9-175584E26185}"/>
+    <dgm:cxn modelId="{0C403A1C-8008-43FB-BFED-E65EF2801E6E}" srcId="{4EDE7292-94D1-4E9E-BDBC-B8DDBBBAC5BE}" destId="{5CE83CDB-45F7-47B2-99D8-29D885111CDD}" srcOrd="1" destOrd="0" parTransId="{68595234-FAA0-4F80-BC5E-CA336515D3EB}" sibTransId="{EBF9A7E4-AF59-410F-973E-4BC319E0BC49}"/>
+    <dgm:cxn modelId="{83427790-CA9A-4716-BB54-1A395E55C6F4}" type="presOf" srcId="{4EDE7292-94D1-4E9E-BDBC-B8DDBBBAC5BE}" destId="{BB12A0F9-7300-45D5-946E-2F7828557966}" srcOrd="0" destOrd="0" presId="urn:microsoft.com/office/officeart/2018/2/layout/IconVerticalSolidList"/>
+    <dgm:cxn modelId="{65C40ECD-F529-4283-9202-A2D6E60C3CE7}" srcId="{4EDE7292-94D1-4E9E-BDBC-B8DDBBBAC5BE}" destId="{A9B29117-F757-4426-A5FC-AAAFDCC95783}" srcOrd="2" destOrd="0" parTransId="{1018777D-60F0-441A-9F91-01F2B1B1FA1C}" sibTransId="{235E6391-3BFD-45B2-8C1F-1DEF88AB309C}"/>
+    <dgm:cxn modelId="{DDB356DB-C2E0-4DA8-921F-FC438E182CFA}" type="presOf" srcId="{5CE83CDB-45F7-47B2-99D8-29D885111CDD}" destId="{C95DD6BC-C77F-4575-820C-81E6BE6CDA95}" srcOrd="0" destOrd="0" presId="urn:microsoft.com/office/officeart/2018/2/layout/IconVerticalSolidList"/>
+    <dgm:cxn modelId="{375DA7A2-8E59-4779-BFFD-26F6D343F764}" type="presParOf" srcId="{BB12A0F9-7300-45D5-946E-2F7828557966}" destId="{C95AF158-75B2-455B-BA8B-7A2E29BDD245}" srcOrd="0" destOrd="0" presId="urn:microsoft.com/office/officeart/2018/2/layout/IconVerticalSolidList"/>
+    <dgm:cxn modelId="{1DFA7904-07EB-443F-9AEB-271280998580}" type="presParOf" srcId="{C95AF158-75B2-455B-BA8B-7A2E29BDD245}" destId="{36D041B2-23F2-4F1A-AB9C-271C3C985EC2}" srcOrd="0" destOrd="0" presId="urn:microsoft.com/office/officeart/2018/2/layout/IconVerticalSolidList"/>
+    <dgm:cxn modelId="{F0AB61B5-6C50-40FC-88DD-248B8884AA03}" type="presParOf" srcId="{C95AF158-75B2-455B-BA8B-7A2E29BDD245}" destId="{46B39BCD-D92D-41A2-A1A6-E4AA521D544E}" srcOrd="1" destOrd="0" presId="urn:microsoft.com/office/officeart/2018/2/layout/IconVerticalSolidList"/>
+    <dgm:cxn modelId="{A46E2702-A6EE-404D-B490-7068C545BCDA}" type="presParOf" srcId="{C95AF158-75B2-455B-BA8B-7A2E29BDD245}" destId="{9993C4E1-DF6F-403A-B8FE-5A344D764801}" srcOrd="2" destOrd="0" presId="urn:microsoft.com/office/officeart/2018/2/layout/IconVerticalSolidList"/>
+    <dgm:cxn modelId="{838F84FA-EC23-4B3D-A8F3-090FC7480CF5}" type="presParOf" srcId="{C95AF158-75B2-455B-BA8B-7A2E29BDD245}" destId="{83D98DE9-05E4-487E-A2C4-E1DBE0327E90}" srcOrd="3" destOrd="0" presId="urn:microsoft.com/office/officeart/2018/2/layout/IconVerticalSolidList"/>
+    <dgm:cxn modelId="{9A6BAF84-1971-4D0E-BE55-DE95927EDDB4}" type="presParOf" srcId="{BB12A0F9-7300-45D5-946E-2F7828557966}" destId="{53DEF414-CC5D-4629-AC37-1920C0849A3F}" srcOrd="1" destOrd="0" presId="urn:microsoft.com/office/officeart/2018/2/layout/IconVerticalSolidList"/>
+    <dgm:cxn modelId="{551A6F9B-9F23-4532-B7BC-54D71CD3F7EC}" type="presParOf" srcId="{BB12A0F9-7300-45D5-946E-2F7828557966}" destId="{3872A2A4-7702-40DE-AB6C-7B7561857AEB}" srcOrd="2" destOrd="0" presId="urn:microsoft.com/office/officeart/2018/2/layout/IconVerticalSolidList"/>
+    <dgm:cxn modelId="{7EB41600-18B8-4E05-8270-AC0FA8133B07}" type="presParOf" srcId="{3872A2A4-7702-40DE-AB6C-7B7561857AEB}" destId="{32746872-77C1-47B3-84E4-7797AE4B65EC}" srcOrd="0" destOrd="0" presId="urn:microsoft.com/office/officeart/2018/2/layout/IconVerticalSolidList"/>
+    <dgm:cxn modelId="{5FE24477-F5E8-450D-A919-0F8085A0142A}" type="presParOf" srcId="{3872A2A4-7702-40DE-AB6C-7B7561857AEB}" destId="{98EC988F-B161-40A9-87F6-C7C473CEAF63}" srcOrd="1" destOrd="0" presId="urn:microsoft.com/office/officeart/2018/2/layout/IconVerticalSolidList"/>
+    <dgm:cxn modelId="{259E9F3E-CE6E-4F4F-8EE9-927BEA1E0100}" type="presParOf" srcId="{3872A2A4-7702-40DE-AB6C-7B7561857AEB}" destId="{F724F822-061E-4D74-92B8-C432FC5A1A90}" srcOrd="2" destOrd="0" presId="urn:microsoft.com/office/officeart/2018/2/layout/IconVerticalSolidList"/>
+    <dgm:cxn modelId="{8955945C-165C-4393-85F6-3177D97F4B4B}" type="presParOf" srcId="{3872A2A4-7702-40DE-AB6C-7B7561857AEB}" destId="{C95DD6BC-C77F-4575-820C-81E6BE6CDA95}" srcOrd="3" destOrd="0" presId="urn:microsoft.com/office/officeart/2018/2/layout/IconVerticalSolidList"/>
+    <dgm:cxn modelId="{C6DD79E3-BBD1-4F41-AC0D-8B99DBF574EB}" type="presParOf" srcId="{BB12A0F9-7300-45D5-946E-2F7828557966}" destId="{8E6C0752-2977-4678-92C3-D78D67BACD03}" srcOrd="3" destOrd="0" presId="urn:microsoft.com/office/officeart/2018/2/layout/IconVerticalSolidList"/>
+    <dgm:cxn modelId="{53F31073-B900-437E-9103-C865CEFE89FD}" type="presParOf" srcId="{BB12A0F9-7300-45D5-946E-2F7828557966}" destId="{9E083AA6-C9EE-47FA-BA8A-55B253397C18}" srcOrd="4" destOrd="0" presId="urn:microsoft.com/office/officeart/2018/2/layout/IconVerticalSolidList"/>
+    <dgm:cxn modelId="{95E1C007-EF69-498D-9BDB-DE0BA495EC6A}" type="presParOf" srcId="{9E083AA6-C9EE-47FA-BA8A-55B253397C18}" destId="{B0659ACA-F64B-4534-A2A7-5420B630BD4F}" srcOrd="0" destOrd="0" presId="urn:microsoft.com/office/officeart/2018/2/layout/IconVerticalSolidList"/>
+    <dgm:cxn modelId="{306DF32A-854F-4814-87A1-F6C0648A692B}" type="presParOf" srcId="{9E083AA6-C9EE-47FA-BA8A-55B253397C18}" destId="{953D4B3A-B8ED-44F6-97A5-AF74F08A689E}" srcOrd="1" destOrd="0" presId="urn:microsoft.com/office/officeart/2018/2/layout/IconVerticalSolidList"/>
+    <dgm:cxn modelId="{3655F830-1807-4AF9-82B6-F884EB404DAC}" type="presParOf" srcId="{9E083AA6-C9EE-47FA-BA8A-55B253397C18}" destId="{98281098-25F3-4E8F-B064-824F811F57C1}" srcOrd="2" destOrd="0" presId="urn:microsoft.com/office/officeart/2018/2/layout/IconVerticalSolidList"/>
+    <dgm:cxn modelId="{46632EDD-F92A-4822-91EC-96938AFC1CE0}" type="presParOf" srcId="{9E083AA6-C9EE-47FA-BA8A-55B253397C18}" destId="{DD479CB3-A8FC-4FCA-9CEE-AC760F1990C5}" srcOrd="3" destOrd="0" presId="urn:microsoft.com/office/officeart/2018/2/layout/IconVerticalSolidList"/>
+  </dgm:cxnLst>
+  <dgm:bg/>
+  <dgm:whole/>
+  <dgm:extLst>
+    <a:ext uri="http://schemas.microsoft.com/office/drawing/2008/diagram">
+      <dsp:dataModelExt xmlns:dsp="http://schemas.microsoft.com/office/drawing/2008/diagram" relId="rId7" minVer="http://schemas.openxmlformats.org/drawingml/2006/diagram"/>
+    </a:ext>
+  </dgm:extLst>
+</dgm:dataModel>
+</file>
+
+<file path=ppt/diagrams/data2.xml><?xml version="1.0" encoding="utf-8"?>
+<dgm:dataModel xmlns:dgm="http://schemas.openxmlformats.org/drawingml/2006/diagram" xmlns:a="http://schemas.openxmlformats.org/drawingml/2006/main">
+  <dgm:ptLst>
+    <dgm:pt modelId="{5FCF3163-8B3C-43AE-A288-D6C8D17BC0A3}" type="doc">
+      <dgm:prSet loTypeId="urn:microsoft.com/office/officeart/2016/7/layout/LinearBlockProcessNumbered" loCatId="process" qsTypeId="urn:microsoft.com/office/officeart/2005/8/quickstyle/simple3" qsCatId="simple" csTypeId="urn:microsoft.com/office/officeart/2005/8/colors/colorful1" csCatId="colorful" phldr="1"/>
+      <dgm:spPr/>
+      <dgm:t>
+        <a:bodyPr/>
+        <a:lstStyle/>
+        <a:p>
+          <a:endParaRPr lang="en-US"/>
+        </a:p>
+      </dgm:t>
+    </dgm:pt>
+    <dgm:pt modelId="{C3604B86-87E9-4FDE-9739-56F275803B95}">
+      <dgm:prSet/>
+      <dgm:spPr/>
+      <dgm:t>
+        <a:bodyPr/>
+        <a:lstStyle/>
+        <a:p>
+          <a:r>
+            <a:rPr lang="en-GB" dirty="0"/>
+            <a:t>Now open the Worksheet and follow the instructions to start the temperature exercise.</a:t>
+          </a:r>
+          <a:endParaRPr lang="en-US" dirty="0"/>
+        </a:p>
+      </dgm:t>
+    </dgm:pt>
+    <dgm:pt modelId="{EFE695A9-67FC-48E3-92B7-0310A10C6B3C}" type="parTrans" cxnId="{70A6DC77-1C6C-46BD-8C42-200B2845918F}">
+      <dgm:prSet/>
+      <dgm:spPr/>
+      <dgm:t>
+        <a:bodyPr/>
+        <a:lstStyle/>
+        <a:p>
+          <a:endParaRPr lang="en-US"/>
+        </a:p>
+      </dgm:t>
+    </dgm:pt>
+    <dgm:pt modelId="{0670BDCC-39A3-44B9-BA7E-AE0156DCA4E6}" type="sibTrans" cxnId="{70A6DC77-1C6C-46BD-8C42-200B2845918F}">
+      <dgm:prSet phldrT="01" phldr="0"/>
+      <dgm:spPr/>
+      <dgm:t>
+        <a:bodyPr/>
+        <a:lstStyle/>
+        <a:p>
+          <a:r>
+            <a:rPr lang="en-US"/>
+            <a:t>01</a:t>
+          </a:r>
+        </a:p>
+      </dgm:t>
+    </dgm:pt>
+    <dgm:pt modelId="{D9E55379-019E-467C-A09D-DC82BBF5715C}">
+      <dgm:prSet/>
+      <dgm:spPr/>
+      <dgm:t>
+        <a:bodyPr/>
+        <a:lstStyle/>
+        <a:p>
+          <a:r>
+            <a:rPr lang="en-GB" b="1" dirty="0"/>
+            <a:t>You don’t have to code from scratch only read through to understand what’s happening.</a:t>
+          </a:r>
+          <a:endParaRPr lang="en-US" dirty="0"/>
+        </a:p>
+      </dgm:t>
+    </dgm:pt>
+    <dgm:pt modelId="{6F0CBA12-18CB-4FE7-8E22-A657015E2850}" type="parTrans" cxnId="{7981D876-7226-4602-A49E-66659675DECE}">
+      <dgm:prSet/>
+      <dgm:spPr/>
+      <dgm:t>
+        <a:bodyPr/>
+        <a:lstStyle/>
+        <a:p>
+          <a:endParaRPr lang="en-US"/>
+        </a:p>
+      </dgm:t>
+    </dgm:pt>
+    <dgm:pt modelId="{695816D9-A626-47E5-B908-486368B25E97}" type="sibTrans" cxnId="{7981D876-7226-4602-A49E-66659675DECE}">
+      <dgm:prSet phldrT="02" phldr="0"/>
+      <dgm:spPr/>
+      <dgm:t>
+        <a:bodyPr/>
+        <a:lstStyle/>
+        <a:p>
+          <a:r>
+            <a:rPr lang="en-US"/>
+            <a:t>02</a:t>
+          </a:r>
+        </a:p>
+      </dgm:t>
+    </dgm:pt>
+    <dgm:pt modelId="{9A5C02C2-6182-45E2-9A48-A295C2A84AA0}">
+      <dgm:prSet/>
+      <dgm:spPr/>
+      <dgm:t>
+        <a:bodyPr/>
+        <a:lstStyle/>
+        <a:p>
+          <a:r>
+            <a:rPr lang="en-GB"/>
+            <a:t>The first exercise will show you how the global temperature has changed.</a:t>
+          </a:r>
+          <a:endParaRPr lang="en-US"/>
+        </a:p>
+      </dgm:t>
+    </dgm:pt>
+    <dgm:pt modelId="{5B49E2A5-D1EB-43C6-A696-4BE83B5C7EA7}" type="parTrans" cxnId="{3C3615F1-8551-46DE-9F17-55D84A777853}">
+      <dgm:prSet/>
+      <dgm:spPr/>
+      <dgm:t>
+        <a:bodyPr/>
+        <a:lstStyle/>
+        <a:p>
+          <a:endParaRPr lang="en-US"/>
+        </a:p>
+      </dgm:t>
+    </dgm:pt>
+    <dgm:pt modelId="{E665990F-1EA2-4805-B8D0-3678551004B5}" type="sibTrans" cxnId="{3C3615F1-8551-46DE-9F17-55D84A777853}">
+      <dgm:prSet phldrT="03" phldr="0"/>
+      <dgm:spPr/>
+      <dgm:t>
+        <a:bodyPr/>
+        <a:lstStyle/>
+        <a:p>
+          <a:r>
+            <a:rPr lang="en-US"/>
+            <a:t>03</a:t>
+          </a:r>
+        </a:p>
+      </dgm:t>
+    </dgm:pt>
+    <dgm:pt modelId="{6D532D67-E9DF-4E72-AF84-92FE50332504}" type="pres">
+      <dgm:prSet presAssocID="{5FCF3163-8B3C-43AE-A288-D6C8D17BC0A3}" presName="Name0" presStyleCnt="0">
+        <dgm:presLayoutVars>
+          <dgm:animLvl val="lvl"/>
+          <dgm:resizeHandles val="exact"/>
+        </dgm:presLayoutVars>
+      </dgm:prSet>
+      <dgm:spPr/>
+    </dgm:pt>
+    <dgm:pt modelId="{098206DE-C263-4125-99EF-9C4CD07B909F}" type="pres">
+      <dgm:prSet presAssocID="{C3604B86-87E9-4FDE-9739-56F275803B95}" presName="compositeNode" presStyleCnt="0">
+        <dgm:presLayoutVars>
+          <dgm:bulletEnabled val="1"/>
+        </dgm:presLayoutVars>
+      </dgm:prSet>
+      <dgm:spPr/>
+    </dgm:pt>
+    <dgm:pt modelId="{BFE6FE9D-8375-4AE3-BB2E-7EF1BE09C15C}" type="pres">
+      <dgm:prSet presAssocID="{C3604B86-87E9-4FDE-9739-56F275803B95}" presName="bgRect" presStyleLbl="alignNode1" presStyleIdx="0" presStyleCnt="3" custLinFactNeighborX="-46"/>
+      <dgm:spPr/>
+    </dgm:pt>
+    <dgm:pt modelId="{E1323729-08BF-4FC8-9F40-276BA28E4F7A}" type="pres">
+      <dgm:prSet presAssocID="{0670BDCC-39A3-44B9-BA7E-AE0156DCA4E6}" presName="sibTransNodeRect" presStyleLbl="alignNode1" presStyleIdx="0" presStyleCnt="3">
+        <dgm:presLayoutVars>
+          <dgm:chMax val="0"/>
+          <dgm:bulletEnabled val="1"/>
+        </dgm:presLayoutVars>
+      </dgm:prSet>
+      <dgm:spPr/>
+    </dgm:pt>
+    <dgm:pt modelId="{0974844B-274B-4B7B-8E66-9664D6846CD1}" type="pres">
+      <dgm:prSet presAssocID="{C3604B86-87E9-4FDE-9739-56F275803B95}" presName="nodeRect" presStyleLbl="alignNode1" presStyleIdx="0" presStyleCnt="3">
+        <dgm:presLayoutVars>
+          <dgm:bulletEnabled val="1"/>
+        </dgm:presLayoutVars>
+      </dgm:prSet>
+      <dgm:spPr/>
+    </dgm:pt>
+    <dgm:pt modelId="{69166F73-7170-42B6-9C62-DCFB2B9707BF}" type="pres">
+      <dgm:prSet presAssocID="{0670BDCC-39A3-44B9-BA7E-AE0156DCA4E6}" presName="sibTrans" presStyleCnt="0"/>
+      <dgm:spPr/>
+    </dgm:pt>
+    <dgm:pt modelId="{2D767866-2016-4C14-95ED-32DB7CBD336D}" type="pres">
+      <dgm:prSet presAssocID="{D9E55379-019E-467C-A09D-DC82BBF5715C}" presName="compositeNode" presStyleCnt="0">
+        <dgm:presLayoutVars>
+          <dgm:bulletEnabled val="1"/>
+        </dgm:presLayoutVars>
+      </dgm:prSet>
+      <dgm:spPr/>
+    </dgm:pt>
+    <dgm:pt modelId="{A31670D3-ACC6-4DB8-AB8B-E2E163374733}" type="pres">
+      <dgm:prSet presAssocID="{D9E55379-019E-467C-A09D-DC82BBF5715C}" presName="bgRect" presStyleLbl="alignNode1" presStyleIdx="1" presStyleCnt="3"/>
+      <dgm:spPr/>
+    </dgm:pt>
+    <dgm:pt modelId="{B4BA60EE-AA53-4AAD-8CBB-85EAE6DC2DD2}" type="pres">
+      <dgm:prSet presAssocID="{695816D9-A626-47E5-B908-486368B25E97}" presName="sibTransNodeRect" presStyleLbl="alignNode1" presStyleIdx="1" presStyleCnt="3">
+        <dgm:presLayoutVars>
+          <dgm:chMax val="0"/>
+          <dgm:bulletEnabled val="1"/>
+        </dgm:presLayoutVars>
+      </dgm:prSet>
+      <dgm:spPr/>
+    </dgm:pt>
+    <dgm:pt modelId="{33FA3F66-711A-49F2-9DB9-EB35CE33CB58}" type="pres">
+      <dgm:prSet presAssocID="{D9E55379-019E-467C-A09D-DC82BBF5715C}" presName="nodeRect" presStyleLbl="alignNode1" presStyleIdx="1" presStyleCnt="3">
+        <dgm:presLayoutVars>
+          <dgm:bulletEnabled val="1"/>
+        </dgm:presLayoutVars>
+      </dgm:prSet>
+      <dgm:spPr/>
+    </dgm:pt>
+    <dgm:pt modelId="{565CE130-3767-4598-94C2-F6D9CABE4CAD}" type="pres">
+      <dgm:prSet presAssocID="{695816D9-A626-47E5-B908-486368B25E97}" presName="sibTrans" presStyleCnt="0"/>
+      <dgm:spPr/>
+    </dgm:pt>
+    <dgm:pt modelId="{7818F47F-5A19-4C4D-A09A-C294A85A3600}" type="pres">
+      <dgm:prSet presAssocID="{9A5C02C2-6182-45E2-9A48-A295C2A84AA0}" presName="compositeNode" presStyleCnt="0">
+        <dgm:presLayoutVars>
+          <dgm:bulletEnabled val="1"/>
+        </dgm:presLayoutVars>
+      </dgm:prSet>
+      <dgm:spPr/>
+    </dgm:pt>
+    <dgm:pt modelId="{4CDD64CC-5E51-420D-98DD-C1832A7D645E}" type="pres">
+      <dgm:prSet presAssocID="{9A5C02C2-6182-45E2-9A48-A295C2A84AA0}" presName="bgRect" presStyleLbl="alignNode1" presStyleIdx="2" presStyleCnt="3"/>
+      <dgm:spPr/>
+    </dgm:pt>
+    <dgm:pt modelId="{D4AEBBF8-DAEE-43FF-B717-46FB07AA058D}" type="pres">
+      <dgm:prSet presAssocID="{E665990F-1EA2-4805-B8D0-3678551004B5}" presName="sibTransNodeRect" presStyleLbl="alignNode1" presStyleIdx="2" presStyleCnt="3">
+        <dgm:presLayoutVars>
+          <dgm:chMax val="0"/>
+          <dgm:bulletEnabled val="1"/>
+        </dgm:presLayoutVars>
+      </dgm:prSet>
+      <dgm:spPr/>
+    </dgm:pt>
+    <dgm:pt modelId="{FE812F0A-A706-4611-9B8B-72A2A8A2D9BD}" type="pres">
+      <dgm:prSet presAssocID="{9A5C02C2-6182-45E2-9A48-A295C2A84AA0}" presName="nodeRect" presStyleLbl="alignNode1" presStyleIdx="2" presStyleCnt="3">
+        <dgm:presLayoutVars>
+          <dgm:bulletEnabled val="1"/>
+        </dgm:presLayoutVars>
+      </dgm:prSet>
+      <dgm:spPr/>
+    </dgm:pt>
+  </dgm:ptLst>
+  <dgm:cxnLst>
+    <dgm:cxn modelId="{AE9C5C02-99A0-4167-B668-1E2FEE4E19CF}" type="presOf" srcId="{D9E55379-019E-467C-A09D-DC82BBF5715C}" destId="{A31670D3-ACC6-4DB8-AB8B-E2E163374733}" srcOrd="0" destOrd="0" presId="urn:microsoft.com/office/officeart/2016/7/layout/LinearBlockProcessNumbered"/>
+    <dgm:cxn modelId="{8A9AE423-F28F-4D05-82CE-EC11E49757D7}" type="presOf" srcId="{695816D9-A626-47E5-B908-486368B25E97}" destId="{B4BA60EE-AA53-4AAD-8CBB-85EAE6DC2DD2}" srcOrd="0" destOrd="0" presId="urn:microsoft.com/office/officeart/2016/7/layout/LinearBlockProcessNumbered"/>
+    <dgm:cxn modelId="{8B40FF48-952E-4982-BFFD-35BEEC845EBF}" type="presOf" srcId="{E665990F-1EA2-4805-B8D0-3678551004B5}" destId="{D4AEBBF8-DAEE-43FF-B717-46FB07AA058D}" srcOrd="0" destOrd="0" presId="urn:microsoft.com/office/officeart/2016/7/layout/LinearBlockProcessNumbered"/>
+    <dgm:cxn modelId="{8628DF6D-BCC0-4E2D-A9F1-EF89AAD9FC28}" type="presOf" srcId="{C3604B86-87E9-4FDE-9739-56F275803B95}" destId="{BFE6FE9D-8375-4AE3-BB2E-7EF1BE09C15C}" srcOrd="0" destOrd="0" presId="urn:microsoft.com/office/officeart/2016/7/layout/LinearBlockProcessNumbered"/>
+    <dgm:cxn modelId="{47892454-5D84-49DA-B852-6F660340DD95}" type="presOf" srcId="{5FCF3163-8B3C-43AE-A288-D6C8D17BC0A3}" destId="{6D532D67-E9DF-4E72-AF84-92FE50332504}" srcOrd="0" destOrd="0" presId="urn:microsoft.com/office/officeart/2016/7/layout/LinearBlockProcessNumbered"/>
+    <dgm:cxn modelId="{7981D876-7226-4602-A49E-66659675DECE}" srcId="{5FCF3163-8B3C-43AE-A288-D6C8D17BC0A3}" destId="{D9E55379-019E-467C-A09D-DC82BBF5715C}" srcOrd="1" destOrd="0" parTransId="{6F0CBA12-18CB-4FE7-8E22-A657015E2850}" sibTransId="{695816D9-A626-47E5-B908-486368B25E97}"/>
+    <dgm:cxn modelId="{70A6DC77-1C6C-46BD-8C42-200B2845918F}" srcId="{5FCF3163-8B3C-43AE-A288-D6C8D17BC0A3}" destId="{C3604B86-87E9-4FDE-9739-56F275803B95}" srcOrd="0" destOrd="0" parTransId="{EFE695A9-67FC-48E3-92B7-0310A10C6B3C}" sibTransId="{0670BDCC-39A3-44B9-BA7E-AE0156DCA4E6}"/>
+    <dgm:cxn modelId="{CD574C98-86BA-42DA-8D2B-AF28F0996537}" type="presOf" srcId="{C3604B86-87E9-4FDE-9739-56F275803B95}" destId="{0974844B-274B-4B7B-8E66-9664D6846CD1}" srcOrd="1" destOrd="0" presId="urn:microsoft.com/office/officeart/2016/7/layout/LinearBlockProcessNumbered"/>
+    <dgm:cxn modelId="{D72E71B3-9486-401D-863A-CFEB82FEBC43}" type="presOf" srcId="{9A5C02C2-6182-45E2-9A48-A295C2A84AA0}" destId="{4CDD64CC-5E51-420D-98DD-C1832A7D645E}" srcOrd="0" destOrd="0" presId="urn:microsoft.com/office/officeart/2016/7/layout/LinearBlockProcessNumbered"/>
+    <dgm:cxn modelId="{3C3615F1-8551-46DE-9F17-55D84A777853}" srcId="{5FCF3163-8B3C-43AE-A288-D6C8D17BC0A3}" destId="{9A5C02C2-6182-45E2-9A48-A295C2A84AA0}" srcOrd="2" destOrd="0" parTransId="{5B49E2A5-D1EB-43C6-A696-4BE83B5C7EA7}" sibTransId="{E665990F-1EA2-4805-B8D0-3678551004B5}"/>
+    <dgm:cxn modelId="{EE0312F7-ECDD-43A6-888C-ECAB87DBC85E}" type="presOf" srcId="{9A5C02C2-6182-45E2-9A48-A295C2A84AA0}" destId="{FE812F0A-A706-4611-9B8B-72A2A8A2D9BD}" srcOrd="1" destOrd="0" presId="urn:microsoft.com/office/officeart/2016/7/layout/LinearBlockProcessNumbered"/>
+    <dgm:cxn modelId="{78D59AFD-6C4A-49A3-A471-7C3278B1A271}" type="presOf" srcId="{D9E55379-019E-467C-A09D-DC82BBF5715C}" destId="{33FA3F66-711A-49F2-9DB9-EB35CE33CB58}" srcOrd="1" destOrd="0" presId="urn:microsoft.com/office/officeart/2016/7/layout/LinearBlockProcessNumbered"/>
+    <dgm:cxn modelId="{898DFCFF-B45F-4E9C-BD4F-1ECB8FEDF6CC}" type="presOf" srcId="{0670BDCC-39A3-44B9-BA7E-AE0156DCA4E6}" destId="{E1323729-08BF-4FC8-9F40-276BA28E4F7A}" srcOrd="0" destOrd="0" presId="urn:microsoft.com/office/officeart/2016/7/layout/LinearBlockProcessNumbered"/>
+    <dgm:cxn modelId="{08086AA8-3155-47F7-9618-ACE3FC94B75B}" type="presParOf" srcId="{6D532D67-E9DF-4E72-AF84-92FE50332504}" destId="{098206DE-C263-4125-99EF-9C4CD07B909F}" srcOrd="0" destOrd="0" presId="urn:microsoft.com/office/officeart/2016/7/layout/LinearBlockProcessNumbered"/>
+    <dgm:cxn modelId="{BD836D8D-F234-41AD-932D-19432A7423B8}" type="presParOf" srcId="{098206DE-C263-4125-99EF-9C4CD07B909F}" destId="{BFE6FE9D-8375-4AE3-BB2E-7EF1BE09C15C}" srcOrd="0" destOrd="0" presId="urn:microsoft.com/office/officeart/2016/7/layout/LinearBlockProcessNumbered"/>
+    <dgm:cxn modelId="{65D275EE-09D6-43C9-BD99-61614EF27F41}" type="presParOf" srcId="{098206DE-C263-4125-99EF-9C4CD07B909F}" destId="{E1323729-08BF-4FC8-9F40-276BA28E4F7A}" srcOrd="1" destOrd="0" presId="urn:microsoft.com/office/officeart/2016/7/layout/LinearBlockProcessNumbered"/>
+    <dgm:cxn modelId="{7592B4E8-8BA1-472C-B895-D393F681C263}" type="presParOf" srcId="{098206DE-C263-4125-99EF-9C4CD07B909F}" destId="{0974844B-274B-4B7B-8E66-9664D6846CD1}" srcOrd="2" destOrd="0" presId="urn:microsoft.com/office/officeart/2016/7/layout/LinearBlockProcessNumbered"/>
+    <dgm:cxn modelId="{6A602A93-9B66-4BE7-98B9-D7349E70CC22}" type="presParOf" srcId="{6D532D67-E9DF-4E72-AF84-92FE50332504}" destId="{69166F73-7170-42B6-9C62-DCFB2B9707BF}" srcOrd="1" destOrd="0" presId="urn:microsoft.com/office/officeart/2016/7/layout/LinearBlockProcessNumbered"/>
+    <dgm:cxn modelId="{D71BA7CC-64E1-4C43-9D5E-CF7D7E4D6864}" type="presParOf" srcId="{6D532D67-E9DF-4E72-AF84-92FE50332504}" destId="{2D767866-2016-4C14-95ED-32DB7CBD336D}" srcOrd="2" destOrd="0" presId="urn:microsoft.com/office/officeart/2016/7/layout/LinearBlockProcessNumbered"/>
+    <dgm:cxn modelId="{C1578E81-AFD9-44E9-B4DD-C7AAA8D04C4F}" type="presParOf" srcId="{2D767866-2016-4C14-95ED-32DB7CBD336D}" destId="{A31670D3-ACC6-4DB8-AB8B-E2E163374733}" srcOrd="0" destOrd="0" presId="urn:microsoft.com/office/officeart/2016/7/layout/LinearBlockProcessNumbered"/>
+    <dgm:cxn modelId="{B97849B4-BF6F-4FEA-81B1-9D0C9D246421}" type="presParOf" srcId="{2D767866-2016-4C14-95ED-32DB7CBD336D}" destId="{B4BA60EE-AA53-4AAD-8CBB-85EAE6DC2DD2}" srcOrd="1" destOrd="0" presId="urn:microsoft.com/office/officeart/2016/7/layout/LinearBlockProcessNumbered"/>
+    <dgm:cxn modelId="{02AA4CF9-F471-4A78-B3FC-7AA361077523}" type="presParOf" srcId="{2D767866-2016-4C14-95ED-32DB7CBD336D}" destId="{33FA3F66-711A-49F2-9DB9-EB35CE33CB58}" srcOrd="2" destOrd="0" presId="urn:microsoft.com/office/officeart/2016/7/layout/LinearBlockProcessNumbered"/>
+    <dgm:cxn modelId="{78BD5718-8989-404A-802F-75ABECF5D3FE}" type="presParOf" srcId="{6D532D67-E9DF-4E72-AF84-92FE50332504}" destId="{565CE130-3767-4598-94C2-F6D9CABE4CAD}" srcOrd="3" destOrd="0" presId="urn:microsoft.com/office/officeart/2016/7/layout/LinearBlockProcessNumbered"/>
+    <dgm:cxn modelId="{27E3E4D3-0B45-4954-BB59-5364CFEBF05E}" type="presParOf" srcId="{6D532D67-E9DF-4E72-AF84-92FE50332504}" destId="{7818F47F-5A19-4C4D-A09A-C294A85A3600}" srcOrd="4" destOrd="0" presId="urn:microsoft.com/office/officeart/2016/7/layout/LinearBlockProcessNumbered"/>
+    <dgm:cxn modelId="{72F75349-7F70-47FC-BD9D-4864E2977732}" type="presParOf" srcId="{7818F47F-5A19-4C4D-A09A-C294A85A3600}" destId="{4CDD64CC-5E51-420D-98DD-C1832A7D645E}" srcOrd="0" destOrd="0" presId="urn:microsoft.com/office/officeart/2016/7/layout/LinearBlockProcessNumbered"/>
+    <dgm:cxn modelId="{1FF47132-2067-47C2-A37E-F73ED7B759BE}" type="presParOf" srcId="{7818F47F-5A19-4C4D-A09A-C294A85A3600}" destId="{D4AEBBF8-DAEE-43FF-B717-46FB07AA058D}" srcOrd="1" destOrd="0" presId="urn:microsoft.com/office/officeart/2016/7/layout/LinearBlockProcessNumbered"/>
+    <dgm:cxn modelId="{D2234AE0-C36A-460A-A4EE-9F13372548D9}" type="presParOf" srcId="{7818F47F-5A19-4C4D-A09A-C294A85A3600}" destId="{FE812F0A-A706-4611-9B8B-72A2A8A2D9BD}" srcOrd="2" destOrd="0" presId="urn:microsoft.com/office/officeart/2016/7/layout/LinearBlockProcessNumbered"/>
+  </dgm:cxnLst>
+  <dgm:bg/>
+  <dgm:whole/>
+  <dgm:extLst>
+    <a:ext uri="http://schemas.microsoft.com/office/drawing/2008/diagram">
+      <dsp:dataModelExt xmlns:dsp="http://schemas.microsoft.com/office/drawing/2008/diagram" relId="rId6" minVer="http://schemas.openxmlformats.org/drawingml/2006/diagram"/>
+    </a:ext>
+  </dgm:extLst>
+</dgm:dataModel>
+</file>
+
+<file path=ppt/diagrams/data3.xml><?xml version="1.0" encoding="utf-8"?>
 <dgm:dataModel xmlns:dgm="http://schemas.openxmlformats.org/drawingml/2006/diagram" xmlns:a="http://schemas.openxmlformats.org/drawingml/2006/main">
   <dgm:ptLst>
     <dgm:pt modelId="{7FD5417F-808E-4ACF-BC49-D563FB16FF61}" type="doc">
@@ -1071,10 +3516,10 @@
             <a:defRPr cap="all"/>
           </a:pPr>
           <a:r>
-            <a:rPr lang="en-GB" baseline="0"/>
-            <a:t>Compare two charts</a:t>
+            <a:rPr lang="en-GB" baseline="0" dirty="0"/>
+            <a:t>Compare The charts</a:t>
           </a:r>
-          <a:endParaRPr lang="en-US"/>
+          <a:endParaRPr lang="en-US" dirty="0"/>
         </a:p>
       </dgm:t>
     </dgm:pt>
@@ -1302,6 +3747,1011 @@
       <dsp:cNvGrpSpPr/>
     </dsp:nvGrpSpPr>
     <dsp:grpSpPr/>
+    <dsp:sp modelId="{36D041B2-23F2-4F1A-AB9C-271C3C985EC2}">
+      <dsp:nvSpPr>
+        <dsp:cNvPr id="0" name=""/>
+        <dsp:cNvSpPr/>
+      </dsp:nvSpPr>
+      <dsp:spPr>
+        <a:xfrm>
+          <a:off x="0" y="660"/>
+          <a:ext cx="6188689" cy="1545147"/>
+        </a:xfrm>
+        <a:prstGeom prst="roundRect">
+          <a:avLst>
+            <a:gd name="adj" fmla="val 10000"/>
+          </a:avLst>
+        </a:prstGeom>
+        <a:solidFill>
+          <a:schemeClr val="bg1">
+            <a:lumMod val="95000"/>
+            <a:hueOff val="0"/>
+            <a:satOff val="0"/>
+            <a:lumOff val="0"/>
+            <a:alphaOff val="0"/>
+          </a:schemeClr>
+        </a:solidFill>
+        <a:ln>
+          <a:noFill/>
+        </a:ln>
+        <a:effectLst/>
+      </dsp:spPr>
+      <dsp:style>
+        <a:lnRef idx="0">
+          <a:scrgbClr r="0" g="0" b="0"/>
+        </a:lnRef>
+        <a:fillRef idx="1">
+          <a:scrgbClr r="0" g="0" b="0"/>
+        </a:fillRef>
+        <a:effectRef idx="0">
+          <a:scrgbClr r="0" g="0" b="0"/>
+        </a:effectRef>
+        <a:fontRef idx="minor"/>
+      </dsp:style>
+    </dsp:sp>
+    <dsp:sp modelId="{46B39BCD-D92D-41A2-A1A6-E4AA521D544E}">
+      <dsp:nvSpPr>
+        <dsp:cNvPr id="0" name=""/>
+        <dsp:cNvSpPr/>
+      </dsp:nvSpPr>
+      <dsp:spPr>
+        <a:xfrm>
+          <a:off x="467407" y="348318"/>
+          <a:ext cx="849830" cy="849830"/>
+        </a:xfrm>
+        <a:prstGeom prst="rect">
+          <a:avLst/>
+        </a:prstGeom>
+        <a:blipFill>
+          <a:blip xmlns:r="http://schemas.openxmlformats.org/officeDocument/2006/relationships" r:embed="rId1">
+            <a:extLst>
+              <a:ext uri="{28A0092B-C50C-407E-A947-70E740481C1C}">
+                <a14:useLocalDpi xmlns:a14="http://schemas.microsoft.com/office/drawing/2010/main" val="0"/>
+              </a:ext>
+              <a:ext uri="{96DAC541-7B7A-43D3-8B79-37D633B846F1}">
+                <asvg:svgBlip xmlns:asvg="http://schemas.microsoft.com/office/drawing/2016/SVG/main" r:embed="rId2"/>
+              </a:ext>
+            </a:extLst>
+          </a:blip>
+          <a:stretch>
+            <a:fillRect/>
+          </a:stretch>
+        </a:blipFill>
+        <a:ln w="12700" cap="flat" cmpd="sng" algn="ctr">
+          <a:noFill/>
+          <a:prstDash val="solid"/>
+          <a:miter lim="800000"/>
+        </a:ln>
+        <a:effectLst/>
+      </dsp:spPr>
+      <dsp:style>
+        <a:lnRef idx="2">
+          <a:scrgbClr r="0" g="0" b="0"/>
+        </a:lnRef>
+        <a:fillRef idx="1">
+          <a:scrgbClr r="0" g="0" b="0"/>
+        </a:fillRef>
+        <a:effectRef idx="0">
+          <a:scrgbClr r="0" g="0" b="0"/>
+        </a:effectRef>
+        <a:fontRef idx="minor">
+          <a:schemeClr val="lt1"/>
+        </a:fontRef>
+      </dsp:style>
+    </dsp:sp>
+    <dsp:sp modelId="{83D98DE9-05E4-487E-A2C4-E1DBE0327E90}">
+      <dsp:nvSpPr>
+        <dsp:cNvPr id="0" name=""/>
+        <dsp:cNvSpPr/>
+      </dsp:nvSpPr>
+      <dsp:spPr>
+        <a:xfrm>
+          <a:off x="1784645" y="660"/>
+          <a:ext cx="4404043" cy="1545147"/>
+        </a:xfrm>
+        <a:prstGeom prst="rect">
+          <a:avLst/>
+        </a:prstGeom>
+        <a:noFill/>
+        <a:ln>
+          <a:noFill/>
+        </a:ln>
+        <a:effectLst/>
+      </dsp:spPr>
+      <dsp:style>
+        <a:lnRef idx="0">
+          <a:scrgbClr r="0" g="0" b="0"/>
+        </a:lnRef>
+        <a:fillRef idx="0">
+          <a:scrgbClr r="0" g="0" b="0"/>
+        </a:fillRef>
+        <a:effectRef idx="0">
+          <a:scrgbClr r="0" g="0" b="0"/>
+        </a:effectRef>
+        <a:fontRef idx="minor"/>
+      </dsp:style>
+      <dsp:txBody>
+        <a:bodyPr spcFirstLastPara="0" vert="horz" wrap="square" lIns="163528" tIns="163528" rIns="163528" bIns="163528" numCol="1" spcCol="1270" anchor="ctr" anchorCtr="0">
+          <a:noAutofit/>
+        </a:bodyPr>
+        <a:lstStyle/>
+        <a:p>
+          <a:pPr marL="0" lvl="0" indent="0" algn="l" defTabSz="1111250">
+            <a:lnSpc>
+              <a:spcPct val="90000"/>
+            </a:lnSpc>
+            <a:spcBef>
+              <a:spcPct val="0"/>
+            </a:spcBef>
+            <a:spcAft>
+              <a:spcPct val="35000"/>
+            </a:spcAft>
+            <a:buNone/>
+          </a:pPr>
+          <a:r>
+            <a:rPr lang="en-GB" sz="2500" kern="1200" baseline="0"/>
+            <a:t>Burning of fossil fuels</a:t>
+          </a:r>
+          <a:endParaRPr lang="en-US" sz="2500" kern="1200"/>
+        </a:p>
+      </dsp:txBody>
+      <dsp:txXfrm>
+        <a:off x="1784645" y="660"/>
+        <a:ext cx="4404043" cy="1545147"/>
+      </dsp:txXfrm>
+    </dsp:sp>
+    <dsp:sp modelId="{32746872-77C1-47B3-84E4-7797AE4B65EC}">
+      <dsp:nvSpPr>
+        <dsp:cNvPr id="0" name=""/>
+        <dsp:cNvSpPr/>
+      </dsp:nvSpPr>
+      <dsp:spPr>
+        <a:xfrm>
+          <a:off x="0" y="1932094"/>
+          <a:ext cx="6188689" cy="1545147"/>
+        </a:xfrm>
+        <a:prstGeom prst="roundRect">
+          <a:avLst>
+            <a:gd name="adj" fmla="val 10000"/>
+          </a:avLst>
+        </a:prstGeom>
+        <a:solidFill>
+          <a:schemeClr val="bg1">
+            <a:lumMod val="95000"/>
+            <a:hueOff val="0"/>
+            <a:satOff val="0"/>
+            <a:lumOff val="0"/>
+            <a:alphaOff val="0"/>
+          </a:schemeClr>
+        </a:solidFill>
+        <a:ln>
+          <a:noFill/>
+        </a:ln>
+        <a:effectLst/>
+      </dsp:spPr>
+      <dsp:style>
+        <a:lnRef idx="0">
+          <a:scrgbClr r="0" g="0" b="0"/>
+        </a:lnRef>
+        <a:fillRef idx="1">
+          <a:scrgbClr r="0" g="0" b="0"/>
+        </a:fillRef>
+        <a:effectRef idx="0">
+          <a:scrgbClr r="0" g="0" b="0"/>
+        </a:effectRef>
+        <a:fontRef idx="minor"/>
+      </dsp:style>
+    </dsp:sp>
+    <dsp:sp modelId="{98EC988F-B161-40A9-87F6-C7C473CEAF63}">
+      <dsp:nvSpPr>
+        <dsp:cNvPr id="0" name=""/>
+        <dsp:cNvSpPr/>
+      </dsp:nvSpPr>
+      <dsp:spPr>
+        <a:xfrm>
+          <a:off x="467407" y="2279752"/>
+          <a:ext cx="849830" cy="849830"/>
+        </a:xfrm>
+        <a:prstGeom prst="rect">
+          <a:avLst/>
+        </a:prstGeom>
+        <a:blipFill>
+          <a:blip xmlns:r="http://schemas.openxmlformats.org/officeDocument/2006/relationships" r:embed="rId3">
+            <a:extLst>
+              <a:ext uri="{28A0092B-C50C-407E-A947-70E740481C1C}">
+                <a14:useLocalDpi xmlns:a14="http://schemas.microsoft.com/office/drawing/2010/main" val="0"/>
+              </a:ext>
+              <a:ext uri="{96DAC541-7B7A-43D3-8B79-37D633B846F1}">
+                <asvg:svgBlip xmlns:asvg="http://schemas.microsoft.com/office/drawing/2016/SVG/main" r:embed="rId4"/>
+              </a:ext>
+            </a:extLst>
+          </a:blip>
+          <a:stretch>
+            <a:fillRect/>
+          </a:stretch>
+        </a:blipFill>
+        <a:ln w="12700" cap="flat" cmpd="sng" algn="ctr">
+          <a:noFill/>
+          <a:prstDash val="solid"/>
+          <a:miter lim="800000"/>
+        </a:ln>
+        <a:effectLst/>
+      </dsp:spPr>
+      <dsp:style>
+        <a:lnRef idx="2">
+          <a:scrgbClr r="0" g="0" b="0"/>
+        </a:lnRef>
+        <a:fillRef idx="1">
+          <a:scrgbClr r="0" g="0" b="0"/>
+        </a:fillRef>
+        <a:effectRef idx="0">
+          <a:scrgbClr r="0" g="0" b="0"/>
+        </a:effectRef>
+        <a:fontRef idx="minor">
+          <a:schemeClr val="lt1"/>
+        </a:fontRef>
+      </dsp:style>
+    </dsp:sp>
+    <dsp:sp modelId="{C95DD6BC-C77F-4575-820C-81E6BE6CDA95}">
+      <dsp:nvSpPr>
+        <dsp:cNvPr id="0" name=""/>
+        <dsp:cNvSpPr/>
+      </dsp:nvSpPr>
+      <dsp:spPr>
+        <a:xfrm>
+          <a:off x="1784645" y="1932094"/>
+          <a:ext cx="4404043" cy="1545147"/>
+        </a:xfrm>
+        <a:prstGeom prst="rect">
+          <a:avLst/>
+        </a:prstGeom>
+        <a:noFill/>
+        <a:ln>
+          <a:noFill/>
+        </a:ln>
+        <a:effectLst/>
+      </dsp:spPr>
+      <dsp:style>
+        <a:lnRef idx="0">
+          <a:scrgbClr r="0" g="0" b="0"/>
+        </a:lnRef>
+        <a:fillRef idx="0">
+          <a:scrgbClr r="0" g="0" b="0"/>
+        </a:fillRef>
+        <a:effectRef idx="0">
+          <a:scrgbClr r="0" g="0" b="0"/>
+        </a:effectRef>
+        <a:fontRef idx="minor"/>
+      </dsp:style>
+      <dsp:txBody>
+        <a:bodyPr spcFirstLastPara="0" vert="horz" wrap="square" lIns="163528" tIns="163528" rIns="163528" bIns="163528" numCol="1" spcCol="1270" anchor="ctr" anchorCtr="0">
+          <a:noAutofit/>
+        </a:bodyPr>
+        <a:lstStyle/>
+        <a:p>
+          <a:pPr marL="0" lvl="0" indent="0" algn="l" defTabSz="1111250">
+            <a:lnSpc>
+              <a:spcPct val="90000"/>
+            </a:lnSpc>
+            <a:spcBef>
+              <a:spcPct val="0"/>
+            </a:spcBef>
+            <a:spcAft>
+              <a:spcPct val="35000"/>
+            </a:spcAft>
+            <a:buNone/>
+          </a:pPr>
+          <a:r>
+            <a:rPr lang="en-GB" sz="2500" kern="1200" baseline="0"/>
+            <a:t>Deforestation</a:t>
+          </a:r>
+          <a:endParaRPr lang="en-US" sz="2500" kern="1200"/>
+        </a:p>
+      </dsp:txBody>
+      <dsp:txXfrm>
+        <a:off x="1784645" y="1932094"/>
+        <a:ext cx="4404043" cy="1545147"/>
+      </dsp:txXfrm>
+    </dsp:sp>
+    <dsp:sp modelId="{B0659ACA-F64B-4534-A2A7-5420B630BD4F}">
+      <dsp:nvSpPr>
+        <dsp:cNvPr id="0" name=""/>
+        <dsp:cNvSpPr/>
+      </dsp:nvSpPr>
+      <dsp:spPr>
+        <a:xfrm>
+          <a:off x="0" y="3863528"/>
+          <a:ext cx="6188689" cy="1545147"/>
+        </a:xfrm>
+        <a:prstGeom prst="roundRect">
+          <a:avLst>
+            <a:gd name="adj" fmla="val 10000"/>
+          </a:avLst>
+        </a:prstGeom>
+        <a:solidFill>
+          <a:schemeClr val="bg1">
+            <a:lumMod val="95000"/>
+            <a:hueOff val="0"/>
+            <a:satOff val="0"/>
+            <a:lumOff val="0"/>
+            <a:alphaOff val="0"/>
+          </a:schemeClr>
+        </a:solidFill>
+        <a:ln>
+          <a:noFill/>
+        </a:ln>
+        <a:effectLst/>
+      </dsp:spPr>
+      <dsp:style>
+        <a:lnRef idx="0">
+          <a:scrgbClr r="0" g="0" b="0"/>
+        </a:lnRef>
+        <a:fillRef idx="1">
+          <a:scrgbClr r="0" g="0" b="0"/>
+        </a:fillRef>
+        <a:effectRef idx="0">
+          <a:scrgbClr r="0" g="0" b="0"/>
+        </a:effectRef>
+        <a:fontRef idx="minor"/>
+      </dsp:style>
+    </dsp:sp>
+    <dsp:sp modelId="{953D4B3A-B8ED-44F6-97A5-AF74F08A689E}">
+      <dsp:nvSpPr>
+        <dsp:cNvPr id="0" name=""/>
+        <dsp:cNvSpPr/>
+      </dsp:nvSpPr>
+      <dsp:spPr>
+        <a:xfrm>
+          <a:off x="467407" y="4211186"/>
+          <a:ext cx="849830" cy="849830"/>
+        </a:xfrm>
+        <a:prstGeom prst="rect">
+          <a:avLst/>
+        </a:prstGeom>
+        <a:blipFill>
+          <a:blip xmlns:r="http://schemas.openxmlformats.org/officeDocument/2006/relationships" r:embed="rId5">
+            <a:extLst>
+              <a:ext uri="{28A0092B-C50C-407E-A947-70E740481C1C}">
+                <a14:useLocalDpi xmlns:a14="http://schemas.microsoft.com/office/drawing/2010/main" val="0"/>
+              </a:ext>
+              <a:ext uri="{96DAC541-7B7A-43D3-8B79-37D633B846F1}">
+                <asvg:svgBlip xmlns:asvg="http://schemas.microsoft.com/office/drawing/2016/SVG/main" r:embed="rId6"/>
+              </a:ext>
+            </a:extLst>
+          </a:blip>
+          <a:stretch>
+            <a:fillRect/>
+          </a:stretch>
+        </a:blipFill>
+        <a:ln w="12700" cap="flat" cmpd="sng" algn="ctr">
+          <a:noFill/>
+          <a:prstDash val="solid"/>
+          <a:miter lim="800000"/>
+        </a:ln>
+        <a:effectLst/>
+      </dsp:spPr>
+      <dsp:style>
+        <a:lnRef idx="2">
+          <a:scrgbClr r="0" g="0" b="0"/>
+        </a:lnRef>
+        <a:fillRef idx="1">
+          <a:scrgbClr r="0" g="0" b="0"/>
+        </a:fillRef>
+        <a:effectRef idx="0">
+          <a:scrgbClr r="0" g="0" b="0"/>
+        </a:effectRef>
+        <a:fontRef idx="minor">
+          <a:schemeClr val="lt1"/>
+        </a:fontRef>
+      </dsp:style>
+    </dsp:sp>
+    <dsp:sp modelId="{DD479CB3-A8FC-4FCA-9CEE-AC760F1990C5}">
+      <dsp:nvSpPr>
+        <dsp:cNvPr id="0" name=""/>
+        <dsp:cNvSpPr/>
+      </dsp:nvSpPr>
+      <dsp:spPr>
+        <a:xfrm>
+          <a:off x="1784645" y="3863528"/>
+          <a:ext cx="4404043" cy="1545147"/>
+        </a:xfrm>
+        <a:prstGeom prst="rect">
+          <a:avLst/>
+        </a:prstGeom>
+        <a:noFill/>
+        <a:ln>
+          <a:noFill/>
+        </a:ln>
+        <a:effectLst/>
+      </dsp:spPr>
+      <dsp:style>
+        <a:lnRef idx="0">
+          <a:scrgbClr r="0" g="0" b="0"/>
+        </a:lnRef>
+        <a:fillRef idx="0">
+          <a:scrgbClr r="0" g="0" b="0"/>
+        </a:fillRef>
+        <a:effectRef idx="0">
+          <a:scrgbClr r="0" g="0" b="0"/>
+        </a:effectRef>
+        <a:fontRef idx="minor"/>
+      </dsp:style>
+      <dsp:txBody>
+        <a:bodyPr spcFirstLastPara="0" vert="horz" wrap="square" lIns="163528" tIns="163528" rIns="163528" bIns="163528" numCol="1" spcCol="1270" anchor="ctr" anchorCtr="0">
+          <a:noAutofit/>
+        </a:bodyPr>
+        <a:lstStyle/>
+        <a:p>
+          <a:pPr marL="0" lvl="0" indent="0" algn="l" defTabSz="1111250">
+            <a:lnSpc>
+              <a:spcPct val="90000"/>
+            </a:lnSpc>
+            <a:spcBef>
+              <a:spcPct val="0"/>
+            </a:spcBef>
+            <a:spcAft>
+              <a:spcPct val="35000"/>
+            </a:spcAft>
+            <a:buNone/>
+          </a:pPr>
+          <a:r>
+            <a:rPr lang="en-GB" sz="2500" kern="1200" baseline="0"/>
+            <a:t>Agriculture</a:t>
+          </a:r>
+          <a:endParaRPr lang="en-US" sz="2500" kern="1200"/>
+        </a:p>
+      </dsp:txBody>
+      <dsp:txXfrm>
+        <a:off x="1784645" y="3863528"/>
+        <a:ext cx="4404043" cy="1545147"/>
+      </dsp:txXfrm>
+    </dsp:sp>
+  </dsp:spTree>
+</dsp:drawing>
+</file>
+
+<file path=ppt/diagrams/drawing2.xml><?xml version="1.0" encoding="utf-8"?>
+<dsp:drawing xmlns:dgm="http://schemas.openxmlformats.org/drawingml/2006/diagram" xmlns:dsp="http://schemas.microsoft.com/office/drawing/2008/diagram" xmlns:a="http://schemas.openxmlformats.org/drawingml/2006/main">
+  <dsp:spTree>
+    <dsp:nvGrpSpPr>
+      <dsp:cNvPr id="0" name=""/>
+      <dsp:cNvGrpSpPr/>
+    </dsp:nvGrpSpPr>
+    <dsp:grpSpPr/>
+    <dsp:sp modelId="{BFE6FE9D-8375-4AE3-BB2E-7EF1BE09C15C}">
+      <dsp:nvSpPr>
+        <dsp:cNvPr id="0" name=""/>
+        <dsp:cNvSpPr/>
+      </dsp:nvSpPr>
+      <dsp:spPr>
+        <a:xfrm>
+          <a:off x="0" y="0"/>
+          <a:ext cx="3394509" cy="3587750"/>
+        </a:xfrm>
+        <a:prstGeom prst="rect">
+          <a:avLst/>
+        </a:prstGeom>
+        <a:gradFill rotWithShape="0">
+          <a:gsLst>
+            <a:gs pos="0">
+              <a:schemeClr val="accent2">
+                <a:hueOff val="0"/>
+                <a:satOff val="0"/>
+                <a:lumOff val="0"/>
+                <a:alphaOff val="0"/>
+                <a:lumMod val="110000"/>
+                <a:satMod val="105000"/>
+                <a:tint val="67000"/>
+              </a:schemeClr>
+            </a:gs>
+            <a:gs pos="50000">
+              <a:schemeClr val="accent2">
+                <a:hueOff val="0"/>
+                <a:satOff val="0"/>
+                <a:lumOff val="0"/>
+                <a:alphaOff val="0"/>
+                <a:lumMod val="105000"/>
+                <a:satMod val="103000"/>
+                <a:tint val="73000"/>
+              </a:schemeClr>
+            </a:gs>
+            <a:gs pos="100000">
+              <a:schemeClr val="accent2">
+                <a:hueOff val="0"/>
+                <a:satOff val="0"/>
+                <a:lumOff val="0"/>
+                <a:alphaOff val="0"/>
+                <a:lumMod val="105000"/>
+                <a:satMod val="109000"/>
+                <a:tint val="81000"/>
+              </a:schemeClr>
+            </a:gs>
+          </a:gsLst>
+          <a:lin ang="5400000" scaled="0"/>
+        </a:gradFill>
+        <a:ln w="6350" cap="flat" cmpd="sng" algn="ctr">
+          <a:solidFill>
+            <a:schemeClr val="accent2">
+              <a:hueOff val="0"/>
+              <a:satOff val="0"/>
+              <a:lumOff val="0"/>
+              <a:alphaOff val="0"/>
+            </a:schemeClr>
+          </a:solidFill>
+          <a:prstDash val="solid"/>
+          <a:miter lim="800000"/>
+        </a:ln>
+        <a:effectLst/>
+      </dsp:spPr>
+      <dsp:style>
+        <a:lnRef idx="1">
+          <a:scrgbClr r="0" g="0" b="0"/>
+        </a:lnRef>
+        <a:fillRef idx="2">
+          <a:scrgbClr r="0" g="0" b="0"/>
+        </a:fillRef>
+        <a:effectRef idx="1">
+          <a:scrgbClr r="0" g="0" b="0"/>
+        </a:effectRef>
+        <a:fontRef idx="minor">
+          <a:schemeClr val="dk1"/>
+        </a:fontRef>
+      </dsp:style>
+      <dsp:txBody>
+        <a:bodyPr spcFirstLastPara="0" vert="horz" wrap="square" lIns="335302" tIns="0" rIns="335302" bIns="330200" numCol="1" spcCol="1270" anchor="t" anchorCtr="0">
+          <a:noAutofit/>
+        </a:bodyPr>
+        <a:lstStyle/>
+        <a:p>
+          <a:pPr marL="0" lvl="0" indent="0" algn="l" defTabSz="933450">
+            <a:lnSpc>
+              <a:spcPct val="90000"/>
+            </a:lnSpc>
+            <a:spcBef>
+              <a:spcPct val="0"/>
+            </a:spcBef>
+            <a:spcAft>
+              <a:spcPct val="35000"/>
+            </a:spcAft>
+            <a:buNone/>
+          </a:pPr>
+          <a:r>
+            <a:rPr lang="en-GB" sz="2100" kern="1200" dirty="0"/>
+            <a:t>Now open the Worksheet and follow the instructions to start the temperature exercise.</a:t>
+          </a:r>
+          <a:endParaRPr lang="en-US" sz="2100" kern="1200" dirty="0"/>
+        </a:p>
+      </dsp:txBody>
+      <dsp:txXfrm>
+        <a:off x="0" y="1435100"/>
+        <a:ext cx="3394509" cy="2152650"/>
+      </dsp:txXfrm>
+    </dsp:sp>
+    <dsp:sp modelId="{E1323729-08BF-4FC8-9F40-276BA28E4F7A}">
+      <dsp:nvSpPr>
+        <dsp:cNvPr id="0" name=""/>
+        <dsp:cNvSpPr/>
+      </dsp:nvSpPr>
+      <dsp:spPr>
+        <a:xfrm>
+          <a:off x="838" y="0"/>
+          <a:ext cx="3394509" cy="1435100"/>
+        </a:xfrm>
+        <a:prstGeom prst="rect">
+          <a:avLst/>
+        </a:prstGeom>
+        <a:noFill/>
+        <a:ln w="6350" cap="flat" cmpd="sng" algn="ctr">
+          <a:noFill/>
+          <a:prstDash val="solid"/>
+          <a:miter lim="800000"/>
+        </a:ln>
+        <a:effectLst/>
+        <a:sp3d/>
+      </dsp:spPr>
+      <dsp:style>
+        <a:lnRef idx="1">
+          <a:scrgbClr r="0" g="0" b="0"/>
+        </a:lnRef>
+        <a:fillRef idx="2">
+          <a:scrgbClr r="0" g="0" b="0"/>
+        </a:fillRef>
+        <a:effectRef idx="1">
+          <a:scrgbClr r="0" g="0" b="0"/>
+        </a:effectRef>
+        <a:fontRef idx="minor">
+          <a:schemeClr val="dk1"/>
+        </a:fontRef>
+      </dsp:style>
+      <dsp:txBody>
+        <a:bodyPr spcFirstLastPara="0" vert="horz" wrap="square" lIns="335302" tIns="165100" rIns="335302" bIns="165100" numCol="1" spcCol="1270" anchor="ctr" anchorCtr="0">
+          <a:noAutofit/>
+        </a:bodyPr>
+        <a:lstStyle/>
+        <a:p>
+          <a:pPr marL="0" lvl="0" indent="0" algn="l" defTabSz="2933700">
+            <a:lnSpc>
+              <a:spcPct val="90000"/>
+            </a:lnSpc>
+            <a:spcBef>
+              <a:spcPct val="0"/>
+            </a:spcBef>
+            <a:spcAft>
+              <a:spcPct val="35000"/>
+            </a:spcAft>
+            <a:buNone/>
+          </a:pPr>
+          <a:r>
+            <a:rPr lang="en-US" sz="6600" kern="1200"/>
+            <a:t>01</a:t>
+          </a:r>
+        </a:p>
+      </dsp:txBody>
+      <dsp:txXfrm>
+        <a:off x="838" y="0"/>
+        <a:ext cx="3394509" cy="1435100"/>
+      </dsp:txXfrm>
+    </dsp:sp>
+    <dsp:sp modelId="{A31670D3-ACC6-4DB8-AB8B-E2E163374733}">
+      <dsp:nvSpPr>
+        <dsp:cNvPr id="0" name=""/>
+        <dsp:cNvSpPr/>
+      </dsp:nvSpPr>
+      <dsp:spPr>
+        <a:xfrm>
+          <a:off x="3666907" y="0"/>
+          <a:ext cx="3394509" cy="3587750"/>
+        </a:xfrm>
+        <a:prstGeom prst="rect">
+          <a:avLst/>
+        </a:prstGeom>
+        <a:gradFill rotWithShape="0">
+          <a:gsLst>
+            <a:gs pos="0">
+              <a:schemeClr val="accent3">
+                <a:hueOff val="0"/>
+                <a:satOff val="0"/>
+                <a:lumOff val="0"/>
+                <a:alphaOff val="0"/>
+                <a:lumMod val="110000"/>
+                <a:satMod val="105000"/>
+                <a:tint val="67000"/>
+              </a:schemeClr>
+            </a:gs>
+            <a:gs pos="50000">
+              <a:schemeClr val="accent3">
+                <a:hueOff val="0"/>
+                <a:satOff val="0"/>
+                <a:lumOff val="0"/>
+                <a:alphaOff val="0"/>
+                <a:lumMod val="105000"/>
+                <a:satMod val="103000"/>
+                <a:tint val="73000"/>
+              </a:schemeClr>
+            </a:gs>
+            <a:gs pos="100000">
+              <a:schemeClr val="accent3">
+                <a:hueOff val="0"/>
+                <a:satOff val="0"/>
+                <a:lumOff val="0"/>
+                <a:alphaOff val="0"/>
+                <a:lumMod val="105000"/>
+                <a:satMod val="109000"/>
+                <a:tint val="81000"/>
+              </a:schemeClr>
+            </a:gs>
+          </a:gsLst>
+          <a:lin ang="5400000" scaled="0"/>
+        </a:gradFill>
+        <a:ln w="6350" cap="flat" cmpd="sng" algn="ctr">
+          <a:solidFill>
+            <a:schemeClr val="accent3">
+              <a:hueOff val="0"/>
+              <a:satOff val="0"/>
+              <a:lumOff val="0"/>
+              <a:alphaOff val="0"/>
+            </a:schemeClr>
+          </a:solidFill>
+          <a:prstDash val="solid"/>
+          <a:miter lim="800000"/>
+        </a:ln>
+        <a:effectLst/>
+      </dsp:spPr>
+      <dsp:style>
+        <a:lnRef idx="1">
+          <a:scrgbClr r="0" g="0" b="0"/>
+        </a:lnRef>
+        <a:fillRef idx="2">
+          <a:scrgbClr r="0" g="0" b="0"/>
+        </a:fillRef>
+        <a:effectRef idx="1">
+          <a:scrgbClr r="0" g="0" b="0"/>
+        </a:effectRef>
+        <a:fontRef idx="minor">
+          <a:schemeClr val="dk1"/>
+        </a:fontRef>
+      </dsp:style>
+      <dsp:txBody>
+        <a:bodyPr spcFirstLastPara="0" vert="horz" wrap="square" lIns="335302" tIns="0" rIns="335302" bIns="330200" numCol="1" spcCol="1270" anchor="t" anchorCtr="0">
+          <a:noAutofit/>
+        </a:bodyPr>
+        <a:lstStyle/>
+        <a:p>
+          <a:pPr marL="0" lvl="0" indent="0" algn="l" defTabSz="933450">
+            <a:lnSpc>
+              <a:spcPct val="90000"/>
+            </a:lnSpc>
+            <a:spcBef>
+              <a:spcPct val="0"/>
+            </a:spcBef>
+            <a:spcAft>
+              <a:spcPct val="35000"/>
+            </a:spcAft>
+            <a:buNone/>
+          </a:pPr>
+          <a:r>
+            <a:rPr lang="en-GB" sz="2100" b="1" kern="1200" dirty="0"/>
+            <a:t>You don’t have to code from scratch only read through to understand what’s happening.</a:t>
+          </a:r>
+          <a:endParaRPr lang="en-US" sz="2100" kern="1200" dirty="0"/>
+        </a:p>
+      </dsp:txBody>
+      <dsp:txXfrm>
+        <a:off x="3666907" y="1435100"/>
+        <a:ext cx="3394509" cy="2152650"/>
+      </dsp:txXfrm>
+    </dsp:sp>
+    <dsp:sp modelId="{B4BA60EE-AA53-4AAD-8CBB-85EAE6DC2DD2}">
+      <dsp:nvSpPr>
+        <dsp:cNvPr id="0" name=""/>
+        <dsp:cNvSpPr/>
+      </dsp:nvSpPr>
+      <dsp:spPr>
+        <a:xfrm>
+          <a:off x="3666907" y="0"/>
+          <a:ext cx="3394509" cy="1435100"/>
+        </a:xfrm>
+        <a:prstGeom prst="rect">
+          <a:avLst/>
+        </a:prstGeom>
+        <a:noFill/>
+        <a:ln w="6350" cap="flat" cmpd="sng" algn="ctr">
+          <a:noFill/>
+          <a:prstDash val="solid"/>
+          <a:miter lim="800000"/>
+        </a:ln>
+        <a:effectLst/>
+        <a:sp3d/>
+      </dsp:spPr>
+      <dsp:style>
+        <a:lnRef idx="1">
+          <a:scrgbClr r="0" g="0" b="0"/>
+        </a:lnRef>
+        <a:fillRef idx="2">
+          <a:scrgbClr r="0" g="0" b="0"/>
+        </a:fillRef>
+        <a:effectRef idx="1">
+          <a:scrgbClr r="0" g="0" b="0"/>
+        </a:effectRef>
+        <a:fontRef idx="minor">
+          <a:schemeClr val="dk1"/>
+        </a:fontRef>
+      </dsp:style>
+      <dsp:txBody>
+        <a:bodyPr spcFirstLastPara="0" vert="horz" wrap="square" lIns="335302" tIns="165100" rIns="335302" bIns="165100" numCol="1" spcCol="1270" anchor="ctr" anchorCtr="0">
+          <a:noAutofit/>
+        </a:bodyPr>
+        <a:lstStyle/>
+        <a:p>
+          <a:pPr marL="0" lvl="0" indent="0" algn="l" defTabSz="2933700">
+            <a:lnSpc>
+              <a:spcPct val="90000"/>
+            </a:lnSpc>
+            <a:spcBef>
+              <a:spcPct val="0"/>
+            </a:spcBef>
+            <a:spcAft>
+              <a:spcPct val="35000"/>
+            </a:spcAft>
+            <a:buNone/>
+          </a:pPr>
+          <a:r>
+            <a:rPr lang="en-US" sz="6600" kern="1200"/>
+            <a:t>02</a:t>
+          </a:r>
+        </a:p>
+      </dsp:txBody>
+      <dsp:txXfrm>
+        <a:off x="3666907" y="0"/>
+        <a:ext cx="3394509" cy="1435100"/>
+      </dsp:txXfrm>
+    </dsp:sp>
+    <dsp:sp modelId="{4CDD64CC-5E51-420D-98DD-C1832A7D645E}">
+      <dsp:nvSpPr>
+        <dsp:cNvPr id="0" name=""/>
+        <dsp:cNvSpPr/>
+      </dsp:nvSpPr>
+      <dsp:spPr>
+        <a:xfrm>
+          <a:off x="7332977" y="0"/>
+          <a:ext cx="3394509" cy="3587750"/>
+        </a:xfrm>
+        <a:prstGeom prst="rect">
+          <a:avLst/>
+        </a:prstGeom>
+        <a:gradFill rotWithShape="0">
+          <a:gsLst>
+            <a:gs pos="0">
+              <a:schemeClr val="accent4">
+                <a:hueOff val="0"/>
+                <a:satOff val="0"/>
+                <a:lumOff val="0"/>
+                <a:alphaOff val="0"/>
+                <a:lumMod val="110000"/>
+                <a:satMod val="105000"/>
+                <a:tint val="67000"/>
+              </a:schemeClr>
+            </a:gs>
+            <a:gs pos="50000">
+              <a:schemeClr val="accent4">
+                <a:hueOff val="0"/>
+                <a:satOff val="0"/>
+                <a:lumOff val="0"/>
+                <a:alphaOff val="0"/>
+                <a:lumMod val="105000"/>
+                <a:satMod val="103000"/>
+                <a:tint val="73000"/>
+              </a:schemeClr>
+            </a:gs>
+            <a:gs pos="100000">
+              <a:schemeClr val="accent4">
+                <a:hueOff val="0"/>
+                <a:satOff val="0"/>
+                <a:lumOff val="0"/>
+                <a:alphaOff val="0"/>
+                <a:lumMod val="105000"/>
+                <a:satMod val="109000"/>
+                <a:tint val="81000"/>
+              </a:schemeClr>
+            </a:gs>
+          </a:gsLst>
+          <a:lin ang="5400000" scaled="0"/>
+        </a:gradFill>
+        <a:ln w="6350" cap="flat" cmpd="sng" algn="ctr">
+          <a:solidFill>
+            <a:schemeClr val="accent4">
+              <a:hueOff val="0"/>
+              <a:satOff val="0"/>
+              <a:lumOff val="0"/>
+              <a:alphaOff val="0"/>
+            </a:schemeClr>
+          </a:solidFill>
+          <a:prstDash val="solid"/>
+          <a:miter lim="800000"/>
+        </a:ln>
+        <a:effectLst/>
+      </dsp:spPr>
+      <dsp:style>
+        <a:lnRef idx="1">
+          <a:scrgbClr r="0" g="0" b="0"/>
+        </a:lnRef>
+        <a:fillRef idx="2">
+          <a:scrgbClr r="0" g="0" b="0"/>
+        </a:fillRef>
+        <a:effectRef idx="1">
+          <a:scrgbClr r="0" g="0" b="0"/>
+        </a:effectRef>
+        <a:fontRef idx="minor">
+          <a:schemeClr val="dk1"/>
+        </a:fontRef>
+      </dsp:style>
+      <dsp:txBody>
+        <a:bodyPr spcFirstLastPara="0" vert="horz" wrap="square" lIns="335302" tIns="0" rIns="335302" bIns="330200" numCol="1" spcCol="1270" anchor="t" anchorCtr="0">
+          <a:noAutofit/>
+        </a:bodyPr>
+        <a:lstStyle/>
+        <a:p>
+          <a:pPr marL="0" lvl="0" indent="0" algn="l" defTabSz="933450">
+            <a:lnSpc>
+              <a:spcPct val="90000"/>
+            </a:lnSpc>
+            <a:spcBef>
+              <a:spcPct val="0"/>
+            </a:spcBef>
+            <a:spcAft>
+              <a:spcPct val="35000"/>
+            </a:spcAft>
+            <a:buNone/>
+          </a:pPr>
+          <a:r>
+            <a:rPr lang="en-GB" sz="2100" kern="1200"/>
+            <a:t>The first exercise will show you how the global temperature has changed.</a:t>
+          </a:r>
+          <a:endParaRPr lang="en-US" sz="2100" kern="1200"/>
+        </a:p>
+      </dsp:txBody>
+      <dsp:txXfrm>
+        <a:off x="7332977" y="1435100"/>
+        <a:ext cx="3394509" cy="2152650"/>
+      </dsp:txXfrm>
+    </dsp:sp>
+    <dsp:sp modelId="{D4AEBBF8-DAEE-43FF-B717-46FB07AA058D}">
+      <dsp:nvSpPr>
+        <dsp:cNvPr id="0" name=""/>
+        <dsp:cNvSpPr/>
+      </dsp:nvSpPr>
+      <dsp:spPr>
+        <a:xfrm>
+          <a:off x="7332977" y="0"/>
+          <a:ext cx="3394509" cy="1435100"/>
+        </a:xfrm>
+        <a:prstGeom prst="rect">
+          <a:avLst/>
+        </a:prstGeom>
+        <a:noFill/>
+        <a:ln w="6350" cap="flat" cmpd="sng" algn="ctr">
+          <a:noFill/>
+          <a:prstDash val="solid"/>
+          <a:miter lim="800000"/>
+        </a:ln>
+        <a:effectLst/>
+        <a:sp3d/>
+      </dsp:spPr>
+      <dsp:style>
+        <a:lnRef idx="1">
+          <a:scrgbClr r="0" g="0" b="0"/>
+        </a:lnRef>
+        <a:fillRef idx="2">
+          <a:scrgbClr r="0" g="0" b="0"/>
+        </a:fillRef>
+        <a:effectRef idx="1">
+          <a:scrgbClr r="0" g="0" b="0"/>
+        </a:effectRef>
+        <a:fontRef idx="minor">
+          <a:schemeClr val="dk1"/>
+        </a:fontRef>
+      </dsp:style>
+      <dsp:txBody>
+        <a:bodyPr spcFirstLastPara="0" vert="horz" wrap="square" lIns="335302" tIns="165100" rIns="335302" bIns="165100" numCol="1" spcCol="1270" anchor="ctr" anchorCtr="0">
+          <a:noAutofit/>
+        </a:bodyPr>
+        <a:lstStyle/>
+        <a:p>
+          <a:pPr marL="0" lvl="0" indent="0" algn="l" defTabSz="2933700">
+            <a:lnSpc>
+              <a:spcPct val="90000"/>
+            </a:lnSpc>
+            <a:spcBef>
+              <a:spcPct val="0"/>
+            </a:spcBef>
+            <a:spcAft>
+              <a:spcPct val="35000"/>
+            </a:spcAft>
+            <a:buNone/>
+          </a:pPr>
+          <a:r>
+            <a:rPr lang="en-US" sz="6600" kern="1200"/>
+            <a:t>03</a:t>
+          </a:r>
+        </a:p>
+      </dsp:txBody>
+      <dsp:txXfrm>
+        <a:off x="7332977" y="0"/>
+        <a:ext cx="3394509" cy="1435100"/>
+      </dsp:txXfrm>
+    </dsp:sp>
+  </dsp:spTree>
+</dsp:drawing>
+</file>
+
+<file path=ppt/diagrams/drawing3.xml><?xml version="1.0" encoding="utf-8"?>
+<dsp:drawing xmlns:dgm="http://schemas.openxmlformats.org/drawingml/2006/diagram" xmlns:dsp="http://schemas.microsoft.com/office/drawing/2008/diagram" xmlns:a="http://schemas.openxmlformats.org/drawingml/2006/main">
+  <dsp:spTree>
+    <dsp:nvGrpSpPr>
+      <dsp:cNvPr id="0" name=""/>
+      <dsp:cNvGrpSpPr/>
+    </dsp:nvGrpSpPr>
+    <dsp:grpSpPr/>
     <dsp:sp modelId="{5530724C-D3E3-4D73-9AC8-8ECCC467601B}">
       <dsp:nvSpPr>
         <dsp:cNvPr id="0" name=""/>
@@ -1445,10 +4895,10 @@
             <a:defRPr cap="all"/>
           </a:pPr>
           <a:r>
-            <a:rPr lang="en-GB" sz="2500" kern="1200" baseline="0"/>
-            <a:t>Compare two charts</a:t>
+            <a:rPr lang="en-GB" sz="2500" kern="1200" baseline="0" dirty="0"/>
+            <a:t>Compare The charts</a:t>
           </a:r>
-          <a:endParaRPr lang="en-US" sz="2500" kern="1200"/>
+          <a:endParaRPr lang="en-US" sz="2500" kern="1200" dirty="0"/>
         </a:p>
       </dsp:txBody>
       <dsp:txXfrm>
@@ -1615,6 +5065,566 @@
 </file>
 
 <file path=ppt/diagrams/layout1.xml><?xml version="1.0" encoding="utf-8"?>
+<dgm:layoutDef xmlns:dgm="http://schemas.openxmlformats.org/drawingml/2006/diagram" xmlns:a="http://schemas.openxmlformats.org/drawingml/2006/main" uniqueId="urn:microsoft.com/office/officeart/2018/2/layout/IconVerticalSolidList">
+  <dgm:title val="Icon Vertical Solid List"/>
+  <dgm:desc val="Use to show a series of visuals from top to bottom with Level 1 or Level 1 and Level 2 text grouped in a shape. Works best with icons or small pictures with lengthier descriptions."/>
+  <dgm:catLst>
+    <dgm:cat type="icon" pri="500"/>
+  </dgm:catLst>
+  <dgm:sampData useDef="1">
+    <dgm:dataModel>
+      <dgm:ptLst/>
+      <dgm:bg/>
+      <dgm:whole/>
+    </dgm:dataModel>
+  </dgm:sampData>
+  <dgm:styleData useDef="1">
+    <dgm:dataModel>
+      <dgm:ptLst/>
+      <dgm:bg/>
+      <dgm:whole/>
+    </dgm:dataModel>
+  </dgm:styleData>
+  <dgm:clrData useDef="1">
+    <dgm:dataModel>
+      <dgm:ptLst/>
+      <dgm:bg/>
+      <dgm:whole/>
+    </dgm:dataModel>
+  </dgm:clrData>
+  <dgm:layoutNode name="root">
+    <dgm:varLst>
+      <dgm:dir/>
+      <dgm:resizeHandles val="exact"/>
+    </dgm:varLst>
+    <dgm:choose name="Name0">
+      <dgm:if name="Name1" axis="self" func="var" arg="dir" op="equ" val="norm">
+        <dgm:alg type="lin">
+          <dgm:param type="linDir" val="fromT"/>
+          <dgm:param type="nodeHorzAlign" val="l"/>
+        </dgm:alg>
+      </dgm:if>
+      <dgm:else name="Name2">
+        <dgm:alg type="lin">
+          <dgm:param type="linDir" val="fromT"/>
+          <dgm:param type="nodeHorzAlign" val="r"/>
+        </dgm:alg>
+      </dgm:else>
+    </dgm:choose>
+    <dgm:shape xmlns:r="http://schemas.openxmlformats.org/officeDocument/2006/relationships" r:blip="">
+      <dgm:adjLst/>
+    </dgm:shape>
+    <dgm:presOf/>
+    <dgm:choose name="Name3">
+      <dgm:if name="Name4" axis="ch" ptType="node" func="cnt" op="lte" val="3">
+        <dgm:constrLst>
+          <dgm:constr type="h" for="ch" forName="compNode" refType="h" fact="0.3"/>
+          <dgm:constr type="w" for="ch" forName="compNode" refType="w"/>
+          <dgm:constr type="h" for="ch" forName="sibTrans" refType="h" refFor="ch" refForName="compNode" fact="0.25"/>
+          <dgm:constr type="primFontSz" for="des" forName="parTx" val="25"/>
+          <dgm:constr type="primFontSz" for="des" forName="desTx" refType="primFontSz" refFor="des" refForName="parTx" op="lte" fact="0.75"/>
+          <dgm:constr type="h" for="des" forName="compNode" op="equ"/>
+          <dgm:constr type="h" for="des" forName="bgRect" op="equ"/>
+          <dgm:constr type="h" for="des" forName="iconRect" op="equ"/>
+          <dgm:constr type="w" for="des" forName="iconRect" op="equ"/>
+          <dgm:constr type="h" for="des" forName="spaceRect" op="equ"/>
+          <dgm:constr type="h" for="des" forName="parTx" op="equ"/>
+          <dgm:constr type="h" for="des" forName="desTx" op="equ"/>
+        </dgm:constrLst>
+      </dgm:if>
+      <dgm:if name="Name5" axis="ch" ptType="node" func="cnt" op="lte" val="4">
+        <dgm:constrLst>
+          <dgm:constr type="h" for="ch" forName="compNode" refType="h" fact="0.3"/>
+          <dgm:constr type="w" for="ch" forName="compNode" refType="w"/>
+          <dgm:constr type="h" for="ch" forName="sibTrans" refType="h" refFor="ch" refForName="compNode" fact="0.25"/>
+          <dgm:constr type="primFontSz" for="des" forName="parTx" val="22"/>
+          <dgm:constr type="primFontSz" for="des" forName="desTx" refType="primFontSz" refFor="des" refForName="parTx" op="lte" fact="0.75"/>
+          <dgm:constr type="h" for="des" forName="compNode" op="equ"/>
+          <dgm:constr type="h" for="des" forName="bgRect" op="equ"/>
+          <dgm:constr type="h" for="des" forName="iconRect" op="equ"/>
+          <dgm:constr type="w" for="des" forName="iconRect" op="equ"/>
+          <dgm:constr type="h" for="des" forName="spaceRect" op="equ"/>
+          <dgm:constr type="h" for="des" forName="parTx" op="equ"/>
+          <dgm:constr type="h" for="des" forName="desTx" op="equ"/>
+        </dgm:constrLst>
+      </dgm:if>
+      <dgm:if name="Name6" axis="ch" ptType="node" func="cnt" op="lte" val="6">
+        <dgm:constrLst>
+          <dgm:constr type="h" for="ch" forName="compNode" refType="h" fact="0.3"/>
+          <dgm:constr type="w" for="ch" forName="compNode" refType="w"/>
+          <dgm:constr type="h" for="ch" forName="sibTrans" refType="h" refFor="ch" refForName="compNode" fact="0.25"/>
+          <dgm:constr type="primFontSz" for="des" forName="parTx" val="19"/>
+          <dgm:constr type="primFontSz" for="des" forName="desTx" refType="primFontSz" refFor="des" refForName="parTx" op="lte" fact="0.75"/>
+          <dgm:constr type="h" for="des" forName="compNode" op="equ"/>
+          <dgm:constr type="h" for="des" forName="bgRect" op="equ"/>
+          <dgm:constr type="h" for="des" forName="iconRect" op="equ"/>
+          <dgm:constr type="w" for="des" forName="iconRect" op="equ"/>
+          <dgm:constr type="h" for="des" forName="spaceRect" op="equ"/>
+          <dgm:constr type="h" for="des" forName="parTx" op="equ"/>
+          <dgm:constr type="h" for="des" forName="desTx" op="equ"/>
+        </dgm:constrLst>
+      </dgm:if>
+      <dgm:else name="Name7">
+        <dgm:constrLst>
+          <dgm:constr type="h" for="ch" forName="compNode" refType="h" fact="0.3"/>
+          <dgm:constr type="w" for="ch" forName="compNode" refType="w"/>
+          <dgm:constr type="h" for="ch" forName="sibTrans" refType="h" refFor="ch" refForName="compNode" fact="0.25"/>
+          <dgm:constr type="primFontSz" for="des" forName="parTx" val="16"/>
+          <dgm:constr type="primFontSz" for="des" forName="desTx" refType="primFontSz" refFor="des" refForName="parTx" op="lte" fact="0.75"/>
+          <dgm:constr type="h" for="des" forName="compNode" op="equ"/>
+          <dgm:constr type="h" for="des" forName="bgRect" op="equ"/>
+          <dgm:constr type="h" for="des" forName="iconRect" op="equ"/>
+          <dgm:constr type="w" for="des" forName="iconRect" op="equ"/>
+          <dgm:constr type="h" for="des" forName="spaceRect" op="equ"/>
+          <dgm:constr type="h" for="des" forName="parTx" op="equ"/>
+          <dgm:constr type="h" for="des" forName="desTx" op="equ"/>
+        </dgm:constrLst>
+      </dgm:else>
+    </dgm:choose>
+    <dgm:ruleLst>
+      <dgm:rule type="h" for="ch" forName="compNode" val="0" fact="NaN" max="NaN"/>
+    </dgm:ruleLst>
+    <dgm:forEach name="Name8" axis="ch" ptType="node">
+      <dgm:layoutNode name="compNode">
+        <dgm:alg type="composite"/>
+        <dgm:shape xmlns:r="http://schemas.openxmlformats.org/officeDocument/2006/relationships" r:blip="">
+          <dgm:adjLst/>
+        </dgm:shape>
+        <dgm:presOf axis="self"/>
+        <dgm:choose name="Name9">
+          <dgm:if name="Name10" axis="ch" ptType="node" func="cnt" op="gte" val="1">
+            <dgm:constrLst>
+              <dgm:constr type="w" for="ch" forName="bgRect" refType="w"/>
+              <dgm:constr type="h" for="ch" forName="bgRect" refType="h"/>
+              <dgm:constr type="l" for="ch" forName="bgRect"/>
+              <dgm:constr type="t" for="ch" forName="bgRect"/>
+              <dgm:constr type="h" for="ch" forName="iconRect" refType="h" fact="0.55"/>
+              <dgm:constr type="w" for="ch" forName="iconRect" refType="h" refFor="ch" refForName="iconRect"/>
+              <dgm:constr type="l" for="ch" forName="iconRect" refType="h" refFor="ch" refForName="iconRect" fact="0.55"/>
+              <dgm:constr type="ctrY" for="ch" forName="iconRect" refType="ctrY" refFor="ch" refForName="bgRect"/>
+              <dgm:constr type="w" for="ch" forName="spaceRect" refType="l" refFor="ch" refForName="iconRect"/>
+              <dgm:constr type="h" for="ch" forName="spaceRect" refType="h"/>
+              <dgm:constr type="l" for="ch" forName="spaceRect" refType="r" refFor="ch" refForName="iconRect"/>
+              <dgm:constr type="t" for="ch" forName="spaceRect"/>
+              <dgm:constr type="w" for="ch" forName="parTx" refType="w" fact="0.45"/>
+              <dgm:constr type="h" for="ch" forName="parTx" refType="h"/>
+              <dgm:constr type="l" for="ch" forName="parTx" refType="r" refFor="ch" refForName="spaceRect"/>
+              <dgm:constr type="t" for="ch" forName="parTx"/>
+              <dgm:constr type="h" for="ch" forName="desTx" refType="h"/>
+              <dgm:constr type="l" for="ch" forName="desTx" refType="r" refFor="ch" refForName="parTx"/>
+              <dgm:constr type="t" for="ch" forName="desTx"/>
+            </dgm:constrLst>
+          </dgm:if>
+          <dgm:else name="Name11">
+            <dgm:constrLst>
+              <dgm:constr type="w" for="ch" forName="bgRect" refType="w"/>
+              <dgm:constr type="h" for="ch" forName="bgRect" refType="h"/>
+              <dgm:constr type="l" for="ch" forName="bgRect"/>
+              <dgm:constr type="t" for="ch" forName="bgRect"/>
+              <dgm:constr type="h" for="ch" forName="iconRect" refType="h" fact="0.55"/>
+              <dgm:constr type="w" for="ch" forName="iconRect" refType="h" refFor="ch" refForName="iconRect"/>
+              <dgm:constr type="l" for="ch" forName="iconRect" refType="h" refFor="ch" refForName="iconRect" fact="0.55"/>
+              <dgm:constr type="ctrY" for="ch" forName="iconRect" refType="ctrY" refFor="ch" refForName="bgRect"/>
+              <dgm:constr type="w" for="ch" forName="spaceRect" refType="l" refFor="ch" refForName="iconRect"/>
+              <dgm:constr type="h" for="ch" forName="spaceRect" refType="h"/>
+              <dgm:constr type="l" for="ch" forName="spaceRect" refType="r" refFor="ch" refForName="iconRect"/>
+              <dgm:constr type="t" for="ch" forName="spaceRect"/>
+              <dgm:constr type="h" for="ch" forName="parTx" refType="h"/>
+              <dgm:constr type="l" for="ch" forName="parTx" refType="r" refFor="ch" refForName="spaceRect"/>
+              <dgm:constr type="t" for="ch" forName="parTx"/>
+            </dgm:constrLst>
+          </dgm:else>
+        </dgm:choose>
+        <dgm:ruleLst>
+          <dgm:rule type="h" val="INF" fact="NaN" max="NaN"/>
+        </dgm:ruleLst>
+        <dgm:layoutNode name="bgRect" styleLbl="bgShp">
+          <dgm:alg type="sp"/>
+          <dgm:shape xmlns:r="http://schemas.openxmlformats.org/officeDocument/2006/relationships" type="roundRect" r:blip="">
+            <dgm:adjLst>
+              <dgm:adj idx="1" val="0.1"/>
+            </dgm:adjLst>
+          </dgm:shape>
+          <dgm:presOf/>
+          <dgm:constrLst/>
+          <dgm:ruleLst/>
+        </dgm:layoutNode>
+        <dgm:layoutNode name="iconRect" styleLbl="node1">
+          <dgm:alg type="sp"/>
+          <dgm:shape xmlns:r="http://schemas.openxmlformats.org/officeDocument/2006/relationships" type="rect" r:blip="" blipPhldr="1">
+            <dgm:adjLst/>
+          </dgm:shape>
+          <dgm:presOf/>
+          <dgm:constrLst/>
+          <dgm:ruleLst/>
+        </dgm:layoutNode>
+        <dgm:layoutNode name="spaceRect">
+          <dgm:alg type="sp"/>
+          <dgm:shape xmlns:r="http://schemas.openxmlformats.org/officeDocument/2006/relationships" r:blip="">
+            <dgm:adjLst/>
+          </dgm:shape>
+          <dgm:presOf/>
+          <dgm:constrLst/>
+          <dgm:ruleLst/>
+        </dgm:layoutNode>
+        <dgm:layoutNode name="parTx" styleLbl="revTx">
+          <dgm:varLst>
+            <dgm:chMax val="0"/>
+            <dgm:chPref val="0"/>
+          </dgm:varLst>
+          <dgm:alg type="tx">
+            <dgm:param type="txAnchorVert" val="mid"/>
+            <dgm:param type="parTxLTRAlign" val="l"/>
+            <dgm:param type="shpTxLTRAlignCh" val="l"/>
+            <dgm:param type="parTxRTLAlign" val="r"/>
+            <dgm:param type="shpTxRTLAlignCh" val="r"/>
+          </dgm:alg>
+          <dgm:shape xmlns:r="http://schemas.openxmlformats.org/officeDocument/2006/relationships" type="rect" r:blip="">
+            <dgm:adjLst/>
+          </dgm:shape>
+          <dgm:presOf axis="self" ptType="node"/>
+          <dgm:constrLst>
+            <dgm:constr type="lMarg" refType="h" fact="0.3"/>
+            <dgm:constr type="rMarg" refType="h" fact="0.3"/>
+            <dgm:constr type="tMarg" refType="h" fact="0.3"/>
+            <dgm:constr type="bMarg" refType="h" fact="0.3"/>
+          </dgm:constrLst>
+          <dgm:ruleLst>
+            <dgm:rule type="primFontSz" val="14" fact="NaN" max="NaN"/>
+            <dgm:rule type="h" val="INF" fact="NaN" max="NaN"/>
+          </dgm:ruleLst>
+        </dgm:layoutNode>
+        <dgm:choose name="Name12">
+          <dgm:if name="Name13" axis="ch" ptType="node" func="cnt" op="gte" val="1">
+            <dgm:layoutNode name="desTx" styleLbl="revTx">
+              <dgm:varLst/>
+              <dgm:alg type="tx">
+                <dgm:param type="txAnchorVertCh" val="mid"/>
+                <dgm:param type="parTxLTRAlign" val="l"/>
+                <dgm:param type="shpTxLTRAlignCh" val="l"/>
+                <dgm:param type="parTxRTLAlign" val="r"/>
+                <dgm:param type="shpTxRTLAlignCh" val="r"/>
+                <dgm:param type="stBulletLvl" val="0"/>
+              </dgm:alg>
+              <dgm:shape xmlns:r="http://schemas.openxmlformats.org/officeDocument/2006/relationships" type="rect" r:blip="">
+                <dgm:adjLst/>
+              </dgm:shape>
+              <dgm:presOf axis="des" ptType="node"/>
+              <dgm:constrLst>
+                <dgm:constr type="primFontSz" val="18"/>
+                <dgm:constr type="secFontSz" refType="primFontSz"/>
+                <dgm:constr type="lMarg" refType="h" fact="0.3"/>
+                <dgm:constr type="rMarg" refType="h" fact="0.3"/>
+                <dgm:constr type="tMarg" refType="h" fact="0.3"/>
+                <dgm:constr type="bMarg" refType="h" fact="0.3"/>
+              </dgm:constrLst>
+              <dgm:ruleLst>
+                <dgm:rule type="primFontSz" val="11" fact="NaN" max="NaN"/>
+              </dgm:ruleLst>
+            </dgm:layoutNode>
+          </dgm:if>
+          <dgm:else name="Name14"/>
+        </dgm:choose>
+      </dgm:layoutNode>
+      <dgm:forEach name="Name15" axis="followSib" ptType="sibTrans" cnt="1">
+        <dgm:layoutNode name="sibTrans">
+          <dgm:alg type="sp"/>
+          <dgm:shape xmlns:r="http://schemas.openxmlformats.org/officeDocument/2006/relationships" r:blip="">
+            <dgm:adjLst/>
+          </dgm:shape>
+          <dgm:presOf axis="self"/>
+          <dgm:constrLst/>
+          <dgm:ruleLst/>
+        </dgm:layoutNode>
+      </dgm:forEach>
+    </dgm:forEach>
+  </dgm:layoutNode>
+  <dgm:extLst>
+    <a:ext uri="{68A01E43-0DF5-4B5B-8FA6-DAF915123BFB}">
+      <dgm1612:lstStyle xmlns:dgm1612="http://schemas.microsoft.com/office/drawing/2016/12/diagram">
+        <a:lvl1pPr>
+          <a:lnSpc>
+            <a:spcPct val="100000"/>
+          </a:lnSpc>
+        </a:lvl1pPr>
+        <a:lvl2pPr>
+          <a:lnSpc>
+            <a:spcPct val="100000"/>
+          </a:lnSpc>
+        </a:lvl2pPr>
+      </dgm1612:lstStyle>
+    </a:ext>
+  </dgm:extLst>
+</dgm:layoutDef>
+</file>
+
+<file path=ppt/diagrams/layout2.xml><?xml version="1.0" encoding="utf-8"?>
+<dgm:layoutDef xmlns:dgm="http://schemas.openxmlformats.org/drawingml/2006/diagram" xmlns:a="http://schemas.openxmlformats.org/drawingml/2006/main" uniqueId="urn:microsoft.com/office/officeart/2016/7/layout/LinearBlockProcessNumbered">
+  <dgm:title val="Linear Block Process Numbered"/>
+  <dgm:desc val="Used to show a progression; a timeline; sequential steps in a task, process, or workflow; or to emphasize movement or direction. Automatic numbers have been introduced to show the steps of the process. Level 1 text and Level 2 text both appears in a rectangle."/>
+  <dgm:catLst>
+    <dgm:cat type="process" pri="500"/>
+  </dgm:catLst>
+  <dgm:sampData>
+    <dgm:dataModel>
+      <dgm:ptLst>
+        <dgm:pt modelId="0" type="doc"/>
+        <dgm:pt modelId="1">
+          <dgm:prSet phldr="1"/>
+        </dgm:pt>
+        <dgm:pt modelId="11">
+          <dgm:prSet phldr="1"/>
+        </dgm:pt>
+        <dgm:pt modelId="2">
+          <dgm:prSet phldr="1"/>
+        </dgm:pt>
+        <dgm:pt modelId="21">
+          <dgm:prSet phldr="1"/>
+        </dgm:pt>
+        <dgm:pt modelId="3">
+          <dgm:prSet phldr="1"/>
+        </dgm:pt>
+        <dgm:pt modelId="31">
+          <dgm:prSet phldr="1"/>
+        </dgm:pt>
+        <dgm:pt modelId="101" type="sibTrans" cxnId="4">
+          <dgm:prSet phldrT="1"/>
+          <dgm:t>
+            <a:bodyPr/>
+            <a:lstStyle/>
+            <a:p>
+              <a:r>
+                <a:t>01</a:t>
+              </a:r>
+            </a:p>
+          </dgm:t>
+        </dgm:pt>
+        <dgm:pt modelId="201" type="sibTrans" cxnId="5">
+          <dgm:prSet phldrT="2"/>
+          <dgm:t>
+            <a:bodyPr/>
+            <a:lstStyle/>
+            <a:p>
+              <a:r>
+                <a:t>02</a:t>
+              </a:r>
+            </a:p>
+          </dgm:t>
+        </dgm:pt>
+        <dgm:pt modelId="301" type="sibTrans" cxnId="6">
+          <dgm:prSet phldrT="3"/>
+          <dgm:t>
+            <a:bodyPr/>
+            <a:lstStyle/>
+            <a:p>
+              <a:r>
+                <a:t>03</a:t>
+              </a:r>
+            </a:p>
+          </dgm:t>
+        </dgm:pt>
+      </dgm:ptLst>
+      <dgm:cxnLst>
+        <dgm:cxn modelId="4" srcId="0" destId="1" srcOrd="0" destOrd="0" sibTransId="101"/>
+        <dgm:cxn modelId="5" srcId="0" destId="2" srcOrd="1" destOrd="0" sibTransId="201"/>
+        <dgm:cxn modelId="6" srcId="0" destId="3" srcOrd="2" destOrd="0" sibTransId="301"/>
+        <dgm:cxn modelId="13" srcId="1" destId="11" srcOrd="0" destOrd="0"/>
+        <dgm:cxn modelId="23" srcId="2" destId="21" srcOrd="0" destOrd="0"/>
+        <dgm:cxn modelId="33" srcId="3" destId="31" srcOrd="0" destOrd="0"/>
+      </dgm:cxnLst>
+      <dgm:bg/>
+      <dgm:whole/>
+    </dgm:dataModel>
+  </dgm:sampData>
+  <dgm:styleData>
+    <dgm:dataModel>
+      <dgm:ptLst>
+        <dgm:pt modelId="0" type="doc"/>
+        <dgm:pt modelId="1"/>
+        <dgm:pt modelId="11"/>
+        <dgm:pt modelId="2"/>
+        <dgm:pt modelId="21"/>
+      </dgm:ptLst>
+      <dgm:cxnLst>
+        <dgm:cxn modelId="4" srcId="0" destId="1" srcOrd="0" destOrd="0"/>
+        <dgm:cxn modelId="5" srcId="0" destId="2" srcOrd="1" destOrd="0"/>
+        <dgm:cxn modelId="13" srcId="1" destId="11" srcOrd="0" destOrd="0"/>
+        <dgm:cxn modelId="23" srcId="2" destId="21" srcOrd="0" destOrd="0"/>
+      </dgm:cxnLst>
+      <dgm:bg/>
+      <dgm:whole/>
+    </dgm:dataModel>
+  </dgm:styleData>
+  <dgm:clrData>
+    <dgm:dataModel>
+      <dgm:ptLst>
+        <dgm:pt modelId="0" type="doc"/>
+        <dgm:pt modelId="1"/>
+        <dgm:pt modelId="11"/>
+        <dgm:pt modelId="2"/>
+        <dgm:pt modelId="21"/>
+        <dgm:pt modelId="3"/>
+        <dgm:pt modelId="31"/>
+        <dgm:pt modelId="4"/>
+        <dgm:pt modelId="41"/>
+      </dgm:ptLst>
+      <dgm:cxnLst>
+        <dgm:cxn modelId="5" srcId="0" destId="1" srcOrd="0" destOrd="0"/>
+        <dgm:cxn modelId="6" srcId="0" destId="2" srcOrd="1" destOrd="0"/>
+        <dgm:cxn modelId="7" srcId="0" destId="3" srcOrd="2" destOrd="0"/>
+        <dgm:cxn modelId="8" srcId="0" destId="4" srcOrd="3" destOrd="0"/>
+        <dgm:cxn modelId="13" srcId="1" destId="11" srcOrd="0" destOrd="0"/>
+        <dgm:cxn modelId="23" srcId="2" destId="21" srcOrd="0" destOrd="0"/>
+        <dgm:cxn modelId="33" srcId="3" destId="31" srcOrd="0" destOrd="0"/>
+        <dgm:cxn modelId="43" srcId="4" destId="41" srcOrd="0" destOrd="0"/>
+      </dgm:cxnLst>
+      <dgm:bg/>
+      <dgm:whole/>
+    </dgm:dataModel>
+  </dgm:clrData>
+  <dgm:layoutNode name="Name0">
+    <dgm:varLst>
+      <dgm:animLvl val="lvl"/>
+      <dgm:resizeHandles val="exact"/>
+    </dgm:varLst>
+    <dgm:alg type="lin">
+      <dgm:param type="linDir" val="fromL"/>
+      <dgm:param type="nodeVertAlign" val="t"/>
+    </dgm:alg>
+    <dgm:shape xmlns:r="http://schemas.openxmlformats.org/officeDocument/2006/relationships" r:blip="">
+      <dgm:adjLst/>
+    </dgm:shape>
+    <dgm:presOf/>
+    <dgm:constrLst>
+      <dgm:constr type="h" for="ch" forName="compositeNode" refType="h"/>
+      <dgm:constr type="w" for="ch" forName="compositeNode" refType="w"/>
+      <dgm:constr type="w" for="des" forName="simulatedConn" refType="w" refFor="ch" refForName="compositeNode" fact="0.15"/>
+      <dgm:constr type="h" for="des" forName="simulatedConn" refType="w" refFor="des" refForName="simulatedConn"/>
+      <dgm:constr type="h" for="des" forName="vSp1" refType="w" refFor="ch" refForName="compositeNode" fact="0.8"/>
+      <dgm:constr type="h" for="des" forName="vSp2" refType="w" refFor="ch" refForName="compositeNode" fact="0.07"/>
+      <dgm:constr type="w" for="ch" forName="vProcSp" refType="w" refFor="des" refForName="simulatedConn" op="equ"/>
+      <dgm:constr type="h" for="ch" forName="vProcSp" refType="h" refFor="ch" refForName="compositeNode" op="equ"/>
+      <dgm:constr type="w" for="ch" forName="sibTrans" refType="w" refFor="ch" refForName="compositeNode" fact="0.08"/>
+      <dgm:constr type="primFontSz" for="des" forName="sibTransNodeRect" op="equ"/>
+      <dgm:constr type="primFontSz" for="des" forName="nodeRect" op="equ"/>
+    </dgm:constrLst>
+    <dgm:ruleLst/>
+    <dgm:forEach name="Name4" axis="ch" ptType="node">
+      <dgm:layoutNode name="compositeNode">
+        <dgm:varLst>
+          <dgm:bulletEnabled val="1"/>
+        </dgm:varLst>
+        <dgm:alg type="composite"/>
+        <dgm:constrLst>
+          <dgm:constr type="h" refType="w" op="lte" fact="1.2"/>
+          <dgm:constr type="w" for="ch" forName="bgRect" refType="w"/>
+          <dgm:constr type="h" for="ch" forName="bgRect" refType="h"/>
+          <dgm:constr type="t" for="ch" forName="bgRect"/>
+          <dgm:constr type="l" for="ch" forName="bgRect"/>
+          <dgm:constr type="w" for="ch" forName="sibTransNodeRect" refType="w" refFor="ch" refForName="bgRect"/>
+          <dgm:constr type="h" for="ch" forName="sibTransNodeRect" refType="h" refFor="ch" refForName="bgRect" fact="0.4"/>
+          <dgm:constr type="t" for="ch" forName="sibTransNodeRect"/>
+          <dgm:constr type="l" for="ch" forName="sibTransNodeRect"/>
+          <dgm:constr type="r" for="ch" forName="nodeRect" refType="r" refFor="ch" refForName="bgRect"/>
+          <dgm:constr type="h" for="ch" forName="nodeRect" refType="h" refFor="ch" refForName="bgRect" fact="0.6"/>
+          <dgm:constr type="t" for="ch" forName="nodeRect" refType="b" refFor="ch" refForName="sibTransNodeRect"/>
+          <dgm:constr type="l" for="ch" forName="nodeRect" refType="l" refFor="ch" refForName="bgRect"/>
+        </dgm:constrLst>
+        <dgm:ruleLst>
+          <dgm:rule type="w" for="ch" forName="nodeRect" val="NaN" fact="NaN" max="30"/>
+        </dgm:ruleLst>
+        <dgm:layoutNode name="bgRect" styleLbl="alignNode1">
+          <dgm:alg type="sp"/>
+          <dgm:shape xmlns:r="http://schemas.openxmlformats.org/officeDocument/2006/relationships" type="rect" r:blip="">
+            <dgm:adjLst>
+              <dgm:adj idx="1" val="0.05"/>
+            </dgm:adjLst>
+          </dgm:shape>
+          <dgm:presOf axis="self"/>
+          <dgm:constrLst/>
+          <dgm:ruleLst/>
+        </dgm:layoutNode>
+        <dgm:forEach name="Name19" axis="followSib" ptType="sibTrans" hideLastTrans="0" cnt="1">
+          <dgm:layoutNode name="sibTransNodeRect" styleLbl="alignNode1">
+            <dgm:varLst>
+              <dgm:chMax val="0"/>
+              <dgm:bulletEnabled val="1"/>
+            </dgm:varLst>
+            <dgm:presOf axis="self"/>
+            <dgm:alg type="tx">
+              <dgm:param type="parTxLTRAlign" val="l"/>
+              <dgm:param type="parTxRTLAlign" val="l"/>
+            </dgm:alg>
+            <dgm:shape xmlns:r="http://schemas.openxmlformats.org/officeDocument/2006/relationships" type="rect" r:blip="" hideGeom="1">
+              <dgm:adjLst/>
+            </dgm:shape>
+            <dgm:constrLst>
+              <dgm:constr type="primFontSz" val="66"/>
+              <dgm:constr type="tMarg" val="13"/>
+              <dgm:constr type="lMarg" refType="w" fact="0.28"/>
+              <dgm:constr type="rMarg" refType="w" fact="0.28"/>
+              <dgm:constr type="bMarg" val="13"/>
+            </dgm:constrLst>
+            <dgm:ruleLst>
+              <dgm:rule type="primFontSz" val="14" fact="NaN" max="NaN"/>
+              <dgm:rule type="tMarg" val="13" fact="NaN" max="NaN"/>
+            </dgm:ruleLst>
+          </dgm:layoutNode>
+        </dgm:forEach>
+        <dgm:layoutNode name="nodeRect" styleLbl="alignNode1" moveWith="bgRect">
+          <dgm:varLst>
+            <dgm:bulletEnabled val="1"/>
+          </dgm:varLst>
+          <dgm:alg type="tx">
+            <dgm:param type="parTxLTRAlign" val="l"/>
+            <dgm:param type="parTxRTLAlign" val="r"/>
+            <dgm:param type="txAnchorVert" val="t"/>
+            <dgm:param type="stBulletLvl" val="2"/>
+          </dgm:alg>
+          <dgm:shape xmlns:r="http://schemas.openxmlformats.org/officeDocument/2006/relationships" type="rect" r:blip="" hideGeom="1">
+            <dgm:adjLst/>
+          </dgm:shape>
+          <dgm:presOf axis="desOrSelf" ptType="node"/>
+          <dgm:constrLst>
+            <dgm:constr type="primFontSz" val="26"/>
+            <dgm:constr type="tMarg"/>
+            <dgm:constr type="lMarg" refType="w" fact="0.28"/>
+            <dgm:constr type="rMarg" refType="w" fact="0.28"/>
+            <dgm:constr type="bMarg" val="26"/>
+          </dgm:constrLst>
+          <dgm:ruleLst>
+            <dgm:rule type="primFontSz" val="11" fact="NaN" max="NaN"/>
+          </dgm:ruleLst>
+        </dgm:layoutNode>
+      </dgm:layoutNode>
+      <dgm:forEach name="Name14" axis="followSib" ptType="sibTrans" cnt="1">
+        <dgm:layoutNode name="sibTrans">
+          <dgm:alg type="sp"/>
+          <dgm:shape xmlns:r="http://schemas.openxmlformats.org/officeDocument/2006/relationships" r:blip="">
+            <dgm:adjLst/>
+          </dgm:shape>
+          <dgm:presOf/>
+          <dgm:constrLst/>
+          <dgm:ruleLst/>
+        </dgm:layoutNode>
+      </dgm:forEach>
+    </dgm:forEach>
+  </dgm:layoutNode>
+  <dgm:extLst>
+    <a:ext uri="{4F341089-5ED1-44EC-B178-C955D00A3D55}">
+      <dgm1611:autoBuNodeInfoLst xmlns:dgm1611="http://schemas.microsoft.com/office/drawing/2016/11/diagram">
+        <dgm1611:autoBuNodeInfo lvl="1" ptType="sibTrans">
+          <dgm1611:buPr prefix="" leadZeros="1">
+            <a:buAutoNum type="arabicParenBoth"/>
+          </dgm1611:buPr>
+        </dgm1611:autoBuNodeInfo>
+      </dgm1611:autoBuNodeInfoLst>
+    </a:ext>
+  </dgm:extLst>
+</dgm:layoutDef>
+</file>
+
+<file path=ppt/diagrams/layout3.xml><?xml version="1.0" encoding="utf-8"?>
 <dgm:layoutDef xmlns:dgm="http://schemas.openxmlformats.org/drawingml/2006/diagram" xmlns:a="http://schemas.openxmlformats.org/drawingml/2006/main" uniqueId="urn:microsoft.com/office/officeart/2018/5/layout/IconLeafLabelList">
   <dgm:title val="Icon Leaf Label List"/>
   <dgm:desc val="Use to show non-sequential or grouped chunks of information accompanied by a related visuals. Works best with icons or small pictures with short text captions."/>
@@ -2875,6 +6885,2100 @@
 </dgm:styleDef>
 </file>
 
+<file path=ppt/diagrams/quickStyle2.xml><?xml version="1.0" encoding="utf-8"?>
+<dgm:styleDef xmlns:dgm="http://schemas.openxmlformats.org/drawingml/2006/diagram" xmlns:a="http://schemas.openxmlformats.org/drawingml/2006/main" uniqueId="urn:microsoft.com/office/officeart/2005/8/quickstyle/simple3">
+  <dgm:title val=""/>
+  <dgm:desc val=""/>
+  <dgm:catLst>
+    <dgm:cat type="simple" pri="10300"/>
+  </dgm:catLst>
+  <dgm:scene3d>
+    <a:camera prst="orthographicFront"/>
+    <a:lightRig rig="threePt" dir="t"/>
+  </dgm:scene3d>
+  <dgm:styleLbl name="node0">
+    <dgm:scene3d>
+      <a:camera prst="orthographicFront"/>
+      <a:lightRig rig="flat" dir="t"/>
+    </dgm:scene3d>
+    <dgm:sp3d prstMaterial="dkEdge">
+      <a:bevelT w="8200" h="38100"/>
+    </dgm:sp3d>
+    <dgm:txPr/>
+    <dgm:style>
+      <a:lnRef idx="0">
+        <a:scrgbClr r="0" g="0" b="0"/>
+      </a:lnRef>
+      <a:fillRef idx="2">
+        <a:scrgbClr r="0" g="0" b="0"/>
+      </a:fillRef>
+      <a:effectRef idx="1">
+        <a:scrgbClr r="0" g="0" b="0"/>
+      </a:effectRef>
+      <a:fontRef idx="minor">
+        <a:schemeClr val="dk1"/>
+      </a:fontRef>
+    </dgm:style>
+  </dgm:styleLbl>
+  <dgm:styleLbl name="lnNode1">
+    <dgm:scene3d>
+      <a:camera prst="orthographicFront"/>
+      <a:lightRig rig="flat" dir="t"/>
+    </dgm:scene3d>
+    <dgm:sp3d prstMaterial="dkEdge">
+      <a:bevelT w="8200" h="38100"/>
+    </dgm:sp3d>
+    <dgm:txPr/>
+    <dgm:style>
+      <a:lnRef idx="1">
+        <a:scrgbClr r="0" g="0" b="0"/>
+      </a:lnRef>
+      <a:fillRef idx="2">
+        <a:scrgbClr r="0" g="0" b="0"/>
+      </a:fillRef>
+      <a:effectRef idx="0">
+        <a:scrgbClr r="0" g="0" b="0"/>
+      </a:effectRef>
+      <a:fontRef idx="minor">
+        <a:schemeClr val="dk1"/>
+      </a:fontRef>
+    </dgm:style>
+  </dgm:styleLbl>
+  <dgm:styleLbl name="vennNode1">
+    <dgm:scene3d>
+      <a:camera prst="orthographicFront"/>
+      <a:lightRig rig="flat" dir="t"/>
+    </dgm:scene3d>
+    <dgm:sp3d prstMaterial="dkEdge">
+      <a:bevelT w="8200" h="38100"/>
+    </dgm:sp3d>
+    <dgm:txPr/>
+    <dgm:style>
+      <a:lnRef idx="0">
+        <a:scrgbClr r="0" g="0" b="0"/>
+      </a:lnRef>
+      <a:fillRef idx="2">
+        <a:scrgbClr r="0" g="0" b="0"/>
+      </a:fillRef>
+      <a:effectRef idx="0">
+        <a:scrgbClr r="0" g="0" b="0"/>
+      </a:effectRef>
+      <a:fontRef idx="minor">
+        <a:schemeClr val="tx1"/>
+      </a:fontRef>
+    </dgm:style>
+  </dgm:styleLbl>
+  <dgm:styleLbl name="alignNode1">
+    <dgm:scene3d>
+      <a:camera prst="orthographicFront"/>
+      <a:lightRig rig="threePt" dir="t"/>
+    </dgm:scene3d>
+    <dgm:sp3d/>
+    <dgm:txPr/>
+    <dgm:style>
+      <a:lnRef idx="1">
+        <a:scrgbClr r="0" g="0" b="0"/>
+      </a:lnRef>
+      <a:fillRef idx="2">
+        <a:scrgbClr r="0" g="0" b="0"/>
+      </a:fillRef>
+      <a:effectRef idx="1">
+        <a:scrgbClr r="0" g="0" b="0"/>
+      </a:effectRef>
+      <a:fontRef idx="minor">
+        <a:schemeClr val="dk1"/>
+      </a:fontRef>
+    </dgm:style>
+  </dgm:styleLbl>
+  <dgm:styleLbl name="node1">
+    <dgm:scene3d>
+      <a:camera prst="orthographicFront"/>
+      <a:lightRig rig="flat" dir="t"/>
+    </dgm:scene3d>
+    <dgm:sp3d prstMaterial="dkEdge">
+      <a:bevelT w="8200" h="38100"/>
+    </dgm:sp3d>
+    <dgm:txPr/>
+    <dgm:style>
+      <a:lnRef idx="0">
+        <a:scrgbClr r="0" g="0" b="0"/>
+      </a:lnRef>
+      <a:fillRef idx="2">
+        <a:scrgbClr r="0" g="0" b="0"/>
+      </a:fillRef>
+      <a:effectRef idx="1">
+        <a:scrgbClr r="0" g="0" b="0"/>
+      </a:effectRef>
+      <a:fontRef idx="minor">
+        <a:schemeClr val="dk1"/>
+      </a:fontRef>
+    </dgm:style>
+  </dgm:styleLbl>
+  <dgm:styleLbl name="node2">
+    <dgm:scene3d>
+      <a:camera prst="orthographicFront"/>
+      <a:lightRig rig="flat" dir="t"/>
+    </dgm:scene3d>
+    <dgm:sp3d prstMaterial="dkEdge">
+      <a:bevelT w="8200" h="38100"/>
+    </dgm:sp3d>
+    <dgm:txPr/>
+    <dgm:style>
+      <a:lnRef idx="0">
+        <a:scrgbClr r="0" g="0" b="0"/>
+      </a:lnRef>
+      <a:fillRef idx="2">
+        <a:scrgbClr r="0" g="0" b="0"/>
+      </a:fillRef>
+      <a:effectRef idx="1">
+        <a:scrgbClr r="0" g="0" b="0"/>
+      </a:effectRef>
+      <a:fontRef idx="minor">
+        <a:schemeClr val="dk1"/>
+      </a:fontRef>
+    </dgm:style>
+  </dgm:styleLbl>
+  <dgm:styleLbl name="node3">
+    <dgm:scene3d>
+      <a:camera prst="orthographicFront"/>
+      <a:lightRig rig="flat" dir="t"/>
+    </dgm:scene3d>
+    <dgm:sp3d prstMaterial="dkEdge">
+      <a:bevelT w="8200" h="38100"/>
+    </dgm:sp3d>
+    <dgm:txPr/>
+    <dgm:style>
+      <a:lnRef idx="0">
+        <a:scrgbClr r="0" g="0" b="0"/>
+      </a:lnRef>
+      <a:fillRef idx="2">
+        <a:scrgbClr r="0" g="0" b="0"/>
+      </a:fillRef>
+      <a:effectRef idx="1">
+        <a:scrgbClr r="0" g="0" b="0"/>
+      </a:effectRef>
+      <a:fontRef idx="minor">
+        <a:schemeClr val="dk1"/>
+      </a:fontRef>
+    </dgm:style>
+  </dgm:styleLbl>
+  <dgm:styleLbl name="node4">
+    <dgm:scene3d>
+      <a:camera prst="orthographicFront"/>
+      <a:lightRig rig="flat" dir="t"/>
+    </dgm:scene3d>
+    <dgm:sp3d prstMaterial="dkEdge">
+      <a:bevelT w="8200" h="38100"/>
+    </dgm:sp3d>
+    <dgm:txPr/>
+    <dgm:style>
+      <a:lnRef idx="0">
+        <a:scrgbClr r="0" g="0" b="0"/>
+      </a:lnRef>
+      <a:fillRef idx="2">
+        <a:scrgbClr r="0" g="0" b="0"/>
+      </a:fillRef>
+      <a:effectRef idx="1">
+        <a:scrgbClr r="0" g="0" b="0"/>
+      </a:effectRef>
+      <a:fontRef idx="minor">
+        <a:schemeClr val="dk1"/>
+      </a:fontRef>
+    </dgm:style>
+  </dgm:styleLbl>
+  <dgm:styleLbl name="fgImgPlace1">
+    <dgm:scene3d>
+      <a:camera prst="orthographicFront"/>
+      <a:lightRig rig="threePt" dir="t"/>
+    </dgm:scene3d>
+    <dgm:sp3d/>
+    <dgm:txPr/>
+    <dgm:style>
+      <a:lnRef idx="1">
+        <a:scrgbClr r="0" g="0" b="0"/>
+      </a:lnRef>
+      <a:fillRef idx="1">
+        <a:scrgbClr r="0" g="0" b="0"/>
+      </a:fillRef>
+      <a:effectRef idx="1">
+        <a:scrgbClr r="0" g="0" b="0"/>
+      </a:effectRef>
+      <a:fontRef idx="minor"/>
+    </dgm:style>
+  </dgm:styleLbl>
+  <dgm:styleLbl name="alignImgPlace1">
+    <dgm:scene3d>
+      <a:camera prst="orthographicFront"/>
+      <a:lightRig rig="threePt" dir="t"/>
+    </dgm:scene3d>
+    <dgm:sp3d/>
+    <dgm:txPr/>
+    <dgm:style>
+      <a:lnRef idx="1">
+        <a:scrgbClr r="0" g="0" b="0"/>
+      </a:lnRef>
+      <a:fillRef idx="1">
+        <a:scrgbClr r="0" g="0" b="0"/>
+      </a:fillRef>
+      <a:effectRef idx="1">
+        <a:scrgbClr r="0" g="0" b="0"/>
+      </a:effectRef>
+      <a:fontRef idx="minor"/>
+    </dgm:style>
+  </dgm:styleLbl>
+  <dgm:styleLbl name="bgImgPlace1">
+    <dgm:scene3d>
+      <a:camera prst="orthographicFront"/>
+      <a:lightRig rig="threePt" dir="t"/>
+    </dgm:scene3d>
+    <dgm:sp3d/>
+    <dgm:txPr/>
+    <dgm:style>
+      <a:lnRef idx="1">
+        <a:scrgbClr r="0" g="0" b="0"/>
+      </a:lnRef>
+      <a:fillRef idx="1">
+        <a:scrgbClr r="0" g="0" b="0"/>
+      </a:fillRef>
+      <a:effectRef idx="1">
+        <a:scrgbClr r="0" g="0" b="0"/>
+      </a:effectRef>
+      <a:fontRef idx="minor"/>
+    </dgm:style>
+  </dgm:styleLbl>
+  <dgm:styleLbl name="sibTrans2D1">
+    <dgm:scene3d>
+      <a:camera prst="orthographicFront"/>
+      <a:lightRig rig="threePt" dir="t"/>
+    </dgm:scene3d>
+    <dgm:sp3d/>
+    <dgm:txPr/>
+    <dgm:style>
+      <a:lnRef idx="0">
+        <a:scrgbClr r="0" g="0" b="0"/>
+      </a:lnRef>
+      <a:fillRef idx="2">
+        <a:scrgbClr r="0" g="0" b="0"/>
+      </a:fillRef>
+      <a:effectRef idx="1">
+        <a:scrgbClr r="0" g="0" b="0"/>
+      </a:effectRef>
+      <a:fontRef idx="minor">
+        <a:schemeClr val="dk1"/>
+      </a:fontRef>
+    </dgm:style>
+  </dgm:styleLbl>
+  <dgm:styleLbl name="fgSibTrans2D1">
+    <dgm:scene3d>
+      <a:camera prst="orthographicFront"/>
+      <a:lightRig rig="threePt" dir="t"/>
+    </dgm:scene3d>
+    <dgm:sp3d/>
+    <dgm:txPr/>
+    <dgm:style>
+      <a:lnRef idx="0">
+        <a:scrgbClr r="0" g="0" b="0"/>
+      </a:lnRef>
+      <a:fillRef idx="2">
+        <a:scrgbClr r="0" g="0" b="0"/>
+      </a:fillRef>
+      <a:effectRef idx="1">
+        <a:scrgbClr r="0" g="0" b="0"/>
+      </a:effectRef>
+      <a:fontRef idx="minor">
+        <a:schemeClr val="dk1"/>
+      </a:fontRef>
+    </dgm:style>
+  </dgm:styleLbl>
+  <dgm:styleLbl name="bgSibTrans2D1">
+    <dgm:scene3d>
+      <a:camera prst="orthographicFront"/>
+      <a:lightRig rig="threePt" dir="t"/>
+    </dgm:scene3d>
+    <dgm:sp3d/>
+    <dgm:txPr/>
+    <dgm:style>
+      <a:lnRef idx="0">
+        <a:scrgbClr r="0" g="0" b="0"/>
+      </a:lnRef>
+      <a:fillRef idx="2">
+        <a:scrgbClr r="0" g="0" b="0"/>
+      </a:fillRef>
+      <a:effectRef idx="1">
+        <a:scrgbClr r="0" g="0" b="0"/>
+      </a:effectRef>
+      <a:fontRef idx="minor">
+        <a:schemeClr val="dk1"/>
+      </a:fontRef>
+    </dgm:style>
+  </dgm:styleLbl>
+  <dgm:styleLbl name="sibTrans1D1">
+    <dgm:scene3d>
+      <a:camera prst="orthographicFront"/>
+      <a:lightRig rig="threePt" dir="t"/>
+    </dgm:scene3d>
+    <dgm:sp3d/>
+    <dgm:txPr/>
+    <dgm:style>
+      <a:lnRef idx="1">
+        <a:scrgbClr r="0" g="0" b="0"/>
+      </a:lnRef>
+      <a:fillRef idx="0">
+        <a:scrgbClr r="0" g="0" b="0"/>
+      </a:fillRef>
+      <a:effectRef idx="0">
+        <a:scrgbClr r="0" g="0" b="0"/>
+      </a:effectRef>
+      <a:fontRef idx="minor"/>
+    </dgm:style>
+  </dgm:styleLbl>
+  <dgm:styleLbl name="callout">
+    <dgm:scene3d>
+      <a:camera prst="orthographicFront"/>
+      <a:lightRig rig="threePt" dir="t"/>
+    </dgm:scene3d>
+    <dgm:sp3d/>
+    <dgm:txPr/>
+    <dgm:style>
+      <a:lnRef idx="1">
+        <a:scrgbClr r="0" g="0" b="0"/>
+      </a:lnRef>
+      <a:fillRef idx="2">
+        <a:scrgbClr r="0" g="0" b="0"/>
+      </a:fillRef>
+      <a:effectRef idx="1">
+        <a:scrgbClr r="0" g="0" b="0"/>
+      </a:effectRef>
+      <a:fontRef idx="minor"/>
+    </dgm:style>
+  </dgm:styleLbl>
+  <dgm:styleLbl name="asst0">
+    <dgm:scene3d>
+      <a:camera prst="orthographicFront"/>
+      <a:lightRig rig="flat" dir="t"/>
+    </dgm:scene3d>
+    <dgm:sp3d prstMaterial="dkEdge">
+      <a:bevelT w="8200" h="38100"/>
+    </dgm:sp3d>
+    <dgm:txPr/>
+    <dgm:style>
+      <a:lnRef idx="0">
+        <a:scrgbClr r="0" g="0" b="0"/>
+      </a:lnRef>
+      <a:fillRef idx="2">
+        <a:scrgbClr r="0" g="0" b="0"/>
+      </a:fillRef>
+      <a:effectRef idx="1">
+        <a:scrgbClr r="0" g="0" b="0"/>
+      </a:effectRef>
+      <a:fontRef idx="minor">
+        <a:schemeClr val="dk1"/>
+      </a:fontRef>
+    </dgm:style>
+  </dgm:styleLbl>
+  <dgm:styleLbl name="asst1">
+    <dgm:scene3d>
+      <a:camera prst="orthographicFront"/>
+      <a:lightRig rig="flat" dir="t"/>
+    </dgm:scene3d>
+    <dgm:sp3d prstMaterial="dkEdge">
+      <a:bevelT w="8200" h="38100"/>
+    </dgm:sp3d>
+    <dgm:txPr/>
+    <dgm:style>
+      <a:lnRef idx="0">
+        <a:scrgbClr r="0" g="0" b="0"/>
+      </a:lnRef>
+      <a:fillRef idx="2">
+        <a:scrgbClr r="0" g="0" b="0"/>
+      </a:fillRef>
+      <a:effectRef idx="1">
+        <a:scrgbClr r="0" g="0" b="0"/>
+      </a:effectRef>
+      <a:fontRef idx="minor">
+        <a:schemeClr val="dk1"/>
+      </a:fontRef>
+    </dgm:style>
+  </dgm:styleLbl>
+  <dgm:styleLbl name="asst2">
+    <dgm:scene3d>
+      <a:camera prst="orthographicFront"/>
+      <a:lightRig rig="flat" dir="t"/>
+    </dgm:scene3d>
+    <dgm:sp3d prstMaterial="dkEdge">
+      <a:bevelT w="8200" h="38100"/>
+    </dgm:sp3d>
+    <dgm:txPr/>
+    <dgm:style>
+      <a:lnRef idx="0">
+        <a:scrgbClr r="0" g="0" b="0"/>
+      </a:lnRef>
+      <a:fillRef idx="2">
+        <a:scrgbClr r="0" g="0" b="0"/>
+      </a:fillRef>
+      <a:effectRef idx="1">
+        <a:scrgbClr r="0" g="0" b="0"/>
+      </a:effectRef>
+      <a:fontRef idx="minor">
+        <a:schemeClr val="dk1"/>
+      </a:fontRef>
+    </dgm:style>
+  </dgm:styleLbl>
+  <dgm:styleLbl name="asst3">
+    <dgm:scene3d>
+      <a:camera prst="orthographicFront"/>
+      <a:lightRig rig="flat" dir="t"/>
+    </dgm:scene3d>
+    <dgm:sp3d prstMaterial="dkEdge">
+      <a:bevelT w="8200" h="38100"/>
+    </dgm:sp3d>
+    <dgm:txPr/>
+    <dgm:style>
+      <a:lnRef idx="0">
+        <a:scrgbClr r="0" g="0" b="0"/>
+      </a:lnRef>
+      <a:fillRef idx="2">
+        <a:scrgbClr r="0" g="0" b="0"/>
+      </a:fillRef>
+      <a:effectRef idx="1">
+        <a:scrgbClr r="0" g="0" b="0"/>
+      </a:effectRef>
+      <a:fontRef idx="minor">
+        <a:schemeClr val="dk1"/>
+      </a:fontRef>
+    </dgm:style>
+  </dgm:styleLbl>
+  <dgm:styleLbl name="asst4">
+    <dgm:scene3d>
+      <a:camera prst="orthographicFront"/>
+      <a:lightRig rig="flat" dir="t"/>
+    </dgm:scene3d>
+    <dgm:sp3d prstMaterial="dkEdge">
+      <a:bevelT w="8200" h="38100"/>
+    </dgm:sp3d>
+    <dgm:txPr/>
+    <dgm:style>
+      <a:lnRef idx="0">
+        <a:scrgbClr r="0" g="0" b="0"/>
+      </a:lnRef>
+      <a:fillRef idx="2">
+        <a:scrgbClr r="0" g="0" b="0"/>
+      </a:fillRef>
+      <a:effectRef idx="1">
+        <a:scrgbClr r="0" g="0" b="0"/>
+      </a:effectRef>
+      <a:fontRef idx="minor">
+        <a:schemeClr val="dk1"/>
+      </a:fontRef>
+    </dgm:style>
+  </dgm:styleLbl>
+  <dgm:styleLbl name="parChTrans2D1">
+    <dgm:scene3d>
+      <a:camera prst="orthographicFront"/>
+      <a:lightRig rig="threePt" dir="t"/>
+    </dgm:scene3d>
+    <dgm:sp3d/>
+    <dgm:txPr/>
+    <dgm:style>
+      <a:lnRef idx="1">
+        <a:scrgbClr r="0" g="0" b="0"/>
+      </a:lnRef>
+      <a:fillRef idx="2">
+        <a:scrgbClr r="0" g="0" b="0"/>
+      </a:fillRef>
+      <a:effectRef idx="1">
+        <a:scrgbClr r="0" g="0" b="0"/>
+      </a:effectRef>
+      <a:fontRef idx="minor">
+        <a:schemeClr val="dk1"/>
+      </a:fontRef>
+    </dgm:style>
+  </dgm:styleLbl>
+  <dgm:styleLbl name="parChTrans2D2">
+    <dgm:scene3d>
+      <a:camera prst="orthographicFront"/>
+      <a:lightRig rig="threePt" dir="t"/>
+    </dgm:scene3d>
+    <dgm:sp3d/>
+    <dgm:txPr/>
+    <dgm:style>
+      <a:lnRef idx="1">
+        <a:scrgbClr r="0" g="0" b="0"/>
+      </a:lnRef>
+      <a:fillRef idx="2">
+        <a:scrgbClr r="0" g="0" b="0"/>
+      </a:fillRef>
+      <a:effectRef idx="1">
+        <a:scrgbClr r="0" g="0" b="0"/>
+      </a:effectRef>
+      <a:fontRef idx="minor">
+        <a:schemeClr val="dk1"/>
+      </a:fontRef>
+    </dgm:style>
+  </dgm:styleLbl>
+  <dgm:styleLbl name="parChTrans2D3">
+    <dgm:scene3d>
+      <a:camera prst="orthographicFront"/>
+      <a:lightRig rig="threePt" dir="t"/>
+    </dgm:scene3d>
+    <dgm:sp3d/>
+    <dgm:txPr/>
+    <dgm:style>
+      <a:lnRef idx="1">
+        <a:scrgbClr r="0" g="0" b="0"/>
+      </a:lnRef>
+      <a:fillRef idx="2">
+        <a:scrgbClr r="0" g="0" b="0"/>
+      </a:fillRef>
+      <a:effectRef idx="1">
+        <a:scrgbClr r="0" g="0" b="0"/>
+      </a:effectRef>
+      <a:fontRef idx="minor">
+        <a:schemeClr val="dk1"/>
+      </a:fontRef>
+    </dgm:style>
+  </dgm:styleLbl>
+  <dgm:styleLbl name="parChTrans2D4">
+    <dgm:scene3d>
+      <a:camera prst="orthographicFront"/>
+      <a:lightRig rig="threePt" dir="t"/>
+    </dgm:scene3d>
+    <dgm:sp3d/>
+    <dgm:txPr/>
+    <dgm:style>
+      <a:lnRef idx="1">
+        <a:scrgbClr r="0" g="0" b="0"/>
+      </a:lnRef>
+      <a:fillRef idx="2">
+        <a:scrgbClr r="0" g="0" b="0"/>
+      </a:fillRef>
+      <a:effectRef idx="1">
+        <a:scrgbClr r="0" g="0" b="0"/>
+      </a:effectRef>
+      <a:fontRef idx="minor">
+        <a:schemeClr val="dk1"/>
+      </a:fontRef>
+    </dgm:style>
+  </dgm:styleLbl>
+  <dgm:styleLbl name="parChTrans1D1">
+    <dgm:scene3d>
+      <a:camera prst="orthographicFront"/>
+      <a:lightRig rig="threePt" dir="t"/>
+    </dgm:scene3d>
+    <dgm:sp3d/>
+    <dgm:txPr/>
+    <dgm:style>
+      <a:lnRef idx="2">
+        <a:scrgbClr r="0" g="0" b="0"/>
+      </a:lnRef>
+      <a:fillRef idx="0">
+        <a:scrgbClr r="0" g="0" b="0"/>
+      </a:fillRef>
+      <a:effectRef idx="0">
+        <a:scrgbClr r="0" g="0" b="0"/>
+      </a:effectRef>
+      <a:fontRef idx="minor"/>
+    </dgm:style>
+  </dgm:styleLbl>
+  <dgm:styleLbl name="parChTrans1D2">
+    <dgm:scene3d>
+      <a:camera prst="orthographicFront"/>
+      <a:lightRig rig="threePt" dir="t"/>
+    </dgm:scene3d>
+    <dgm:sp3d/>
+    <dgm:txPr/>
+    <dgm:style>
+      <a:lnRef idx="2">
+        <a:scrgbClr r="0" g="0" b="0"/>
+      </a:lnRef>
+      <a:fillRef idx="0">
+        <a:scrgbClr r="0" g="0" b="0"/>
+      </a:fillRef>
+      <a:effectRef idx="0">
+        <a:scrgbClr r="0" g="0" b="0"/>
+      </a:effectRef>
+      <a:fontRef idx="minor"/>
+    </dgm:style>
+  </dgm:styleLbl>
+  <dgm:styleLbl name="parChTrans1D3">
+    <dgm:scene3d>
+      <a:camera prst="orthographicFront"/>
+      <a:lightRig rig="threePt" dir="t"/>
+    </dgm:scene3d>
+    <dgm:sp3d/>
+    <dgm:txPr/>
+    <dgm:style>
+      <a:lnRef idx="2">
+        <a:scrgbClr r="0" g="0" b="0"/>
+      </a:lnRef>
+      <a:fillRef idx="0">
+        <a:scrgbClr r="0" g="0" b="0"/>
+      </a:fillRef>
+      <a:effectRef idx="0">
+        <a:scrgbClr r="0" g="0" b="0"/>
+      </a:effectRef>
+      <a:fontRef idx="minor"/>
+    </dgm:style>
+  </dgm:styleLbl>
+  <dgm:styleLbl name="parChTrans1D4">
+    <dgm:scene3d>
+      <a:camera prst="orthographicFront"/>
+      <a:lightRig rig="threePt" dir="t"/>
+    </dgm:scene3d>
+    <dgm:sp3d/>
+    <dgm:txPr/>
+    <dgm:style>
+      <a:lnRef idx="2">
+        <a:scrgbClr r="0" g="0" b="0"/>
+      </a:lnRef>
+      <a:fillRef idx="0">
+        <a:scrgbClr r="0" g="0" b="0"/>
+      </a:fillRef>
+      <a:effectRef idx="0">
+        <a:scrgbClr r="0" g="0" b="0"/>
+      </a:effectRef>
+      <a:fontRef idx="minor"/>
+    </dgm:style>
+  </dgm:styleLbl>
+  <dgm:styleLbl name="fgAcc1">
+    <dgm:scene3d>
+      <a:camera prst="orthographicFront"/>
+      <a:lightRig rig="threePt" dir="t"/>
+    </dgm:scene3d>
+    <dgm:sp3d/>
+    <dgm:txPr/>
+    <dgm:style>
+      <a:lnRef idx="1">
+        <a:scrgbClr r="0" g="0" b="0"/>
+      </a:lnRef>
+      <a:fillRef idx="1">
+        <a:scrgbClr r="0" g="0" b="0"/>
+      </a:fillRef>
+      <a:effectRef idx="0">
+        <a:scrgbClr r="0" g="0" b="0"/>
+      </a:effectRef>
+      <a:fontRef idx="minor"/>
+    </dgm:style>
+  </dgm:styleLbl>
+  <dgm:styleLbl name="conFgAcc1">
+    <dgm:scene3d>
+      <a:camera prst="orthographicFront"/>
+      <a:lightRig rig="threePt" dir="t"/>
+    </dgm:scene3d>
+    <dgm:sp3d/>
+    <dgm:txPr/>
+    <dgm:style>
+      <a:lnRef idx="1">
+        <a:scrgbClr r="0" g="0" b="0"/>
+      </a:lnRef>
+      <a:fillRef idx="1">
+        <a:scrgbClr r="0" g="0" b="0"/>
+      </a:fillRef>
+      <a:effectRef idx="0">
+        <a:scrgbClr r="0" g="0" b="0"/>
+      </a:effectRef>
+      <a:fontRef idx="minor"/>
+    </dgm:style>
+  </dgm:styleLbl>
+  <dgm:styleLbl name="alignAcc1">
+    <dgm:scene3d>
+      <a:camera prst="orthographicFront"/>
+      <a:lightRig rig="threePt" dir="t"/>
+    </dgm:scene3d>
+    <dgm:sp3d/>
+    <dgm:txPr/>
+    <dgm:style>
+      <a:lnRef idx="1">
+        <a:scrgbClr r="0" g="0" b="0"/>
+      </a:lnRef>
+      <a:fillRef idx="1">
+        <a:scrgbClr r="0" g="0" b="0"/>
+      </a:fillRef>
+      <a:effectRef idx="0">
+        <a:scrgbClr r="0" g="0" b="0"/>
+      </a:effectRef>
+      <a:fontRef idx="minor"/>
+    </dgm:style>
+  </dgm:styleLbl>
+  <dgm:styleLbl name="trAlignAcc1">
+    <dgm:scene3d>
+      <a:camera prst="orthographicFront"/>
+      <a:lightRig rig="threePt" dir="t"/>
+    </dgm:scene3d>
+    <dgm:sp3d/>
+    <dgm:txPr/>
+    <dgm:style>
+      <a:lnRef idx="1">
+        <a:scrgbClr r="0" g="0" b="0"/>
+      </a:lnRef>
+      <a:fillRef idx="1">
+        <a:scrgbClr r="0" g="0" b="0"/>
+      </a:fillRef>
+      <a:effectRef idx="0">
+        <a:scrgbClr r="0" g="0" b="0"/>
+      </a:effectRef>
+      <a:fontRef idx="minor"/>
+    </dgm:style>
+  </dgm:styleLbl>
+  <dgm:styleLbl name="bgAcc1">
+    <dgm:scene3d>
+      <a:camera prst="orthographicFront"/>
+      <a:lightRig rig="threePt" dir="t"/>
+    </dgm:scene3d>
+    <dgm:sp3d/>
+    <dgm:txPr/>
+    <dgm:style>
+      <a:lnRef idx="1">
+        <a:scrgbClr r="0" g="0" b="0"/>
+      </a:lnRef>
+      <a:fillRef idx="1">
+        <a:scrgbClr r="0" g="0" b="0"/>
+      </a:fillRef>
+      <a:effectRef idx="0">
+        <a:scrgbClr r="0" g="0" b="0"/>
+      </a:effectRef>
+      <a:fontRef idx="minor"/>
+    </dgm:style>
+  </dgm:styleLbl>
+  <dgm:styleLbl name="solidFgAcc1">
+    <dgm:scene3d>
+      <a:camera prst="orthographicFront"/>
+      <a:lightRig rig="threePt" dir="t"/>
+    </dgm:scene3d>
+    <dgm:sp3d/>
+    <dgm:txPr/>
+    <dgm:style>
+      <a:lnRef idx="1">
+        <a:scrgbClr r="0" g="0" b="0"/>
+      </a:lnRef>
+      <a:fillRef idx="2">
+        <a:scrgbClr r="0" g="0" b="0"/>
+      </a:fillRef>
+      <a:effectRef idx="0">
+        <a:scrgbClr r="0" g="0" b="0"/>
+      </a:effectRef>
+      <a:fontRef idx="minor"/>
+    </dgm:style>
+  </dgm:styleLbl>
+  <dgm:styleLbl name="solidAlignAcc1">
+    <dgm:scene3d>
+      <a:camera prst="orthographicFront"/>
+      <a:lightRig rig="threePt" dir="t"/>
+    </dgm:scene3d>
+    <dgm:sp3d/>
+    <dgm:txPr/>
+    <dgm:style>
+      <a:lnRef idx="1">
+        <a:scrgbClr r="0" g="0" b="0"/>
+      </a:lnRef>
+      <a:fillRef idx="1">
+        <a:scrgbClr r="0" g="0" b="0"/>
+      </a:fillRef>
+      <a:effectRef idx="0">
+        <a:scrgbClr r="0" g="0" b="0"/>
+      </a:effectRef>
+      <a:fontRef idx="minor"/>
+    </dgm:style>
+  </dgm:styleLbl>
+  <dgm:styleLbl name="solidBgAcc1">
+    <dgm:scene3d>
+      <a:camera prst="orthographicFront"/>
+      <a:lightRig rig="threePt" dir="t"/>
+    </dgm:scene3d>
+    <dgm:sp3d/>
+    <dgm:txPr/>
+    <dgm:style>
+      <a:lnRef idx="1">
+        <a:scrgbClr r="0" g="0" b="0"/>
+      </a:lnRef>
+      <a:fillRef idx="1">
+        <a:scrgbClr r="0" g="0" b="0"/>
+      </a:fillRef>
+      <a:effectRef idx="0">
+        <a:scrgbClr r="0" g="0" b="0"/>
+      </a:effectRef>
+      <a:fontRef idx="minor"/>
+    </dgm:style>
+  </dgm:styleLbl>
+  <dgm:styleLbl name="fgAccFollowNode1">
+    <dgm:scene3d>
+      <a:camera prst="orthographicFront"/>
+      <a:lightRig rig="threePt" dir="t"/>
+    </dgm:scene3d>
+    <dgm:sp3d/>
+    <dgm:txPr/>
+    <dgm:style>
+      <a:lnRef idx="1">
+        <a:scrgbClr r="0" g="0" b="0"/>
+      </a:lnRef>
+      <a:fillRef idx="1">
+        <a:scrgbClr r="0" g="0" b="0"/>
+      </a:fillRef>
+      <a:effectRef idx="0">
+        <a:scrgbClr r="0" g="0" b="0"/>
+      </a:effectRef>
+      <a:fontRef idx="minor"/>
+    </dgm:style>
+  </dgm:styleLbl>
+  <dgm:styleLbl name="alignAccFollowNode1">
+    <dgm:scene3d>
+      <a:camera prst="orthographicFront"/>
+      <a:lightRig rig="threePt" dir="t"/>
+    </dgm:scene3d>
+    <dgm:sp3d/>
+    <dgm:txPr/>
+    <dgm:style>
+      <a:lnRef idx="1">
+        <a:scrgbClr r="0" g="0" b="0"/>
+      </a:lnRef>
+      <a:fillRef idx="1">
+        <a:scrgbClr r="0" g="0" b="0"/>
+      </a:fillRef>
+      <a:effectRef idx="0">
+        <a:scrgbClr r="0" g="0" b="0"/>
+      </a:effectRef>
+      <a:fontRef idx="minor"/>
+    </dgm:style>
+  </dgm:styleLbl>
+  <dgm:styleLbl name="bgAccFollowNode1">
+    <dgm:scene3d>
+      <a:camera prst="orthographicFront"/>
+      <a:lightRig rig="threePt" dir="t"/>
+    </dgm:scene3d>
+    <dgm:sp3d/>
+    <dgm:txPr/>
+    <dgm:style>
+      <a:lnRef idx="1">
+        <a:scrgbClr r="0" g="0" b="0"/>
+      </a:lnRef>
+      <a:fillRef idx="1">
+        <a:scrgbClr r="0" g="0" b="0"/>
+      </a:fillRef>
+      <a:effectRef idx="0">
+        <a:scrgbClr r="0" g="0" b="0"/>
+      </a:effectRef>
+      <a:fontRef idx="minor"/>
+    </dgm:style>
+  </dgm:styleLbl>
+  <dgm:styleLbl name="fgAcc0">
+    <dgm:scene3d>
+      <a:camera prst="orthographicFront"/>
+      <a:lightRig rig="threePt" dir="t"/>
+    </dgm:scene3d>
+    <dgm:sp3d/>
+    <dgm:txPr/>
+    <dgm:style>
+      <a:lnRef idx="1">
+        <a:scrgbClr r="0" g="0" b="0"/>
+      </a:lnRef>
+      <a:fillRef idx="1">
+        <a:scrgbClr r="0" g="0" b="0"/>
+      </a:fillRef>
+      <a:effectRef idx="0">
+        <a:scrgbClr r="0" g="0" b="0"/>
+      </a:effectRef>
+      <a:fontRef idx="minor"/>
+    </dgm:style>
+  </dgm:styleLbl>
+  <dgm:styleLbl name="fgAcc2">
+    <dgm:scene3d>
+      <a:camera prst="orthographicFront"/>
+      <a:lightRig rig="threePt" dir="t"/>
+    </dgm:scene3d>
+    <dgm:sp3d/>
+    <dgm:txPr/>
+    <dgm:style>
+      <a:lnRef idx="1">
+        <a:scrgbClr r="0" g="0" b="0"/>
+      </a:lnRef>
+      <a:fillRef idx="1">
+        <a:scrgbClr r="0" g="0" b="0"/>
+      </a:fillRef>
+      <a:effectRef idx="0">
+        <a:scrgbClr r="0" g="0" b="0"/>
+      </a:effectRef>
+      <a:fontRef idx="minor"/>
+    </dgm:style>
+  </dgm:styleLbl>
+  <dgm:styleLbl name="fgAcc3">
+    <dgm:scene3d>
+      <a:camera prst="orthographicFront"/>
+      <a:lightRig rig="threePt" dir="t"/>
+    </dgm:scene3d>
+    <dgm:sp3d/>
+    <dgm:txPr/>
+    <dgm:style>
+      <a:lnRef idx="1">
+        <a:scrgbClr r="0" g="0" b="0"/>
+      </a:lnRef>
+      <a:fillRef idx="1">
+        <a:scrgbClr r="0" g="0" b="0"/>
+      </a:fillRef>
+      <a:effectRef idx="0">
+        <a:scrgbClr r="0" g="0" b="0"/>
+      </a:effectRef>
+      <a:fontRef idx="minor"/>
+    </dgm:style>
+  </dgm:styleLbl>
+  <dgm:styleLbl name="fgAcc4">
+    <dgm:scene3d>
+      <a:camera prst="orthographicFront"/>
+      <a:lightRig rig="threePt" dir="t"/>
+    </dgm:scene3d>
+    <dgm:sp3d/>
+    <dgm:txPr/>
+    <dgm:style>
+      <a:lnRef idx="1">
+        <a:scrgbClr r="0" g="0" b="0"/>
+      </a:lnRef>
+      <a:fillRef idx="1">
+        <a:scrgbClr r="0" g="0" b="0"/>
+      </a:fillRef>
+      <a:effectRef idx="0">
+        <a:scrgbClr r="0" g="0" b="0"/>
+      </a:effectRef>
+      <a:fontRef idx="minor"/>
+    </dgm:style>
+  </dgm:styleLbl>
+  <dgm:styleLbl name="bgShp">
+    <dgm:scene3d>
+      <a:camera prst="orthographicFront"/>
+      <a:lightRig rig="threePt" dir="t"/>
+    </dgm:scene3d>
+    <dgm:sp3d/>
+    <dgm:txPr/>
+    <dgm:style>
+      <a:lnRef idx="0">
+        <a:scrgbClr r="0" g="0" b="0"/>
+      </a:lnRef>
+      <a:fillRef idx="1">
+        <a:scrgbClr r="0" g="0" b="0"/>
+      </a:fillRef>
+      <a:effectRef idx="1">
+        <a:scrgbClr r="0" g="0" b="0"/>
+      </a:effectRef>
+      <a:fontRef idx="minor"/>
+    </dgm:style>
+  </dgm:styleLbl>
+  <dgm:styleLbl name="dkBgShp">
+    <dgm:scene3d>
+      <a:camera prst="orthographicFront"/>
+      <a:lightRig rig="threePt" dir="t"/>
+    </dgm:scene3d>
+    <dgm:sp3d/>
+    <dgm:txPr/>
+    <dgm:style>
+      <a:lnRef idx="0">
+        <a:scrgbClr r="0" g="0" b="0"/>
+      </a:lnRef>
+      <a:fillRef idx="1">
+        <a:scrgbClr r="0" g="0" b="0"/>
+      </a:fillRef>
+      <a:effectRef idx="1">
+        <a:scrgbClr r="0" g="0" b="0"/>
+      </a:effectRef>
+      <a:fontRef idx="minor"/>
+    </dgm:style>
+  </dgm:styleLbl>
+  <dgm:styleLbl name="trBgShp">
+    <dgm:scene3d>
+      <a:camera prst="orthographicFront"/>
+      <a:lightRig rig="threePt" dir="t"/>
+    </dgm:scene3d>
+    <dgm:sp3d/>
+    <dgm:txPr/>
+    <dgm:style>
+      <a:lnRef idx="0">
+        <a:scrgbClr r="0" g="0" b="0"/>
+      </a:lnRef>
+      <a:fillRef idx="1">
+        <a:scrgbClr r="0" g="0" b="0"/>
+      </a:fillRef>
+      <a:effectRef idx="0">
+        <a:scrgbClr r="0" g="0" b="0"/>
+      </a:effectRef>
+      <a:fontRef idx="minor"/>
+    </dgm:style>
+  </dgm:styleLbl>
+  <dgm:styleLbl name="fgShp">
+    <dgm:scene3d>
+      <a:camera prst="orthographicFront"/>
+      <a:lightRig rig="flat" dir="t"/>
+    </dgm:scene3d>
+    <dgm:sp3d prstMaterial="dkEdge">
+      <a:bevelT w="8200" h="38100"/>
+    </dgm:sp3d>
+    <dgm:txPr/>
+    <dgm:style>
+      <a:lnRef idx="1">
+        <a:scrgbClr r="0" g="0" b="0"/>
+      </a:lnRef>
+      <a:fillRef idx="2">
+        <a:scrgbClr r="0" g="0" b="0"/>
+      </a:fillRef>
+      <a:effectRef idx="1">
+        <a:scrgbClr r="0" g="0" b="0"/>
+      </a:effectRef>
+      <a:fontRef idx="minor"/>
+    </dgm:style>
+  </dgm:styleLbl>
+  <dgm:styleLbl name="revTx">
+    <dgm:scene3d>
+      <a:camera prst="orthographicFront"/>
+      <a:lightRig rig="threePt" dir="t"/>
+    </dgm:scene3d>
+    <dgm:sp3d/>
+    <dgm:txPr/>
+    <dgm:style>
+      <a:lnRef idx="0">
+        <a:scrgbClr r="0" g="0" b="0"/>
+      </a:lnRef>
+      <a:fillRef idx="0">
+        <a:scrgbClr r="0" g="0" b="0"/>
+      </a:fillRef>
+      <a:effectRef idx="0">
+        <a:scrgbClr r="0" g="0" b="0"/>
+      </a:effectRef>
+      <a:fontRef idx="minor"/>
+    </dgm:style>
+  </dgm:styleLbl>
+</dgm:styleDef>
+</file>
+
+<file path=ppt/diagrams/quickStyle3.xml><?xml version="1.0" encoding="utf-8"?>
+<dgm:styleDef xmlns:dgm="http://schemas.openxmlformats.org/drawingml/2006/diagram" xmlns:a="http://schemas.openxmlformats.org/drawingml/2006/main" uniqueId="urn:microsoft.com/office/officeart/2005/8/quickstyle/simple1">
+  <dgm:title val=""/>
+  <dgm:desc val=""/>
+  <dgm:catLst>
+    <dgm:cat type="simple" pri="10100"/>
+  </dgm:catLst>
+  <dgm:scene3d>
+    <a:camera prst="orthographicFront"/>
+    <a:lightRig rig="threePt" dir="t"/>
+  </dgm:scene3d>
+  <dgm:styleLbl name="node0">
+    <dgm:scene3d>
+      <a:camera prst="orthographicFront"/>
+      <a:lightRig rig="threePt" dir="t"/>
+    </dgm:scene3d>
+    <dgm:sp3d/>
+    <dgm:txPr/>
+    <dgm:style>
+      <a:lnRef idx="2">
+        <a:scrgbClr r="0" g="0" b="0"/>
+      </a:lnRef>
+      <a:fillRef idx="1">
+        <a:scrgbClr r="0" g="0" b="0"/>
+      </a:fillRef>
+      <a:effectRef idx="0">
+        <a:scrgbClr r="0" g="0" b="0"/>
+      </a:effectRef>
+      <a:fontRef idx="minor">
+        <a:schemeClr val="lt1"/>
+      </a:fontRef>
+    </dgm:style>
+  </dgm:styleLbl>
+  <dgm:styleLbl name="lnNode1">
+    <dgm:scene3d>
+      <a:camera prst="orthographicFront"/>
+      <a:lightRig rig="threePt" dir="t"/>
+    </dgm:scene3d>
+    <dgm:sp3d/>
+    <dgm:txPr/>
+    <dgm:style>
+      <a:lnRef idx="2">
+        <a:scrgbClr r="0" g="0" b="0"/>
+      </a:lnRef>
+      <a:fillRef idx="1">
+        <a:scrgbClr r="0" g="0" b="0"/>
+      </a:fillRef>
+      <a:effectRef idx="0">
+        <a:scrgbClr r="0" g="0" b="0"/>
+      </a:effectRef>
+      <a:fontRef idx="minor">
+        <a:schemeClr val="lt1"/>
+      </a:fontRef>
+    </dgm:style>
+  </dgm:styleLbl>
+  <dgm:styleLbl name="vennNode1">
+    <dgm:scene3d>
+      <a:camera prst="orthographicFront"/>
+      <a:lightRig rig="threePt" dir="t"/>
+    </dgm:scene3d>
+    <dgm:sp3d/>
+    <dgm:txPr/>
+    <dgm:style>
+      <a:lnRef idx="2">
+        <a:scrgbClr r="0" g="0" b="0"/>
+      </a:lnRef>
+      <a:fillRef idx="1">
+        <a:scrgbClr r="0" g="0" b="0"/>
+      </a:fillRef>
+      <a:effectRef idx="0">
+        <a:scrgbClr r="0" g="0" b="0"/>
+      </a:effectRef>
+      <a:fontRef idx="minor">
+        <a:schemeClr val="tx1"/>
+      </a:fontRef>
+    </dgm:style>
+  </dgm:styleLbl>
+  <dgm:styleLbl name="alignNode1">
+    <dgm:scene3d>
+      <a:camera prst="orthographicFront"/>
+      <a:lightRig rig="threePt" dir="t"/>
+    </dgm:scene3d>
+    <dgm:sp3d/>
+    <dgm:txPr/>
+    <dgm:style>
+      <a:lnRef idx="2">
+        <a:scrgbClr r="0" g="0" b="0"/>
+      </a:lnRef>
+      <a:fillRef idx="1">
+        <a:scrgbClr r="0" g="0" b="0"/>
+      </a:fillRef>
+      <a:effectRef idx="0">
+        <a:scrgbClr r="0" g="0" b="0"/>
+      </a:effectRef>
+      <a:fontRef idx="minor">
+        <a:schemeClr val="lt1"/>
+      </a:fontRef>
+    </dgm:style>
+  </dgm:styleLbl>
+  <dgm:styleLbl name="node1">
+    <dgm:scene3d>
+      <a:camera prst="orthographicFront"/>
+      <a:lightRig rig="threePt" dir="t"/>
+    </dgm:scene3d>
+    <dgm:sp3d/>
+    <dgm:txPr/>
+    <dgm:style>
+      <a:lnRef idx="2">
+        <a:scrgbClr r="0" g="0" b="0"/>
+      </a:lnRef>
+      <a:fillRef idx="1">
+        <a:scrgbClr r="0" g="0" b="0"/>
+      </a:fillRef>
+      <a:effectRef idx="0">
+        <a:scrgbClr r="0" g="0" b="0"/>
+      </a:effectRef>
+      <a:fontRef idx="minor">
+        <a:schemeClr val="lt1"/>
+      </a:fontRef>
+    </dgm:style>
+  </dgm:styleLbl>
+  <dgm:styleLbl name="node2">
+    <dgm:scene3d>
+      <a:camera prst="orthographicFront"/>
+      <a:lightRig rig="threePt" dir="t"/>
+    </dgm:scene3d>
+    <dgm:sp3d/>
+    <dgm:txPr/>
+    <dgm:style>
+      <a:lnRef idx="2">
+        <a:scrgbClr r="0" g="0" b="0"/>
+      </a:lnRef>
+      <a:fillRef idx="1">
+        <a:scrgbClr r="0" g="0" b="0"/>
+      </a:fillRef>
+      <a:effectRef idx="0">
+        <a:scrgbClr r="0" g="0" b="0"/>
+      </a:effectRef>
+      <a:fontRef idx="minor">
+        <a:schemeClr val="lt1"/>
+      </a:fontRef>
+    </dgm:style>
+  </dgm:styleLbl>
+  <dgm:styleLbl name="node3">
+    <dgm:scene3d>
+      <a:camera prst="orthographicFront"/>
+      <a:lightRig rig="threePt" dir="t"/>
+    </dgm:scene3d>
+    <dgm:sp3d/>
+    <dgm:txPr/>
+    <dgm:style>
+      <a:lnRef idx="2">
+        <a:scrgbClr r="0" g="0" b="0"/>
+      </a:lnRef>
+      <a:fillRef idx="1">
+        <a:scrgbClr r="0" g="0" b="0"/>
+      </a:fillRef>
+      <a:effectRef idx="0">
+        <a:scrgbClr r="0" g="0" b="0"/>
+      </a:effectRef>
+      <a:fontRef idx="minor">
+        <a:schemeClr val="lt1"/>
+      </a:fontRef>
+    </dgm:style>
+  </dgm:styleLbl>
+  <dgm:styleLbl name="node4">
+    <dgm:scene3d>
+      <a:camera prst="orthographicFront"/>
+      <a:lightRig rig="threePt" dir="t"/>
+    </dgm:scene3d>
+    <dgm:sp3d/>
+    <dgm:txPr/>
+    <dgm:style>
+      <a:lnRef idx="2">
+        <a:scrgbClr r="0" g="0" b="0"/>
+      </a:lnRef>
+      <a:fillRef idx="1">
+        <a:scrgbClr r="0" g="0" b="0"/>
+      </a:fillRef>
+      <a:effectRef idx="0">
+        <a:scrgbClr r="0" g="0" b="0"/>
+      </a:effectRef>
+      <a:fontRef idx="minor">
+        <a:schemeClr val="lt1"/>
+      </a:fontRef>
+    </dgm:style>
+  </dgm:styleLbl>
+  <dgm:styleLbl name="fgImgPlace1">
+    <dgm:scene3d>
+      <a:camera prst="orthographicFront"/>
+      <a:lightRig rig="threePt" dir="t"/>
+    </dgm:scene3d>
+    <dgm:sp3d/>
+    <dgm:txPr/>
+    <dgm:style>
+      <a:lnRef idx="2">
+        <a:scrgbClr r="0" g="0" b="0"/>
+      </a:lnRef>
+      <a:fillRef idx="1">
+        <a:scrgbClr r="0" g="0" b="0"/>
+      </a:fillRef>
+      <a:effectRef idx="0">
+        <a:scrgbClr r="0" g="0" b="0"/>
+      </a:effectRef>
+      <a:fontRef idx="minor"/>
+    </dgm:style>
+  </dgm:styleLbl>
+  <dgm:styleLbl name="alignImgPlace1">
+    <dgm:scene3d>
+      <a:camera prst="orthographicFront"/>
+      <a:lightRig rig="threePt" dir="t"/>
+    </dgm:scene3d>
+    <dgm:sp3d/>
+    <dgm:txPr/>
+    <dgm:style>
+      <a:lnRef idx="2">
+        <a:scrgbClr r="0" g="0" b="0"/>
+      </a:lnRef>
+      <a:fillRef idx="1">
+        <a:scrgbClr r="0" g="0" b="0"/>
+      </a:fillRef>
+      <a:effectRef idx="0">
+        <a:scrgbClr r="0" g="0" b="0"/>
+      </a:effectRef>
+      <a:fontRef idx="minor"/>
+    </dgm:style>
+  </dgm:styleLbl>
+  <dgm:styleLbl name="bgImgPlace1">
+    <dgm:scene3d>
+      <a:camera prst="orthographicFront"/>
+      <a:lightRig rig="threePt" dir="t"/>
+    </dgm:scene3d>
+    <dgm:sp3d/>
+    <dgm:txPr/>
+    <dgm:style>
+      <a:lnRef idx="2">
+        <a:scrgbClr r="0" g="0" b="0"/>
+      </a:lnRef>
+      <a:fillRef idx="1">
+        <a:scrgbClr r="0" g="0" b="0"/>
+      </a:fillRef>
+      <a:effectRef idx="0">
+        <a:scrgbClr r="0" g="0" b="0"/>
+      </a:effectRef>
+      <a:fontRef idx="minor"/>
+    </dgm:style>
+  </dgm:styleLbl>
+  <dgm:styleLbl name="sibTrans2D1">
+    <dgm:scene3d>
+      <a:camera prst="orthographicFront"/>
+      <a:lightRig rig="threePt" dir="t"/>
+    </dgm:scene3d>
+    <dgm:sp3d/>
+    <dgm:txPr/>
+    <dgm:style>
+      <a:lnRef idx="0">
+        <a:scrgbClr r="0" g="0" b="0"/>
+      </a:lnRef>
+      <a:fillRef idx="1">
+        <a:scrgbClr r="0" g="0" b="0"/>
+      </a:fillRef>
+      <a:effectRef idx="0">
+        <a:scrgbClr r="0" g="0" b="0"/>
+      </a:effectRef>
+      <a:fontRef idx="minor">
+        <a:schemeClr val="lt1"/>
+      </a:fontRef>
+    </dgm:style>
+  </dgm:styleLbl>
+  <dgm:styleLbl name="fgSibTrans2D1">
+    <dgm:scene3d>
+      <a:camera prst="orthographicFront"/>
+      <a:lightRig rig="threePt" dir="t"/>
+    </dgm:scene3d>
+    <dgm:sp3d/>
+    <dgm:txPr/>
+    <dgm:style>
+      <a:lnRef idx="0">
+        <a:scrgbClr r="0" g="0" b="0"/>
+      </a:lnRef>
+      <a:fillRef idx="1">
+        <a:scrgbClr r="0" g="0" b="0"/>
+      </a:fillRef>
+      <a:effectRef idx="0">
+        <a:scrgbClr r="0" g="0" b="0"/>
+      </a:effectRef>
+      <a:fontRef idx="minor">
+        <a:schemeClr val="lt1"/>
+      </a:fontRef>
+    </dgm:style>
+  </dgm:styleLbl>
+  <dgm:styleLbl name="bgSibTrans2D1">
+    <dgm:scene3d>
+      <a:camera prst="orthographicFront"/>
+      <a:lightRig rig="threePt" dir="t"/>
+    </dgm:scene3d>
+    <dgm:sp3d/>
+    <dgm:txPr/>
+    <dgm:style>
+      <a:lnRef idx="0">
+        <a:scrgbClr r="0" g="0" b="0"/>
+      </a:lnRef>
+      <a:fillRef idx="1">
+        <a:scrgbClr r="0" g="0" b="0"/>
+      </a:fillRef>
+      <a:effectRef idx="0">
+        <a:scrgbClr r="0" g="0" b="0"/>
+      </a:effectRef>
+      <a:fontRef idx="minor">
+        <a:schemeClr val="lt1"/>
+      </a:fontRef>
+    </dgm:style>
+  </dgm:styleLbl>
+  <dgm:styleLbl name="sibTrans1D1">
+    <dgm:scene3d>
+      <a:camera prst="orthographicFront"/>
+      <a:lightRig rig="threePt" dir="t"/>
+    </dgm:scene3d>
+    <dgm:sp3d/>
+    <dgm:txPr/>
+    <dgm:style>
+      <a:lnRef idx="1">
+        <a:scrgbClr r="0" g="0" b="0"/>
+      </a:lnRef>
+      <a:fillRef idx="0">
+        <a:scrgbClr r="0" g="0" b="0"/>
+      </a:fillRef>
+      <a:effectRef idx="0">
+        <a:scrgbClr r="0" g="0" b="0"/>
+      </a:effectRef>
+      <a:fontRef idx="minor"/>
+    </dgm:style>
+  </dgm:styleLbl>
+  <dgm:styleLbl name="callout">
+    <dgm:scene3d>
+      <a:camera prst="orthographicFront"/>
+      <a:lightRig rig="threePt" dir="t"/>
+    </dgm:scene3d>
+    <dgm:sp3d/>
+    <dgm:txPr/>
+    <dgm:style>
+      <a:lnRef idx="2">
+        <a:scrgbClr r="0" g="0" b="0"/>
+      </a:lnRef>
+      <a:fillRef idx="1">
+        <a:scrgbClr r="0" g="0" b="0"/>
+      </a:fillRef>
+      <a:effectRef idx="0">
+        <a:scrgbClr r="0" g="0" b="0"/>
+      </a:effectRef>
+      <a:fontRef idx="minor"/>
+    </dgm:style>
+  </dgm:styleLbl>
+  <dgm:styleLbl name="asst0">
+    <dgm:scene3d>
+      <a:camera prst="orthographicFront"/>
+      <a:lightRig rig="threePt" dir="t"/>
+    </dgm:scene3d>
+    <dgm:sp3d/>
+    <dgm:txPr/>
+    <dgm:style>
+      <a:lnRef idx="2">
+        <a:scrgbClr r="0" g="0" b="0"/>
+      </a:lnRef>
+      <a:fillRef idx="1">
+        <a:scrgbClr r="0" g="0" b="0"/>
+      </a:fillRef>
+      <a:effectRef idx="0">
+        <a:scrgbClr r="0" g="0" b="0"/>
+      </a:effectRef>
+      <a:fontRef idx="minor">
+        <a:schemeClr val="lt1"/>
+      </a:fontRef>
+    </dgm:style>
+  </dgm:styleLbl>
+  <dgm:styleLbl name="asst1">
+    <dgm:scene3d>
+      <a:camera prst="orthographicFront"/>
+      <a:lightRig rig="threePt" dir="t"/>
+    </dgm:scene3d>
+    <dgm:sp3d/>
+    <dgm:txPr/>
+    <dgm:style>
+      <a:lnRef idx="2">
+        <a:scrgbClr r="0" g="0" b="0"/>
+      </a:lnRef>
+      <a:fillRef idx="1">
+        <a:scrgbClr r="0" g="0" b="0"/>
+      </a:fillRef>
+      <a:effectRef idx="0">
+        <a:scrgbClr r="0" g="0" b="0"/>
+      </a:effectRef>
+      <a:fontRef idx="minor">
+        <a:schemeClr val="lt1"/>
+      </a:fontRef>
+    </dgm:style>
+  </dgm:styleLbl>
+  <dgm:styleLbl name="asst2">
+    <dgm:scene3d>
+      <a:camera prst="orthographicFront"/>
+      <a:lightRig rig="threePt" dir="t"/>
+    </dgm:scene3d>
+    <dgm:sp3d/>
+    <dgm:txPr/>
+    <dgm:style>
+      <a:lnRef idx="2">
+        <a:scrgbClr r="0" g="0" b="0"/>
+      </a:lnRef>
+      <a:fillRef idx="1">
+        <a:scrgbClr r="0" g="0" b="0"/>
+      </a:fillRef>
+      <a:effectRef idx="0">
+        <a:scrgbClr r="0" g="0" b="0"/>
+      </a:effectRef>
+      <a:fontRef idx="minor">
+        <a:schemeClr val="lt1"/>
+      </a:fontRef>
+    </dgm:style>
+  </dgm:styleLbl>
+  <dgm:styleLbl name="asst3">
+    <dgm:scene3d>
+      <a:camera prst="orthographicFront"/>
+      <a:lightRig rig="threePt" dir="t"/>
+    </dgm:scene3d>
+    <dgm:sp3d/>
+    <dgm:txPr/>
+    <dgm:style>
+      <a:lnRef idx="2">
+        <a:scrgbClr r="0" g="0" b="0"/>
+      </a:lnRef>
+      <a:fillRef idx="1">
+        <a:scrgbClr r="0" g="0" b="0"/>
+      </a:fillRef>
+      <a:effectRef idx="0">
+        <a:scrgbClr r="0" g="0" b="0"/>
+      </a:effectRef>
+      <a:fontRef idx="minor">
+        <a:schemeClr val="lt1"/>
+      </a:fontRef>
+    </dgm:style>
+  </dgm:styleLbl>
+  <dgm:styleLbl name="asst4">
+    <dgm:scene3d>
+      <a:camera prst="orthographicFront"/>
+      <a:lightRig rig="threePt" dir="t"/>
+    </dgm:scene3d>
+    <dgm:sp3d/>
+    <dgm:txPr/>
+    <dgm:style>
+      <a:lnRef idx="2">
+        <a:scrgbClr r="0" g="0" b="0"/>
+      </a:lnRef>
+      <a:fillRef idx="1">
+        <a:scrgbClr r="0" g="0" b="0"/>
+      </a:fillRef>
+      <a:effectRef idx="0">
+        <a:scrgbClr r="0" g="0" b="0"/>
+      </a:effectRef>
+      <a:fontRef idx="minor">
+        <a:schemeClr val="lt1"/>
+      </a:fontRef>
+    </dgm:style>
+  </dgm:styleLbl>
+  <dgm:styleLbl name="parChTrans2D1">
+    <dgm:scene3d>
+      <a:camera prst="orthographicFront"/>
+      <a:lightRig rig="threePt" dir="t"/>
+    </dgm:scene3d>
+    <dgm:sp3d/>
+    <dgm:txPr/>
+    <dgm:style>
+      <a:lnRef idx="2">
+        <a:scrgbClr r="0" g="0" b="0"/>
+      </a:lnRef>
+      <a:fillRef idx="1">
+        <a:scrgbClr r="0" g="0" b="0"/>
+      </a:fillRef>
+      <a:effectRef idx="0">
+        <a:scrgbClr r="0" g="0" b="0"/>
+      </a:effectRef>
+      <a:fontRef idx="minor">
+        <a:schemeClr val="lt1"/>
+      </a:fontRef>
+    </dgm:style>
+  </dgm:styleLbl>
+  <dgm:styleLbl name="parChTrans2D2">
+    <dgm:scene3d>
+      <a:camera prst="orthographicFront"/>
+      <a:lightRig rig="threePt" dir="t"/>
+    </dgm:scene3d>
+    <dgm:sp3d/>
+    <dgm:txPr/>
+    <dgm:style>
+      <a:lnRef idx="2">
+        <a:scrgbClr r="0" g="0" b="0"/>
+      </a:lnRef>
+      <a:fillRef idx="1">
+        <a:scrgbClr r="0" g="0" b="0"/>
+      </a:fillRef>
+      <a:effectRef idx="0">
+        <a:scrgbClr r="0" g="0" b="0"/>
+      </a:effectRef>
+      <a:fontRef idx="minor">
+        <a:schemeClr val="lt1"/>
+      </a:fontRef>
+    </dgm:style>
+  </dgm:styleLbl>
+  <dgm:styleLbl name="parChTrans2D3">
+    <dgm:scene3d>
+      <a:camera prst="orthographicFront"/>
+      <a:lightRig rig="threePt" dir="t"/>
+    </dgm:scene3d>
+    <dgm:sp3d/>
+    <dgm:txPr/>
+    <dgm:style>
+      <a:lnRef idx="2">
+        <a:scrgbClr r="0" g="0" b="0"/>
+      </a:lnRef>
+      <a:fillRef idx="1">
+        <a:scrgbClr r="0" g="0" b="0"/>
+      </a:fillRef>
+      <a:effectRef idx="0">
+        <a:scrgbClr r="0" g="0" b="0"/>
+      </a:effectRef>
+      <a:fontRef idx="minor">
+        <a:schemeClr val="lt1"/>
+      </a:fontRef>
+    </dgm:style>
+  </dgm:styleLbl>
+  <dgm:styleLbl name="parChTrans2D4">
+    <dgm:scene3d>
+      <a:camera prst="orthographicFront"/>
+      <a:lightRig rig="threePt" dir="t"/>
+    </dgm:scene3d>
+    <dgm:sp3d/>
+    <dgm:txPr/>
+    <dgm:style>
+      <a:lnRef idx="2">
+        <a:scrgbClr r="0" g="0" b="0"/>
+      </a:lnRef>
+      <a:fillRef idx="1">
+        <a:scrgbClr r="0" g="0" b="0"/>
+      </a:fillRef>
+      <a:effectRef idx="0">
+        <a:scrgbClr r="0" g="0" b="0"/>
+      </a:effectRef>
+      <a:fontRef idx="minor">
+        <a:schemeClr val="lt1"/>
+      </a:fontRef>
+    </dgm:style>
+  </dgm:styleLbl>
+  <dgm:styleLbl name="parChTrans1D1">
+    <dgm:scene3d>
+      <a:camera prst="orthographicFront"/>
+      <a:lightRig rig="threePt" dir="t"/>
+    </dgm:scene3d>
+    <dgm:sp3d/>
+    <dgm:txPr/>
+    <dgm:style>
+      <a:lnRef idx="2">
+        <a:scrgbClr r="0" g="0" b="0"/>
+      </a:lnRef>
+      <a:fillRef idx="0">
+        <a:scrgbClr r="0" g="0" b="0"/>
+      </a:fillRef>
+      <a:effectRef idx="0">
+        <a:scrgbClr r="0" g="0" b="0"/>
+      </a:effectRef>
+      <a:fontRef idx="minor"/>
+    </dgm:style>
+  </dgm:styleLbl>
+  <dgm:styleLbl name="parChTrans1D2">
+    <dgm:scene3d>
+      <a:camera prst="orthographicFront"/>
+      <a:lightRig rig="threePt" dir="t"/>
+    </dgm:scene3d>
+    <dgm:sp3d/>
+    <dgm:txPr/>
+    <dgm:style>
+      <a:lnRef idx="2">
+        <a:scrgbClr r="0" g="0" b="0"/>
+      </a:lnRef>
+      <a:fillRef idx="0">
+        <a:scrgbClr r="0" g="0" b="0"/>
+      </a:fillRef>
+      <a:effectRef idx="0">
+        <a:scrgbClr r="0" g="0" b="0"/>
+      </a:effectRef>
+      <a:fontRef idx="minor"/>
+    </dgm:style>
+  </dgm:styleLbl>
+  <dgm:styleLbl name="parChTrans1D3">
+    <dgm:scene3d>
+      <a:camera prst="orthographicFront"/>
+      <a:lightRig rig="threePt" dir="t"/>
+    </dgm:scene3d>
+    <dgm:sp3d/>
+    <dgm:txPr/>
+    <dgm:style>
+      <a:lnRef idx="2">
+        <a:scrgbClr r="0" g="0" b="0"/>
+      </a:lnRef>
+      <a:fillRef idx="0">
+        <a:scrgbClr r="0" g="0" b="0"/>
+      </a:fillRef>
+      <a:effectRef idx="0">
+        <a:scrgbClr r="0" g="0" b="0"/>
+      </a:effectRef>
+      <a:fontRef idx="minor"/>
+    </dgm:style>
+  </dgm:styleLbl>
+  <dgm:styleLbl name="parChTrans1D4">
+    <dgm:scene3d>
+      <a:camera prst="orthographicFront"/>
+      <a:lightRig rig="threePt" dir="t"/>
+    </dgm:scene3d>
+    <dgm:sp3d/>
+    <dgm:txPr/>
+    <dgm:style>
+      <a:lnRef idx="2">
+        <a:scrgbClr r="0" g="0" b="0"/>
+      </a:lnRef>
+      <a:fillRef idx="0">
+        <a:scrgbClr r="0" g="0" b="0"/>
+      </a:fillRef>
+      <a:effectRef idx="0">
+        <a:scrgbClr r="0" g="0" b="0"/>
+      </a:effectRef>
+      <a:fontRef idx="minor"/>
+    </dgm:style>
+  </dgm:styleLbl>
+  <dgm:styleLbl name="fgAcc1">
+    <dgm:scene3d>
+      <a:camera prst="orthographicFront"/>
+      <a:lightRig rig="threePt" dir="t"/>
+    </dgm:scene3d>
+    <dgm:sp3d/>
+    <dgm:txPr/>
+    <dgm:style>
+      <a:lnRef idx="2">
+        <a:scrgbClr r="0" g="0" b="0"/>
+      </a:lnRef>
+      <a:fillRef idx="1">
+        <a:scrgbClr r="0" g="0" b="0"/>
+      </a:fillRef>
+      <a:effectRef idx="0">
+        <a:scrgbClr r="0" g="0" b="0"/>
+      </a:effectRef>
+      <a:fontRef idx="minor"/>
+    </dgm:style>
+  </dgm:styleLbl>
+  <dgm:styleLbl name="conFgAcc1">
+    <dgm:scene3d>
+      <a:camera prst="orthographicFront"/>
+      <a:lightRig rig="threePt" dir="t"/>
+    </dgm:scene3d>
+    <dgm:sp3d/>
+    <dgm:txPr/>
+    <dgm:style>
+      <a:lnRef idx="2">
+        <a:scrgbClr r="0" g="0" b="0"/>
+      </a:lnRef>
+      <a:fillRef idx="1">
+        <a:scrgbClr r="0" g="0" b="0"/>
+      </a:fillRef>
+      <a:effectRef idx="0">
+        <a:scrgbClr r="0" g="0" b="0"/>
+      </a:effectRef>
+      <a:fontRef idx="minor"/>
+    </dgm:style>
+  </dgm:styleLbl>
+  <dgm:styleLbl name="alignAcc1">
+    <dgm:scene3d>
+      <a:camera prst="orthographicFront"/>
+      <a:lightRig rig="threePt" dir="t"/>
+    </dgm:scene3d>
+    <dgm:sp3d/>
+    <dgm:txPr/>
+    <dgm:style>
+      <a:lnRef idx="2">
+        <a:scrgbClr r="0" g="0" b="0"/>
+      </a:lnRef>
+      <a:fillRef idx="1">
+        <a:scrgbClr r="0" g="0" b="0"/>
+      </a:fillRef>
+      <a:effectRef idx="0">
+        <a:scrgbClr r="0" g="0" b="0"/>
+      </a:effectRef>
+      <a:fontRef idx="minor"/>
+    </dgm:style>
+  </dgm:styleLbl>
+  <dgm:styleLbl name="trAlignAcc1">
+    <dgm:scene3d>
+      <a:camera prst="orthographicFront"/>
+      <a:lightRig rig="threePt" dir="t"/>
+    </dgm:scene3d>
+    <dgm:sp3d/>
+    <dgm:txPr/>
+    <dgm:style>
+      <a:lnRef idx="1">
+        <a:scrgbClr r="0" g="0" b="0"/>
+      </a:lnRef>
+      <a:fillRef idx="1">
+        <a:scrgbClr r="0" g="0" b="0"/>
+      </a:fillRef>
+      <a:effectRef idx="0">
+        <a:scrgbClr r="0" g="0" b="0"/>
+      </a:effectRef>
+      <a:fontRef idx="minor"/>
+    </dgm:style>
+  </dgm:styleLbl>
+  <dgm:styleLbl name="bgAcc1">
+    <dgm:scene3d>
+      <a:camera prst="orthographicFront"/>
+      <a:lightRig rig="threePt" dir="t"/>
+    </dgm:scene3d>
+    <dgm:sp3d/>
+    <dgm:txPr/>
+    <dgm:style>
+      <a:lnRef idx="2">
+        <a:scrgbClr r="0" g="0" b="0"/>
+      </a:lnRef>
+      <a:fillRef idx="1">
+        <a:scrgbClr r="0" g="0" b="0"/>
+      </a:fillRef>
+      <a:effectRef idx="0">
+        <a:scrgbClr r="0" g="0" b="0"/>
+      </a:effectRef>
+      <a:fontRef idx="minor"/>
+    </dgm:style>
+  </dgm:styleLbl>
+  <dgm:styleLbl name="solidFgAcc1">
+    <dgm:scene3d>
+      <a:camera prst="orthographicFront"/>
+      <a:lightRig rig="threePt" dir="t"/>
+    </dgm:scene3d>
+    <dgm:sp3d/>
+    <dgm:txPr/>
+    <dgm:style>
+      <a:lnRef idx="2">
+        <a:scrgbClr r="0" g="0" b="0"/>
+      </a:lnRef>
+      <a:fillRef idx="1">
+        <a:scrgbClr r="0" g="0" b="0"/>
+      </a:fillRef>
+      <a:effectRef idx="0">
+        <a:scrgbClr r="0" g="0" b="0"/>
+      </a:effectRef>
+      <a:fontRef idx="minor"/>
+    </dgm:style>
+  </dgm:styleLbl>
+  <dgm:styleLbl name="solidAlignAcc1">
+    <dgm:scene3d>
+      <a:camera prst="orthographicFront"/>
+      <a:lightRig rig="threePt" dir="t"/>
+    </dgm:scene3d>
+    <dgm:sp3d/>
+    <dgm:txPr/>
+    <dgm:style>
+      <a:lnRef idx="2">
+        <a:scrgbClr r="0" g="0" b="0"/>
+      </a:lnRef>
+      <a:fillRef idx="1">
+        <a:scrgbClr r="0" g="0" b="0"/>
+      </a:fillRef>
+      <a:effectRef idx="0">
+        <a:scrgbClr r="0" g="0" b="0"/>
+      </a:effectRef>
+      <a:fontRef idx="minor"/>
+    </dgm:style>
+  </dgm:styleLbl>
+  <dgm:styleLbl name="solidBgAcc1">
+    <dgm:scene3d>
+      <a:camera prst="orthographicFront"/>
+      <a:lightRig rig="threePt" dir="t"/>
+    </dgm:scene3d>
+    <dgm:sp3d/>
+    <dgm:txPr/>
+    <dgm:style>
+      <a:lnRef idx="2">
+        <a:scrgbClr r="0" g="0" b="0"/>
+      </a:lnRef>
+      <a:fillRef idx="1">
+        <a:scrgbClr r="0" g="0" b="0"/>
+      </a:fillRef>
+      <a:effectRef idx="0">
+        <a:scrgbClr r="0" g="0" b="0"/>
+      </a:effectRef>
+      <a:fontRef idx="minor"/>
+    </dgm:style>
+  </dgm:styleLbl>
+  <dgm:styleLbl name="fgAccFollowNode1">
+    <dgm:scene3d>
+      <a:camera prst="orthographicFront"/>
+      <a:lightRig rig="threePt" dir="t"/>
+    </dgm:scene3d>
+    <dgm:sp3d/>
+    <dgm:txPr/>
+    <dgm:style>
+      <a:lnRef idx="2">
+        <a:scrgbClr r="0" g="0" b="0"/>
+      </a:lnRef>
+      <a:fillRef idx="1">
+        <a:scrgbClr r="0" g="0" b="0"/>
+      </a:fillRef>
+      <a:effectRef idx="0">
+        <a:scrgbClr r="0" g="0" b="0"/>
+      </a:effectRef>
+      <a:fontRef idx="minor"/>
+    </dgm:style>
+  </dgm:styleLbl>
+  <dgm:styleLbl name="alignAccFollowNode1">
+    <dgm:scene3d>
+      <a:camera prst="orthographicFront"/>
+      <a:lightRig rig="threePt" dir="t"/>
+    </dgm:scene3d>
+    <dgm:sp3d/>
+    <dgm:txPr/>
+    <dgm:style>
+      <a:lnRef idx="2">
+        <a:scrgbClr r="0" g="0" b="0"/>
+      </a:lnRef>
+      <a:fillRef idx="1">
+        <a:scrgbClr r="0" g="0" b="0"/>
+      </a:fillRef>
+      <a:effectRef idx="0">
+        <a:scrgbClr r="0" g="0" b="0"/>
+      </a:effectRef>
+      <a:fontRef idx="minor"/>
+    </dgm:style>
+  </dgm:styleLbl>
+  <dgm:styleLbl name="bgAccFollowNode1">
+    <dgm:scene3d>
+      <a:camera prst="orthographicFront"/>
+      <a:lightRig rig="threePt" dir="t"/>
+    </dgm:scene3d>
+    <dgm:sp3d/>
+    <dgm:txPr/>
+    <dgm:style>
+      <a:lnRef idx="2">
+        <a:scrgbClr r="0" g="0" b="0"/>
+      </a:lnRef>
+      <a:fillRef idx="1">
+        <a:scrgbClr r="0" g="0" b="0"/>
+      </a:fillRef>
+      <a:effectRef idx="0">
+        <a:scrgbClr r="0" g="0" b="0"/>
+      </a:effectRef>
+      <a:fontRef idx="minor"/>
+    </dgm:style>
+  </dgm:styleLbl>
+  <dgm:styleLbl name="fgAcc0">
+    <dgm:scene3d>
+      <a:camera prst="orthographicFront"/>
+      <a:lightRig rig="threePt" dir="t"/>
+    </dgm:scene3d>
+    <dgm:sp3d/>
+    <dgm:txPr/>
+    <dgm:style>
+      <a:lnRef idx="2">
+        <a:scrgbClr r="0" g="0" b="0"/>
+      </a:lnRef>
+      <a:fillRef idx="1">
+        <a:scrgbClr r="0" g="0" b="0"/>
+      </a:fillRef>
+      <a:effectRef idx="0">
+        <a:scrgbClr r="0" g="0" b="0"/>
+      </a:effectRef>
+      <a:fontRef idx="minor"/>
+    </dgm:style>
+  </dgm:styleLbl>
+  <dgm:styleLbl name="fgAcc2">
+    <dgm:scene3d>
+      <a:camera prst="orthographicFront"/>
+      <a:lightRig rig="threePt" dir="t"/>
+    </dgm:scene3d>
+    <dgm:sp3d/>
+    <dgm:txPr/>
+    <dgm:style>
+      <a:lnRef idx="2">
+        <a:scrgbClr r="0" g="0" b="0"/>
+      </a:lnRef>
+      <a:fillRef idx="1">
+        <a:scrgbClr r="0" g="0" b="0"/>
+      </a:fillRef>
+      <a:effectRef idx="0">
+        <a:scrgbClr r="0" g="0" b="0"/>
+      </a:effectRef>
+      <a:fontRef idx="minor"/>
+    </dgm:style>
+  </dgm:styleLbl>
+  <dgm:styleLbl name="fgAcc3">
+    <dgm:scene3d>
+      <a:camera prst="orthographicFront"/>
+      <a:lightRig rig="threePt" dir="t"/>
+    </dgm:scene3d>
+    <dgm:sp3d/>
+    <dgm:txPr/>
+    <dgm:style>
+      <a:lnRef idx="2">
+        <a:scrgbClr r="0" g="0" b="0"/>
+      </a:lnRef>
+      <a:fillRef idx="1">
+        <a:scrgbClr r="0" g="0" b="0"/>
+      </a:fillRef>
+      <a:effectRef idx="0">
+        <a:scrgbClr r="0" g="0" b="0"/>
+      </a:effectRef>
+      <a:fontRef idx="minor"/>
+    </dgm:style>
+  </dgm:styleLbl>
+  <dgm:styleLbl name="fgAcc4">
+    <dgm:scene3d>
+      <a:camera prst="orthographicFront"/>
+      <a:lightRig rig="threePt" dir="t"/>
+    </dgm:scene3d>
+    <dgm:sp3d/>
+    <dgm:txPr/>
+    <dgm:style>
+      <a:lnRef idx="2">
+        <a:scrgbClr r="0" g="0" b="0"/>
+      </a:lnRef>
+      <a:fillRef idx="1">
+        <a:scrgbClr r="0" g="0" b="0"/>
+      </a:fillRef>
+      <a:effectRef idx="0">
+        <a:scrgbClr r="0" g="0" b="0"/>
+      </a:effectRef>
+      <a:fontRef idx="minor"/>
+    </dgm:style>
+  </dgm:styleLbl>
+  <dgm:styleLbl name="bgShp">
+    <dgm:scene3d>
+      <a:camera prst="orthographicFront"/>
+      <a:lightRig rig="threePt" dir="t"/>
+    </dgm:scene3d>
+    <dgm:sp3d/>
+    <dgm:txPr/>
+    <dgm:style>
+      <a:lnRef idx="0">
+        <a:scrgbClr r="0" g="0" b="0"/>
+      </a:lnRef>
+      <a:fillRef idx="1">
+        <a:scrgbClr r="0" g="0" b="0"/>
+      </a:fillRef>
+      <a:effectRef idx="0">
+        <a:scrgbClr r="0" g="0" b="0"/>
+      </a:effectRef>
+      <a:fontRef idx="minor"/>
+    </dgm:style>
+  </dgm:styleLbl>
+  <dgm:styleLbl name="dkBgShp">
+    <dgm:scene3d>
+      <a:camera prst="orthographicFront"/>
+      <a:lightRig rig="threePt" dir="t"/>
+    </dgm:scene3d>
+    <dgm:sp3d/>
+    <dgm:txPr/>
+    <dgm:style>
+      <a:lnRef idx="0">
+        <a:scrgbClr r="0" g="0" b="0"/>
+      </a:lnRef>
+      <a:fillRef idx="1">
+        <a:scrgbClr r="0" g="0" b="0"/>
+      </a:fillRef>
+      <a:effectRef idx="0">
+        <a:scrgbClr r="0" g="0" b="0"/>
+      </a:effectRef>
+      <a:fontRef idx="minor"/>
+    </dgm:style>
+  </dgm:styleLbl>
+  <dgm:styleLbl name="trBgShp">
+    <dgm:scene3d>
+      <a:camera prst="orthographicFront"/>
+      <a:lightRig rig="threePt" dir="t"/>
+    </dgm:scene3d>
+    <dgm:sp3d/>
+    <dgm:txPr/>
+    <dgm:style>
+      <a:lnRef idx="0">
+        <a:scrgbClr r="0" g="0" b="0"/>
+      </a:lnRef>
+      <a:fillRef idx="1">
+        <a:scrgbClr r="0" g="0" b="0"/>
+      </a:fillRef>
+      <a:effectRef idx="0">
+        <a:scrgbClr r="0" g="0" b="0"/>
+      </a:effectRef>
+      <a:fontRef idx="minor"/>
+    </dgm:style>
+  </dgm:styleLbl>
+  <dgm:styleLbl name="fgShp">
+    <dgm:scene3d>
+      <a:camera prst="orthographicFront"/>
+      <a:lightRig rig="threePt" dir="t"/>
+    </dgm:scene3d>
+    <dgm:sp3d/>
+    <dgm:txPr/>
+    <dgm:style>
+      <a:lnRef idx="2">
+        <a:scrgbClr r="0" g="0" b="0"/>
+      </a:lnRef>
+      <a:fillRef idx="1">
+        <a:scrgbClr r="0" g="0" b="0"/>
+      </a:fillRef>
+      <a:effectRef idx="0">
+        <a:scrgbClr r="0" g="0" b="0"/>
+      </a:effectRef>
+      <a:fontRef idx="minor"/>
+    </dgm:style>
+  </dgm:styleLbl>
+  <dgm:styleLbl name="revTx">
+    <dgm:scene3d>
+      <a:camera prst="orthographicFront"/>
+      <a:lightRig rig="threePt" dir="t"/>
+    </dgm:scene3d>
+    <dgm:sp3d/>
+    <dgm:txPr/>
+    <dgm:style>
+      <a:lnRef idx="0">
+        <a:scrgbClr r="0" g="0" b="0"/>
+      </a:lnRef>
+      <a:fillRef idx="0">
+        <a:scrgbClr r="0" g="0" b="0"/>
+      </a:fillRef>
+      <a:effectRef idx="0">
+        <a:scrgbClr r="0" g="0" b="0"/>
+      </a:effectRef>
+      <a:fontRef idx="minor"/>
+    </dgm:style>
+  </dgm:styleLbl>
+</dgm:styleDef>
+</file>
+
 <file path=ppt/notesMasters/notesMaster1.xml><?xml version="1.0" encoding="utf-8"?>
 <p:notesMaster xmlns:a="http://schemas.openxmlformats.org/drawingml/2006/main" xmlns:r="http://schemas.openxmlformats.org/officeDocument/2006/relationships" xmlns:p="http://schemas.openxmlformats.org/presentationml/2006/main">
   <p:cSld>
@@ -2957,7 +9061,7 @@
           <a:p>
             <a:fld id="{7AA48AD6-4BE4-4D75-BF06-13B4385DC468}" type="datetimeFigureOut">
               <a:rPr lang="en-GB" smtClean="0"/>
-              <a:t>05/08/2024</a:t>
+              <a:t>09/09/2024</a:t>
             </a:fld>
             <a:endParaRPr lang="en-GB"/>
           </a:p>
@@ -3293,7 +9397,7 @@
           <a:p>
             <a:fld id="{32B88364-85B6-42F6-8277-88D8208531B2}" type="slidenum">
               <a:rPr lang="en-GB" smtClean="0"/>
-              <a:t>2</a:t>
+              <a:t>3</a:t>
             </a:fld>
             <a:endParaRPr lang="en-GB"/>
           </a:p>
@@ -3386,7 +9490,7 @@
           <a:p>
             <a:fld id="{32B88364-85B6-42F6-8277-88D8208531B2}" type="slidenum">
               <a:rPr lang="en-GB" smtClean="0"/>
-              <a:t>3</a:t>
+              <a:t>4</a:t>
             </a:fld>
             <a:endParaRPr lang="en-GB"/>
           </a:p>
@@ -3473,7 +9577,7 @@
           <a:p>
             <a:fld id="{32B88364-85B6-42F6-8277-88D8208531B2}" type="slidenum">
               <a:rPr lang="en-GB" smtClean="0"/>
-              <a:t>7</a:t>
+              <a:t>8</a:t>
             </a:fld>
             <a:endParaRPr lang="en-GB"/>
           </a:p>
@@ -3538,7 +9642,13 @@
           <a:p>
             <a:r>
               <a:rPr lang="en-GB" dirty="0"/>
-              <a:t>Discuss how trend is also going upwards, why may some countries produce more (population etc)</a:t>
+              <a:t>Discuss how trend is also going upwards, why may some countries produce more (population etc / years e.g.  Industrial revolution)</a:t>
+            </a:r>
+          </a:p>
+          <a:p>
+            <a:r>
+              <a:rPr lang="en-GB" dirty="0"/>
+              <a:t>Suprises? </a:t>
             </a:r>
           </a:p>
         </p:txBody>
@@ -3560,7 +9670,7 @@
           <a:p>
             <a:fld id="{32B88364-85B6-42F6-8277-88D8208531B2}" type="slidenum">
               <a:rPr lang="en-GB" smtClean="0"/>
-              <a:t>9</a:t>
+              <a:t>10</a:t>
             </a:fld>
             <a:endParaRPr lang="en-GB"/>
           </a:p>
@@ -3722,7 +9832,7 @@
           <a:p>
             <a:fld id="{2395C5C9-164C-46B3-A87E-7660D39D3106}" type="datetime2">
               <a:rPr lang="en-US" smtClean="0"/>
-              <a:t>Monday, August 5, 2024</a:t>
+              <a:t>Monday, September 9, 2024</a:t>
             </a:fld>
             <a:endParaRPr lang="en-US" dirty="0"/>
           </a:p>
@@ -3925,7 +10035,7 @@
           <a:p>
             <a:fld id="{5B75179A-1E2B-41AB-B400-4F1B4022FAEE}" type="datetime2">
               <a:rPr lang="en-US" smtClean="0"/>
-              <a:t>Monday, August 5, 2024</a:t>
+              <a:t>Monday, September 9, 2024</a:t>
             </a:fld>
             <a:endParaRPr lang="en-US"/>
           </a:p>
@@ -4138,7 +10248,7 @@
           <a:p>
             <a:fld id="{05681D0F-6595-4F14-8EF3-954CD87C797B}" type="datetime2">
               <a:rPr lang="en-US" smtClean="0"/>
-              <a:t>Monday, August 5, 2024</a:t>
+              <a:t>Monday, September 9, 2024</a:t>
             </a:fld>
             <a:endParaRPr lang="en-US"/>
           </a:p>
@@ -4340,7 +10450,7 @@
           <a:p>
             <a:fld id="{4DDCFF8A-AAF8-4A12-8A91-9CA0EAF6CBB9}" type="datetime2">
               <a:rPr lang="en-US" smtClean="0"/>
-              <a:t>Monday, August 5, 2024</a:t>
+              <a:t>Monday, September 9, 2024</a:t>
             </a:fld>
             <a:endParaRPr lang="en-US" dirty="0"/>
           </a:p>
@@ -4619,7 +10729,7 @@
           <a:p>
             <a:fld id="{ABCC25C3-021A-4B0B-8F70-0C181FE1CF45}" type="datetime2">
               <a:rPr lang="en-US" smtClean="0"/>
-              <a:t>Monday, August 5, 2024</a:t>
+              <a:t>Monday, September 9, 2024</a:t>
             </a:fld>
             <a:endParaRPr lang="en-US"/>
           </a:p>
@@ -4879,7 +10989,7 @@
           <a:p>
             <a:fld id="{0C23D88D-8CEC-4ED9-A53B-5596187D9A16}" type="datetime2">
               <a:rPr lang="en-US" smtClean="0"/>
-              <a:t>Monday, August 5, 2024</a:t>
+              <a:t>Monday, September 9, 2024</a:t>
             </a:fld>
             <a:endParaRPr lang="en-US"/>
           </a:p>
@@ -5295,7 +11405,7 @@
           <a:p>
             <a:fld id="{D2CCD382-DFDA-4722-A27A-59C21AD112F2}" type="datetime2">
               <a:rPr lang="en-US" smtClean="0"/>
-              <a:t>Monday, August 5, 2024</a:t>
+              <a:t>Monday, September 9, 2024</a:t>
             </a:fld>
             <a:endParaRPr lang="en-US"/>
           </a:p>
@@ -5440,7 +11550,7 @@
           <a:p>
             <a:fld id="{22F2A30D-1C09-413F-AAB1-38F366000715}" type="datetime2">
               <a:rPr lang="en-US" smtClean="0"/>
-              <a:t>Monday, August 5, 2024</a:t>
+              <a:t>Monday, September 9, 2024</a:t>
             </a:fld>
             <a:endParaRPr lang="en-US"/>
           </a:p>
@@ -5562,7 +11672,7 @@
           <a:p>
             <a:fld id="{6DB82B9C-D65E-4F64-95C3-B10F3B00F0D9}" type="datetime2">
               <a:rPr lang="en-US" smtClean="0"/>
-              <a:t>Monday, August 5, 2024</a:t>
+              <a:t>Monday, September 9, 2024</a:t>
             </a:fld>
             <a:endParaRPr lang="en-US"/>
           </a:p>
@@ -5885,7 +11995,7 @@
           <a:p>
             <a:fld id="{B7F5FDCC-6AAC-4A08-B9E0-3793AB5E64C3}" type="datetime2">
               <a:rPr lang="en-US" smtClean="0"/>
-              <a:t>Monday, August 5, 2024</a:t>
+              <a:t>Monday, September 9, 2024</a:t>
             </a:fld>
             <a:endParaRPr lang="en-US"/>
           </a:p>
@@ -6173,7 +12283,7 @@
           <a:p>
             <a:fld id="{349FE94D-439C-40F1-900E-BC07940E3988}" type="datetime2">
               <a:rPr lang="en-US" smtClean="0"/>
-              <a:t>Monday, August 5, 2024</a:t>
+              <a:t>Monday, September 9, 2024</a:t>
             </a:fld>
             <a:endParaRPr lang="en-US"/>
           </a:p>
@@ -6461,7 +12571,7 @@
           <a:p>
             <a:fld id="{8DEA2CF1-0EB2-4673-802D-3371233E4A77}" type="datetime2">
               <a:rPr lang="en-US" smtClean="0"/>
-              <a:t>Monday, August 5, 2024</a:t>
+              <a:t>Monday, September 9, 2024</a:t>
             </a:fld>
             <a:endParaRPr lang="en-US" dirty="0"/>
           </a:p>
@@ -7671,6 +13781,116 @@
 <file path=ppt/slides/slide10.xml><?xml version="1.0" encoding="utf-8"?>
 <p:sld xmlns:a="http://schemas.openxmlformats.org/drawingml/2006/main" xmlns:r="http://schemas.openxmlformats.org/officeDocument/2006/relationships" xmlns:p="http://schemas.openxmlformats.org/presentationml/2006/main">
   <p:cSld>
+    <p:spTree>
+      <p:nvGrpSpPr>
+        <p:cNvPr id="1" name=""/>
+        <p:cNvGrpSpPr/>
+        <p:nvPr/>
+      </p:nvGrpSpPr>
+      <p:grpSpPr>
+        <a:xfrm>
+          <a:off x="0" y="0"/>
+          <a:ext cx="0" cy="0"/>
+          <a:chOff x="0" y="0"/>
+          <a:chExt cx="0" cy="0"/>
+        </a:xfrm>
+      </p:grpSpPr>
+      <p:sp>
+        <p:nvSpPr>
+          <p:cNvPr id="3" name="Content Placeholder 2">
+            <a:extLst>
+              <a:ext uri="{FF2B5EF4-FFF2-40B4-BE49-F238E27FC236}">
+                <a16:creationId xmlns:a16="http://schemas.microsoft.com/office/drawing/2014/main" id="{259AE22D-283B-C62A-8FB4-B125060B02B2}"/>
+              </a:ext>
+            </a:extLst>
+          </p:cNvPr>
+          <p:cNvSpPr>
+            <a:spLocks noGrp="1"/>
+          </p:cNvSpPr>
+          <p:nvPr>
+            <p:ph idx="1"/>
+          </p:nvPr>
+        </p:nvSpPr>
+        <p:spPr/>
+        <p:txBody>
+          <a:bodyPr/>
+          <a:lstStyle/>
+          <a:p>
+            <a:endParaRPr lang="en-GB"/>
+          </a:p>
+        </p:txBody>
+      </p:sp>
+      <p:sp>
+        <p:nvSpPr>
+          <p:cNvPr id="5" name="Title 4">
+            <a:extLst>
+              <a:ext uri="{FF2B5EF4-FFF2-40B4-BE49-F238E27FC236}">
+                <a16:creationId xmlns:a16="http://schemas.microsoft.com/office/drawing/2014/main" id="{879B8C07-056E-BC41-76A6-F4C1C54EFA30}"/>
+              </a:ext>
+            </a:extLst>
+          </p:cNvPr>
+          <p:cNvSpPr>
+            <a:spLocks noGrp="1"/>
+          </p:cNvSpPr>
+          <p:nvPr>
+            <p:ph type="title"/>
+          </p:nvPr>
+        </p:nvSpPr>
+        <p:spPr/>
+        <p:txBody>
+          <a:bodyPr/>
+          <a:lstStyle/>
+          <a:p>
+            <a:endParaRPr lang="en-GB"/>
+          </a:p>
+        </p:txBody>
+      </p:sp>
+      <p:pic>
+        <p:nvPicPr>
+          <p:cNvPr id="7" name="Picture 6">
+            <a:extLst>
+              <a:ext uri="{FF2B5EF4-FFF2-40B4-BE49-F238E27FC236}">
+                <a16:creationId xmlns:a16="http://schemas.microsoft.com/office/drawing/2014/main" id="{03DAE49C-AAA7-D6D6-795A-B99DB18A98B1}"/>
+              </a:ext>
+            </a:extLst>
+          </p:cNvPr>
+          <p:cNvPicPr>
+            <a:picLocks noChangeAspect="1"/>
+          </p:cNvPicPr>
+          <p:nvPr/>
+        </p:nvPicPr>
+        <p:blipFill>
+          <a:blip r:embed="rId3"/>
+          <a:stretch>
+            <a:fillRect/>
+          </a:stretch>
+        </p:blipFill>
+        <p:spPr>
+          <a:xfrm>
+            <a:off x="743675" y="519084"/>
+            <a:ext cx="10806472" cy="5368226"/>
+          </a:xfrm>
+          <a:prstGeom prst="rect">
+            <a:avLst/>
+          </a:prstGeom>
+        </p:spPr>
+      </p:pic>
+    </p:spTree>
+    <p:extLst>
+      <p:ext uri="{BB962C8B-B14F-4D97-AF65-F5344CB8AC3E}">
+        <p14:creationId xmlns:p14="http://schemas.microsoft.com/office/powerpoint/2010/main" val="4217715410"/>
+      </p:ext>
+    </p:extLst>
+  </p:cSld>
+  <p:clrMapOvr>
+    <a:masterClrMapping/>
+  </p:clrMapOvr>
+</p:sld>
+</file>
+
+<file path=ppt/slides/slide11.xml><?xml version="1.0" encoding="utf-8"?>
+<p:sld xmlns:a="http://schemas.openxmlformats.org/drawingml/2006/main" xmlns:r="http://schemas.openxmlformats.org/officeDocument/2006/relationships" xmlns:p="http://schemas.openxmlformats.org/presentationml/2006/main">
+  <p:cSld>
     <p:bg>
       <p:bgPr>
         <a:solidFill>
@@ -8084,7 +14304,7 @@
             <p:ph idx="1"/>
             <p:extLst>
               <p:ext uri="{D42A27DB-BD31-4B8C-83A1-F6EECF244321}">
-                <p14:modId xmlns:p14="http://schemas.microsoft.com/office/powerpoint/2010/main" val="2008132348"/>
+                <p14:modId xmlns:p14="http://schemas.microsoft.com/office/powerpoint/2010/main" val="1168412210"/>
               </p:ext>
             </p:extLst>
           </p:nvPr>
@@ -8112,7 +14332,7 @@
 </p:sld>
 </file>
 
-<file path=ppt/slides/slide11.xml><?xml version="1.0" encoding="utf-8"?>
+<file path=ppt/slides/slide12.xml><?xml version="1.0" encoding="utf-8"?>
 <p:sld xmlns:a="http://schemas.openxmlformats.org/drawingml/2006/main" xmlns:r="http://schemas.openxmlformats.org/officeDocument/2006/relationships" xmlns:p="http://schemas.openxmlformats.org/presentationml/2006/main">
   <p:cSld>
     <p:bg>
@@ -8304,14 +14524,10 @@
             </a:pPr>
             <a:r>
               <a:rPr lang="en-US" sz="3900" b="1" spc="-100" dirty="0"/>
-              <a:t>How does climate change impact </a:t>
-            </a:r>
-            <a:r>
-              <a:rPr lang="en-US" sz="3900" b="1" spc="-100"/>
-              <a:t>you?</a:t>
+              <a:t>How does climate change impact you?</a:t>
             </a:r>
             <a:br>
-              <a:rPr lang="en-US" sz="3900" b="1" spc="-100"/>
+              <a:rPr lang="en-US" sz="3900" b="1" spc="-100" dirty="0"/>
             </a:br>
             <a:br>
               <a:rPr lang="en-US" sz="3900" b="1" spc="-100" dirty="0"/>
@@ -8431,7 +14647,7 @@
           <p:cNvPr id="2" name="Title 1">
             <a:extLst>
               <a:ext uri="{FF2B5EF4-FFF2-40B4-BE49-F238E27FC236}">
-                <a16:creationId xmlns:a16="http://schemas.microsoft.com/office/drawing/2014/main" id="{1D5EC65C-FA88-5342-9FE3-E5911CC228B6}"/>
+                <a16:creationId xmlns:a16="http://schemas.microsoft.com/office/drawing/2014/main" id="{CD725FF6-81F1-7554-052E-D6B4F626F7A7}"/>
               </a:ext>
             </a:extLst>
           </p:cNvPr>
@@ -8442,30 +14658,142 @@
             <p:ph type="title"/>
           </p:nvPr>
         </p:nvSpPr>
-        <p:spPr>
-          <a:xfrm>
-            <a:off x="0" y="2434024"/>
-            <a:ext cx="12192000" cy="1477328"/>
-          </a:xfrm>
-        </p:spPr>
+        <p:spPr/>
         <p:txBody>
-          <a:bodyPr>
-            <a:normAutofit/>
-          </a:bodyPr>
+          <a:bodyPr/>
           <a:lstStyle/>
           <a:p>
-            <a:pPr algn="ctr"/>
-            <a:r>
-              <a:rPr lang="en-GB" sz="4000" dirty="0"/>
-              <a:t>Why is Climate Change happening?</a:t>
-            </a:r>
+            <a:endParaRPr lang="en-GB"/>
           </a:p>
         </p:txBody>
       </p:sp>
+      <p:sp>
+        <p:nvSpPr>
+          <p:cNvPr id="3" name="Content Placeholder 2">
+            <a:extLst>
+              <a:ext uri="{FF2B5EF4-FFF2-40B4-BE49-F238E27FC236}">
+                <a16:creationId xmlns:a16="http://schemas.microsoft.com/office/drawing/2014/main" id="{5D9C641D-0212-6AE7-C21B-E3BAB6229636}"/>
+              </a:ext>
+            </a:extLst>
+          </p:cNvPr>
+          <p:cNvSpPr>
+            <a:spLocks noGrp="1"/>
+          </p:cNvSpPr>
+          <p:nvPr>
+            <p:ph idx="1"/>
+          </p:nvPr>
+        </p:nvSpPr>
+        <p:spPr/>
+        <p:txBody>
+          <a:bodyPr/>
+          <a:lstStyle/>
+          <a:p>
+            <a:endParaRPr lang="en-GB"/>
+          </a:p>
+        </p:txBody>
+      </p:sp>
+      <p:pic>
+        <p:nvPicPr>
+          <p:cNvPr id="4" name="Picture 3">
+            <a:extLst>
+              <a:ext uri="{FF2B5EF4-FFF2-40B4-BE49-F238E27FC236}">
+                <a16:creationId xmlns:a16="http://schemas.microsoft.com/office/drawing/2014/main" id="{D499751A-8731-01C1-9D1C-F69685326CBF}"/>
+              </a:ext>
+            </a:extLst>
+          </p:cNvPr>
+          <p:cNvPicPr>
+            <a:picLocks noChangeAspect="1"/>
+          </p:cNvPicPr>
+          <p:nvPr/>
+        </p:nvPicPr>
+        <p:blipFill>
+          <a:blip r:embed="rId2"/>
+          <a:stretch>
+            <a:fillRect/>
+          </a:stretch>
+        </p:blipFill>
+        <p:spPr>
+          <a:xfrm>
+            <a:off x="498418" y="813111"/>
+            <a:ext cx="6272472" cy="5425689"/>
+          </a:xfrm>
+          <a:custGeom>
+            <a:avLst/>
+            <a:gdLst/>
+            <a:ahLst/>
+            <a:cxnLst/>
+            <a:rect l="l" t="t" r="r" b="b"/>
+            <a:pathLst>
+              <a:path w="5014800" h="5409338">
+                <a:moveTo>
+                  <a:pt x="0" y="0"/>
+                </a:moveTo>
+                <a:lnTo>
+                  <a:pt x="5014800" y="0"/>
+                </a:lnTo>
+                <a:lnTo>
+                  <a:pt x="5014800" y="5409338"/>
+                </a:lnTo>
+                <a:lnTo>
+                  <a:pt x="0" y="5409338"/>
+                </a:lnTo>
+                <a:close/>
+              </a:path>
+            </a:pathLst>
+          </a:custGeom>
+        </p:spPr>
+      </p:pic>
+      <p:pic>
+        <p:nvPicPr>
+          <p:cNvPr id="5" name="Picture 2" descr="Climate change: Warming could raise UK flood damage bill by 20% - BBC News">
+            <a:extLst>
+              <a:ext uri="{FF2B5EF4-FFF2-40B4-BE49-F238E27FC236}">
+                <a16:creationId xmlns:a16="http://schemas.microsoft.com/office/drawing/2014/main" id="{7D409106-9335-673D-0866-B0069F61F15E}"/>
+              </a:ext>
+            </a:extLst>
+          </p:cNvPr>
+          <p:cNvPicPr>
+            <a:picLocks noChangeAspect="1" noChangeArrowheads="1"/>
+          </p:cNvPicPr>
+          <p:nvPr/>
+        </p:nvPicPr>
+        <p:blipFill>
+          <a:blip r:embed="rId3">
+            <a:extLst>
+              <a:ext uri="{28A0092B-C50C-407E-A947-70E740481C1C}">
+                <a14:useLocalDpi xmlns:a14="http://schemas.microsoft.com/office/drawing/2010/main" val="0"/>
+              </a:ext>
+            </a:extLst>
+          </a:blip>
+          <a:srcRect/>
+          <a:stretch>
+            <a:fillRect/>
+          </a:stretch>
+        </p:blipFill>
+        <p:spPr bwMode="auto">
+          <a:xfrm>
+            <a:off x="7659482" y="225911"/>
+            <a:ext cx="3788840" cy="6406178"/>
+          </a:xfrm>
+          <a:prstGeom prst="rect">
+            <a:avLst/>
+          </a:prstGeom>
+          <a:noFill/>
+          <a:extLst>
+            <a:ext uri="{909E8E84-426E-40DD-AFC4-6F175D3DCCD1}">
+              <a14:hiddenFill xmlns:a14="http://schemas.microsoft.com/office/drawing/2010/main">
+                <a:solidFill>
+                  <a:srgbClr val="FFFFFF"/>
+                </a:solidFill>
+              </a14:hiddenFill>
+            </a:ext>
+          </a:extLst>
+        </p:spPr>
+      </p:pic>
     </p:spTree>
     <p:extLst>
       <p:ext uri="{BB962C8B-B14F-4D97-AF65-F5344CB8AC3E}">
-        <p14:creationId xmlns:p14="http://schemas.microsoft.com/office/powerpoint/2010/main" val="1633793242"/>
+        <p14:creationId xmlns:p14="http://schemas.microsoft.com/office/powerpoint/2010/main" val="112479176"/>
       </p:ext>
     </p:extLst>
   </p:cSld>
@@ -8478,6 +14806,14 @@
 <file path=ppt/slides/slide3.xml><?xml version="1.0" encoding="utf-8"?>
 <p:sld xmlns:a="http://schemas.openxmlformats.org/drawingml/2006/main" xmlns:r="http://schemas.openxmlformats.org/officeDocument/2006/relationships" xmlns:p="http://schemas.openxmlformats.org/presentationml/2006/main">
   <p:cSld>
+    <p:bg>
+      <p:bgPr>
+        <a:solidFill>
+          <a:schemeClr val="bg2"/>
+        </a:solidFill>
+        <a:effectLst/>
+      </p:bgPr>
+    </p:bg>
     <p:spTree>
       <p:nvGrpSpPr>
         <p:cNvPr id="1" name=""/>
@@ -8492,6 +14828,207 @@
           <a:chExt cx="0" cy="0"/>
         </a:xfrm>
       </p:grpSpPr>
+      <p:sp>
+        <p:nvSpPr>
+          <p:cNvPr id="2055" name="Rectangle 2054">
+            <a:extLst>
+              <a:ext uri="{FF2B5EF4-FFF2-40B4-BE49-F238E27FC236}">
+                <a16:creationId xmlns:a16="http://schemas.microsoft.com/office/drawing/2014/main" id="{09646535-AEF6-4883-A4F9-EEC1F8B4319E}"/>
+              </a:ext>
+              <a:ext uri="{C183D7F6-B498-43B3-948B-1728B52AA6E4}">
+                <adec:decorative xmlns:adec="http://schemas.microsoft.com/office/drawing/2017/decorative" val="1"/>
+              </a:ext>
+            </a:extLst>
+          </p:cNvPr>
+          <p:cNvSpPr>
+            <a:spLocks noGrp="1" noRot="1" noChangeAspect="1" noMove="1" noResize="1" noEditPoints="1" noAdjustHandles="1" noChangeArrowheads="1" noChangeShapeType="1" noTextEdit="1"/>
+          </p:cNvSpPr>
+          <p:nvPr>
+            <p:extLst>
+              <p:ext uri="{386F3935-93C4-4BCD-93E2-E3B085C9AB24}">
+                <p16:designElem xmlns:p16="http://schemas.microsoft.com/office/powerpoint/2015/main" val="1"/>
+              </p:ext>
+            </p:extLst>
+          </p:nvPr>
+        </p:nvSpPr>
+        <p:spPr>
+          <a:xfrm>
+            <a:off x="0" y="0"/>
+            <a:ext cx="12192000" cy="6858000"/>
+          </a:xfrm>
+          <a:prstGeom prst="rect">
+            <a:avLst/>
+          </a:prstGeom>
+          <a:solidFill>
+            <a:schemeClr val="bg2">
+              <a:lumMod val="90000"/>
+              <a:lumOff val="10000"/>
+            </a:schemeClr>
+          </a:solidFill>
+          <a:ln w="12700" cap="flat" cmpd="sng" algn="ctr">
+            <a:noFill/>
+            <a:prstDash val="solid"/>
+            <a:miter lim="800000"/>
+          </a:ln>
+          <a:effectLst/>
+        </p:spPr>
+        <p:style>
+          <a:lnRef idx="2">
+            <a:schemeClr val="accent1">
+              <a:shade val="50000"/>
+            </a:schemeClr>
+          </a:lnRef>
+          <a:fillRef idx="1">
+            <a:schemeClr val="accent1"/>
+          </a:fillRef>
+          <a:effectRef idx="0">
+            <a:schemeClr val="accent1"/>
+          </a:effectRef>
+          <a:fontRef idx="minor">
+            <a:schemeClr val="lt1"/>
+          </a:fontRef>
+        </p:style>
+        <p:txBody>
+          <a:bodyPr rtlCol="0" anchor="ctr"/>
+          <a:lstStyle/>
+          <a:p>
+            <a:pPr algn="ctr"/>
+            <a:endParaRPr lang="en-US"/>
+          </a:p>
+        </p:txBody>
+      </p:sp>
+      <p:sp useBgFill="1">
+        <p:nvSpPr>
+          <p:cNvPr id="2057" name="Rectangle 2056">
+            <a:extLst>
+              <a:ext uri="{FF2B5EF4-FFF2-40B4-BE49-F238E27FC236}">
+                <a16:creationId xmlns:a16="http://schemas.microsoft.com/office/drawing/2014/main" id="{74E3E963-7ADC-4469-A079-F78B0BC6F60C}"/>
+              </a:ext>
+              <a:ext uri="{C183D7F6-B498-43B3-948B-1728B52AA6E4}">
+                <adec:decorative xmlns:adec="http://schemas.microsoft.com/office/drawing/2017/decorative" val="1"/>
+              </a:ext>
+            </a:extLst>
+          </p:cNvPr>
+          <p:cNvSpPr>
+            <a:spLocks noGrp="1" noRot="1" noChangeAspect="1" noMove="1" noResize="1" noEditPoints="1" noAdjustHandles="1" noChangeArrowheads="1" noChangeShapeType="1" noTextEdit="1"/>
+          </p:cNvSpPr>
+          <p:nvPr>
+            <p:extLst>
+              <p:ext uri="{386F3935-93C4-4BCD-93E2-E3B085C9AB24}">
+                <p16:designElem xmlns:p16="http://schemas.microsoft.com/office/powerpoint/2015/main" val="1"/>
+              </p:ext>
+            </p:extLst>
+          </p:nvPr>
+        </p:nvSpPr>
+        <p:spPr>
+          <a:xfrm>
+            <a:off x="0" y="0"/>
+            <a:ext cx="12192000" cy="6858000"/>
+          </a:xfrm>
+          <a:prstGeom prst="rect">
+            <a:avLst/>
+          </a:prstGeom>
+          <a:ln w="12700" cap="flat" cmpd="sng" algn="ctr">
+            <a:noFill/>
+            <a:prstDash val="solid"/>
+            <a:miter lim="800000"/>
+          </a:ln>
+          <a:effectLst/>
+        </p:spPr>
+        <p:style>
+          <a:lnRef idx="2">
+            <a:schemeClr val="accent1">
+              <a:shade val="50000"/>
+            </a:schemeClr>
+          </a:lnRef>
+          <a:fillRef idx="1">
+            <a:schemeClr val="accent1"/>
+          </a:fillRef>
+          <a:effectRef idx="0">
+            <a:schemeClr val="accent1"/>
+          </a:effectRef>
+          <a:fontRef idx="minor">
+            <a:schemeClr val="lt1"/>
+          </a:fontRef>
+        </p:style>
+        <p:txBody>
+          <a:bodyPr rtlCol="0" anchor="ctr"/>
+          <a:lstStyle/>
+          <a:p>
+            <a:pPr algn="ctr"/>
+            <a:endParaRPr lang="en-US"/>
+          </a:p>
+        </p:txBody>
+      </p:sp>
+      <p:sp>
+        <p:nvSpPr>
+          <p:cNvPr id="2059" name="Rectangle 2058">
+            <a:extLst>
+              <a:ext uri="{FF2B5EF4-FFF2-40B4-BE49-F238E27FC236}">
+                <a16:creationId xmlns:a16="http://schemas.microsoft.com/office/drawing/2014/main" id="{C864DEA4-D6B8-4DEF-B1D0-6D5672FA8D22}"/>
+              </a:ext>
+              <a:ext uri="{C183D7F6-B498-43B3-948B-1728B52AA6E4}">
+                <adec:decorative xmlns:adec="http://schemas.microsoft.com/office/drawing/2017/decorative" val="1"/>
+              </a:ext>
+            </a:extLst>
+          </p:cNvPr>
+          <p:cNvSpPr>
+            <a:spLocks noGrp="1" noRot="1" noChangeAspect="1" noMove="1" noResize="1" noEditPoints="1" noAdjustHandles="1" noChangeArrowheads="1" noChangeShapeType="1" noTextEdit="1"/>
+          </p:cNvSpPr>
+          <p:nvPr>
+            <p:extLst>
+              <p:ext uri="{386F3935-93C4-4BCD-93E2-E3B085C9AB24}">
+                <p16:designElem xmlns:p16="http://schemas.microsoft.com/office/powerpoint/2015/main" val="1"/>
+              </p:ext>
+            </p:extLst>
+          </p:nvPr>
+        </p:nvSpPr>
+        <p:spPr>
+          <a:xfrm>
+            <a:off x="0" y="0"/>
+            <a:ext cx="12192000" cy="6858000"/>
+          </a:xfrm>
+          <a:prstGeom prst="rect">
+            <a:avLst/>
+          </a:prstGeom>
+          <a:solidFill>
+            <a:schemeClr val="bg2">
+              <a:lumMod val="90000"/>
+              <a:lumOff val="10000"/>
+            </a:schemeClr>
+          </a:solidFill>
+          <a:ln w="12700" cap="flat" cmpd="sng" algn="ctr">
+            <a:noFill/>
+            <a:prstDash val="solid"/>
+            <a:miter lim="800000"/>
+          </a:ln>
+          <a:effectLst/>
+        </p:spPr>
+        <p:style>
+          <a:lnRef idx="2">
+            <a:schemeClr val="accent1">
+              <a:shade val="50000"/>
+            </a:schemeClr>
+          </a:lnRef>
+          <a:fillRef idx="1">
+            <a:schemeClr val="accent1"/>
+          </a:fillRef>
+          <a:effectRef idx="0">
+            <a:schemeClr val="accent1"/>
+          </a:effectRef>
+          <a:fontRef idx="minor">
+            <a:schemeClr val="lt1"/>
+          </a:fontRef>
+        </p:style>
+        <p:txBody>
+          <a:bodyPr rtlCol="0" anchor="ctr"/>
+          <a:lstStyle/>
+          <a:p>
+            <a:pPr algn="ctr"/>
+            <a:endParaRPr lang="en-US"/>
+          </a:p>
+        </p:txBody>
+      </p:sp>
       <p:sp>
         <p:nvSpPr>
           <p:cNvPr id="2" name="Title 1">
@@ -8510,67 +15047,1369 @@
         </p:nvSpPr>
         <p:spPr>
           <a:xfrm>
-            <a:off x="-1506070" y="192847"/>
-            <a:ext cx="12192000" cy="1477328"/>
+            <a:off x="6480000" y="1554630"/>
+            <a:ext cx="5015638" cy="1969770"/>
           </a:xfrm>
         </p:spPr>
         <p:txBody>
-          <a:bodyPr>
+          <a:bodyPr vert="horz" wrap="square" lIns="0" tIns="0" rIns="0" bIns="0" rtlCol="0" anchor="b" anchorCtr="0">
             <a:normAutofit/>
           </a:bodyPr>
           <a:lstStyle/>
           <a:p>
-            <a:pPr algn="ctr"/>
+            <a:pPr algn="ctr">
+              <a:lnSpc>
+                <a:spcPct val="90000"/>
+              </a:lnSpc>
+            </a:pPr>
             <a:r>
-              <a:rPr lang="en-GB" sz="4000" dirty="0"/>
+              <a:rPr lang="en-US" sz="4300" spc="-100"/>
               <a:t>Why is Climate Change happening?</a:t>
             </a:r>
           </a:p>
         </p:txBody>
       </p:sp>
-      <p:sp>
-        <p:nvSpPr>
-          <p:cNvPr id="3" name="Content Placeholder 2">
+      <p:pic>
+        <p:nvPicPr>
+          <p:cNvPr id="2050" name="Picture 2" descr="Is Global Warming the Same as Climate Change - Unite for Change">
             <a:extLst>
               <a:ext uri="{FF2B5EF4-FFF2-40B4-BE49-F238E27FC236}">
-                <a16:creationId xmlns:a16="http://schemas.microsoft.com/office/drawing/2014/main" id="{C983222C-0A3F-4F46-8DA6-552F8A0B6B43}"/>
+                <a16:creationId xmlns:a16="http://schemas.microsoft.com/office/drawing/2014/main" id="{90B6CDAF-54D0-8AD5-ED5F-E0E4FAB91D26}"/>
               </a:ext>
             </a:extLst>
           </p:cNvPr>
-          <p:cNvSpPr>
-            <a:spLocks noGrp="1"/>
-          </p:cNvSpPr>
+          <p:cNvPicPr>
+            <a:picLocks noChangeAspect="1" noChangeArrowheads="1"/>
+          </p:cNvPicPr>
+          <p:nvPr/>
+        </p:nvPicPr>
+        <p:blipFill>
+          <a:blip r:embed="rId3">
+            <a:extLst>
+              <a:ext uri="{28A0092B-C50C-407E-A947-70E740481C1C}">
+                <a14:useLocalDpi xmlns:a14="http://schemas.microsoft.com/office/drawing/2010/main" val="0"/>
+              </a:ext>
+            </a:extLst>
+          </a:blip>
+          <a:stretch>
+            <a:fillRect/>
+          </a:stretch>
+        </p:blipFill>
+        <p:spPr bwMode="auto">
+          <a:xfrm>
+            <a:off x="720000" y="2170969"/>
+            <a:ext cx="5014800" cy="2507400"/>
+          </a:xfrm>
+          <a:custGeom>
+            <a:avLst/>
+            <a:gdLst/>
+            <a:ahLst/>
+            <a:cxnLst/>
+            <a:rect l="l" t="t" r="r" b="b"/>
+            <a:pathLst>
+              <a:path w="5014800" h="5409338">
+                <a:moveTo>
+                  <a:pt x="0" y="0"/>
+                </a:moveTo>
+                <a:lnTo>
+                  <a:pt x="5014800" y="0"/>
+                </a:lnTo>
+                <a:lnTo>
+                  <a:pt x="5014800" y="5409338"/>
+                </a:lnTo>
+                <a:lnTo>
+                  <a:pt x="0" y="5409338"/>
+                </a:lnTo>
+                <a:close/>
+              </a:path>
+            </a:pathLst>
+          </a:custGeom>
+          <a:noFill/>
+          <a:extLst>
+            <a:ext uri="{909E8E84-426E-40DD-AFC4-6F175D3DCCD1}">
+              <a14:hiddenFill xmlns:a14="http://schemas.microsoft.com/office/drawing/2010/main">
+                <a:solidFill>
+                  <a:srgbClr val="FFFFFF"/>
+                </a:solidFill>
+              </a14:hiddenFill>
+            </a:ext>
+          </a:extLst>
+        </p:spPr>
+      </p:pic>
+      <p:grpSp>
+        <p:nvGrpSpPr>
+          <p:cNvPr id="2061" name="Group 2060">
+            <a:extLst>
+              <a:ext uri="{FF2B5EF4-FFF2-40B4-BE49-F238E27FC236}">
+                <a16:creationId xmlns:a16="http://schemas.microsoft.com/office/drawing/2014/main" id="{3C9AA14C-80A4-427C-A911-28CD20C56E5E}"/>
+              </a:ext>
+              <a:ext uri="{C183D7F6-B498-43B3-948B-1728B52AA6E4}">
+                <adec:decorative xmlns:adec="http://schemas.microsoft.com/office/drawing/2017/decorative" val="1"/>
+              </a:ext>
+            </a:extLst>
+          </p:cNvPr>
+          <p:cNvGrpSpPr>
+            <a:grpSpLocks noGrp="1" noUngrp="1" noRot="1" noChangeAspect="1" noMove="1" noResize="1"/>
+          </p:cNvGrpSpPr>
           <p:nvPr>
-            <p:ph idx="1"/>
+            <p:extLst>
+              <p:ext uri="{386F3935-93C4-4BCD-93E2-E3B085C9AB24}">
+                <p16:designElem xmlns:p16="http://schemas.microsoft.com/office/powerpoint/2015/main" val="1"/>
+              </p:ext>
+            </p:extLst>
           </p:nvPr>
-        </p:nvSpPr>
-        <p:spPr>
-          <a:xfrm>
-            <a:off x="146259" y="1815312"/>
-            <a:ext cx="10728325" cy="3227375"/>
+        </p:nvGrpSpPr>
+        <p:grpSpPr>
+          <a:xfrm rot="10800000">
+            <a:off x="7909203" y="317452"/>
+            <a:ext cx="2117174" cy="588806"/>
+            <a:chOff x="4549904" y="5078157"/>
+            <a:chExt cx="3023338" cy="840818"/>
           </a:xfrm>
-        </p:spPr>
-        <p:txBody>
-          <a:bodyPr/>
-          <a:lstStyle/>
-          <a:p>
-            <a:r>
-              <a:rPr lang="en-GB" dirty="0"/>
-              <a:t>Natural temperature change</a:t>
-            </a:r>
-          </a:p>
-          <a:p>
-            <a:r>
-              <a:rPr lang="en-GB" dirty="0"/>
-              <a:t>Changes to the amount of green house gases released</a:t>
-            </a:r>
-          </a:p>
-        </p:txBody>
-      </p:sp>
+        </p:grpSpPr>
+        <p:sp>
+          <p:nvSpPr>
+            <p:cNvPr id="2062" name="Freeform 80">
+              <a:extLst>
+                <a:ext uri="{FF2B5EF4-FFF2-40B4-BE49-F238E27FC236}">
+                  <a16:creationId xmlns:a16="http://schemas.microsoft.com/office/drawing/2014/main" id="{EF32CDAF-4619-4949-9516-1E042181EBF3}"/>
+                </a:ext>
+                <a:ext uri="{C183D7F6-B498-43B3-948B-1728B52AA6E4}">
+                  <adec:decorative xmlns:adec="http://schemas.microsoft.com/office/drawing/2017/decorative" val="1"/>
+                </a:ext>
+              </a:extLst>
+            </p:cNvPr>
+            <p:cNvSpPr>
+              <a:spLocks/>
+            </p:cNvSpPr>
+            <p:nvPr>
+              <p:extLst>
+                <p:ext uri="{386F3935-93C4-4BCD-93E2-E3B085C9AB24}">
+                  <p16:designElem xmlns:p16="http://schemas.microsoft.com/office/powerpoint/2015/main" val="1"/>
+                </p:ext>
+              </p:extLst>
+            </p:nvPr>
+          </p:nvSpPr>
+          <p:spPr bwMode="auto">
+            <a:xfrm rot="5400000">
+              <a:off x="5690691" y="5352589"/>
+              <a:ext cx="749228" cy="383544"/>
+            </a:xfrm>
+            <a:custGeom>
+              <a:avLst/>
+              <a:gdLst>
+                <a:gd name="T0" fmla="*/ 53 w 66"/>
+                <a:gd name="T1" fmla="*/ 33 h 34"/>
+                <a:gd name="T2" fmla="*/ 39 w 66"/>
+                <a:gd name="T3" fmla="*/ 33 h 34"/>
+                <a:gd name="T4" fmla="*/ 21 w 66"/>
+                <a:gd name="T5" fmla="*/ 33 h 34"/>
+                <a:gd name="T6" fmla="*/ 12 w 66"/>
+                <a:gd name="T7" fmla="*/ 32 h 34"/>
+                <a:gd name="T8" fmla="*/ 3 w 66"/>
+                <a:gd name="T9" fmla="*/ 28 h 34"/>
+                <a:gd name="T10" fmla="*/ 0 w 66"/>
+                <a:gd name="T11" fmla="*/ 21 h 34"/>
+                <a:gd name="T12" fmla="*/ 0 w 66"/>
+                <a:gd name="T13" fmla="*/ 16 h 34"/>
+                <a:gd name="T14" fmla="*/ 3 w 66"/>
+                <a:gd name="T15" fmla="*/ 7 h 34"/>
+                <a:gd name="T16" fmla="*/ 11 w 66"/>
+                <a:gd name="T17" fmla="*/ 3 h 34"/>
+                <a:gd name="T18" fmla="*/ 23 w 66"/>
+                <a:gd name="T19" fmla="*/ 2 h 34"/>
+                <a:gd name="T20" fmla="*/ 43 w 66"/>
+                <a:gd name="T21" fmla="*/ 0 h 34"/>
+                <a:gd name="T22" fmla="*/ 48 w 66"/>
+                <a:gd name="T23" fmla="*/ 0 h 34"/>
+                <a:gd name="T24" fmla="*/ 62 w 66"/>
+                <a:gd name="T25" fmla="*/ 4 h 34"/>
+                <a:gd name="T26" fmla="*/ 66 w 66"/>
+                <a:gd name="T27" fmla="*/ 13 h 34"/>
+                <a:gd name="T28" fmla="*/ 66 w 66"/>
+                <a:gd name="T29" fmla="*/ 20 h 34"/>
+                <a:gd name="T30" fmla="*/ 62 w 66"/>
+                <a:gd name="T31" fmla="*/ 29 h 34"/>
+                <a:gd name="T32" fmla="*/ 53 w 66"/>
+                <a:gd name="T33" fmla="*/ 33 h 34"/>
+              </a:gdLst>
+              <a:ahLst/>
+              <a:cxnLst>
+                <a:cxn ang="0">
+                  <a:pos x="T0" y="T1"/>
+                </a:cxn>
+                <a:cxn ang="0">
+                  <a:pos x="T2" y="T3"/>
+                </a:cxn>
+                <a:cxn ang="0">
+                  <a:pos x="T4" y="T5"/>
+                </a:cxn>
+                <a:cxn ang="0">
+                  <a:pos x="T6" y="T7"/>
+                </a:cxn>
+                <a:cxn ang="0">
+                  <a:pos x="T8" y="T9"/>
+                </a:cxn>
+                <a:cxn ang="0">
+                  <a:pos x="T10" y="T11"/>
+                </a:cxn>
+                <a:cxn ang="0">
+                  <a:pos x="T12" y="T13"/>
+                </a:cxn>
+                <a:cxn ang="0">
+                  <a:pos x="T14" y="T15"/>
+                </a:cxn>
+                <a:cxn ang="0">
+                  <a:pos x="T16" y="T17"/>
+                </a:cxn>
+                <a:cxn ang="0">
+                  <a:pos x="T18" y="T19"/>
+                </a:cxn>
+                <a:cxn ang="0">
+                  <a:pos x="T20" y="T21"/>
+                </a:cxn>
+                <a:cxn ang="0">
+                  <a:pos x="T22" y="T23"/>
+                </a:cxn>
+                <a:cxn ang="0">
+                  <a:pos x="T24" y="T25"/>
+                </a:cxn>
+                <a:cxn ang="0">
+                  <a:pos x="T26" y="T27"/>
+                </a:cxn>
+                <a:cxn ang="0">
+                  <a:pos x="T28" y="T29"/>
+                </a:cxn>
+                <a:cxn ang="0">
+                  <a:pos x="T30" y="T31"/>
+                </a:cxn>
+                <a:cxn ang="0">
+                  <a:pos x="T32" y="T33"/>
+                </a:cxn>
+              </a:cxnLst>
+              <a:rect l="0" t="0" r="r" b="b"/>
+              <a:pathLst>
+                <a:path w="66" h="34">
+                  <a:moveTo>
+                    <a:pt x="53" y="33"/>
+                  </a:moveTo>
+                  <a:cubicBezTo>
+                    <a:pt x="47" y="33"/>
+                    <a:pt x="53" y="34"/>
+                    <a:pt x="39" y="33"/>
+                  </a:cubicBezTo>
+                  <a:cubicBezTo>
+                    <a:pt x="24" y="33"/>
+                    <a:pt x="21" y="33"/>
+                    <a:pt x="21" y="33"/>
+                  </a:cubicBezTo>
+                  <a:cubicBezTo>
+                    <a:pt x="12" y="32"/>
+                    <a:pt x="12" y="32"/>
+                    <a:pt x="12" y="32"/>
+                  </a:cubicBezTo>
+                  <a:cubicBezTo>
+                    <a:pt x="7" y="31"/>
+                    <a:pt x="4" y="30"/>
+                    <a:pt x="3" y="28"/>
+                  </a:cubicBezTo>
+                  <a:cubicBezTo>
+                    <a:pt x="1" y="26"/>
+                    <a:pt x="0" y="24"/>
+                    <a:pt x="0" y="21"/>
+                  </a:cubicBezTo>
+                  <a:cubicBezTo>
+                    <a:pt x="0" y="21"/>
+                    <a:pt x="0" y="19"/>
+                    <a:pt x="0" y="16"/>
+                  </a:cubicBezTo>
+                  <a:cubicBezTo>
+                    <a:pt x="0" y="13"/>
+                    <a:pt x="1" y="10"/>
+                    <a:pt x="3" y="7"/>
+                  </a:cubicBezTo>
+                  <a:cubicBezTo>
+                    <a:pt x="4" y="5"/>
+                    <a:pt x="7" y="3"/>
+                    <a:pt x="11" y="3"/>
+                  </a:cubicBezTo>
+                  <a:cubicBezTo>
+                    <a:pt x="16" y="2"/>
+                    <a:pt x="20" y="2"/>
+                    <a:pt x="23" y="2"/>
+                  </a:cubicBezTo>
+                  <a:cubicBezTo>
+                    <a:pt x="32" y="1"/>
+                    <a:pt x="37" y="0"/>
+                    <a:pt x="43" y="0"/>
+                  </a:cubicBezTo>
+                  <a:cubicBezTo>
+                    <a:pt x="48" y="0"/>
+                    <a:pt x="48" y="0"/>
+                    <a:pt x="48" y="0"/>
+                  </a:cubicBezTo>
+                  <a:cubicBezTo>
+                    <a:pt x="54" y="1"/>
+                    <a:pt x="59" y="3"/>
+                    <a:pt x="62" y="4"/>
+                  </a:cubicBezTo>
+                  <a:cubicBezTo>
+                    <a:pt x="65" y="6"/>
+                    <a:pt x="66" y="9"/>
+                    <a:pt x="66" y="13"/>
+                  </a:cubicBezTo>
+                  <a:cubicBezTo>
+                    <a:pt x="66" y="15"/>
+                    <a:pt x="66" y="17"/>
+                    <a:pt x="66" y="20"/>
+                  </a:cubicBezTo>
+                  <a:cubicBezTo>
+                    <a:pt x="65" y="23"/>
+                    <a:pt x="64" y="26"/>
+                    <a:pt x="62" y="29"/>
+                  </a:cubicBezTo>
+                  <a:cubicBezTo>
+                    <a:pt x="60" y="31"/>
+                    <a:pt x="57" y="32"/>
+                    <a:pt x="53" y="33"/>
+                  </a:cubicBezTo>
+                  <a:close/>
+                </a:path>
+              </a:pathLst>
+            </a:custGeom>
+            <a:solidFill>
+              <a:schemeClr val="accent2"/>
+            </a:solidFill>
+            <a:ln>
+              <a:noFill/>
+            </a:ln>
+          </p:spPr>
+          <p:txBody>
+            <a:bodyPr vert="horz" wrap="square" lIns="91440" tIns="45720" rIns="91440" bIns="45720" numCol="1" anchor="t" anchorCtr="0" compatLnSpc="1">
+              <a:prstTxWarp prst="textNoShape">
+                <a:avLst/>
+              </a:prstTxWarp>
+            </a:bodyPr>
+            <a:lstStyle/>
+            <a:p>
+              <a:endParaRPr lang="en-US">
+                <a:solidFill>
+                  <a:schemeClr val="accent3"/>
+                </a:solidFill>
+              </a:endParaRPr>
+            </a:p>
+          </p:txBody>
+        </p:sp>
+        <p:sp>
+          <p:nvSpPr>
+            <p:cNvPr id="2063" name="Freeform 84">
+              <a:extLst>
+                <a:ext uri="{FF2B5EF4-FFF2-40B4-BE49-F238E27FC236}">
+                  <a16:creationId xmlns:a16="http://schemas.microsoft.com/office/drawing/2014/main" id="{270C485D-6BA8-4BF7-B72C-2B14A43A6648}"/>
+                </a:ext>
+                <a:ext uri="{C183D7F6-B498-43B3-948B-1728B52AA6E4}">
+                  <adec:decorative xmlns:adec="http://schemas.microsoft.com/office/drawing/2017/decorative" val="1"/>
+                </a:ext>
+              </a:extLst>
+            </p:cNvPr>
+            <p:cNvSpPr>
+              <a:spLocks/>
+            </p:cNvSpPr>
+            <p:nvPr>
+              <p:extLst>
+                <p:ext uri="{386F3935-93C4-4BCD-93E2-E3B085C9AB24}">
+                  <p16:designElem xmlns:p16="http://schemas.microsoft.com/office/powerpoint/2015/main" val="1"/>
+                </p:ext>
+              </p:extLst>
+            </p:nvPr>
+          </p:nvSpPr>
+          <p:spPr bwMode="auto">
+            <a:xfrm rot="6274527">
+              <a:off x="6910134" y="5062687"/>
+              <a:ext cx="647637" cy="678578"/>
+            </a:xfrm>
+            <a:custGeom>
+              <a:avLst/>
+              <a:gdLst>
+                <a:gd name="T0" fmla="*/ 4 w 57"/>
+                <a:gd name="T1" fmla="*/ 34 h 60"/>
+                <a:gd name="T2" fmla="*/ 17 w 57"/>
+                <a:gd name="T3" fmla="*/ 18 h 60"/>
+                <a:gd name="T4" fmla="*/ 26 w 57"/>
+                <a:gd name="T5" fmla="*/ 8 h 60"/>
+                <a:gd name="T6" fmla="*/ 29 w 57"/>
+                <a:gd name="T7" fmla="*/ 5 h 60"/>
+                <a:gd name="T8" fmla="*/ 41 w 57"/>
+                <a:gd name="T9" fmla="*/ 0 h 60"/>
+                <a:gd name="T10" fmla="*/ 51 w 57"/>
+                <a:gd name="T11" fmla="*/ 6 h 60"/>
+                <a:gd name="T12" fmla="*/ 56 w 57"/>
+                <a:gd name="T13" fmla="*/ 16 h 60"/>
+                <a:gd name="T14" fmla="*/ 51 w 57"/>
+                <a:gd name="T15" fmla="*/ 28 h 60"/>
+                <a:gd name="T16" fmla="*/ 29 w 57"/>
+                <a:gd name="T17" fmla="*/ 53 h 60"/>
+                <a:gd name="T18" fmla="*/ 17 w 57"/>
+                <a:gd name="T19" fmla="*/ 59 h 60"/>
+                <a:gd name="T20" fmla="*/ 5 w 57"/>
+                <a:gd name="T21" fmla="*/ 54 h 60"/>
+                <a:gd name="T22" fmla="*/ 0 w 57"/>
+                <a:gd name="T23" fmla="*/ 45 h 60"/>
+                <a:gd name="T24" fmla="*/ 4 w 57"/>
+                <a:gd name="T25" fmla="*/ 34 h 60"/>
+              </a:gdLst>
+              <a:ahLst/>
+              <a:cxnLst>
+                <a:cxn ang="0">
+                  <a:pos x="T0" y="T1"/>
+                </a:cxn>
+                <a:cxn ang="0">
+                  <a:pos x="T2" y="T3"/>
+                </a:cxn>
+                <a:cxn ang="0">
+                  <a:pos x="T4" y="T5"/>
+                </a:cxn>
+                <a:cxn ang="0">
+                  <a:pos x="T6" y="T7"/>
+                </a:cxn>
+                <a:cxn ang="0">
+                  <a:pos x="T8" y="T9"/>
+                </a:cxn>
+                <a:cxn ang="0">
+                  <a:pos x="T10" y="T11"/>
+                </a:cxn>
+                <a:cxn ang="0">
+                  <a:pos x="T12" y="T13"/>
+                </a:cxn>
+                <a:cxn ang="0">
+                  <a:pos x="T14" y="T15"/>
+                </a:cxn>
+                <a:cxn ang="0">
+                  <a:pos x="T16" y="T17"/>
+                </a:cxn>
+                <a:cxn ang="0">
+                  <a:pos x="T18" y="T19"/>
+                </a:cxn>
+                <a:cxn ang="0">
+                  <a:pos x="T20" y="T21"/>
+                </a:cxn>
+                <a:cxn ang="0">
+                  <a:pos x="T22" y="T23"/>
+                </a:cxn>
+                <a:cxn ang="0">
+                  <a:pos x="T24" y="T25"/>
+                </a:cxn>
+              </a:cxnLst>
+              <a:rect l="0" t="0" r="r" b="b"/>
+              <a:pathLst>
+                <a:path w="57" h="60">
+                  <a:moveTo>
+                    <a:pt x="4" y="34"/>
+                  </a:moveTo>
+                  <a:cubicBezTo>
+                    <a:pt x="5" y="33"/>
+                    <a:pt x="17" y="18"/>
+                    <a:pt x="17" y="18"/>
+                  </a:cubicBezTo>
+                  <a:cubicBezTo>
+                    <a:pt x="21" y="14"/>
+                    <a:pt x="24" y="10"/>
+                    <a:pt x="26" y="8"/>
+                  </a:cubicBezTo>
+                  <a:cubicBezTo>
+                    <a:pt x="29" y="5"/>
+                    <a:pt x="29" y="5"/>
+                    <a:pt x="29" y="5"/>
+                  </a:cubicBezTo>
+                  <a:cubicBezTo>
+                    <a:pt x="34" y="2"/>
+                    <a:pt x="38" y="0"/>
+                    <a:pt x="41" y="0"/>
+                  </a:cubicBezTo>
+                  <a:cubicBezTo>
+                    <a:pt x="44" y="1"/>
+                    <a:pt x="47" y="2"/>
+                    <a:pt x="51" y="6"/>
+                  </a:cubicBezTo>
+                  <a:cubicBezTo>
+                    <a:pt x="55" y="10"/>
+                    <a:pt x="57" y="13"/>
+                    <a:pt x="56" y="16"/>
+                  </a:cubicBezTo>
+                  <a:cubicBezTo>
+                    <a:pt x="56" y="19"/>
+                    <a:pt x="54" y="23"/>
+                    <a:pt x="51" y="28"/>
+                  </a:cubicBezTo>
+                  <a:cubicBezTo>
+                    <a:pt x="51" y="28"/>
+                    <a:pt x="33" y="48"/>
+                    <a:pt x="29" y="53"/>
+                  </a:cubicBezTo>
+                  <a:cubicBezTo>
+                    <a:pt x="25" y="57"/>
+                    <a:pt x="21" y="59"/>
+                    <a:pt x="17" y="59"/>
+                  </a:cubicBezTo>
+                  <a:cubicBezTo>
+                    <a:pt x="13" y="60"/>
+                    <a:pt x="9" y="58"/>
+                    <a:pt x="5" y="54"/>
+                  </a:cubicBezTo>
+                  <a:cubicBezTo>
+                    <a:pt x="2" y="51"/>
+                    <a:pt x="0" y="48"/>
+                    <a:pt x="0" y="45"/>
+                  </a:cubicBezTo>
+                  <a:cubicBezTo>
+                    <a:pt x="0" y="42"/>
+                    <a:pt x="2" y="38"/>
+                    <a:pt x="4" y="34"/>
+                  </a:cubicBezTo>
+                  <a:close/>
+                </a:path>
+              </a:pathLst>
+            </a:custGeom>
+            <a:solidFill>
+              <a:schemeClr val="accent2"/>
+            </a:solidFill>
+            <a:ln>
+              <a:noFill/>
+            </a:ln>
+          </p:spPr>
+          <p:txBody>
+            <a:bodyPr vert="horz" wrap="square" lIns="91440" tIns="45720" rIns="91440" bIns="45720" numCol="1" anchor="t" anchorCtr="0" compatLnSpc="1">
+              <a:prstTxWarp prst="textNoShape">
+                <a:avLst/>
+              </a:prstTxWarp>
+            </a:bodyPr>
+            <a:lstStyle/>
+            <a:p>
+              <a:endParaRPr lang="en-US">
+                <a:solidFill>
+                  <a:schemeClr val="accent3"/>
+                </a:solidFill>
+              </a:endParaRPr>
+            </a:p>
+          </p:txBody>
+        </p:sp>
+        <p:sp>
+          <p:nvSpPr>
+            <p:cNvPr id="2064" name="Freeform 87">
+              <a:extLst>
+                <a:ext uri="{FF2B5EF4-FFF2-40B4-BE49-F238E27FC236}">
+                  <a16:creationId xmlns:a16="http://schemas.microsoft.com/office/drawing/2014/main" id="{79239B91-4327-43B3-AED5-CB9EC1653B47}"/>
+                </a:ext>
+                <a:ext uri="{C183D7F6-B498-43B3-948B-1728B52AA6E4}">
+                  <adec:decorative xmlns:adec="http://schemas.microsoft.com/office/drawing/2017/decorative" val="1"/>
+                </a:ext>
+              </a:extLst>
+            </p:cNvPr>
+            <p:cNvSpPr>
+              <a:spLocks/>
+            </p:cNvSpPr>
+            <p:nvPr>
+              <p:extLst>
+                <p:ext uri="{386F3935-93C4-4BCD-93E2-E3B085C9AB24}">
+                  <p16:designElem xmlns:p16="http://schemas.microsoft.com/office/powerpoint/2015/main" val="1"/>
+                </p:ext>
+              </p:extLst>
+            </p:nvPr>
+          </p:nvSpPr>
+          <p:spPr bwMode="auto">
+            <a:xfrm rot="4430858">
+              <a:off x="4571743" y="5071596"/>
+              <a:ext cx="626472" cy="670149"/>
+            </a:xfrm>
+            <a:custGeom>
+              <a:avLst/>
+              <a:gdLst>
+                <a:gd name="T0" fmla="*/ 0 w 55"/>
+                <a:gd name="T1" fmla="*/ 17 h 59"/>
+                <a:gd name="T2" fmla="*/ 1 w 55"/>
+                <a:gd name="T3" fmla="*/ 11 h 59"/>
+                <a:gd name="T4" fmla="*/ 4 w 55"/>
+                <a:gd name="T5" fmla="*/ 6 h 59"/>
+                <a:gd name="T6" fmla="*/ 7 w 55"/>
+                <a:gd name="T7" fmla="*/ 4 h 59"/>
+                <a:gd name="T8" fmla="*/ 14 w 55"/>
+                <a:gd name="T9" fmla="*/ 0 h 59"/>
+                <a:gd name="T10" fmla="*/ 23 w 55"/>
+                <a:gd name="T11" fmla="*/ 3 h 59"/>
+                <a:gd name="T12" fmla="*/ 31 w 55"/>
+                <a:gd name="T13" fmla="*/ 11 h 59"/>
+                <a:gd name="T14" fmla="*/ 38 w 55"/>
+                <a:gd name="T15" fmla="*/ 20 h 59"/>
+                <a:gd name="T16" fmla="*/ 48 w 55"/>
+                <a:gd name="T17" fmla="*/ 31 h 59"/>
+                <a:gd name="T18" fmla="*/ 55 w 55"/>
+                <a:gd name="T19" fmla="*/ 43 h 59"/>
+                <a:gd name="T20" fmla="*/ 49 w 55"/>
+                <a:gd name="T21" fmla="*/ 55 h 59"/>
+                <a:gd name="T22" fmla="*/ 38 w 55"/>
+                <a:gd name="T23" fmla="*/ 59 h 59"/>
+                <a:gd name="T24" fmla="*/ 33 w 55"/>
+                <a:gd name="T25" fmla="*/ 58 h 59"/>
+                <a:gd name="T26" fmla="*/ 26 w 55"/>
+                <a:gd name="T27" fmla="*/ 53 h 59"/>
+                <a:gd name="T28" fmla="*/ 5 w 55"/>
+                <a:gd name="T29" fmla="*/ 27 h 59"/>
+                <a:gd name="T30" fmla="*/ 0 w 55"/>
+                <a:gd name="T31" fmla="*/ 17 h 59"/>
+              </a:gdLst>
+              <a:ahLst/>
+              <a:cxnLst>
+                <a:cxn ang="0">
+                  <a:pos x="T0" y="T1"/>
+                </a:cxn>
+                <a:cxn ang="0">
+                  <a:pos x="T2" y="T3"/>
+                </a:cxn>
+                <a:cxn ang="0">
+                  <a:pos x="T4" y="T5"/>
+                </a:cxn>
+                <a:cxn ang="0">
+                  <a:pos x="T6" y="T7"/>
+                </a:cxn>
+                <a:cxn ang="0">
+                  <a:pos x="T8" y="T9"/>
+                </a:cxn>
+                <a:cxn ang="0">
+                  <a:pos x="T10" y="T11"/>
+                </a:cxn>
+                <a:cxn ang="0">
+                  <a:pos x="T12" y="T13"/>
+                </a:cxn>
+                <a:cxn ang="0">
+                  <a:pos x="T14" y="T15"/>
+                </a:cxn>
+                <a:cxn ang="0">
+                  <a:pos x="T16" y="T17"/>
+                </a:cxn>
+                <a:cxn ang="0">
+                  <a:pos x="T18" y="T19"/>
+                </a:cxn>
+                <a:cxn ang="0">
+                  <a:pos x="T20" y="T21"/>
+                </a:cxn>
+                <a:cxn ang="0">
+                  <a:pos x="T22" y="T23"/>
+                </a:cxn>
+                <a:cxn ang="0">
+                  <a:pos x="T24" y="T25"/>
+                </a:cxn>
+                <a:cxn ang="0">
+                  <a:pos x="T26" y="T27"/>
+                </a:cxn>
+                <a:cxn ang="0">
+                  <a:pos x="T28" y="T29"/>
+                </a:cxn>
+                <a:cxn ang="0">
+                  <a:pos x="T30" y="T31"/>
+                </a:cxn>
+              </a:cxnLst>
+              <a:rect l="0" t="0" r="r" b="b"/>
+              <a:pathLst>
+                <a:path w="55" h="59">
+                  <a:moveTo>
+                    <a:pt x="0" y="17"/>
+                  </a:moveTo>
+                  <a:cubicBezTo>
+                    <a:pt x="0" y="14"/>
+                    <a:pt x="0" y="12"/>
+                    <a:pt x="1" y="11"/>
+                  </a:cubicBezTo>
+                  <a:cubicBezTo>
+                    <a:pt x="2" y="9"/>
+                    <a:pt x="3" y="8"/>
+                    <a:pt x="4" y="6"/>
+                  </a:cubicBezTo>
+                  <a:cubicBezTo>
+                    <a:pt x="6" y="5"/>
+                    <a:pt x="7" y="4"/>
+                    <a:pt x="7" y="4"/>
+                  </a:cubicBezTo>
+                  <a:cubicBezTo>
+                    <a:pt x="9" y="2"/>
+                    <a:pt x="12" y="1"/>
+                    <a:pt x="14" y="0"/>
+                  </a:cubicBezTo>
+                  <a:cubicBezTo>
+                    <a:pt x="17" y="0"/>
+                    <a:pt x="20" y="1"/>
+                    <a:pt x="23" y="3"/>
+                  </a:cubicBezTo>
+                  <a:cubicBezTo>
+                    <a:pt x="26" y="4"/>
+                    <a:pt x="29" y="7"/>
+                    <a:pt x="31" y="11"/>
+                  </a:cubicBezTo>
+                  <a:cubicBezTo>
+                    <a:pt x="38" y="20"/>
+                    <a:pt x="38" y="20"/>
+                    <a:pt x="38" y="20"/>
+                  </a:cubicBezTo>
+                  <a:cubicBezTo>
+                    <a:pt x="48" y="31"/>
+                    <a:pt x="48" y="31"/>
+                    <a:pt x="48" y="31"/>
+                  </a:cubicBezTo>
+                  <a:cubicBezTo>
+                    <a:pt x="52" y="36"/>
+                    <a:pt x="54" y="40"/>
+                    <a:pt x="55" y="43"/>
+                  </a:cubicBezTo>
+                  <a:cubicBezTo>
+                    <a:pt x="55" y="47"/>
+                    <a:pt x="54" y="52"/>
+                    <a:pt x="49" y="55"/>
+                  </a:cubicBezTo>
+                  <a:cubicBezTo>
+                    <a:pt x="45" y="58"/>
+                    <a:pt x="41" y="59"/>
+                    <a:pt x="38" y="59"/>
+                  </a:cubicBezTo>
+                  <a:cubicBezTo>
+                    <a:pt x="37" y="59"/>
+                    <a:pt x="35" y="59"/>
+                    <a:pt x="33" y="58"/>
+                  </a:cubicBezTo>
+                  <a:cubicBezTo>
+                    <a:pt x="31" y="57"/>
+                    <a:pt x="29" y="55"/>
+                    <a:pt x="26" y="53"/>
+                  </a:cubicBezTo>
+                  <a:cubicBezTo>
+                    <a:pt x="23" y="50"/>
+                    <a:pt x="5" y="27"/>
+                    <a:pt x="5" y="27"/>
+                  </a:cubicBezTo>
+                  <a:cubicBezTo>
+                    <a:pt x="2" y="23"/>
+                    <a:pt x="0" y="19"/>
+                    <a:pt x="0" y="17"/>
+                  </a:cubicBezTo>
+                  <a:close/>
+                </a:path>
+              </a:pathLst>
+            </a:custGeom>
+            <a:solidFill>
+              <a:schemeClr val="accent2"/>
+            </a:solidFill>
+            <a:ln>
+              <a:noFill/>
+            </a:ln>
+          </p:spPr>
+          <p:txBody>
+            <a:bodyPr vert="horz" wrap="square" lIns="91440" tIns="45720" rIns="91440" bIns="45720" numCol="1" anchor="t" anchorCtr="0" compatLnSpc="1">
+              <a:prstTxWarp prst="textNoShape">
+                <a:avLst/>
+              </a:prstTxWarp>
+            </a:bodyPr>
+            <a:lstStyle/>
+            <a:p>
+              <a:endParaRPr lang="en-US">
+                <a:solidFill>
+                  <a:schemeClr val="accent3"/>
+                </a:solidFill>
+              </a:endParaRPr>
+            </a:p>
+          </p:txBody>
+        </p:sp>
+      </p:grpSp>
+      <p:grpSp>
+        <p:nvGrpSpPr>
+          <p:cNvPr id="2066" name="Group 2065">
+            <a:extLst>
+              <a:ext uri="{FF2B5EF4-FFF2-40B4-BE49-F238E27FC236}">
+                <a16:creationId xmlns:a16="http://schemas.microsoft.com/office/drawing/2014/main" id="{F2FD01A0-E6FF-41CD-AEBD-279232B90D43}"/>
+              </a:ext>
+              <a:ext uri="{C183D7F6-B498-43B3-948B-1728B52AA6E4}">
+                <adec:decorative xmlns:adec="http://schemas.microsoft.com/office/drawing/2017/decorative" val="1"/>
+              </a:ext>
+            </a:extLst>
+          </p:cNvPr>
+          <p:cNvGrpSpPr>
+            <a:grpSpLocks noGrp="1" noUngrp="1" noRot="1" noChangeAspect="1" noMove="1" noResize="1"/>
+          </p:cNvGrpSpPr>
+          <p:nvPr>
+            <p:extLst>
+              <p:ext uri="{386F3935-93C4-4BCD-93E2-E3B085C9AB24}">
+                <p16:designElem xmlns:p16="http://schemas.microsoft.com/office/powerpoint/2015/main" val="1"/>
+              </p:ext>
+            </p:extLst>
+          </p:nvPr>
+        </p:nvGrpSpPr>
+        <p:grpSpPr>
+          <a:xfrm rot="10800000">
+            <a:off x="7990093" y="5372723"/>
+            <a:ext cx="2088038" cy="719230"/>
+            <a:chOff x="4532666" y="505937"/>
+            <a:chExt cx="2981730" cy="1027064"/>
+          </a:xfrm>
+        </p:grpSpPr>
+        <p:sp>
+          <p:nvSpPr>
+            <p:cNvPr id="2067" name="Freeform 78">
+              <a:extLst>
+                <a:ext uri="{FF2B5EF4-FFF2-40B4-BE49-F238E27FC236}">
+                  <a16:creationId xmlns:a16="http://schemas.microsoft.com/office/drawing/2014/main" id="{811C6308-5554-4129-8881-A95AF512C52C}"/>
+                </a:ext>
+                <a:ext uri="{C183D7F6-B498-43B3-948B-1728B52AA6E4}">
+                  <adec:decorative xmlns:adec="http://schemas.microsoft.com/office/drawing/2017/decorative" val="1"/>
+                </a:ext>
+              </a:extLst>
+            </p:cNvPr>
+            <p:cNvSpPr>
+              <a:spLocks/>
+            </p:cNvSpPr>
+            <p:nvPr>
+              <p:extLst>
+                <p:ext uri="{386F3935-93C4-4BCD-93E2-E3B085C9AB24}">
+                  <p16:designElem xmlns:p16="http://schemas.microsoft.com/office/powerpoint/2015/main" val="1"/>
+                </p:ext>
+              </p:extLst>
+            </p:nvPr>
+          </p:nvSpPr>
+          <p:spPr bwMode="auto">
+            <a:xfrm rot="600114">
+              <a:off x="4532666" y="754398"/>
+              <a:ext cx="694205" cy="713383"/>
+            </a:xfrm>
+            <a:custGeom>
+              <a:avLst/>
+              <a:gdLst>
+                <a:gd name="T0" fmla="*/ 32 w 58"/>
+                <a:gd name="T1" fmla="*/ 56 h 60"/>
+                <a:gd name="T2" fmla="*/ 24 w 58"/>
+                <a:gd name="T3" fmla="*/ 48 h 60"/>
+                <a:gd name="T4" fmla="*/ 14 w 58"/>
+                <a:gd name="T5" fmla="*/ 36 h 60"/>
+                <a:gd name="T6" fmla="*/ 7 w 58"/>
+                <a:gd name="T7" fmla="*/ 29 h 60"/>
+                <a:gd name="T8" fmla="*/ 1 w 58"/>
+                <a:gd name="T9" fmla="*/ 17 h 60"/>
+                <a:gd name="T10" fmla="*/ 7 w 58"/>
+                <a:gd name="T11" fmla="*/ 4 h 60"/>
+                <a:gd name="T12" fmla="*/ 17 w 58"/>
+                <a:gd name="T13" fmla="*/ 1 h 60"/>
+                <a:gd name="T14" fmla="*/ 29 w 58"/>
+                <a:gd name="T15" fmla="*/ 6 h 60"/>
+                <a:gd name="T16" fmla="*/ 31 w 58"/>
+                <a:gd name="T17" fmla="*/ 8 h 60"/>
+                <a:gd name="T18" fmla="*/ 38 w 58"/>
+                <a:gd name="T19" fmla="*/ 15 h 60"/>
+                <a:gd name="T20" fmla="*/ 44 w 58"/>
+                <a:gd name="T21" fmla="*/ 22 h 60"/>
+                <a:gd name="T22" fmla="*/ 54 w 58"/>
+                <a:gd name="T23" fmla="*/ 33 h 60"/>
+                <a:gd name="T24" fmla="*/ 58 w 58"/>
+                <a:gd name="T25" fmla="*/ 44 h 60"/>
+                <a:gd name="T26" fmla="*/ 53 w 58"/>
+                <a:gd name="T27" fmla="*/ 54 h 60"/>
+                <a:gd name="T28" fmla="*/ 42 w 58"/>
+                <a:gd name="T29" fmla="*/ 60 h 60"/>
+                <a:gd name="T30" fmla="*/ 32 w 58"/>
+                <a:gd name="T31" fmla="*/ 56 h 60"/>
+              </a:gdLst>
+              <a:ahLst/>
+              <a:cxnLst>
+                <a:cxn ang="0">
+                  <a:pos x="T0" y="T1"/>
+                </a:cxn>
+                <a:cxn ang="0">
+                  <a:pos x="T2" y="T3"/>
+                </a:cxn>
+                <a:cxn ang="0">
+                  <a:pos x="T4" y="T5"/>
+                </a:cxn>
+                <a:cxn ang="0">
+                  <a:pos x="T6" y="T7"/>
+                </a:cxn>
+                <a:cxn ang="0">
+                  <a:pos x="T8" y="T9"/>
+                </a:cxn>
+                <a:cxn ang="0">
+                  <a:pos x="T10" y="T11"/>
+                </a:cxn>
+                <a:cxn ang="0">
+                  <a:pos x="T12" y="T13"/>
+                </a:cxn>
+                <a:cxn ang="0">
+                  <a:pos x="T14" y="T15"/>
+                </a:cxn>
+                <a:cxn ang="0">
+                  <a:pos x="T16" y="T17"/>
+                </a:cxn>
+                <a:cxn ang="0">
+                  <a:pos x="T18" y="T19"/>
+                </a:cxn>
+                <a:cxn ang="0">
+                  <a:pos x="T20" y="T21"/>
+                </a:cxn>
+                <a:cxn ang="0">
+                  <a:pos x="T22" y="T23"/>
+                </a:cxn>
+                <a:cxn ang="0">
+                  <a:pos x="T24" y="T25"/>
+                </a:cxn>
+                <a:cxn ang="0">
+                  <a:pos x="T26" y="T27"/>
+                </a:cxn>
+                <a:cxn ang="0">
+                  <a:pos x="T28" y="T29"/>
+                </a:cxn>
+                <a:cxn ang="0">
+                  <a:pos x="T30" y="T31"/>
+                </a:cxn>
+              </a:cxnLst>
+              <a:rect l="0" t="0" r="r" b="b"/>
+              <a:pathLst>
+                <a:path w="58" h="60">
+                  <a:moveTo>
+                    <a:pt x="32" y="56"/>
+                  </a:moveTo>
+                  <a:cubicBezTo>
+                    <a:pt x="30" y="54"/>
+                    <a:pt x="31" y="55"/>
+                    <a:pt x="24" y="48"/>
+                  </a:cubicBezTo>
+                  <a:cubicBezTo>
+                    <a:pt x="17" y="40"/>
+                    <a:pt x="14" y="36"/>
+                    <a:pt x="14" y="36"/>
+                  </a:cubicBezTo>
+                  <a:cubicBezTo>
+                    <a:pt x="8" y="30"/>
+                    <a:pt x="14" y="37"/>
+                    <a:pt x="7" y="29"/>
+                  </a:cubicBezTo>
+                  <a:cubicBezTo>
+                    <a:pt x="3" y="24"/>
+                    <a:pt x="1" y="20"/>
+                    <a:pt x="1" y="17"/>
+                  </a:cubicBezTo>
+                  <a:cubicBezTo>
+                    <a:pt x="0" y="13"/>
+                    <a:pt x="3" y="9"/>
+                    <a:pt x="7" y="4"/>
+                  </a:cubicBezTo>
+                  <a:cubicBezTo>
+                    <a:pt x="10" y="2"/>
+                    <a:pt x="13" y="0"/>
+                    <a:pt x="17" y="1"/>
+                  </a:cubicBezTo>
+                  <a:cubicBezTo>
+                    <a:pt x="21" y="1"/>
+                    <a:pt x="25" y="3"/>
+                    <a:pt x="29" y="6"/>
+                  </a:cubicBezTo>
+                  <a:cubicBezTo>
+                    <a:pt x="31" y="8"/>
+                    <a:pt x="31" y="8"/>
+                    <a:pt x="31" y="8"/>
+                  </a:cubicBezTo>
+                  <a:cubicBezTo>
+                    <a:pt x="33" y="11"/>
+                    <a:pt x="37" y="15"/>
+                    <a:pt x="38" y="15"/>
+                  </a:cubicBezTo>
+                  <a:cubicBezTo>
+                    <a:pt x="42" y="20"/>
+                    <a:pt x="40" y="18"/>
+                    <a:pt x="44" y="22"/>
+                  </a:cubicBezTo>
+                  <a:cubicBezTo>
+                    <a:pt x="51" y="29"/>
+                    <a:pt x="50" y="29"/>
+                    <a:pt x="54" y="33"/>
+                  </a:cubicBezTo>
+                  <a:cubicBezTo>
+                    <a:pt x="57" y="37"/>
+                    <a:pt x="58" y="40"/>
+                    <a:pt x="58" y="44"/>
+                  </a:cubicBezTo>
+                  <a:cubicBezTo>
+                    <a:pt x="58" y="47"/>
+                    <a:pt x="56" y="50"/>
+                    <a:pt x="53" y="54"/>
+                  </a:cubicBezTo>
+                  <a:cubicBezTo>
+                    <a:pt x="49" y="58"/>
+                    <a:pt x="45" y="60"/>
+                    <a:pt x="42" y="60"/>
+                  </a:cubicBezTo>
+                  <a:cubicBezTo>
+                    <a:pt x="39" y="60"/>
+                    <a:pt x="36" y="59"/>
+                    <a:pt x="32" y="56"/>
+                  </a:cubicBezTo>
+                  <a:close/>
+                </a:path>
+              </a:pathLst>
+            </a:custGeom>
+            <a:solidFill>
+              <a:schemeClr val="accent2"/>
+            </a:solidFill>
+            <a:ln>
+              <a:noFill/>
+            </a:ln>
+          </p:spPr>
+          <p:txBody>
+            <a:bodyPr vert="horz" wrap="square" lIns="91440" tIns="45720" rIns="91440" bIns="45720" numCol="1" anchor="t" anchorCtr="0" compatLnSpc="1">
+              <a:prstTxWarp prst="textNoShape">
+                <a:avLst/>
+              </a:prstTxWarp>
+            </a:bodyPr>
+            <a:lstStyle/>
+            <a:p>
+              <a:endParaRPr lang="en-US">
+                <a:solidFill>
+                  <a:schemeClr val="accent3"/>
+                </a:solidFill>
+              </a:endParaRPr>
+            </a:p>
+          </p:txBody>
+        </p:sp>
+        <p:sp>
+          <p:nvSpPr>
+            <p:cNvPr id="2068" name="Freeform 79">
+              <a:extLst>
+                <a:ext uri="{FF2B5EF4-FFF2-40B4-BE49-F238E27FC236}">
+                  <a16:creationId xmlns:a16="http://schemas.microsoft.com/office/drawing/2014/main" id="{C28F3A03-B53B-433E-8DF7-6B13336D0A53}"/>
+                </a:ext>
+                <a:ext uri="{C183D7F6-B498-43B3-948B-1728B52AA6E4}">
+                  <adec:decorative xmlns:adec="http://schemas.microsoft.com/office/drawing/2017/decorative" val="1"/>
+                </a:ext>
+              </a:extLst>
+            </p:cNvPr>
+            <p:cNvSpPr>
+              <a:spLocks/>
+            </p:cNvSpPr>
+            <p:nvPr>
+              <p:extLst>
+                <p:ext uri="{386F3935-93C4-4BCD-93E2-E3B085C9AB24}">
+                  <p16:designElem xmlns:p16="http://schemas.microsoft.com/office/powerpoint/2015/main" val="1"/>
+                </p:ext>
+              </p:extLst>
+            </p:nvPr>
+          </p:nvSpPr>
+          <p:spPr bwMode="auto">
+            <a:xfrm rot="600114">
+              <a:off x="5791465" y="505937"/>
+              <a:ext cx="587404" cy="943792"/>
+            </a:xfrm>
+            <a:custGeom>
+              <a:avLst/>
+              <a:gdLst>
+                <a:gd name="T0" fmla="*/ 15 w 49"/>
+                <a:gd name="T1" fmla="*/ 65 h 79"/>
+                <a:gd name="T2" fmla="*/ 12 w 49"/>
+                <a:gd name="T3" fmla="*/ 54 h 79"/>
+                <a:gd name="T4" fmla="*/ 8 w 49"/>
+                <a:gd name="T5" fmla="*/ 33 h 79"/>
+                <a:gd name="T6" fmla="*/ 38 w 49"/>
+                <a:gd name="T7" fmla="*/ 24 h 79"/>
+                <a:gd name="T8" fmla="*/ 45 w 49"/>
+                <a:gd name="T9" fmla="*/ 70 h 79"/>
+                <a:gd name="T10" fmla="*/ 15 w 49"/>
+                <a:gd name="T11" fmla="*/ 65 h 79"/>
+              </a:gdLst>
+              <a:ahLst/>
+              <a:cxnLst>
+                <a:cxn ang="0">
+                  <a:pos x="T0" y="T1"/>
+                </a:cxn>
+                <a:cxn ang="0">
+                  <a:pos x="T2" y="T3"/>
+                </a:cxn>
+                <a:cxn ang="0">
+                  <a:pos x="T4" y="T5"/>
+                </a:cxn>
+                <a:cxn ang="0">
+                  <a:pos x="T6" y="T7"/>
+                </a:cxn>
+                <a:cxn ang="0">
+                  <a:pos x="T8" y="T9"/>
+                </a:cxn>
+                <a:cxn ang="0">
+                  <a:pos x="T10" y="T11"/>
+                </a:cxn>
+              </a:cxnLst>
+              <a:rect l="0" t="0" r="r" b="b"/>
+              <a:pathLst>
+                <a:path w="49" h="79">
+                  <a:moveTo>
+                    <a:pt x="15" y="65"/>
+                  </a:moveTo>
+                  <a:cubicBezTo>
+                    <a:pt x="14" y="59"/>
+                    <a:pt x="13" y="58"/>
+                    <a:pt x="12" y="54"/>
+                  </a:cubicBezTo>
+                  <a:cubicBezTo>
+                    <a:pt x="11" y="45"/>
+                    <a:pt x="10" y="40"/>
+                    <a:pt x="8" y="33"/>
+                  </a:cubicBezTo>
+                  <a:cubicBezTo>
+                    <a:pt x="0" y="9"/>
+                    <a:pt x="34" y="0"/>
+                    <a:pt x="38" y="24"/>
+                  </a:cubicBezTo>
+                  <a:cubicBezTo>
+                    <a:pt x="43" y="43"/>
+                    <a:pt x="49" y="60"/>
+                    <a:pt x="45" y="70"/>
+                  </a:cubicBezTo>
+                  <a:cubicBezTo>
+                    <a:pt x="38" y="77"/>
+                    <a:pt x="19" y="79"/>
+                    <a:pt x="15" y="65"/>
+                  </a:cubicBezTo>
+                  <a:close/>
+                </a:path>
+              </a:pathLst>
+            </a:custGeom>
+            <a:solidFill>
+              <a:schemeClr val="accent2"/>
+            </a:solidFill>
+            <a:ln>
+              <a:noFill/>
+            </a:ln>
+          </p:spPr>
+          <p:txBody>
+            <a:bodyPr vert="horz" wrap="square" lIns="91440" tIns="45720" rIns="91440" bIns="45720" numCol="1" anchor="t" anchorCtr="0" compatLnSpc="1">
+              <a:prstTxWarp prst="textNoShape">
+                <a:avLst/>
+              </a:prstTxWarp>
+            </a:bodyPr>
+            <a:lstStyle/>
+            <a:p>
+              <a:endParaRPr lang="en-US">
+                <a:solidFill>
+                  <a:schemeClr val="accent3"/>
+                </a:solidFill>
+              </a:endParaRPr>
+            </a:p>
+          </p:txBody>
+        </p:sp>
+        <p:sp>
+          <p:nvSpPr>
+            <p:cNvPr id="2069" name="Freeform 85">
+              <a:extLst>
+                <a:ext uri="{FF2B5EF4-FFF2-40B4-BE49-F238E27FC236}">
+                  <a16:creationId xmlns:a16="http://schemas.microsoft.com/office/drawing/2014/main" id="{E990BBBC-E616-4D0E-9917-A6CA72AAEA42}"/>
+                </a:ext>
+                <a:ext uri="{C183D7F6-B498-43B3-948B-1728B52AA6E4}">
+                  <adec:decorative xmlns:adec="http://schemas.microsoft.com/office/drawing/2017/decorative" val="1"/>
+                </a:ext>
+              </a:extLst>
+            </p:cNvPr>
+            <p:cNvSpPr>
+              <a:spLocks/>
+            </p:cNvSpPr>
+            <p:nvPr>
+              <p:extLst>
+                <p:ext uri="{386F3935-93C4-4BCD-93E2-E3B085C9AB24}">
+                  <p16:designElem xmlns:p16="http://schemas.microsoft.com/office/powerpoint/2015/main" val="1"/>
+                </p:ext>
+              </p:extLst>
+            </p:nvPr>
+          </p:nvSpPr>
+          <p:spPr bwMode="auto">
+            <a:xfrm rot="600114">
+              <a:off x="7087193" y="757585"/>
+              <a:ext cx="427203" cy="775416"/>
+            </a:xfrm>
+            <a:custGeom>
+              <a:avLst/>
+              <a:gdLst>
+                <a:gd name="T0" fmla="*/ 36 w 36"/>
+                <a:gd name="T1" fmla="*/ 15 h 65"/>
+                <a:gd name="T2" fmla="*/ 34 w 36"/>
+                <a:gd name="T3" fmla="*/ 5 h 65"/>
+                <a:gd name="T4" fmla="*/ 28 w 36"/>
+                <a:gd name="T5" fmla="*/ 1 h 65"/>
+                <a:gd name="T6" fmla="*/ 23 w 36"/>
+                <a:gd name="T7" fmla="*/ 0 h 65"/>
+                <a:gd name="T8" fmla="*/ 13 w 36"/>
+                <a:gd name="T9" fmla="*/ 1 h 65"/>
+                <a:gd name="T10" fmla="*/ 7 w 36"/>
+                <a:gd name="T11" fmla="*/ 9 h 65"/>
+                <a:gd name="T12" fmla="*/ 4 w 36"/>
+                <a:gd name="T13" fmla="*/ 19 h 65"/>
+                <a:gd name="T14" fmla="*/ 0 w 36"/>
+                <a:gd name="T15" fmla="*/ 44 h 65"/>
+                <a:gd name="T16" fmla="*/ 1 w 36"/>
+                <a:gd name="T17" fmla="*/ 58 h 65"/>
+                <a:gd name="T18" fmla="*/ 8 w 36"/>
+                <a:gd name="T19" fmla="*/ 64 h 65"/>
+                <a:gd name="T20" fmla="*/ 16 w 36"/>
+                <a:gd name="T21" fmla="*/ 65 h 65"/>
+                <a:gd name="T22" fmla="*/ 25 w 36"/>
+                <a:gd name="T23" fmla="*/ 63 h 65"/>
+                <a:gd name="T24" fmla="*/ 31 w 36"/>
+                <a:gd name="T25" fmla="*/ 55 h 65"/>
+                <a:gd name="T26" fmla="*/ 34 w 36"/>
+                <a:gd name="T27" fmla="*/ 40 h 65"/>
+                <a:gd name="T28" fmla="*/ 36 w 36"/>
+                <a:gd name="T29" fmla="*/ 15 h 65"/>
+              </a:gdLst>
+              <a:ahLst/>
+              <a:cxnLst>
+                <a:cxn ang="0">
+                  <a:pos x="T0" y="T1"/>
+                </a:cxn>
+                <a:cxn ang="0">
+                  <a:pos x="T2" y="T3"/>
+                </a:cxn>
+                <a:cxn ang="0">
+                  <a:pos x="T4" y="T5"/>
+                </a:cxn>
+                <a:cxn ang="0">
+                  <a:pos x="T6" y="T7"/>
+                </a:cxn>
+                <a:cxn ang="0">
+                  <a:pos x="T8" y="T9"/>
+                </a:cxn>
+                <a:cxn ang="0">
+                  <a:pos x="T10" y="T11"/>
+                </a:cxn>
+                <a:cxn ang="0">
+                  <a:pos x="T12" y="T13"/>
+                </a:cxn>
+                <a:cxn ang="0">
+                  <a:pos x="T14" y="T15"/>
+                </a:cxn>
+                <a:cxn ang="0">
+                  <a:pos x="T16" y="T17"/>
+                </a:cxn>
+                <a:cxn ang="0">
+                  <a:pos x="T18" y="T19"/>
+                </a:cxn>
+                <a:cxn ang="0">
+                  <a:pos x="T20" y="T21"/>
+                </a:cxn>
+                <a:cxn ang="0">
+                  <a:pos x="T22" y="T23"/>
+                </a:cxn>
+                <a:cxn ang="0">
+                  <a:pos x="T24" y="T25"/>
+                </a:cxn>
+                <a:cxn ang="0">
+                  <a:pos x="T26" y="T27"/>
+                </a:cxn>
+                <a:cxn ang="0">
+                  <a:pos x="T28" y="T29"/>
+                </a:cxn>
+              </a:cxnLst>
+              <a:rect l="0" t="0" r="r" b="b"/>
+              <a:pathLst>
+                <a:path w="36" h="65">
+                  <a:moveTo>
+                    <a:pt x="36" y="15"/>
+                  </a:moveTo>
+                  <a:cubicBezTo>
+                    <a:pt x="36" y="10"/>
+                    <a:pt x="35" y="7"/>
+                    <a:pt x="34" y="5"/>
+                  </a:cubicBezTo>
+                  <a:cubicBezTo>
+                    <a:pt x="33" y="3"/>
+                    <a:pt x="31" y="2"/>
+                    <a:pt x="28" y="1"/>
+                  </a:cubicBezTo>
+                  <a:cubicBezTo>
+                    <a:pt x="27" y="1"/>
+                    <a:pt x="25" y="1"/>
+                    <a:pt x="23" y="0"/>
+                  </a:cubicBezTo>
+                  <a:cubicBezTo>
+                    <a:pt x="19" y="0"/>
+                    <a:pt x="16" y="0"/>
+                    <a:pt x="13" y="1"/>
+                  </a:cubicBezTo>
+                  <a:cubicBezTo>
+                    <a:pt x="11" y="2"/>
+                    <a:pt x="9" y="4"/>
+                    <a:pt x="7" y="9"/>
+                  </a:cubicBezTo>
+                  <a:cubicBezTo>
+                    <a:pt x="6" y="13"/>
+                    <a:pt x="5" y="17"/>
+                    <a:pt x="4" y="19"/>
+                  </a:cubicBezTo>
+                  <a:cubicBezTo>
+                    <a:pt x="2" y="29"/>
+                    <a:pt x="0" y="44"/>
+                    <a:pt x="0" y="44"/>
+                  </a:cubicBezTo>
+                  <a:cubicBezTo>
+                    <a:pt x="0" y="50"/>
+                    <a:pt x="0" y="55"/>
+                    <a:pt x="1" y="58"/>
+                  </a:cubicBezTo>
+                  <a:cubicBezTo>
+                    <a:pt x="2" y="61"/>
+                    <a:pt x="5" y="63"/>
+                    <a:pt x="8" y="64"/>
+                  </a:cubicBezTo>
+                  <a:cubicBezTo>
+                    <a:pt x="11" y="65"/>
+                    <a:pt x="13" y="65"/>
+                    <a:pt x="16" y="65"/>
+                  </a:cubicBezTo>
+                  <a:cubicBezTo>
+                    <a:pt x="19" y="65"/>
+                    <a:pt x="22" y="64"/>
+                    <a:pt x="25" y="63"/>
+                  </a:cubicBezTo>
+                  <a:cubicBezTo>
+                    <a:pt x="28" y="61"/>
+                    <a:pt x="30" y="59"/>
+                    <a:pt x="31" y="55"/>
+                  </a:cubicBezTo>
+                  <a:cubicBezTo>
+                    <a:pt x="32" y="50"/>
+                    <a:pt x="31" y="54"/>
+                    <a:pt x="34" y="40"/>
+                  </a:cubicBezTo>
+                  <a:lnTo>
+                    <a:pt x="36" y="15"/>
+                  </a:lnTo>
+                  <a:close/>
+                </a:path>
+              </a:pathLst>
+            </a:custGeom>
+            <a:solidFill>
+              <a:schemeClr val="accent2"/>
+            </a:solidFill>
+            <a:ln>
+              <a:noFill/>
+            </a:ln>
+          </p:spPr>
+          <p:txBody>
+            <a:bodyPr vert="horz" wrap="square" lIns="91440" tIns="45720" rIns="91440" bIns="45720" numCol="1" anchor="t" anchorCtr="0" compatLnSpc="1">
+              <a:prstTxWarp prst="textNoShape">
+                <a:avLst/>
+              </a:prstTxWarp>
+            </a:bodyPr>
+            <a:lstStyle/>
+            <a:p>
+              <a:endParaRPr lang="en-US">
+                <a:solidFill>
+                  <a:schemeClr val="accent3"/>
+                </a:solidFill>
+              </a:endParaRPr>
+            </a:p>
+          </p:txBody>
+        </p:sp>
+      </p:grpSp>
     </p:spTree>
     <p:extLst>
       <p:ext uri="{BB962C8B-B14F-4D97-AF65-F5344CB8AC3E}">
-        <p14:creationId xmlns:p14="http://schemas.microsoft.com/office/powerpoint/2010/main" val="1534619042"/>
+        <p14:creationId xmlns:p14="http://schemas.microsoft.com/office/powerpoint/2010/main" val="1633793242"/>
       </p:ext>
     </p:extLst>
   </p:cSld>
@@ -8583,6 +16422,14 @@
 <file path=ppt/slides/slide4.xml><?xml version="1.0" encoding="utf-8"?>
 <p:sld xmlns:a="http://schemas.openxmlformats.org/drawingml/2006/main" xmlns:r="http://schemas.openxmlformats.org/officeDocument/2006/relationships" xmlns:p="http://schemas.openxmlformats.org/presentationml/2006/main">
   <p:cSld>
+    <p:bg>
+      <p:bgPr>
+        <a:solidFill>
+          <a:schemeClr val="bg2"/>
+        </a:solidFill>
+        <a:effectLst/>
+      </p:bgPr>
+    </p:bg>
     <p:spTree>
       <p:nvGrpSpPr>
         <p:cNvPr id="1" name=""/>
@@ -8597,12 +16444,144 @@
           <a:chExt cx="0" cy="0"/>
         </a:xfrm>
       </p:grpSpPr>
+      <p:sp useBgFill="1">
+        <p:nvSpPr>
+          <p:cNvPr id="9" name="Rectangle 8">
+            <a:extLst>
+              <a:ext uri="{FF2B5EF4-FFF2-40B4-BE49-F238E27FC236}">
+                <a16:creationId xmlns:a16="http://schemas.microsoft.com/office/drawing/2014/main" id="{308119F7-B84E-4EBF-919F-A9B0F6D92473}"/>
+              </a:ext>
+              <a:ext uri="{C183D7F6-B498-43B3-948B-1728B52AA6E4}">
+                <adec:decorative xmlns:adec="http://schemas.microsoft.com/office/drawing/2017/decorative" val="1"/>
+              </a:ext>
+            </a:extLst>
+          </p:cNvPr>
+          <p:cNvSpPr>
+            <a:spLocks noGrp="1" noRot="1" noChangeAspect="1" noMove="1" noResize="1" noEditPoints="1" noAdjustHandles="1" noChangeArrowheads="1" noChangeShapeType="1" noTextEdit="1"/>
+          </p:cNvSpPr>
+          <p:nvPr>
+            <p:extLst>
+              <p:ext uri="{386F3935-93C4-4BCD-93E2-E3B085C9AB24}">
+                <p16:designElem xmlns:p16="http://schemas.microsoft.com/office/powerpoint/2015/main" val="1"/>
+              </p:ext>
+            </p:extLst>
+          </p:nvPr>
+        </p:nvSpPr>
+        <p:spPr>
+          <a:xfrm>
+            <a:off x="0" y="0"/>
+            <a:ext cx="12192000" cy="6858000"/>
+          </a:xfrm>
+          <a:prstGeom prst="rect">
+            <a:avLst/>
+          </a:prstGeom>
+          <a:ln w="12700" cap="flat" cmpd="sng" algn="ctr">
+            <a:noFill/>
+            <a:prstDash val="solid"/>
+            <a:miter lim="800000"/>
+          </a:ln>
+          <a:effectLst/>
+        </p:spPr>
+        <p:style>
+          <a:lnRef idx="2">
+            <a:schemeClr val="accent1">
+              <a:shade val="50000"/>
+            </a:schemeClr>
+          </a:lnRef>
+          <a:fillRef idx="1">
+            <a:schemeClr val="accent1"/>
+          </a:fillRef>
+          <a:effectRef idx="0">
+            <a:schemeClr val="accent1"/>
+          </a:effectRef>
+          <a:fontRef idx="minor">
+            <a:schemeClr val="lt1"/>
+          </a:fontRef>
+        </p:style>
+        <p:txBody>
+          <a:bodyPr rtlCol="0" anchor="ctr"/>
+          <a:lstStyle/>
+          <a:p>
+            <a:pPr algn="ctr"/>
+            <a:endParaRPr lang="en-US"/>
+          </a:p>
+        </p:txBody>
+      </p:sp>
+      <p:sp>
+        <p:nvSpPr>
+          <p:cNvPr id="11" name="Rectangle 10">
+            <a:extLst>
+              <a:ext uri="{FF2B5EF4-FFF2-40B4-BE49-F238E27FC236}">
+                <a16:creationId xmlns:a16="http://schemas.microsoft.com/office/drawing/2014/main" id="{DAA17479-17CB-402A-8689-750C6F38584C}"/>
+              </a:ext>
+              <a:ext uri="{C183D7F6-B498-43B3-948B-1728B52AA6E4}">
+                <adec:decorative xmlns:adec="http://schemas.microsoft.com/office/drawing/2017/decorative" val="1"/>
+              </a:ext>
+            </a:extLst>
+          </p:cNvPr>
+          <p:cNvSpPr>
+            <a:spLocks noGrp="1" noRot="1" noChangeAspect="1" noMove="1" noResize="1" noEditPoints="1" noAdjustHandles="1" noChangeArrowheads="1" noChangeShapeType="1" noTextEdit="1"/>
+          </p:cNvSpPr>
+          <p:nvPr>
+            <p:extLst>
+              <p:ext uri="{386F3935-93C4-4BCD-93E2-E3B085C9AB24}">
+                <p16:designElem xmlns:p16="http://schemas.microsoft.com/office/powerpoint/2015/main" val="1"/>
+              </p:ext>
+            </p:extLst>
+          </p:nvPr>
+        </p:nvSpPr>
+        <p:spPr>
+          <a:xfrm>
+            <a:off x="0" y="0"/>
+            <a:ext cx="12192000" cy="6858000"/>
+          </a:xfrm>
+          <a:prstGeom prst="rect">
+            <a:avLst/>
+          </a:prstGeom>
+          <a:solidFill>
+            <a:schemeClr val="bg2">
+              <a:lumMod val="90000"/>
+              <a:lumOff val="10000"/>
+            </a:schemeClr>
+          </a:solidFill>
+          <a:ln w="12700" cap="flat" cmpd="sng" algn="ctr">
+            <a:noFill/>
+            <a:prstDash val="solid"/>
+            <a:miter lim="800000"/>
+          </a:ln>
+          <a:effectLst/>
+        </p:spPr>
+        <p:style>
+          <a:lnRef idx="2">
+            <a:schemeClr val="accent1">
+              <a:shade val="50000"/>
+            </a:schemeClr>
+          </a:lnRef>
+          <a:fillRef idx="1">
+            <a:schemeClr val="accent1"/>
+          </a:fillRef>
+          <a:effectRef idx="0">
+            <a:schemeClr val="accent1"/>
+          </a:effectRef>
+          <a:fontRef idx="minor">
+            <a:schemeClr val="lt1"/>
+          </a:fontRef>
+        </p:style>
+        <p:txBody>
+          <a:bodyPr rtlCol="0" anchor="ctr"/>
+          <a:lstStyle/>
+          <a:p>
+            <a:pPr algn="ctr"/>
+            <a:endParaRPr lang="en-US"/>
+          </a:p>
+        </p:txBody>
+      </p:sp>
       <p:sp>
         <p:nvSpPr>
           <p:cNvPr id="2" name="Title 1">
             <a:extLst>
               <a:ext uri="{FF2B5EF4-FFF2-40B4-BE49-F238E27FC236}">
-                <a16:creationId xmlns:a16="http://schemas.microsoft.com/office/drawing/2014/main" id="{1FE52180-1438-50C3-8710-4B4BFD1273BD}"/>
+                <a16:creationId xmlns:a16="http://schemas.microsoft.com/office/drawing/2014/main" id="{1D5EC65C-FA88-5342-9FE3-E5911CC228B6}"/>
               </a:ext>
             </a:extLst>
           </p:cNvPr>
@@ -8613,107 +16592,250 @@
             <p:ph type="title"/>
           </p:nvPr>
         </p:nvSpPr>
-        <p:spPr/>
+        <p:spPr>
+          <a:xfrm>
+            <a:off x="720000" y="619200"/>
+            <a:ext cx="3107463" cy="5510138"/>
+          </a:xfrm>
+        </p:spPr>
         <p:txBody>
-          <a:bodyPr/>
+          <a:bodyPr>
+            <a:normAutofit/>
+          </a:bodyPr>
           <a:lstStyle/>
           <a:p>
             <a:r>
-              <a:rPr lang="en-GB" dirty="0"/>
-              <a:t>Lesson Objectives</a:t>
+              <a:rPr lang="en-GB"/>
+              <a:t>Why is Climate Change happening?</a:t>
             </a:r>
           </a:p>
         </p:txBody>
       </p:sp>
-      <p:sp>
+      <p:sp useBgFill="1">
         <p:nvSpPr>
-          <p:cNvPr id="3" name="Content Placeholder 2">
+          <p:cNvPr id="13" name="Freeform: Shape 12">
             <a:extLst>
               <a:ext uri="{FF2B5EF4-FFF2-40B4-BE49-F238E27FC236}">
-                <a16:creationId xmlns:a16="http://schemas.microsoft.com/office/drawing/2014/main" id="{BFE2E9A6-37EF-0978-18AE-2621D4A4C3DB}"/>
+                <a16:creationId xmlns:a16="http://schemas.microsoft.com/office/drawing/2014/main" id="{F534AA72-89BF-4BB0-B339-DEB9FC7F1BF2}"/>
+              </a:ext>
+              <a:ext uri="{C183D7F6-B498-43B3-948B-1728B52AA6E4}">
+                <adec:decorative xmlns:adec="http://schemas.microsoft.com/office/drawing/2017/decorative" val="1"/>
               </a:ext>
             </a:extLst>
           </p:cNvPr>
           <p:cNvSpPr>
-            <a:spLocks noGrp="1"/>
+            <a:spLocks noGrp="1" noRot="1" noChangeAspect="1" noMove="1" noResize="1" noEditPoints="1" noAdjustHandles="1" noChangeArrowheads="1" noChangeShapeType="1" noTextEdit="1"/>
           </p:cNvSpPr>
           <p:nvPr>
-            <p:ph idx="1"/>
+            <p:extLst>
+              <p:ext uri="{386F3935-93C4-4BCD-93E2-E3B085C9AB24}">
+                <p16:designElem xmlns:p16="http://schemas.microsoft.com/office/powerpoint/2015/main" val="1"/>
+              </p:ext>
+            </p:extLst>
           </p:nvPr>
         </p:nvSpPr>
-        <p:spPr/>
+        <p:spPr>
+          <a:xfrm>
+            <a:off x="4382978" y="0"/>
+            <a:ext cx="7809022" cy="6858000"/>
+          </a:xfrm>
+          <a:custGeom>
+            <a:avLst/>
+            <a:gdLst>
+              <a:gd name="connsiteX0" fmla="*/ 27229 w 7809022"/>
+              <a:gd name="connsiteY0" fmla="*/ 0 h 6858000"/>
+              <a:gd name="connsiteX1" fmla="*/ 7809022 w 7809022"/>
+              <a:gd name="connsiteY1" fmla="*/ 0 h 6858000"/>
+              <a:gd name="connsiteX2" fmla="*/ 7809022 w 7809022"/>
+              <a:gd name="connsiteY2" fmla="*/ 6858000 h 6858000"/>
+              <a:gd name="connsiteX3" fmla="*/ 41303 w 7809022"/>
+              <a:gd name="connsiteY3" fmla="*/ 6858000 h 6858000"/>
+              <a:gd name="connsiteX4" fmla="*/ 41303 w 7809022"/>
+              <a:gd name="connsiteY4" fmla="*/ 6822879 h 6858000"/>
+              <a:gd name="connsiteX5" fmla="*/ 41303 w 7809022"/>
+              <a:gd name="connsiteY5" fmla="*/ 6667752 h 6858000"/>
+              <a:gd name="connsiteX6" fmla="*/ 0 w 7809022"/>
+              <a:gd name="connsiteY6" fmla="*/ 3813425 h 6858000"/>
+              <a:gd name="connsiteX7" fmla="*/ 41303 w 7809022"/>
+              <a:gd name="connsiteY7" fmla="*/ 2572413 h 6858000"/>
+              <a:gd name="connsiteX8" fmla="*/ 41303 w 7809022"/>
+              <a:gd name="connsiteY8" fmla="*/ 1496869 h 6858000"/>
+              <a:gd name="connsiteX9" fmla="*/ 41303 w 7809022"/>
+              <a:gd name="connsiteY9" fmla="*/ 1083199 h 6858000"/>
+              <a:gd name="connsiteX10" fmla="*/ 0 w 7809022"/>
+              <a:gd name="connsiteY10" fmla="*/ 545427 h 6858000"/>
+              <a:gd name="connsiteX11" fmla="*/ 22153 w 7809022"/>
+              <a:gd name="connsiteY11" fmla="*/ 101661 h 6858000"/>
+            </a:gdLst>
+            <a:ahLst/>
+            <a:cxnLst>
+              <a:cxn ang="0">
+                <a:pos x="connsiteX0" y="connsiteY0"/>
+              </a:cxn>
+              <a:cxn ang="0">
+                <a:pos x="connsiteX1" y="connsiteY1"/>
+              </a:cxn>
+              <a:cxn ang="0">
+                <a:pos x="connsiteX2" y="connsiteY2"/>
+              </a:cxn>
+              <a:cxn ang="0">
+                <a:pos x="connsiteX3" y="connsiteY3"/>
+              </a:cxn>
+              <a:cxn ang="0">
+                <a:pos x="connsiteX4" y="connsiteY4"/>
+              </a:cxn>
+              <a:cxn ang="0">
+                <a:pos x="connsiteX5" y="connsiteY5"/>
+              </a:cxn>
+              <a:cxn ang="0">
+                <a:pos x="connsiteX6" y="connsiteY6"/>
+              </a:cxn>
+              <a:cxn ang="0">
+                <a:pos x="connsiteX7" y="connsiteY7"/>
+              </a:cxn>
+              <a:cxn ang="0">
+                <a:pos x="connsiteX8" y="connsiteY8"/>
+              </a:cxn>
+              <a:cxn ang="0">
+                <a:pos x="connsiteX9" y="connsiteY9"/>
+              </a:cxn>
+              <a:cxn ang="0">
+                <a:pos x="connsiteX10" y="connsiteY10"/>
+              </a:cxn>
+              <a:cxn ang="0">
+                <a:pos x="connsiteX11" y="connsiteY11"/>
+              </a:cxn>
+            </a:cxnLst>
+            <a:rect l="l" t="t" r="r" b="b"/>
+            <a:pathLst>
+              <a:path w="7809022" h="6858000">
+                <a:moveTo>
+                  <a:pt x="27229" y="0"/>
+                </a:moveTo>
+                <a:lnTo>
+                  <a:pt x="7809022" y="0"/>
+                </a:lnTo>
+                <a:lnTo>
+                  <a:pt x="7809022" y="6858000"/>
+                </a:lnTo>
+                <a:lnTo>
+                  <a:pt x="41303" y="6858000"/>
+                </a:lnTo>
+                <a:lnTo>
+                  <a:pt x="41303" y="6822879"/>
+                </a:lnTo>
+                <a:cubicBezTo>
+                  <a:pt x="41303" y="6760828"/>
+                  <a:pt x="41303" y="6709119"/>
+                  <a:pt x="41303" y="6667752"/>
+                </a:cubicBezTo>
+                <a:cubicBezTo>
+                  <a:pt x="41303" y="6667752"/>
+                  <a:pt x="41303" y="6667752"/>
+                  <a:pt x="0" y="3813425"/>
+                </a:cubicBezTo>
+                <a:cubicBezTo>
+                  <a:pt x="0" y="3813425"/>
+                  <a:pt x="0" y="3813425"/>
+                  <a:pt x="41303" y="2572413"/>
+                </a:cubicBezTo>
+                <a:cubicBezTo>
+                  <a:pt x="41303" y="2572413"/>
+                  <a:pt x="41303" y="2572413"/>
+                  <a:pt x="41303" y="1496869"/>
+                </a:cubicBezTo>
+                <a:cubicBezTo>
+                  <a:pt x="41303" y="1455502"/>
+                  <a:pt x="41303" y="1290034"/>
+                  <a:pt x="41303" y="1083199"/>
+                </a:cubicBezTo>
+                <a:cubicBezTo>
+                  <a:pt x="41303" y="876364"/>
+                  <a:pt x="0" y="710895"/>
+                  <a:pt x="0" y="545427"/>
+                </a:cubicBezTo>
+                <a:cubicBezTo>
+                  <a:pt x="0" y="545427"/>
+                  <a:pt x="0" y="545427"/>
+                  <a:pt x="22153" y="101661"/>
+                </a:cubicBezTo>
+                <a:close/>
+              </a:path>
+            </a:pathLst>
+          </a:custGeom>
+          <a:ln w="12700" cap="flat" cmpd="sng" algn="ctr">
+            <a:noFill/>
+            <a:prstDash val="solid"/>
+            <a:miter lim="800000"/>
+          </a:ln>
+          <a:effectLst/>
+        </p:spPr>
+        <p:style>
+          <a:lnRef idx="2">
+            <a:schemeClr val="accent1">
+              <a:shade val="50000"/>
+            </a:schemeClr>
+          </a:lnRef>
+          <a:fillRef idx="1">
+            <a:schemeClr val="accent1"/>
+          </a:fillRef>
+          <a:effectRef idx="0">
+            <a:schemeClr val="accent1"/>
+          </a:effectRef>
+          <a:fontRef idx="minor">
+            <a:schemeClr val="lt1"/>
+          </a:fontRef>
+        </p:style>
         <p:txBody>
-          <a:bodyPr/>
+          <a:bodyPr wrap="square" rtlCol="0" anchor="ctr">
+            <a:noAutofit/>
+          </a:bodyPr>
           <a:lstStyle/>
           <a:p>
-            <a:pPr marL="342900" lvl="0" indent="-342900">
-              <a:buSzPts val="1400"/>
-              <a:buFont typeface="Times New Roman" panose="02020603050405020304" pitchFamily="18" charset="0"/>
-              <a:buChar char="-"/>
-            </a:pPr>
-            <a:r>
-              <a:rPr lang="en-AU" sz="1800" dirty="0">
-                <a:effectLst/>
-                <a:latin typeface="Times New Roman" panose="02020603050405020304" pitchFamily="18" charset="0"/>
-                <a:ea typeface="Times New Roman" panose="02020603050405020304" pitchFamily="18" charset="0"/>
-              </a:rPr>
-              <a:t>Understand the causes and effects of climate change.</a:t>
-            </a:r>
-            <a:endParaRPr lang="en-GB" sz="1800" dirty="0">
-              <a:effectLst/>
-              <a:latin typeface="Times New Roman" panose="02020603050405020304" pitchFamily="18" charset="0"/>
-              <a:ea typeface="Times New Roman" panose="02020603050405020304" pitchFamily="18" charset="0"/>
+            <a:pPr algn="ctr"/>
+            <a:endParaRPr lang="en-US">
+              <a:solidFill>
+                <a:schemeClr val="bg2"/>
+              </a:solidFill>
             </a:endParaRPr>
-          </a:p>
-          <a:p>
-            <a:pPr marL="342900" lvl="0" indent="-342900">
-              <a:buSzPts val="1400"/>
-              <a:buFont typeface="Times New Roman" panose="02020603050405020304" pitchFamily="18" charset="0"/>
-              <a:buChar char="-"/>
-            </a:pPr>
-            <a:r>
-              <a:rPr lang="en-AU" sz="1800" dirty="0">
-                <a:effectLst/>
-                <a:latin typeface="Times New Roman" panose="02020603050405020304" pitchFamily="18" charset="0"/>
-                <a:ea typeface="Times New Roman" panose="02020603050405020304" pitchFamily="18" charset="0"/>
-              </a:rPr>
-              <a:t>Analyse data related to climate change, such as temperature, carbon dioxide levels, and sea levels.</a:t>
-            </a:r>
-            <a:endParaRPr lang="en-GB" sz="1800" dirty="0">
-              <a:effectLst/>
-              <a:latin typeface="Times New Roman" panose="02020603050405020304" pitchFamily="18" charset="0"/>
-              <a:ea typeface="Times New Roman" panose="02020603050405020304" pitchFamily="18" charset="0"/>
-            </a:endParaRPr>
-          </a:p>
-          <a:p>
-            <a:pPr marL="342900" lvl="0" indent="-342900">
-              <a:buSzPts val="1400"/>
-              <a:buFont typeface="Times New Roman" panose="02020603050405020304" pitchFamily="18" charset="0"/>
-              <a:buChar char="-"/>
-            </a:pPr>
-            <a:r>
-              <a:rPr lang="en-AU" sz="1800" dirty="0">
-                <a:effectLst/>
-                <a:latin typeface="Times New Roman" panose="02020603050405020304" pitchFamily="18" charset="0"/>
-                <a:ea typeface="Times New Roman" panose="02020603050405020304" pitchFamily="18" charset="0"/>
-              </a:rPr>
-              <a:t>Discuss personal and collective actions to reduce carbon footprints.</a:t>
-            </a:r>
-            <a:endParaRPr lang="en-GB" sz="1800" dirty="0">
-              <a:effectLst/>
-              <a:latin typeface="Times New Roman" panose="02020603050405020304" pitchFamily="18" charset="0"/>
-              <a:ea typeface="Times New Roman" panose="02020603050405020304" pitchFamily="18" charset="0"/>
-            </a:endParaRPr>
-          </a:p>
-          <a:p>
-            <a:endParaRPr lang="en-GB" dirty="0"/>
           </a:p>
         </p:txBody>
       </p:sp>
+      <p:graphicFrame>
+        <p:nvGraphicFramePr>
+          <p:cNvPr id="5" name="Content Placeholder 2">
+            <a:extLst>
+              <a:ext uri="{FF2B5EF4-FFF2-40B4-BE49-F238E27FC236}">
+                <a16:creationId xmlns:a16="http://schemas.microsoft.com/office/drawing/2014/main" id="{C6A259AD-86D8-DAA5-F29E-88CFC93E03A1}"/>
+              </a:ext>
+            </a:extLst>
+          </p:cNvPr>
+          <p:cNvGraphicFramePr>
+            <a:graphicFrameLocks noGrp="1"/>
+          </p:cNvGraphicFramePr>
+          <p:nvPr>
+            <p:ph idx="1"/>
+            <p:extLst>
+              <p:ext uri="{D42A27DB-BD31-4B8C-83A1-F6EECF244321}">
+                <p14:modId xmlns:p14="http://schemas.microsoft.com/office/powerpoint/2010/main" val="2409468332"/>
+              </p:ext>
+            </p:extLst>
+          </p:nvPr>
+        </p:nvGraphicFramePr>
+        <p:xfrm>
+          <a:off x="5260361" y="728664"/>
+          <a:ext cx="6188689" cy="5409336"/>
+        </p:xfrm>
+        <a:graphic>
+          <a:graphicData uri="http://schemas.openxmlformats.org/drawingml/2006/diagram">
+            <dgm:relIds xmlns:dgm="http://schemas.openxmlformats.org/drawingml/2006/diagram" xmlns:r="http://schemas.openxmlformats.org/officeDocument/2006/relationships" r:dm="rId3" r:lo="rId4" r:qs="rId5" r:cs="rId6"/>
+          </a:graphicData>
+        </a:graphic>
+      </p:graphicFrame>
     </p:spTree>
     <p:extLst>
       <p:ext uri="{BB962C8B-B14F-4D97-AF65-F5344CB8AC3E}">
-        <p14:creationId xmlns:p14="http://schemas.microsoft.com/office/powerpoint/2010/main" val="464748193"/>
+        <p14:creationId xmlns:p14="http://schemas.microsoft.com/office/powerpoint/2010/main" val="1534619042"/>
       </p:ext>
     </p:extLst>
   </p:cSld>
@@ -8758,12 +16880,14 @@
         </p:nvSpPr>
         <p:spPr/>
         <p:txBody>
-          <a:bodyPr/>
+          <a:bodyPr>
+            <a:normAutofit/>
+          </a:bodyPr>
           <a:lstStyle/>
           <a:p>
             <a:r>
-              <a:rPr lang="en-GB" dirty="0"/>
-              <a:t>Python Workbooks</a:t>
+              <a:rPr lang="en-GB" sz="4000" dirty="0"/>
+              <a:t>Lesson Objectives</a:t>
             </a:r>
           </a:p>
         </p:txBody>
@@ -8795,35 +16919,14 @@
               <a:buChar char="-"/>
             </a:pPr>
             <a:r>
-              <a:rPr lang="en-GB" dirty="0">
+              <a:rPr lang="en-AU" sz="3000" dirty="0">
                 <a:effectLst/>
                 <a:latin typeface="Times New Roman" panose="02020603050405020304" pitchFamily="18" charset="0"/>
                 <a:ea typeface="Times New Roman" panose="02020603050405020304" pitchFamily="18" charset="0"/>
               </a:rPr>
-              <a:t>Now open the python book and start with the temperature exercise.</a:t>
+              <a:t>Understand the causes and effects of climate change.</a:t>
             </a:r>
-          </a:p>
-          <a:p>
-            <a:pPr marL="342900" lvl="0" indent="-342900">
-              <a:buSzPts val="1400"/>
-              <a:buFont typeface="Times New Roman" panose="02020603050405020304" pitchFamily="18" charset="0"/>
-              <a:buChar char="-"/>
-            </a:pPr>
-            <a:r>
-              <a:rPr lang="en-GB" dirty="0">
-                <a:latin typeface="Times New Roman" panose="02020603050405020304" pitchFamily="18" charset="0"/>
-                <a:ea typeface="Times New Roman" panose="02020603050405020304" pitchFamily="18" charset="0"/>
-              </a:rPr>
-              <a:t>You don’t have to code from scratch only read through to understand what’s happening.</a:t>
-            </a:r>
-          </a:p>
-          <a:p>
-            <a:pPr marL="342900" lvl="0" indent="-342900">
-              <a:buSzPts val="1400"/>
-              <a:buFont typeface="Times New Roman" panose="02020603050405020304" pitchFamily="18" charset="0"/>
-              <a:buChar char="-"/>
-            </a:pPr>
-            <a:endParaRPr lang="en-GB" dirty="0">
+            <a:endParaRPr lang="en-GB" sz="3000" dirty="0">
               <a:effectLst/>
               <a:latin typeface="Times New Roman" panose="02020603050405020304" pitchFamily="18" charset="0"/>
               <a:ea typeface="Times New Roman" panose="02020603050405020304" pitchFamily="18" charset="0"/>
@@ -8836,21 +16939,34 @@
               <a:buChar char="-"/>
             </a:pPr>
             <a:r>
-              <a:rPr lang="en-GB" dirty="0">
+              <a:rPr lang="en-AU" sz="3000" dirty="0">
                 <a:effectLst/>
                 <a:latin typeface="Times New Roman" panose="02020603050405020304" pitchFamily="18" charset="0"/>
                 <a:ea typeface="Times New Roman" panose="02020603050405020304" pitchFamily="18" charset="0"/>
               </a:rPr>
-              <a:t>The first exercise will show you how </a:t>
+              <a:t>Analyse data related to climate change, such as temperature, carbon dioxide levels, and sea levels.</a:t>
             </a:r>
+            <a:endParaRPr lang="en-GB" sz="3000" dirty="0">
+              <a:effectLst/>
+              <a:latin typeface="Times New Roman" panose="02020603050405020304" pitchFamily="18" charset="0"/>
+              <a:ea typeface="Times New Roman" panose="02020603050405020304" pitchFamily="18" charset="0"/>
+            </a:endParaRPr>
+          </a:p>
+          <a:p>
+            <a:pPr marL="342900" lvl="0" indent="-342900">
+              <a:buSzPts val="1400"/>
+              <a:buFont typeface="Times New Roman" panose="02020603050405020304" pitchFamily="18" charset="0"/>
+              <a:buChar char="-"/>
+            </a:pPr>
             <a:r>
-              <a:rPr lang="en-GB" dirty="0">
+              <a:rPr lang="en-AU" sz="3000" dirty="0">
+                <a:effectLst/>
                 <a:latin typeface="Times New Roman" panose="02020603050405020304" pitchFamily="18" charset="0"/>
                 <a:ea typeface="Times New Roman" panose="02020603050405020304" pitchFamily="18" charset="0"/>
               </a:rPr>
-              <a:t>the global temperature has changed.</a:t>
+              <a:t>Discuss personal and collective actions to reduce carbon footprints.</a:t>
             </a:r>
-            <a:endParaRPr lang="en-GB" dirty="0">
+            <a:endParaRPr lang="en-GB" sz="3000" dirty="0">
               <a:effectLst/>
               <a:latin typeface="Times New Roman" panose="02020603050405020304" pitchFamily="18" charset="0"/>
               <a:ea typeface="Times New Roman" panose="02020603050405020304" pitchFamily="18" charset="0"/>
@@ -8864,6 +16980,450 @@
     </p:spTree>
     <p:extLst>
       <p:ext uri="{BB962C8B-B14F-4D97-AF65-F5344CB8AC3E}">
+        <p14:creationId xmlns:p14="http://schemas.microsoft.com/office/powerpoint/2010/main" val="464748193"/>
+      </p:ext>
+    </p:extLst>
+  </p:cSld>
+  <p:clrMapOvr>
+    <a:masterClrMapping/>
+  </p:clrMapOvr>
+</p:sld>
+</file>
+
+<file path=ppt/slides/slide6.xml><?xml version="1.0" encoding="utf-8"?>
+<p:sld xmlns:a="http://schemas.openxmlformats.org/drawingml/2006/main" xmlns:r="http://schemas.openxmlformats.org/officeDocument/2006/relationships" xmlns:p="http://schemas.openxmlformats.org/presentationml/2006/main">
+  <p:cSld>
+    <p:bg>
+      <p:bgPr>
+        <a:solidFill>
+          <a:schemeClr val="bg2"/>
+        </a:solidFill>
+        <a:effectLst/>
+      </p:bgPr>
+    </p:bg>
+    <p:spTree>
+      <p:nvGrpSpPr>
+        <p:cNvPr id="1" name=""/>
+        <p:cNvGrpSpPr/>
+        <p:nvPr/>
+      </p:nvGrpSpPr>
+      <p:grpSpPr>
+        <a:xfrm>
+          <a:off x="0" y="0"/>
+          <a:ext cx="0" cy="0"/>
+          <a:chOff x="0" y="0"/>
+          <a:chExt cx="0" cy="0"/>
+        </a:xfrm>
+      </p:grpSpPr>
+      <p:sp useBgFill="1">
+        <p:nvSpPr>
+          <p:cNvPr id="9" name="Rectangle 8">
+            <a:extLst>
+              <a:ext uri="{FF2B5EF4-FFF2-40B4-BE49-F238E27FC236}">
+                <a16:creationId xmlns:a16="http://schemas.microsoft.com/office/drawing/2014/main" id="{2BFB0E95-9CAE-4968-A118-2B9F7C8BBBEC}"/>
+              </a:ext>
+              <a:ext uri="{C183D7F6-B498-43B3-948B-1728B52AA6E4}">
+                <adec:decorative xmlns:adec="http://schemas.microsoft.com/office/drawing/2017/decorative" val="1"/>
+              </a:ext>
+            </a:extLst>
+          </p:cNvPr>
+          <p:cNvSpPr>
+            <a:spLocks noGrp="1" noRot="1" noChangeAspect="1" noMove="1" noResize="1" noEditPoints="1" noAdjustHandles="1" noChangeArrowheads="1" noChangeShapeType="1" noTextEdit="1"/>
+          </p:cNvSpPr>
+          <p:nvPr>
+            <p:extLst>
+              <p:ext uri="{386F3935-93C4-4BCD-93E2-E3B085C9AB24}">
+                <p16:designElem xmlns:p16="http://schemas.microsoft.com/office/powerpoint/2015/main" val="1"/>
+              </p:ext>
+            </p:extLst>
+          </p:nvPr>
+        </p:nvSpPr>
+        <p:spPr>
+          <a:xfrm>
+            <a:off x="0" y="0"/>
+            <a:ext cx="12192000" cy="6858000"/>
+          </a:xfrm>
+          <a:prstGeom prst="rect">
+            <a:avLst/>
+          </a:prstGeom>
+          <a:ln w="12700" cap="flat" cmpd="sng" algn="ctr">
+            <a:noFill/>
+            <a:prstDash val="solid"/>
+            <a:miter lim="800000"/>
+          </a:ln>
+          <a:effectLst/>
+        </p:spPr>
+        <p:style>
+          <a:lnRef idx="2">
+            <a:schemeClr val="accent1">
+              <a:shade val="50000"/>
+            </a:schemeClr>
+          </a:lnRef>
+          <a:fillRef idx="1">
+            <a:schemeClr val="accent1"/>
+          </a:fillRef>
+          <a:effectRef idx="0">
+            <a:schemeClr val="accent1"/>
+          </a:effectRef>
+          <a:fontRef idx="minor">
+            <a:schemeClr val="lt1"/>
+          </a:fontRef>
+        </p:style>
+        <p:txBody>
+          <a:bodyPr rtlCol="0" anchor="ctr"/>
+          <a:lstStyle/>
+          <a:p>
+            <a:pPr algn="ctr"/>
+            <a:endParaRPr lang="en-US"/>
+          </a:p>
+        </p:txBody>
+      </p:sp>
+      <p:sp>
+        <p:nvSpPr>
+          <p:cNvPr id="11" name="Rectangle 10">
+            <a:extLst>
+              <a:ext uri="{FF2B5EF4-FFF2-40B4-BE49-F238E27FC236}">
+                <a16:creationId xmlns:a16="http://schemas.microsoft.com/office/drawing/2014/main" id="{90BBC371-361C-45F7-9235-C3252E336B5B}"/>
+              </a:ext>
+              <a:ext uri="{C183D7F6-B498-43B3-948B-1728B52AA6E4}">
+                <adec:decorative xmlns:adec="http://schemas.microsoft.com/office/drawing/2017/decorative" val="1"/>
+              </a:ext>
+            </a:extLst>
+          </p:cNvPr>
+          <p:cNvSpPr>
+            <a:spLocks noGrp="1" noRot="1" noChangeAspect="1" noMove="1" noResize="1" noEditPoints="1" noAdjustHandles="1" noChangeArrowheads="1" noChangeShapeType="1" noTextEdit="1"/>
+          </p:cNvSpPr>
+          <p:nvPr>
+            <p:extLst>
+              <p:ext uri="{386F3935-93C4-4BCD-93E2-E3B085C9AB24}">
+                <p16:designElem xmlns:p16="http://schemas.microsoft.com/office/powerpoint/2015/main" val="1"/>
+              </p:ext>
+            </p:extLst>
+          </p:nvPr>
+        </p:nvSpPr>
+        <p:spPr>
+          <a:xfrm>
+            <a:off x="0" y="0"/>
+            <a:ext cx="12192000" cy="6858000"/>
+          </a:xfrm>
+          <a:prstGeom prst="rect">
+            <a:avLst/>
+          </a:prstGeom>
+          <a:solidFill>
+            <a:schemeClr val="bg2">
+              <a:lumMod val="90000"/>
+              <a:lumOff val="10000"/>
+            </a:schemeClr>
+          </a:solidFill>
+          <a:ln w="12700" cap="flat" cmpd="sng" algn="ctr">
+            <a:noFill/>
+            <a:prstDash val="solid"/>
+            <a:miter lim="800000"/>
+          </a:ln>
+          <a:effectLst/>
+        </p:spPr>
+        <p:style>
+          <a:lnRef idx="2">
+            <a:schemeClr val="accent1">
+              <a:shade val="50000"/>
+            </a:schemeClr>
+          </a:lnRef>
+          <a:fillRef idx="1">
+            <a:schemeClr val="accent1"/>
+          </a:fillRef>
+          <a:effectRef idx="0">
+            <a:schemeClr val="accent1"/>
+          </a:effectRef>
+          <a:fontRef idx="minor">
+            <a:schemeClr val="lt1"/>
+          </a:fontRef>
+        </p:style>
+        <p:txBody>
+          <a:bodyPr rtlCol="0" anchor="ctr"/>
+          <a:lstStyle/>
+          <a:p>
+            <a:pPr algn="ctr"/>
+            <a:endParaRPr lang="en-US"/>
+          </a:p>
+        </p:txBody>
+      </p:sp>
+      <p:sp>
+        <p:nvSpPr>
+          <p:cNvPr id="2" name="Title 1">
+            <a:extLst>
+              <a:ext uri="{FF2B5EF4-FFF2-40B4-BE49-F238E27FC236}">
+                <a16:creationId xmlns:a16="http://schemas.microsoft.com/office/drawing/2014/main" id="{1FE52180-1438-50C3-8710-4B4BFD1273BD}"/>
+              </a:ext>
+            </a:extLst>
+          </p:cNvPr>
+          <p:cNvSpPr>
+            <a:spLocks noGrp="1"/>
+          </p:cNvSpPr>
+          <p:nvPr>
+            <p:ph type="title"/>
+          </p:nvPr>
+        </p:nvSpPr>
+        <p:spPr>
+          <a:xfrm>
+            <a:off x="720000" y="619200"/>
+            <a:ext cx="10728322" cy="681586"/>
+          </a:xfrm>
+        </p:spPr>
+        <p:txBody>
+          <a:bodyPr wrap="square">
+            <a:normAutofit/>
+          </a:bodyPr>
+          <a:lstStyle/>
+          <a:p>
+            <a:r>
+              <a:rPr lang="en-GB"/>
+              <a:t>Python Workbooks</a:t>
+            </a:r>
+          </a:p>
+        </p:txBody>
+      </p:sp>
+      <p:sp useBgFill="1">
+        <p:nvSpPr>
+          <p:cNvPr id="13" name="Freeform: Shape 12">
+            <a:extLst>
+              <a:ext uri="{FF2B5EF4-FFF2-40B4-BE49-F238E27FC236}">
+                <a16:creationId xmlns:a16="http://schemas.microsoft.com/office/drawing/2014/main" id="{4172FA92-6FD3-495F-95A0-4FD85861D89C}"/>
+              </a:ext>
+              <a:ext uri="{C183D7F6-B498-43B3-948B-1728B52AA6E4}">
+                <adec:decorative xmlns:adec="http://schemas.microsoft.com/office/drawing/2017/decorative" val="1"/>
+              </a:ext>
+            </a:extLst>
+          </p:cNvPr>
+          <p:cNvSpPr>
+            <a:spLocks noGrp="1" noRot="1" noChangeAspect="1" noMove="1" noResize="1" noEditPoints="1" noAdjustHandles="1" noChangeArrowheads="1" noChangeShapeType="1" noTextEdit="1"/>
+          </p:cNvSpPr>
+          <p:nvPr>
+            <p:extLst>
+              <p:ext uri="{386F3935-93C4-4BCD-93E2-E3B085C9AB24}">
+                <p16:designElem xmlns:p16="http://schemas.microsoft.com/office/powerpoint/2015/main" val="1"/>
+              </p:ext>
+            </p:extLst>
+          </p:nvPr>
+        </p:nvSpPr>
+        <p:spPr>
+          <a:xfrm>
+            <a:off x="500" y="1734458"/>
+            <a:ext cx="12191501" cy="5123544"/>
+          </a:xfrm>
+          <a:custGeom>
+            <a:avLst/>
+            <a:gdLst>
+              <a:gd name="connsiteX0" fmla="*/ 9255953 w 12191501"/>
+              <a:gd name="connsiteY0" fmla="*/ 0 h 4430825"/>
+              <a:gd name="connsiteX1" fmla="*/ 10762189 w 12191501"/>
+              <a:gd name="connsiteY1" fmla="*/ 67992 h 4430825"/>
+              <a:gd name="connsiteX2" fmla="*/ 11364025 w 12191501"/>
+              <a:gd name="connsiteY2" fmla="*/ 57486 h 4430825"/>
+              <a:gd name="connsiteX3" fmla="*/ 12096632 w 12191501"/>
+              <a:gd name="connsiteY3" fmla="*/ 44699 h 4430825"/>
+              <a:gd name="connsiteX4" fmla="*/ 12191501 w 12191501"/>
+              <a:gd name="connsiteY4" fmla="*/ 43042 h 4430825"/>
+              <a:gd name="connsiteX5" fmla="*/ 12191501 w 12191501"/>
+              <a:gd name="connsiteY5" fmla="*/ 4430825 h 4430825"/>
+              <a:gd name="connsiteX6" fmla="*/ 0 w 12191501"/>
+              <a:gd name="connsiteY6" fmla="*/ 4430825 h 4430825"/>
+              <a:gd name="connsiteX7" fmla="*/ 10182 w 12191501"/>
+              <a:gd name="connsiteY7" fmla="*/ 95053 h 4430825"/>
+              <a:gd name="connsiteX8" fmla="*/ 70972 w 12191501"/>
+              <a:gd name="connsiteY8" fmla="*/ 97164 h 4430825"/>
+              <a:gd name="connsiteX9" fmla="*/ 1281624 w 12191501"/>
+              <a:gd name="connsiteY9" fmla="*/ 139193 h 4430825"/>
+              <a:gd name="connsiteX10" fmla="*/ 2485297 w 12191501"/>
+              <a:gd name="connsiteY10" fmla="*/ 118183 h 4430825"/>
+              <a:gd name="connsiteX11" fmla="*/ 3237591 w 12191501"/>
+              <a:gd name="connsiteY11" fmla="*/ 105051 h 4430825"/>
+              <a:gd name="connsiteX12" fmla="*/ 3989887 w 12191501"/>
+              <a:gd name="connsiteY12" fmla="*/ 91920 h 4430825"/>
+              <a:gd name="connsiteX13" fmla="*/ 9255953 w 12191501"/>
+              <a:gd name="connsiteY13" fmla="*/ 0 h 4430825"/>
+            </a:gdLst>
+            <a:ahLst/>
+            <a:cxnLst>
+              <a:cxn ang="0">
+                <a:pos x="connsiteX0" y="connsiteY0"/>
+              </a:cxn>
+              <a:cxn ang="0">
+                <a:pos x="connsiteX1" y="connsiteY1"/>
+              </a:cxn>
+              <a:cxn ang="0">
+                <a:pos x="connsiteX2" y="connsiteY2"/>
+              </a:cxn>
+              <a:cxn ang="0">
+                <a:pos x="connsiteX3" y="connsiteY3"/>
+              </a:cxn>
+              <a:cxn ang="0">
+                <a:pos x="connsiteX4" y="connsiteY4"/>
+              </a:cxn>
+              <a:cxn ang="0">
+                <a:pos x="connsiteX5" y="connsiteY5"/>
+              </a:cxn>
+              <a:cxn ang="0">
+                <a:pos x="connsiteX6" y="connsiteY6"/>
+              </a:cxn>
+              <a:cxn ang="0">
+                <a:pos x="connsiteX7" y="connsiteY7"/>
+              </a:cxn>
+              <a:cxn ang="0">
+                <a:pos x="connsiteX8" y="connsiteY8"/>
+              </a:cxn>
+              <a:cxn ang="0">
+                <a:pos x="connsiteX9" y="connsiteY9"/>
+              </a:cxn>
+              <a:cxn ang="0">
+                <a:pos x="connsiteX10" y="connsiteY10"/>
+              </a:cxn>
+              <a:cxn ang="0">
+                <a:pos x="connsiteX11" y="connsiteY11"/>
+              </a:cxn>
+              <a:cxn ang="0">
+                <a:pos x="connsiteX12" y="connsiteY12"/>
+              </a:cxn>
+              <a:cxn ang="0">
+                <a:pos x="connsiteX13" y="connsiteY13"/>
+              </a:cxn>
+            </a:cxnLst>
+            <a:rect l="l" t="t" r="r" b="b"/>
+            <a:pathLst>
+              <a:path w="12191501" h="4430825">
+                <a:moveTo>
+                  <a:pt x="9255953" y="0"/>
+                </a:moveTo>
+                <a:cubicBezTo>
+                  <a:pt x="10762189" y="67992"/>
+                  <a:pt x="10762189" y="67992"/>
+                  <a:pt x="10762189" y="67992"/>
+                </a:cubicBezTo>
+                <a:cubicBezTo>
+                  <a:pt x="11364025" y="57486"/>
+                  <a:pt x="11364025" y="57486"/>
+                  <a:pt x="11364025" y="57486"/>
+                </a:cubicBezTo>
+                <a:cubicBezTo>
+                  <a:pt x="11589714" y="53547"/>
+                  <a:pt x="11836561" y="49238"/>
+                  <a:pt x="12096632" y="44699"/>
+                </a:cubicBezTo>
+                <a:lnTo>
+                  <a:pt x="12191501" y="43042"/>
+                </a:lnTo>
+                <a:lnTo>
+                  <a:pt x="12191501" y="4430825"/>
+                </a:lnTo>
+                <a:lnTo>
+                  <a:pt x="0" y="4430825"/>
+                </a:lnTo>
+                <a:lnTo>
+                  <a:pt x="10182" y="95053"/>
+                </a:lnTo>
+                <a:lnTo>
+                  <a:pt x="70972" y="97164"/>
+                </a:lnTo>
+                <a:cubicBezTo>
+                  <a:pt x="1281624" y="139193"/>
+                  <a:pt x="1281624" y="139193"/>
+                  <a:pt x="1281624" y="139193"/>
+                </a:cubicBezTo>
+                <a:cubicBezTo>
+                  <a:pt x="2485297" y="118183"/>
+                  <a:pt x="2485297" y="118183"/>
+                  <a:pt x="2485297" y="118183"/>
+                </a:cubicBezTo>
+                <a:cubicBezTo>
+                  <a:pt x="2786215" y="112930"/>
+                  <a:pt x="2936672" y="110304"/>
+                  <a:pt x="3237591" y="105051"/>
+                </a:cubicBezTo>
+                <a:cubicBezTo>
+                  <a:pt x="3538508" y="99800"/>
+                  <a:pt x="3839426" y="94546"/>
+                  <a:pt x="3989887" y="91920"/>
+                </a:cubicBezTo>
+                <a:cubicBezTo>
+                  <a:pt x="9255953" y="0"/>
+                  <a:pt x="9255953" y="0"/>
+                  <a:pt x="9255953" y="0"/>
+                </a:cubicBezTo>
+                <a:close/>
+              </a:path>
+            </a:pathLst>
+          </a:custGeom>
+          <a:ln w="12700" cap="flat" cmpd="sng" algn="ctr">
+            <a:noFill/>
+            <a:prstDash val="solid"/>
+            <a:miter lim="800000"/>
+          </a:ln>
+          <a:effectLst/>
+        </p:spPr>
+        <p:style>
+          <a:lnRef idx="2">
+            <a:schemeClr val="accent1">
+              <a:shade val="50000"/>
+            </a:schemeClr>
+          </a:lnRef>
+          <a:fillRef idx="1">
+            <a:schemeClr val="accent1"/>
+          </a:fillRef>
+          <a:effectRef idx="0">
+            <a:schemeClr val="accent1"/>
+          </a:effectRef>
+          <a:fontRef idx="minor">
+            <a:schemeClr val="lt1"/>
+          </a:fontRef>
+        </p:style>
+        <p:txBody>
+          <a:bodyPr wrap="square" rtlCol="0" anchor="ctr">
+            <a:noAutofit/>
+          </a:bodyPr>
+          <a:lstStyle/>
+          <a:p>
+            <a:pPr algn="ctr"/>
+            <a:endParaRPr lang="en-US">
+              <a:solidFill>
+                <a:schemeClr val="bg2"/>
+              </a:solidFill>
+            </a:endParaRPr>
+          </a:p>
+        </p:txBody>
+      </p:sp>
+      <p:graphicFrame>
+        <p:nvGraphicFramePr>
+          <p:cNvPr id="5" name="Content Placeholder 2">
+            <a:extLst>
+              <a:ext uri="{FF2B5EF4-FFF2-40B4-BE49-F238E27FC236}">
+                <a16:creationId xmlns:a16="http://schemas.microsoft.com/office/drawing/2014/main" id="{4366F91F-2ADF-AC72-BBEF-B61EAFBD89C5}"/>
+              </a:ext>
+            </a:extLst>
+          </p:cNvPr>
+          <p:cNvGraphicFramePr>
+            <a:graphicFrameLocks noGrp="1"/>
+          </p:cNvGraphicFramePr>
+          <p:nvPr>
+            <p:ph idx="1"/>
+            <p:extLst>
+              <p:ext uri="{D42A27DB-BD31-4B8C-83A1-F6EECF244321}">
+                <p14:modId xmlns:p14="http://schemas.microsoft.com/office/powerpoint/2010/main" val="4733730"/>
+              </p:ext>
+            </p:extLst>
+          </p:nvPr>
+        </p:nvGraphicFramePr>
+        <p:xfrm>
+          <a:off x="720725" y="2541588"/>
+          <a:ext cx="10728325" cy="3587750"/>
+        </p:xfrm>
+        <a:graphic>
+          <a:graphicData uri="http://schemas.openxmlformats.org/drawingml/2006/diagram">
+            <dgm:relIds xmlns:dgm="http://schemas.openxmlformats.org/drawingml/2006/diagram" xmlns:r="http://schemas.openxmlformats.org/officeDocument/2006/relationships" r:dm="rId2" r:lo="rId3" r:qs="rId4" r:cs="rId5"/>
+          </a:graphicData>
+        </a:graphic>
+      </p:graphicFrame>
+    </p:spTree>
+    <p:extLst>
+      <p:ext uri="{BB962C8B-B14F-4D97-AF65-F5344CB8AC3E}">
         <p14:creationId xmlns:p14="http://schemas.microsoft.com/office/powerpoint/2010/main" val="1949835844"/>
       </p:ext>
     </p:extLst>
@@ -8874,7 +17434,7 @@
 </p:sld>
 </file>
 
-<file path=ppt/slides/slide6.xml><?xml version="1.0" encoding="utf-8"?>
+<file path=ppt/slides/slide7.xml><?xml version="1.0" encoding="utf-8"?>
 <p:sld xmlns:a="http://schemas.openxmlformats.org/drawingml/2006/main" xmlns:r="http://schemas.openxmlformats.org/officeDocument/2006/relationships" xmlns:p="http://schemas.openxmlformats.org/presentationml/2006/main">
   <p:cSld>
     <p:spTree>
@@ -8909,11 +17469,13 @@
         </p:nvSpPr>
         <p:spPr/>
         <p:txBody>
-          <a:bodyPr/>
+          <a:bodyPr>
+            <a:normAutofit/>
+          </a:bodyPr>
           <a:lstStyle/>
           <a:p>
             <a:r>
-              <a:rPr lang="en-GB" dirty="0"/>
+              <a:rPr lang="en-GB" sz="4000" dirty="0"/>
               <a:t>Temperature</a:t>
             </a:r>
           </a:p>
@@ -8942,23 +17504,25 @@
           </a:xfrm>
         </p:spPr>
         <p:txBody>
-          <a:bodyPr/>
+          <a:bodyPr>
+            <a:normAutofit/>
+          </a:bodyPr>
           <a:lstStyle/>
           <a:p>
             <a:r>
-              <a:rPr lang="en-GB" dirty="0"/>
-              <a:t>Data: From  Nasa</a:t>
+              <a:rPr lang="en-GB" sz="3000" dirty="0"/>
+              <a:t>Data: From Nasa</a:t>
             </a:r>
           </a:p>
           <a:p>
             <a:r>
-              <a:rPr lang="en-GB" dirty="0"/>
+              <a:rPr lang="en-GB" sz="3000" dirty="0"/>
               <a:t>Years: 1880 to current</a:t>
             </a:r>
           </a:p>
           <a:p>
             <a:r>
-              <a:rPr lang="en-GB" dirty="0"/>
+              <a:rPr lang="en-GB" sz="3000" dirty="0"/>
               <a:t>What is it showing?</a:t>
             </a:r>
           </a:p>
@@ -8977,7 +17541,7 @@
 </p:sld>
 </file>
 
-<file path=ppt/slides/slide7.xml><?xml version="1.0" encoding="utf-8"?>
+<file path=ppt/slides/slide8.xml><?xml version="1.0" encoding="utf-8"?>
 <p:sld xmlns:a="http://schemas.openxmlformats.org/drawingml/2006/main" xmlns:r="http://schemas.openxmlformats.org/officeDocument/2006/relationships" xmlns:p="http://schemas.openxmlformats.org/presentationml/2006/main">
   <p:cSld>
     <p:spTree>
@@ -9087,7 +17651,7 @@
 </p:sld>
 </file>
 
-<file path=ppt/slides/slide8.xml><?xml version="1.0" encoding="utf-8"?>
+<file path=ppt/slides/slide9.xml><?xml version="1.0" encoding="utf-8"?>
 <p:sld xmlns:a="http://schemas.openxmlformats.org/drawingml/2006/main" xmlns:r="http://schemas.openxmlformats.org/officeDocument/2006/relationships" xmlns:p="http://schemas.openxmlformats.org/presentationml/2006/main">
   <p:cSld>
     <p:spTree>
@@ -9122,12 +17686,14 @@
         </p:nvSpPr>
         <p:spPr/>
         <p:txBody>
-          <a:bodyPr/>
+          <a:bodyPr>
+            <a:normAutofit/>
+          </a:bodyPr>
           <a:lstStyle/>
           <a:p>
             <a:r>
-              <a:rPr lang="en-GB" dirty="0"/>
-              <a:t>Carbon</a:t>
+              <a:rPr lang="en-GB" sz="4000" dirty="0"/>
+              <a:t>Greenhouse gas release</a:t>
             </a:r>
           </a:p>
         </p:txBody>
@@ -9150,23 +17716,25 @@
         </p:nvSpPr>
         <p:spPr/>
         <p:txBody>
-          <a:bodyPr/>
+          <a:bodyPr>
+            <a:normAutofit/>
+          </a:bodyPr>
           <a:lstStyle/>
           <a:p>
             <a:r>
-              <a:rPr lang="en-GB" dirty="0"/>
+              <a:rPr lang="en-GB" sz="3000" dirty="0"/>
               <a:t>Data: From  Climate Watch</a:t>
             </a:r>
           </a:p>
           <a:p>
             <a:r>
-              <a:rPr lang="en-GB" dirty="0"/>
+              <a:rPr lang="en-GB" sz="3000" dirty="0"/>
               <a:t>Years: 1990 - Now</a:t>
             </a:r>
           </a:p>
           <a:p>
             <a:r>
-              <a:rPr lang="en-GB" dirty="0"/>
+              <a:rPr lang="en-GB" sz="3000" dirty="0"/>
               <a:t>What is it showing?</a:t>
             </a:r>
           </a:p>
@@ -9176,116 +17744,6 @@
     <p:extLst>
       <p:ext uri="{BB962C8B-B14F-4D97-AF65-F5344CB8AC3E}">
         <p14:creationId xmlns:p14="http://schemas.microsoft.com/office/powerpoint/2010/main" val="1420915296"/>
-      </p:ext>
-    </p:extLst>
-  </p:cSld>
-  <p:clrMapOvr>
-    <a:masterClrMapping/>
-  </p:clrMapOvr>
-</p:sld>
-</file>
-
-<file path=ppt/slides/slide9.xml><?xml version="1.0" encoding="utf-8"?>
-<p:sld xmlns:a="http://schemas.openxmlformats.org/drawingml/2006/main" xmlns:r="http://schemas.openxmlformats.org/officeDocument/2006/relationships" xmlns:p="http://schemas.openxmlformats.org/presentationml/2006/main">
-  <p:cSld>
-    <p:spTree>
-      <p:nvGrpSpPr>
-        <p:cNvPr id="1" name=""/>
-        <p:cNvGrpSpPr/>
-        <p:nvPr/>
-      </p:nvGrpSpPr>
-      <p:grpSpPr>
-        <a:xfrm>
-          <a:off x="0" y="0"/>
-          <a:ext cx="0" cy="0"/>
-          <a:chOff x="0" y="0"/>
-          <a:chExt cx="0" cy="0"/>
-        </a:xfrm>
-      </p:grpSpPr>
-      <p:sp>
-        <p:nvSpPr>
-          <p:cNvPr id="3" name="Content Placeholder 2">
-            <a:extLst>
-              <a:ext uri="{FF2B5EF4-FFF2-40B4-BE49-F238E27FC236}">
-                <a16:creationId xmlns:a16="http://schemas.microsoft.com/office/drawing/2014/main" id="{259AE22D-283B-C62A-8FB4-B125060B02B2}"/>
-              </a:ext>
-            </a:extLst>
-          </p:cNvPr>
-          <p:cNvSpPr>
-            <a:spLocks noGrp="1"/>
-          </p:cNvSpPr>
-          <p:nvPr>
-            <p:ph idx="1"/>
-          </p:nvPr>
-        </p:nvSpPr>
-        <p:spPr/>
-        <p:txBody>
-          <a:bodyPr/>
-          <a:lstStyle/>
-          <a:p>
-            <a:endParaRPr lang="en-GB"/>
-          </a:p>
-        </p:txBody>
-      </p:sp>
-      <p:sp>
-        <p:nvSpPr>
-          <p:cNvPr id="5" name="Title 4">
-            <a:extLst>
-              <a:ext uri="{FF2B5EF4-FFF2-40B4-BE49-F238E27FC236}">
-                <a16:creationId xmlns:a16="http://schemas.microsoft.com/office/drawing/2014/main" id="{879B8C07-056E-BC41-76A6-F4C1C54EFA30}"/>
-              </a:ext>
-            </a:extLst>
-          </p:cNvPr>
-          <p:cNvSpPr>
-            <a:spLocks noGrp="1"/>
-          </p:cNvSpPr>
-          <p:nvPr>
-            <p:ph type="title"/>
-          </p:nvPr>
-        </p:nvSpPr>
-        <p:spPr/>
-        <p:txBody>
-          <a:bodyPr/>
-          <a:lstStyle/>
-          <a:p>
-            <a:endParaRPr lang="en-GB"/>
-          </a:p>
-        </p:txBody>
-      </p:sp>
-      <p:pic>
-        <p:nvPicPr>
-          <p:cNvPr id="7" name="Picture 6">
-            <a:extLst>
-              <a:ext uri="{FF2B5EF4-FFF2-40B4-BE49-F238E27FC236}">
-                <a16:creationId xmlns:a16="http://schemas.microsoft.com/office/drawing/2014/main" id="{03DAE49C-AAA7-D6D6-795A-B99DB18A98B1}"/>
-              </a:ext>
-            </a:extLst>
-          </p:cNvPr>
-          <p:cNvPicPr>
-            <a:picLocks noChangeAspect="1"/>
-          </p:cNvPicPr>
-          <p:nvPr/>
-        </p:nvPicPr>
-        <p:blipFill>
-          <a:blip r:embed="rId3"/>
-          <a:stretch>
-            <a:fillRect/>
-          </a:stretch>
-        </p:blipFill>
-        <p:spPr>
-          <a:xfrm>
-            <a:off x="1385528" y="400750"/>
-            <a:ext cx="10806472" cy="5368226"/>
-          </a:xfrm>
-          <a:prstGeom prst="rect">
-            <a:avLst/>
-          </a:prstGeom>
-        </p:spPr>
-      </p:pic>
-    </p:spTree>
-    <p:extLst>
-      <p:ext uri="{BB962C8B-B14F-4D97-AF65-F5344CB8AC3E}">
-        <p14:creationId xmlns:p14="http://schemas.microsoft.com/office/powerpoint/2010/main" val="4217715410"/>
       </p:ext>
     </p:extLst>
   </p:cSld>

--- a/Engage_Lesson4/lesson4_climate_slides.pptx
+++ b/Engage_Lesson4/lesson4_climate_slides.pptx
@@ -5,7 +5,7 @@
     <p:sldMasterId id="2147483725" r:id="rId1"/>
   </p:sldMasterIdLst>
   <p:notesMasterIdLst>
-    <p:notesMasterId r:id="rId14"/>
+    <p:notesMasterId r:id="rId15"/>
   </p:notesMasterIdLst>
   <p:sldIdLst>
     <p:sldId id="256" r:id="rId2"/>
@@ -20,6 +20,7 @@
     <p:sldId id="263" r:id="rId11"/>
     <p:sldId id="264" r:id="rId12"/>
     <p:sldId id="265" r:id="rId13"/>
+    <p:sldId id="270" r:id="rId14"/>
   </p:sldIdLst>
   <p:sldSz cx="12192000" cy="6858000"/>
   <p:notesSz cx="6858000" cy="9144000"/>
@@ -9061,7 +9062,7 @@
           <a:p>
             <a:fld id="{7AA48AD6-4BE4-4D75-BF06-13B4385DC468}" type="datetimeFigureOut">
               <a:rPr lang="en-GB" smtClean="0"/>
-              <a:t>09/09/2024</a:t>
+              <a:t>16/09/2024</a:t>
             </a:fld>
             <a:endParaRPr lang="en-GB"/>
           </a:p>
@@ -9832,7 +9833,7 @@
           <a:p>
             <a:fld id="{2395C5C9-164C-46B3-A87E-7660D39D3106}" type="datetime2">
               <a:rPr lang="en-US" smtClean="0"/>
-              <a:t>Monday, September 9, 2024</a:t>
+              <a:t>Monday, September 16, 2024</a:t>
             </a:fld>
             <a:endParaRPr lang="en-US" dirty="0"/>
           </a:p>
@@ -10035,7 +10036,7 @@
           <a:p>
             <a:fld id="{5B75179A-1E2B-41AB-B400-4F1B4022FAEE}" type="datetime2">
               <a:rPr lang="en-US" smtClean="0"/>
-              <a:t>Monday, September 9, 2024</a:t>
+              <a:t>Monday, September 16, 2024</a:t>
             </a:fld>
             <a:endParaRPr lang="en-US"/>
           </a:p>
@@ -10248,7 +10249,7 @@
           <a:p>
             <a:fld id="{05681D0F-6595-4F14-8EF3-954CD87C797B}" type="datetime2">
               <a:rPr lang="en-US" smtClean="0"/>
-              <a:t>Monday, September 9, 2024</a:t>
+              <a:t>Monday, September 16, 2024</a:t>
             </a:fld>
             <a:endParaRPr lang="en-US"/>
           </a:p>
@@ -10450,7 +10451,7 @@
           <a:p>
             <a:fld id="{4DDCFF8A-AAF8-4A12-8A91-9CA0EAF6CBB9}" type="datetime2">
               <a:rPr lang="en-US" smtClean="0"/>
-              <a:t>Monday, September 9, 2024</a:t>
+              <a:t>Monday, September 16, 2024</a:t>
             </a:fld>
             <a:endParaRPr lang="en-US" dirty="0"/>
           </a:p>
@@ -10729,7 +10730,7 @@
           <a:p>
             <a:fld id="{ABCC25C3-021A-4B0B-8F70-0C181FE1CF45}" type="datetime2">
               <a:rPr lang="en-US" smtClean="0"/>
-              <a:t>Monday, September 9, 2024</a:t>
+              <a:t>Monday, September 16, 2024</a:t>
             </a:fld>
             <a:endParaRPr lang="en-US"/>
           </a:p>
@@ -10989,7 +10990,7 @@
           <a:p>
             <a:fld id="{0C23D88D-8CEC-4ED9-A53B-5596187D9A16}" type="datetime2">
               <a:rPr lang="en-US" smtClean="0"/>
-              <a:t>Monday, September 9, 2024</a:t>
+              <a:t>Monday, September 16, 2024</a:t>
             </a:fld>
             <a:endParaRPr lang="en-US"/>
           </a:p>
@@ -11405,7 +11406,7 @@
           <a:p>
             <a:fld id="{D2CCD382-DFDA-4722-A27A-59C21AD112F2}" type="datetime2">
               <a:rPr lang="en-US" smtClean="0"/>
-              <a:t>Monday, September 9, 2024</a:t>
+              <a:t>Monday, September 16, 2024</a:t>
             </a:fld>
             <a:endParaRPr lang="en-US"/>
           </a:p>
@@ -11550,7 +11551,7 @@
           <a:p>
             <a:fld id="{22F2A30D-1C09-413F-AAB1-38F366000715}" type="datetime2">
               <a:rPr lang="en-US" smtClean="0"/>
-              <a:t>Monday, September 9, 2024</a:t>
+              <a:t>Monday, September 16, 2024</a:t>
             </a:fld>
             <a:endParaRPr lang="en-US"/>
           </a:p>
@@ -11672,7 +11673,7 @@
           <a:p>
             <a:fld id="{6DB82B9C-D65E-4F64-95C3-B10F3B00F0D9}" type="datetime2">
               <a:rPr lang="en-US" smtClean="0"/>
-              <a:t>Monday, September 9, 2024</a:t>
+              <a:t>Monday, September 16, 2024</a:t>
             </a:fld>
             <a:endParaRPr lang="en-US"/>
           </a:p>
@@ -11995,7 +11996,7 @@
           <a:p>
             <a:fld id="{B7F5FDCC-6AAC-4A08-B9E0-3793AB5E64C3}" type="datetime2">
               <a:rPr lang="en-US" smtClean="0"/>
-              <a:t>Monday, September 9, 2024</a:t>
+              <a:t>Monday, September 16, 2024</a:t>
             </a:fld>
             <a:endParaRPr lang="en-US"/>
           </a:p>
@@ -12283,7 +12284,7 @@
           <a:p>
             <a:fld id="{349FE94D-439C-40F1-900E-BC07940E3988}" type="datetime2">
               <a:rPr lang="en-US" smtClean="0"/>
-              <a:t>Monday, September 9, 2024</a:t>
+              <a:t>Monday, September 16, 2024</a:t>
             </a:fld>
             <a:endParaRPr lang="en-US"/>
           </a:p>
@@ -12571,7 +12572,7 @@
           <a:p>
             <a:fld id="{8DEA2CF1-0EB2-4673-802D-3371233E4A77}" type="datetime2">
               <a:rPr lang="en-US" smtClean="0"/>
-              <a:t>Monday, September 9, 2024</a:t>
+              <a:t>Monday, September 16, 2024</a:t>
             </a:fld>
             <a:endParaRPr lang="en-US" dirty="0"/>
           </a:p>
@@ -14616,6 +14617,386 @@
     <p:extLst>
       <p:ext uri="{BB962C8B-B14F-4D97-AF65-F5344CB8AC3E}">
         <p14:creationId xmlns:p14="http://schemas.microsoft.com/office/powerpoint/2010/main" val="1104838641"/>
+      </p:ext>
+    </p:extLst>
+  </p:cSld>
+  <p:clrMapOvr>
+    <a:masterClrMapping/>
+  </p:clrMapOvr>
+</p:sld>
+</file>
+
+<file path=ppt/slides/slide13.xml><?xml version="1.0" encoding="utf-8"?>
+<p:sld xmlns:a="http://schemas.openxmlformats.org/drawingml/2006/main" xmlns:r="http://schemas.openxmlformats.org/officeDocument/2006/relationships" xmlns:p="http://schemas.openxmlformats.org/presentationml/2006/main">
+  <p:cSld>
+    <p:bg>
+      <p:bgPr>
+        <a:solidFill>
+          <a:schemeClr val="bg2"/>
+        </a:solidFill>
+        <a:effectLst/>
+      </p:bgPr>
+    </p:bg>
+    <p:spTree>
+      <p:nvGrpSpPr>
+        <p:cNvPr id="1" name=""/>
+        <p:cNvGrpSpPr/>
+        <p:nvPr/>
+      </p:nvGrpSpPr>
+      <p:grpSpPr>
+        <a:xfrm>
+          <a:off x="0" y="0"/>
+          <a:ext cx="0" cy="0"/>
+          <a:chOff x="0" y="0"/>
+          <a:chExt cx="0" cy="0"/>
+        </a:xfrm>
+      </p:grpSpPr>
+      <p:sp useBgFill="1">
+        <p:nvSpPr>
+          <p:cNvPr id="1031" name="Rectangle 1030">
+            <a:extLst>
+              <a:ext uri="{FF2B5EF4-FFF2-40B4-BE49-F238E27FC236}">
+                <a16:creationId xmlns:a16="http://schemas.microsoft.com/office/drawing/2014/main" id="{5ED9E2D9-EE69-4775-8CE5-9EAC35AD2F2E}"/>
+              </a:ext>
+              <a:ext uri="{C183D7F6-B498-43B3-948B-1728B52AA6E4}">
+                <adec:decorative xmlns:adec="http://schemas.microsoft.com/office/drawing/2017/decorative" val="1"/>
+              </a:ext>
+            </a:extLst>
+          </p:cNvPr>
+          <p:cNvSpPr>
+            <a:spLocks noGrp="1" noRot="1" noChangeAspect="1" noMove="1" noResize="1" noEditPoints="1" noAdjustHandles="1" noChangeArrowheads="1" noChangeShapeType="1" noTextEdit="1"/>
+          </p:cNvSpPr>
+          <p:nvPr>
+            <p:extLst>
+              <p:ext uri="{386F3935-93C4-4BCD-93E2-E3B085C9AB24}">
+                <p16:designElem xmlns:p16="http://schemas.microsoft.com/office/powerpoint/2015/main" val="1"/>
+              </p:ext>
+            </p:extLst>
+          </p:nvPr>
+        </p:nvSpPr>
+        <p:spPr>
+          <a:xfrm>
+            <a:off x="0" y="0"/>
+            <a:ext cx="12192000" cy="6858000"/>
+          </a:xfrm>
+          <a:prstGeom prst="rect">
+            <a:avLst/>
+          </a:prstGeom>
+          <a:ln w="12700" cap="flat" cmpd="sng" algn="ctr">
+            <a:noFill/>
+            <a:prstDash val="solid"/>
+            <a:miter lim="800000"/>
+          </a:ln>
+          <a:effectLst/>
+        </p:spPr>
+        <p:style>
+          <a:lnRef idx="2">
+            <a:schemeClr val="accent1">
+              <a:shade val="50000"/>
+            </a:schemeClr>
+          </a:lnRef>
+          <a:fillRef idx="1">
+            <a:schemeClr val="accent1"/>
+          </a:fillRef>
+          <a:effectRef idx="0">
+            <a:schemeClr val="accent1"/>
+          </a:effectRef>
+          <a:fontRef idx="minor">
+            <a:schemeClr val="lt1"/>
+          </a:fontRef>
+        </p:style>
+        <p:txBody>
+          <a:bodyPr rtlCol="0" anchor="ctr"/>
+          <a:lstStyle/>
+          <a:p>
+            <a:pPr algn="ctr"/>
+            <a:endParaRPr lang="en-US"/>
+          </a:p>
+        </p:txBody>
+      </p:sp>
+      <p:sp>
+        <p:nvSpPr>
+          <p:cNvPr id="1033" name="Rectangle 1032">
+            <a:extLst>
+              <a:ext uri="{FF2B5EF4-FFF2-40B4-BE49-F238E27FC236}">
+                <a16:creationId xmlns:a16="http://schemas.microsoft.com/office/drawing/2014/main" id="{3D75B673-1FA7-415E-8B2E-7A0550C8BDDF}"/>
+              </a:ext>
+              <a:ext uri="{C183D7F6-B498-43B3-948B-1728B52AA6E4}">
+                <adec:decorative xmlns:adec="http://schemas.microsoft.com/office/drawing/2017/decorative" val="1"/>
+              </a:ext>
+            </a:extLst>
+          </p:cNvPr>
+          <p:cNvSpPr>
+            <a:spLocks noGrp="1" noRot="1" noChangeAspect="1" noMove="1" noResize="1" noEditPoints="1" noAdjustHandles="1" noChangeArrowheads="1" noChangeShapeType="1" noTextEdit="1"/>
+          </p:cNvSpPr>
+          <p:nvPr>
+            <p:extLst>
+              <p:ext uri="{386F3935-93C4-4BCD-93E2-E3B085C9AB24}">
+                <p16:designElem xmlns:p16="http://schemas.microsoft.com/office/powerpoint/2015/main" val="1"/>
+              </p:ext>
+            </p:extLst>
+          </p:nvPr>
+        </p:nvSpPr>
+        <p:spPr>
+          <a:xfrm>
+            <a:off x="0" y="0"/>
+            <a:ext cx="12192000" cy="6858000"/>
+          </a:xfrm>
+          <a:prstGeom prst="rect">
+            <a:avLst/>
+          </a:prstGeom>
+          <a:solidFill>
+            <a:schemeClr val="bg2">
+              <a:lumMod val="90000"/>
+              <a:lumOff val="10000"/>
+            </a:schemeClr>
+          </a:solidFill>
+          <a:ln w="12700" cap="flat" cmpd="sng" algn="ctr">
+            <a:noFill/>
+            <a:prstDash val="solid"/>
+            <a:miter lim="800000"/>
+          </a:ln>
+          <a:effectLst/>
+        </p:spPr>
+        <p:style>
+          <a:lnRef idx="2">
+            <a:schemeClr val="accent1">
+              <a:shade val="50000"/>
+            </a:schemeClr>
+          </a:lnRef>
+          <a:fillRef idx="1">
+            <a:schemeClr val="accent1"/>
+          </a:fillRef>
+          <a:effectRef idx="0">
+            <a:schemeClr val="accent1"/>
+          </a:effectRef>
+          <a:fontRef idx="minor">
+            <a:schemeClr val="lt1"/>
+          </a:fontRef>
+        </p:style>
+        <p:txBody>
+          <a:bodyPr rtlCol="0" anchor="ctr"/>
+          <a:lstStyle/>
+          <a:p>
+            <a:pPr algn="ctr"/>
+            <a:endParaRPr lang="en-US"/>
+          </a:p>
+        </p:txBody>
+      </p:sp>
+      <p:sp>
+        <p:nvSpPr>
+          <p:cNvPr id="2" name="Title 1">
+            <a:extLst>
+              <a:ext uri="{FF2B5EF4-FFF2-40B4-BE49-F238E27FC236}">
+                <a16:creationId xmlns:a16="http://schemas.microsoft.com/office/drawing/2014/main" id="{E78E1153-8A2F-16C7-E64B-46843B9B4AA7}"/>
+              </a:ext>
+            </a:extLst>
+          </p:cNvPr>
+          <p:cNvSpPr>
+            <a:spLocks noGrp="1"/>
+          </p:cNvSpPr>
+          <p:nvPr>
+            <p:ph type="title"/>
+          </p:nvPr>
+        </p:nvSpPr>
+        <p:spPr>
+          <a:xfrm>
+            <a:off x="6480000" y="619200"/>
+            <a:ext cx="4991961" cy="1477328"/>
+          </a:xfrm>
+        </p:spPr>
+        <p:txBody>
+          <a:bodyPr wrap="square" anchor="ctr">
+            <a:normAutofit/>
+          </a:bodyPr>
+          <a:lstStyle/>
+          <a:p>
+            <a:r>
+              <a:rPr lang="en-GB" b="1" dirty="0"/>
+              <a:t>Christiana Figueres</a:t>
+            </a:r>
+            <a:r>
+              <a:rPr lang="en-GB" dirty="0"/>
+              <a:t> </a:t>
+            </a:r>
+          </a:p>
+        </p:txBody>
+      </p:sp>
+      <p:pic>
+        <p:nvPicPr>
+          <p:cNvPr id="1026" name="Picture 2" descr="Christiana Figueres | Yale 2020">
+            <a:extLst>
+              <a:ext uri="{FF2B5EF4-FFF2-40B4-BE49-F238E27FC236}">
+                <a16:creationId xmlns:a16="http://schemas.microsoft.com/office/drawing/2014/main" id="{D54E0EFE-C8B7-45A2-784B-B36CBA97E89B}"/>
+              </a:ext>
+            </a:extLst>
+          </p:cNvPr>
+          <p:cNvPicPr>
+            <a:picLocks noChangeAspect="1" noChangeArrowheads="1"/>
+          </p:cNvPicPr>
+          <p:nvPr/>
+        </p:nvPicPr>
+        <p:blipFill>
+          <a:blip r:embed="rId2">
+            <a:extLst>
+              <a:ext uri="{28A0092B-C50C-407E-A947-70E740481C1C}">
+                <a14:useLocalDpi xmlns:a14="http://schemas.microsoft.com/office/drawing/2010/main" val="0"/>
+              </a:ext>
+            </a:extLst>
+          </a:blip>
+          <a:srcRect r="-3" b="6485"/>
+          <a:stretch/>
+        </p:blipFill>
+        <p:spPr bwMode="auto">
+          <a:xfrm>
+            <a:off x="20" y="10"/>
+            <a:ext cx="5903704" cy="6857990"/>
+          </a:xfrm>
+          <a:custGeom>
+            <a:avLst/>
+            <a:gdLst/>
+            <a:ahLst/>
+            <a:cxnLst/>
+            <a:rect l="l" t="t" r="r" b="b"/>
+            <a:pathLst>
+              <a:path w="5903724" h="6858000">
+                <a:moveTo>
+                  <a:pt x="0" y="0"/>
+                </a:moveTo>
+                <a:lnTo>
+                  <a:pt x="5886178" y="0"/>
+                </a:lnTo>
+                <a:lnTo>
+                  <a:pt x="5890522" y="42009"/>
+                </a:lnTo>
+                <a:cubicBezTo>
+                  <a:pt x="5948302" y="788432"/>
+                  <a:pt x="5795211" y="5194623"/>
+                  <a:pt x="5836720" y="6279216"/>
+                </a:cubicBezTo>
+                <a:cubicBezTo>
+                  <a:pt x="5842686" y="6384211"/>
+                  <a:pt x="5845802" y="6526851"/>
+                  <a:pt x="5846540" y="6699667"/>
+                </a:cubicBezTo>
+                <a:lnTo>
+                  <a:pt x="5846508" y="6858000"/>
+                </a:lnTo>
+                <a:lnTo>
+                  <a:pt x="0" y="6858000"/>
+                </a:lnTo>
+                <a:close/>
+              </a:path>
+            </a:pathLst>
+          </a:custGeom>
+          <a:noFill/>
+          <a:extLst>
+            <a:ext uri="{909E8E84-426E-40DD-AFC4-6F175D3DCCD1}">
+              <a14:hiddenFill xmlns:a14="http://schemas.microsoft.com/office/drawing/2010/main">
+                <a:solidFill>
+                  <a:srgbClr val="FFFFFF"/>
+                </a:solidFill>
+              </a14:hiddenFill>
+            </a:ext>
+          </a:extLst>
+        </p:spPr>
+      </p:pic>
+      <p:sp>
+        <p:nvSpPr>
+          <p:cNvPr id="3" name="Content Placeholder 2">
+            <a:extLst>
+              <a:ext uri="{FF2B5EF4-FFF2-40B4-BE49-F238E27FC236}">
+                <a16:creationId xmlns:a16="http://schemas.microsoft.com/office/drawing/2014/main" id="{346E97CB-AFA0-6CB9-A95E-77AA4C59E8B4}"/>
+              </a:ext>
+            </a:extLst>
+          </p:cNvPr>
+          <p:cNvSpPr>
+            <a:spLocks noGrp="1"/>
+          </p:cNvSpPr>
+          <p:nvPr>
+            <p:ph idx="1"/>
+          </p:nvPr>
+        </p:nvSpPr>
+        <p:spPr>
+          <a:xfrm>
+            <a:off x="6204155" y="1671484"/>
+            <a:ext cx="5267807" cy="4925961"/>
+          </a:xfrm>
+        </p:spPr>
+        <p:txBody>
+          <a:bodyPr>
+            <a:normAutofit fontScale="92500" lnSpcReduction="10000"/>
+          </a:bodyPr>
+          <a:lstStyle/>
+          <a:p>
+            <a:pPr>
+              <a:lnSpc>
+                <a:spcPct val="110000"/>
+              </a:lnSpc>
+            </a:pPr>
+            <a:endParaRPr lang="en-GB" sz="1300" dirty="0"/>
+          </a:p>
+          <a:p>
+            <a:pPr>
+              <a:lnSpc>
+                <a:spcPct val="110000"/>
+              </a:lnSpc>
+            </a:pPr>
+            <a:r>
+              <a:rPr lang="en-GB" sz="1900" b="1" dirty="0"/>
+              <a:t>Christiana Figueres</a:t>
+            </a:r>
+            <a:r>
+              <a:rPr lang="en-GB" sz="1900" dirty="0"/>
+              <a:t> is a prominent climate leader and former Executive Secretary of the </a:t>
+            </a:r>
+            <a:r>
+              <a:rPr lang="en-GB" sz="1900" b="1" dirty="0"/>
+              <a:t>UNFCCC</a:t>
+            </a:r>
+            <a:r>
+              <a:rPr lang="en-GB" sz="1900" dirty="0"/>
+              <a:t>, where she played a key role in achieving the landmark </a:t>
+            </a:r>
+            <a:r>
+              <a:rPr lang="en-GB" sz="1900" b="1" dirty="0"/>
+              <a:t>Paris Agreement</a:t>
+            </a:r>
+            <a:r>
+              <a:rPr lang="en-GB" sz="1900" dirty="0"/>
+              <a:t> in 2015. She co-founded </a:t>
+            </a:r>
+            <a:r>
+              <a:rPr lang="en-GB" sz="1900" b="1" dirty="0"/>
+              <a:t>Global Optimism</a:t>
+            </a:r>
+            <a:r>
+              <a:rPr lang="en-GB" sz="1900" dirty="0"/>
+              <a:t>, a platform promoting climate action through innovation and technology. Figueres is a strong advocate for using </a:t>
+            </a:r>
+            <a:r>
+              <a:rPr lang="en-GB" sz="1900" b="1" dirty="0"/>
+              <a:t>clean technologies</a:t>
+            </a:r>
+            <a:r>
+              <a:rPr lang="en-GB" sz="1900" dirty="0"/>
+              <a:t>, such as renewable energy, AI for climate modeling, and sustainable practices, to tackle climate change. Her leadership inspires collaboration between governments, businesses, and tech innovators to create solutions for a sustainable future. Figueres exemplifies how diplomacy and technology can drive impactful climate action.</a:t>
+            </a:r>
+          </a:p>
+          <a:p>
+            <a:pPr>
+              <a:lnSpc>
+                <a:spcPct val="110000"/>
+              </a:lnSpc>
+            </a:pPr>
+            <a:endParaRPr lang="en-GB" sz="1300" dirty="0"/>
+          </a:p>
+        </p:txBody>
+      </p:sp>
+    </p:spTree>
+    <p:extLst>
+      <p:ext uri="{BB962C8B-B14F-4D97-AF65-F5344CB8AC3E}">
+        <p14:creationId xmlns:p14="http://schemas.microsoft.com/office/powerpoint/2010/main" val="920691269"/>
       </p:ext>
     </p:extLst>
   </p:cSld>
